--- a/Slides/Backend vs Frontend.pptx
+++ b/Slides/Backend vs Frontend.pptx
@@ -9459,125 +9459,13 @@
           <a:p>
             <a:r>
               <a:rPr lang="ru-RU" dirty="0" smtClean="0"/>
-              <a:t>Какая была модель</a:t>
+              <a:t>Как </a:t>
+            </a:r>
+            <a:r>
+              <a:rPr lang="ru-RU" dirty="0" smtClean="0"/>
+              <a:t>было</a:t>
             </a:r>
             <a:endParaRPr lang="ru-RU" dirty="0"/>
-          </a:p>
-        </p:txBody>
-      </p:sp>
-      <p:pic>
-        <p:nvPicPr>
-          <p:cNvPr id="5" name="Рисунок 4"/>
-          <p:cNvPicPr>
-            <a:picLocks noChangeAspect="1"/>
-          </p:cNvPicPr>
-          <p:nvPr/>
-        </p:nvPicPr>
-        <p:blipFill>
-          <a:blip r:embed="rId2">
-            <a:extLst>
-              <a:ext uri="{28A0092B-C50C-407E-A947-70E740481C1C}">
-                <a14:useLocalDpi xmlns:a14="http://schemas.microsoft.com/office/drawing/2010/main" val="0"/>
-              </a:ext>
-            </a:extLst>
-          </a:blip>
-          <a:stretch>
-            <a:fillRect/>
-          </a:stretch>
-        </p:blipFill>
-        <p:spPr>
-          <a:xfrm>
-            <a:off x="2549448" y="3105150"/>
-            <a:ext cx="666750" cy="666750"/>
-          </a:xfrm>
-          <a:prstGeom prst="rect">
-            <a:avLst/>
-          </a:prstGeom>
-        </p:spPr>
-      </p:pic>
-      <p:pic>
-        <p:nvPicPr>
-          <p:cNvPr id="6" name="Рисунок 5"/>
-          <p:cNvPicPr>
-            <a:picLocks noChangeAspect="1"/>
-          </p:cNvPicPr>
-          <p:nvPr/>
-        </p:nvPicPr>
-        <p:blipFill>
-          <a:blip r:embed="rId3">
-            <a:extLst>
-              <a:ext uri="{28A0092B-C50C-407E-A947-70E740481C1C}">
-                <a14:useLocalDpi xmlns:a14="http://schemas.microsoft.com/office/drawing/2010/main" val="0"/>
-              </a:ext>
-            </a:extLst>
-          </a:blip>
-          <a:stretch>
-            <a:fillRect/>
-          </a:stretch>
-        </p:blipFill>
-        <p:spPr>
-          <a:xfrm>
-            <a:off x="774394" y="3282950"/>
-            <a:ext cx="904876" cy="904876"/>
-          </a:xfrm>
-          <a:prstGeom prst="rect">
-            <a:avLst/>
-          </a:prstGeom>
-        </p:spPr>
-      </p:pic>
-      <p:sp>
-        <p:nvSpPr>
-          <p:cNvPr id="7" name="TextBox 6"/>
-          <p:cNvSpPr txBox="1"/>
-          <p:nvPr/>
-        </p:nvSpPr>
-        <p:spPr>
-          <a:xfrm>
-            <a:off x="2425623" y="3314700"/>
-            <a:ext cx="914400" cy="914400"/>
-          </a:xfrm>
-          <a:prstGeom prst="rect">
-            <a:avLst/>
-          </a:prstGeom>
-        </p:spPr>
-        <p:txBody>
-          <a:bodyPr wrap="none" lIns="0" rtlCol="0" anchor="b">
-            <a:normAutofit/>
-          </a:bodyPr>
-          <a:lstStyle/>
-          <a:p>
-            <a:r>
-              <a:rPr lang="en-US" dirty="0" smtClean="0"/>
-              <a:t>Controller</a:t>
-            </a:r>
-          </a:p>
-        </p:txBody>
-      </p:sp>
-      <p:sp>
-        <p:nvSpPr>
-          <p:cNvPr id="8" name="TextBox 7"/>
-          <p:cNvSpPr txBox="1"/>
-          <p:nvPr/>
-        </p:nvSpPr>
-        <p:spPr>
-          <a:xfrm>
-            <a:off x="4070960" y="3771900"/>
-            <a:ext cx="754380" cy="457200"/>
-          </a:xfrm>
-          <a:prstGeom prst="rect">
-            <a:avLst/>
-          </a:prstGeom>
-        </p:spPr>
-        <p:txBody>
-          <a:bodyPr wrap="none" lIns="0" rtlCol="0" anchor="b">
-            <a:normAutofit/>
-          </a:bodyPr>
-          <a:lstStyle/>
-          <a:p>
-            <a:r>
-              <a:rPr lang="en-US" dirty="0" smtClean="0"/>
-              <a:t>HTML</a:t>
-            </a:r>
           </a:p>
         </p:txBody>
       </p:sp>
@@ -9589,7 +9477,7 @@
         </p:nvCxnSpPr>
         <p:spPr>
           <a:xfrm>
-            <a:off x="4949166" y="2118360"/>
+            <a:off x="4768191" y="2103439"/>
             <a:ext cx="0" cy="3832860"/>
           </a:xfrm>
           <a:prstGeom prst="line">
@@ -9620,7 +9508,7 @@
           <p:nvPr/>
         </p:nvPicPr>
         <p:blipFill>
-          <a:blip r:embed="rId4">
+          <a:blip r:embed="rId2">
             <a:extLst>
               <a:ext uri="{28A0092B-C50C-407E-A947-70E740481C1C}">
                 <a14:useLocalDpi xmlns:a14="http://schemas.microsoft.com/office/drawing/2010/main" val="0"/>
@@ -9650,7 +9538,7 @@
           <p:nvPr/>
         </p:nvPicPr>
         <p:blipFill>
-          <a:blip r:embed="rId5">
+          <a:blip r:embed="rId3">
             <a:extLst>
               <a:ext uri="{28A0092B-C50C-407E-A947-70E740481C1C}">
                 <a14:useLocalDpi xmlns:a14="http://schemas.microsoft.com/office/drawing/2010/main" val="0"/>
@@ -9727,20 +9615,404 @@
           </a:p>
         </p:txBody>
       </p:sp>
+      <p:pic>
+        <p:nvPicPr>
+          <p:cNvPr id="17" name="Picture 53"/>
+          <p:cNvPicPr>
+            <a:picLocks noChangeAspect="1"/>
+          </p:cNvPicPr>
+          <p:nvPr/>
+        </p:nvPicPr>
+        <p:blipFill>
+          <a:blip r:embed="rId4" cstate="print">
+            <a:grayscl/>
+            <a:extLst>
+              <a:ext uri="{28A0092B-C50C-407E-A947-70E740481C1C}">
+                <a14:useLocalDpi xmlns:a14="http://schemas.microsoft.com/office/drawing/2010/main" val="0"/>
+              </a:ext>
+            </a:extLst>
+          </a:blip>
+          <a:stretch>
+            <a:fillRect/>
+          </a:stretch>
+        </p:blipFill>
+        <p:spPr>
+          <a:xfrm>
+            <a:off x="682514" y="4168036"/>
+            <a:ext cx="1194091" cy="1194091"/>
+          </a:xfrm>
+          <a:prstGeom prst="rect">
+            <a:avLst/>
+          </a:prstGeom>
+          <a:ln>
+            <a:noFill/>
+          </a:ln>
+        </p:spPr>
+      </p:pic>
+      <p:grpSp>
+        <p:nvGrpSpPr>
+          <p:cNvPr id="25" name="Группа 24"/>
+          <p:cNvGrpSpPr/>
+          <p:nvPr/>
+        </p:nvGrpSpPr>
+        <p:grpSpPr>
+          <a:xfrm>
+            <a:off x="2756234" y="2602199"/>
+            <a:ext cx="1218535" cy="1766030"/>
+            <a:chOff x="2619412" y="4111516"/>
+            <a:chExt cx="1218535" cy="1766030"/>
+          </a:xfrm>
+        </p:grpSpPr>
+        <p:sp>
+          <p:nvSpPr>
+            <p:cNvPr id="7" name="TextBox 6"/>
+            <p:cNvSpPr txBox="1"/>
+            <p:nvPr/>
+          </p:nvSpPr>
+          <p:spPr>
+            <a:xfrm>
+              <a:off x="2710679" y="5477161"/>
+              <a:ext cx="1127268" cy="400385"/>
+            </a:xfrm>
+            <a:prstGeom prst="rect">
+              <a:avLst/>
+            </a:prstGeom>
+          </p:spPr>
+          <p:txBody>
+            <a:bodyPr wrap="none" lIns="0" rtlCol="0" anchor="b">
+              <a:normAutofit/>
+            </a:bodyPr>
+            <a:lstStyle/>
+            <a:p>
+              <a:r>
+                <a:rPr lang="en-US" dirty="0" smtClean="0"/>
+                <a:t>Controller</a:t>
+              </a:r>
+            </a:p>
+          </p:txBody>
+        </p:sp>
+        <p:grpSp>
+          <p:nvGrpSpPr>
+            <p:cNvPr id="21" name="Группа 20"/>
+            <p:cNvGrpSpPr/>
+            <p:nvPr/>
+          </p:nvGrpSpPr>
+          <p:grpSpPr>
+            <a:xfrm>
+              <a:off x="2619412" y="4111516"/>
+              <a:ext cx="1169524" cy="1342008"/>
+              <a:chOff x="1997008" y="3791966"/>
+              <a:chExt cx="1169524" cy="1342008"/>
+            </a:xfrm>
+          </p:grpSpPr>
+          <p:pic>
+            <p:nvPicPr>
+              <p:cNvPr id="18" name="Picture 33"/>
+              <p:cNvPicPr>
+                <a:picLocks noChangeAspect="1"/>
+              </p:cNvPicPr>
+              <p:nvPr/>
+            </p:nvPicPr>
+            <p:blipFill>
+              <a:blip r:embed="rId5" cstate="print">
+                <a:grayscl/>
+                <a:extLst>
+                  <a:ext uri="{28A0092B-C50C-407E-A947-70E740481C1C}">
+                    <a14:useLocalDpi xmlns:a14="http://schemas.microsoft.com/office/drawing/2010/main" val="0"/>
+                  </a:ext>
+                </a:extLst>
+              </a:blip>
+              <a:stretch>
+                <a:fillRect/>
+              </a:stretch>
+            </p:blipFill>
+            <p:spPr>
+              <a:xfrm>
+                <a:off x="1997008" y="4092516"/>
+                <a:ext cx="764545" cy="764545"/>
+              </a:xfrm>
+              <a:prstGeom prst="rect">
+                <a:avLst/>
+              </a:prstGeom>
+            </p:spPr>
+          </p:pic>
+          <p:pic>
+            <p:nvPicPr>
+              <p:cNvPr id="19" name="Picture 33"/>
+              <p:cNvPicPr>
+                <a:picLocks noChangeAspect="1"/>
+              </p:cNvPicPr>
+              <p:nvPr/>
+            </p:nvPicPr>
+            <p:blipFill>
+              <a:blip r:embed="rId5" cstate="print">
+                <a:grayscl/>
+                <a:extLst>
+                  <a:ext uri="{28A0092B-C50C-407E-A947-70E740481C1C}">
+                    <a14:useLocalDpi xmlns:a14="http://schemas.microsoft.com/office/drawing/2010/main" val="0"/>
+                  </a:ext>
+                </a:extLst>
+              </a:blip>
+              <a:stretch>
+                <a:fillRect/>
+              </a:stretch>
+            </p:blipFill>
+            <p:spPr>
+              <a:xfrm>
+                <a:off x="2602596" y="3791966"/>
+                <a:ext cx="563936" cy="563936"/>
+              </a:xfrm>
+              <a:prstGeom prst="rect">
+                <a:avLst/>
+              </a:prstGeom>
+            </p:spPr>
+          </p:pic>
+          <p:pic>
+            <p:nvPicPr>
+              <p:cNvPr id="20" name="Picture 33"/>
+              <p:cNvPicPr>
+                <a:picLocks noChangeAspect="1"/>
+              </p:cNvPicPr>
+              <p:nvPr/>
+            </p:nvPicPr>
+            <p:blipFill>
+              <a:blip r:embed="rId5" cstate="print">
+                <a:grayscl/>
+                <a:extLst>
+                  <a:ext uri="{28A0092B-C50C-407E-A947-70E740481C1C}">
+                    <a14:useLocalDpi xmlns:a14="http://schemas.microsoft.com/office/drawing/2010/main" val="0"/>
+                  </a:ext>
+                </a:extLst>
+              </a:blip>
+              <a:stretch>
+                <a:fillRect/>
+              </a:stretch>
+            </p:blipFill>
+            <p:spPr>
+              <a:xfrm>
+                <a:off x="2574017" y="4570038"/>
+                <a:ext cx="563936" cy="563936"/>
+              </a:xfrm>
+              <a:prstGeom prst="rect">
+                <a:avLst/>
+              </a:prstGeom>
+            </p:spPr>
+          </p:pic>
+        </p:grpSp>
+      </p:grpSp>
       <p:sp>
         <p:nvSpPr>
-          <p:cNvPr id="15" name="TextBox 14"/>
+          <p:cNvPr id="22" name="Двойная стрелка влево/вправо 21"/>
+          <p:cNvSpPr/>
+          <p:nvPr/>
+        </p:nvSpPr>
+        <p:spPr>
+          <a:xfrm rot="19462118">
+            <a:off x="1899293" y="3672072"/>
+            <a:ext cx="746736" cy="471096"/>
+          </a:xfrm>
+          <a:prstGeom prst="leftRightArrow">
+            <a:avLst/>
+          </a:prstGeom>
+          <a:noFill/>
+          <a:ln w="28575" cap="flat" cmpd="sng" algn="ctr">
+            <a:solidFill>
+              <a:schemeClr val="tx1"/>
+            </a:solidFill>
+            <a:prstDash val="solid"/>
+            <a:round/>
+            <a:headEnd type="none" w="med" len="med"/>
+            <a:tailEnd type="none" w="med" len="med"/>
+          </a:ln>
+        </p:spPr>
+        <p:style>
+          <a:lnRef idx="0">
+            <a:scrgbClr r="0" g="0" b="0"/>
+          </a:lnRef>
+          <a:fillRef idx="0">
+            <a:scrgbClr r="0" g="0" b="0"/>
+          </a:fillRef>
+          <a:effectRef idx="0">
+            <a:scrgbClr r="0" g="0" b="0"/>
+          </a:effectRef>
+          <a:fontRef idx="minor">
+            <a:schemeClr val="accent1"/>
+          </a:fontRef>
+        </p:style>
+        <p:txBody>
+          <a:bodyPr rtlCol="0" anchor="ctr"/>
+          <a:lstStyle/>
+          <a:p>
+            <a:pPr algn="ctr"/>
+            <a:endParaRPr lang="ru-RU"/>
+          </a:p>
+        </p:txBody>
+      </p:sp>
+      <p:grpSp>
+        <p:nvGrpSpPr>
+          <p:cNvPr id="24" name="Группа 23"/>
+          <p:cNvGrpSpPr/>
+          <p:nvPr/>
+        </p:nvGrpSpPr>
+        <p:grpSpPr>
+          <a:xfrm>
+            <a:off x="4219591" y="3060798"/>
+            <a:ext cx="1181101" cy="778072"/>
+            <a:chOff x="4366259" y="4651815"/>
+            <a:chExt cx="1181101" cy="778072"/>
+          </a:xfrm>
+        </p:grpSpPr>
+        <p:sp>
+          <p:nvSpPr>
+            <p:cNvPr id="23" name="Стрелка вправо 22"/>
+            <p:cNvSpPr/>
+            <p:nvPr/>
+          </p:nvSpPr>
+          <p:spPr>
+            <a:xfrm>
+              <a:off x="4366259" y="4651815"/>
+              <a:ext cx="1181101" cy="778072"/>
+            </a:xfrm>
+            <a:prstGeom prst="rightArrow">
+              <a:avLst/>
+            </a:prstGeom>
+            <a:solidFill>
+              <a:schemeClr val="bg1"/>
+            </a:solidFill>
+            <a:ln>
+              <a:solidFill>
+                <a:schemeClr val="tx1"/>
+              </a:solidFill>
+            </a:ln>
+          </p:spPr>
+          <p:style>
+            <a:lnRef idx="2">
+              <a:schemeClr val="accent1">
+                <a:shade val="50000"/>
+              </a:schemeClr>
+            </a:lnRef>
+            <a:fillRef idx="1">
+              <a:schemeClr val="accent1"/>
+            </a:fillRef>
+            <a:effectRef idx="0">
+              <a:schemeClr val="accent1"/>
+            </a:effectRef>
+            <a:fontRef idx="minor">
+              <a:schemeClr val="lt1"/>
+            </a:fontRef>
+          </p:style>
+          <p:txBody>
+            <a:bodyPr rtlCol="0" anchor="ctr"/>
+            <a:lstStyle/>
+            <a:p>
+              <a:pPr algn="ctr"/>
+              <a:endParaRPr lang="ru-RU"/>
+            </a:p>
+          </p:txBody>
+        </p:sp>
+        <p:sp>
+          <p:nvSpPr>
+            <p:cNvPr id="8" name="TextBox 7"/>
+            <p:cNvSpPr txBox="1"/>
+            <p:nvPr/>
+          </p:nvSpPr>
+          <p:spPr>
+            <a:xfrm>
+              <a:off x="4587192" y="4770701"/>
+              <a:ext cx="754380" cy="457200"/>
+            </a:xfrm>
+            <a:prstGeom prst="rect">
+              <a:avLst/>
+            </a:prstGeom>
+          </p:spPr>
+          <p:txBody>
+            <a:bodyPr wrap="none" lIns="0" rtlCol="0" anchor="b">
+              <a:normAutofit/>
+            </a:bodyPr>
+            <a:lstStyle/>
+            <a:p>
+              <a:r>
+                <a:rPr lang="en-US" dirty="0" smtClean="0"/>
+                <a:t>HTML</a:t>
+              </a:r>
+            </a:p>
+          </p:txBody>
+        </p:sp>
+      </p:grpSp>
+      <p:pic>
+        <p:nvPicPr>
+          <p:cNvPr id="26" name="Рисунок 25"/>
+          <p:cNvPicPr>
+            <a:picLocks noChangeAspect="1"/>
+          </p:cNvPicPr>
+          <p:nvPr/>
+        </p:nvPicPr>
+        <p:blipFill>
+          <a:blip r:embed="rId6" cstate="print">
+            <a:extLst>
+              <a:ext uri="{28A0092B-C50C-407E-A947-70E740481C1C}">
+                <a14:useLocalDpi xmlns:a14="http://schemas.microsoft.com/office/drawing/2010/main" val="0"/>
+              </a:ext>
+            </a:extLst>
+          </a:blip>
+          <a:stretch>
+            <a:fillRect/>
+          </a:stretch>
+        </p:blipFill>
+        <p:spPr>
+          <a:xfrm>
+            <a:off x="5643751" y="2945834"/>
+            <a:ext cx="539380" cy="539380"/>
+          </a:xfrm>
+          <a:prstGeom prst="rect">
+            <a:avLst/>
+          </a:prstGeom>
+        </p:spPr>
+      </p:pic>
+      <p:pic>
+        <p:nvPicPr>
+          <p:cNvPr id="27" name="Рисунок 26"/>
+          <p:cNvPicPr>
+            <a:picLocks noChangeAspect="1"/>
+          </p:cNvPicPr>
+          <p:nvPr/>
+        </p:nvPicPr>
+        <p:blipFill rotWithShape="1">
+          <a:blip r:embed="rId7" cstate="print">
+            <a:extLst>
+              <a:ext uri="{28A0092B-C50C-407E-A947-70E740481C1C}">
+                <a14:useLocalDpi xmlns:a14="http://schemas.microsoft.com/office/drawing/2010/main" val="0"/>
+              </a:ext>
+            </a:extLst>
+          </a:blip>
+          <a:srcRect l="-26" t="34468" r="-204" b="33654"/>
+          <a:stretch/>
+        </p:blipFill>
+        <p:spPr>
+          <a:xfrm>
+            <a:off x="6338176" y="2945834"/>
+            <a:ext cx="1584000" cy="504000"/>
+          </a:xfrm>
+          <a:prstGeom prst="rect">
+            <a:avLst/>
+          </a:prstGeom>
+        </p:spPr>
+      </p:pic>
+      <p:sp>
+        <p:nvSpPr>
+          <p:cNvPr id="28" name="TextBox 27"/>
           <p:cNvSpPr txBox="1"/>
           <p:nvPr/>
         </p:nvSpPr>
         <p:spPr>
           <a:xfrm>
-            <a:off x="6211305" y="3273426"/>
-            <a:ext cx="754380" cy="457200"/>
+            <a:off x="5455937" y="3713457"/>
+            <a:ext cx="3091941" cy="698609"/>
           </a:xfrm>
           <a:prstGeom prst="rect">
             <a:avLst/>
           </a:prstGeom>
+          <a:noFill/>
         </p:spPr>
         <p:txBody>
           <a:bodyPr wrap="none" lIns="0" rtlCol="0" anchor="b">
@@ -9748,38 +10020,31 @@
           </a:bodyPr>
           <a:lstStyle/>
           <a:p>
-            <a:r>
-              <a:rPr lang="en-US" dirty="0" smtClean="0"/>
-              <a:t>CSS</a:t>
-            </a:r>
-          </a:p>
-        </p:txBody>
-      </p:sp>
-      <p:sp>
-        <p:nvSpPr>
-          <p:cNvPr id="16" name="TextBox 15"/>
-          <p:cNvSpPr txBox="1"/>
-          <p:nvPr/>
-        </p:nvSpPr>
-        <p:spPr>
-          <a:xfrm>
-            <a:off x="6211305" y="3730626"/>
-            <a:ext cx="754380" cy="457200"/>
-          </a:xfrm>
-          <a:prstGeom prst="rect">
-            <a:avLst/>
-          </a:prstGeom>
-        </p:spPr>
-        <p:txBody>
-          <a:bodyPr wrap="none" lIns="0" rtlCol="0" anchor="b">
-            <a:normAutofit/>
-          </a:bodyPr>
-          <a:lstStyle/>
-          <a:p>
-            <a:r>
-              <a:rPr lang="en-US" dirty="0" smtClean="0"/>
-              <a:t>JQuery</a:t>
-            </a:r>
+            <a:pPr marL="285750" indent="-285750">
+              <a:buClr>
+                <a:srgbClr val="C00000"/>
+              </a:buClr>
+              <a:buFont typeface="Arial" panose="020B0604020202020204" pitchFamily="34" charset="0"/>
+              <a:buChar char="•"/>
+            </a:pPr>
+            <a:r>
+              <a:rPr lang="ru-RU" dirty="0" smtClean="0"/>
+              <a:t>Визуальное оформление</a:t>
+            </a:r>
+          </a:p>
+          <a:p>
+            <a:pPr marL="285750" indent="-285750">
+              <a:buClr>
+                <a:srgbClr val="C00000"/>
+              </a:buClr>
+              <a:buFont typeface="Arial" panose="020B0604020202020204" pitchFamily="34" charset="0"/>
+              <a:buChar char="•"/>
+            </a:pPr>
+            <a:r>
+              <a:rPr lang="ru-RU" dirty="0" smtClean="0"/>
+              <a:t>«Живые страницы»</a:t>
+            </a:r>
+            <a:endParaRPr lang="ru-RU" dirty="0" smtClean="0"/>
           </a:p>
         </p:txBody>
       </p:sp>
@@ -9837,67 +10102,9 @@
           <a:p>
             <a:r>
               <a:rPr lang="ru-RU" dirty="0" smtClean="0"/>
-              <a:t>Какая стала модель</a:t>
+              <a:t>Как стало</a:t>
             </a:r>
             <a:endParaRPr lang="ru-RU" dirty="0"/>
-          </a:p>
-        </p:txBody>
-      </p:sp>
-      <p:pic>
-        <p:nvPicPr>
-          <p:cNvPr id="4" name="Рисунок 3"/>
-          <p:cNvPicPr>
-            <a:picLocks noChangeAspect="1"/>
-          </p:cNvPicPr>
-          <p:nvPr/>
-        </p:nvPicPr>
-        <p:blipFill>
-          <a:blip r:embed="rId2">
-            <a:extLst>
-              <a:ext uri="{28A0092B-C50C-407E-A947-70E740481C1C}">
-                <a14:useLocalDpi xmlns:a14="http://schemas.microsoft.com/office/drawing/2010/main" val="0"/>
-              </a:ext>
-            </a:extLst>
-          </a:blip>
-          <a:stretch>
-            <a:fillRect/>
-          </a:stretch>
-        </p:blipFill>
-        <p:spPr>
-          <a:xfrm>
-            <a:off x="774394" y="3282950"/>
-            <a:ext cx="904876" cy="904876"/>
-          </a:xfrm>
-          <a:prstGeom prst="rect">
-            <a:avLst/>
-          </a:prstGeom>
-        </p:spPr>
-      </p:pic>
-      <p:sp>
-        <p:nvSpPr>
-          <p:cNvPr id="5" name="TextBox 4"/>
-          <p:cNvSpPr txBox="1"/>
-          <p:nvPr/>
-        </p:nvSpPr>
-        <p:spPr>
-          <a:xfrm>
-            <a:off x="2584084" y="3846514"/>
-            <a:ext cx="516279" cy="369886"/>
-          </a:xfrm>
-          <a:prstGeom prst="rect">
-            <a:avLst/>
-          </a:prstGeom>
-        </p:spPr>
-        <p:txBody>
-          <a:bodyPr wrap="none" lIns="0" rtlCol="0" anchor="b">
-            <a:normAutofit/>
-          </a:bodyPr>
-          <a:lstStyle/>
-          <a:p>
-            <a:r>
-              <a:rPr lang="en-US" dirty="0" smtClean="0"/>
-              <a:t>API</a:t>
-            </a:r>
           </a:p>
         </p:txBody>
       </p:sp>
@@ -9909,7 +10116,7 @@
         </p:nvCxnSpPr>
         <p:spPr>
           <a:xfrm>
-            <a:off x="3867126" y="2088516"/>
+            <a:off x="3933801" y="2158895"/>
             <a:ext cx="0" cy="3832860"/>
           </a:xfrm>
           <a:prstGeom prst="line">
@@ -9940,7 +10147,7 @@
           <p:nvPr/>
         </p:nvPicPr>
         <p:blipFill>
-          <a:blip r:embed="rId3">
+          <a:blip r:embed="rId2">
             <a:extLst>
               <a:ext uri="{28A0092B-C50C-407E-A947-70E740481C1C}">
                 <a14:useLocalDpi xmlns:a14="http://schemas.microsoft.com/office/drawing/2010/main" val="0"/>
@@ -9970,7 +10177,7 @@
           <p:nvPr/>
         </p:nvPicPr>
         <p:blipFill>
-          <a:blip r:embed="rId4">
+          <a:blip r:embed="rId3">
             <a:extLst>
               <a:ext uri="{28A0092B-C50C-407E-A947-70E740481C1C}">
                 <a14:useLocalDpi xmlns:a14="http://schemas.microsoft.com/office/drawing/2010/main" val="0"/>
@@ -10047,74 +10254,17 @@
           </a:p>
         </p:txBody>
       </p:sp>
-      <p:sp>
-        <p:nvSpPr>
-          <p:cNvPr id="12" name="TextBox 11"/>
-          <p:cNvSpPr txBox="1"/>
-          <p:nvPr/>
-        </p:nvSpPr>
-        <p:spPr>
-          <a:xfrm>
-            <a:off x="5615892" y="2796540"/>
-            <a:ext cx="2330133" cy="1699260"/>
-          </a:xfrm>
-          <a:prstGeom prst="rect">
-            <a:avLst/>
-          </a:prstGeom>
-        </p:spPr>
-        <p:txBody>
-          <a:bodyPr wrap="none" lIns="0" rtlCol="0" anchor="b">
-            <a:normAutofit/>
-          </a:bodyPr>
-          <a:lstStyle/>
-          <a:p>
-            <a:r>
-              <a:rPr lang="en-US" dirty="0"/>
-              <a:t>UX </a:t>
-            </a:r>
-            <a:r>
-              <a:rPr lang="ru-RU" dirty="0"/>
-              <a:t>логика</a:t>
-            </a:r>
-          </a:p>
-          <a:p>
-            <a:r>
-              <a:rPr lang="ru-RU" dirty="0" err="1"/>
-              <a:t>Валидации</a:t>
-            </a:r>
-            <a:endParaRPr lang="en-US" dirty="0"/>
-          </a:p>
-          <a:p>
-            <a:r>
-              <a:rPr lang="en-US" dirty="0" smtClean="0"/>
-              <a:t>HTML</a:t>
-            </a:r>
-          </a:p>
-          <a:p>
-            <a:r>
-              <a:rPr lang="en-US" dirty="0" smtClean="0"/>
-              <a:t>CSS</a:t>
-            </a:r>
-          </a:p>
-          <a:p>
-            <a:r>
-              <a:rPr lang="en-US" dirty="0" smtClean="0"/>
-              <a:t>Controller</a:t>
-            </a:r>
-            <a:endParaRPr lang="ru-RU" dirty="0" smtClean="0"/>
-          </a:p>
-        </p:txBody>
-      </p:sp>
       <p:pic>
         <p:nvPicPr>
-          <p:cNvPr id="14" name="Рисунок 13"/>
+          <p:cNvPr id="16" name="Picture 53"/>
           <p:cNvPicPr>
             <a:picLocks noChangeAspect="1"/>
           </p:cNvPicPr>
           <p:nvPr/>
         </p:nvPicPr>
         <p:blipFill>
-          <a:blip r:embed="rId5">
+          <a:blip r:embed="rId4" cstate="print">
+            <a:grayscl/>
             <a:extLst>
               <a:ext uri="{28A0092B-C50C-407E-A947-70E740481C1C}">
                 <a14:useLocalDpi xmlns:a14="http://schemas.microsoft.com/office/drawing/2010/main" val="0"/>
@@ -10127,24 +10277,304 @@
         </p:blipFill>
         <p:spPr>
           <a:xfrm>
-            <a:off x="2457426" y="3168651"/>
-            <a:ext cx="666750" cy="666750"/>
+            <a:off x="390905" y="4495800"/>
+            <a:ext cx="1194091" cy="1194091"/>
           </a:xfrm>
           <a:prstGeom prst="rect">
             <a:avLst/>
           </a:prstGeom>
+          <a:ln>
+            <a:noFill/>
+          </a:ln>
         </p:spPr>
       </p:pic>
+      <p:sp>
+        <p:nvSpPr>
+          <p:cNvPr id="17" name="Двойная стрелка влево/вправо 16"/>
+          <p:cNvSpPr/>
+          <p:nvPr/>
+        </p:nvSpPr>
+        <p:spPr>
+          <a:xfrm rot="18804912">
+            <a:off x="1513679" y="3769398"/>
+            <a:ext cx="746736" cy="471096"/>
+          </a:xfrm>
+          <a:prstGeom prst="leftRightArrow">
+            <a:avLst/>
+          </a:prstGeom>
+          <a:noFill/>
+          <a:ln w="28575" cap="flat" cmpd="sng" algn="ctr">
+            <a:solidFill>
+              <a:schemeClr val="tx1"/>
+            </a:solidFill>
+            <a:prstDash val="solid"/>
+            <a:round/>
+            <a:headEnd type="none" w="med" len="med"/>
+            <a:tailEnd type="none" w="med" len="med"/>
+          </a:ln>
+        </p:spPr>
+        <p:style>
+          <a:lnRef idx="0">
+            <a:scrgbClr r="0" g="0" b="0"/>
+          </a:lnRef>
+          <a:fillRef idx="0">
+            <a:scrgbClr r="0" g="0" b="0"/>
+          </a:fillRef>
+          <a:effectRef idx="0">
+            <a:scrgbClr r="0" g="0" b="0"/>
+          </a:effectRef>
+          <a:fontRef idx="minor">
+            <a:schemeClr val="accent1"/>
+          </a:fontRef>
+        </p:style>
+        <p:txBody>
+          <a:bodyPr rtlCol="0" anchor="ctr"/>
+          <a:lstStyle/>
+          <a:p>
+            <a:pPr algn="ctr"/>
+            <a:endParaRPr lang="ru-RU"/>
+          </a:p>
+        </p:txBody>
+      </p:sp>
+      <p:grpSp>
+        <p:nvGrpSpPr>
+          <p:cNvPr id="20" name="Группа 19"/>
+          <p:cNvGrpSpPr/>
+          <p:nvPr/>
+        </p:nvGrpSpPr>
+        <p:grpSpPr>
+          <a:xfrm>
+            <a:off x="2337567" y="2928726"/>
+            <a:ext cx="776988" cy="1146599"/>
+            <a:chOff x="2696557" y="2551694"/>
+            <a:chExt cx="776988" cy="1146599"/>
+          </a:xfrm>
+        </p:grpSpPr>
+        <p:pic>
+          <p:nvPicPr>
+            <p:cNvPr id="18" name="Picture 33"/>
+            <p:cNvPicPr>
+              <a:picLocks noChangeAspect="1"/>
+            </p:cNvPicPr>
+            <p:nvPr/>
+          </p:nvPicPr>
+          <p:blipFill>
+            <a:blip r:embed="rId5" cstate="print">
+              <a:grayscl/>
+              <a:extLst>
+                <a:ext uri="{28A0092B-C50C-407E-A947-70E740481C1C}">
+                  <a14:useLocalDpi xmlns:a14="http://schemas.microsoft.com/office/drawing/2010/main" val="0"/>
+                </a:ext>
+              </a:extLst>
+            </a:blip>
+            <a:stretch>
+              <a:fillRect/>
+            </a:stretch>
+          </p:blipFill>
+          <p:spPr>
+            <a:xfrm>
+              <a:off x="2696557" y="2551694"/>
+              <a:ext cx="721732" cy="721732"/>
+            </a:xfrm>
+            <a:prstGeom prst="rect">
+              <a:avLst/>
+            </a:prstGeom>
+          </p:spPr>
+        </p:pic>
+        <p:sp>
+          <p:nvSpPr>
+            <p:cNvPr id="19" name="TextBox 18"/>
+            <p:cNvSpPr txBox="1"/>
+            <p:nvPr/>
+          </p:nvSpPr>
+          <p:spPr>
+            <a:xfrm>
+              <a:off x="2884000" y="3305759"/>
+              <a:ext cx="589545" cy="392534"/>
+            </a:xfrm>
+            <a:prstGeom prst="rect">
+              <a:avLst/>
+            </a:prstGeom>
+          </p:spPr>
+          <p:txBody>
+            <a:bodyPr wrap="none" lIns="0" rtlCol="0" anchor="b">
+              <a:normAutofit/>
+            </a:bodyPr>
+            <a:lstStyle/>
+            <a:p>
+              <a:r>
+                <a:rPr lang="en-US" dirty="0" smtClean="0"/>
+                <a:t>API</a:t>
+              </a:r>
+              <a:endParaRPr lang="ru-RU" dirty="0" smtClean="0"/>
+            </a:p>
+          </p:txBody>
+        </p:sp>
+      </p:grpSp>
+      <p:sp>
+        <p:nvSpPr>
+          <p:cNvPr id="21" name="Двойная стрелка влево/вправо 20"/>
+          <p:cNvSpPr/>
+          <p:nvPr/>
+        </p:nvSpPr>
+        <p:spPr>
+          <a:xfrm>
+            <a:off x="3252632" y="2826014"/>
+            <a:ext cx="1298575" cy="730103"/>
+          </a:xfrm>
+          <a:prstGeom prst="leftRightArrow">
+            <a:avLst/>
+          </a:prstGeom>
+          <a:solidFill>
+            <a:schemeClr val="bg2"/>
+          </a:solidFill>
+          <a:ln>
+            <a:solidFill>
+              <a:schemeClr val="tx1"/>
+            </a:solidFill>
+          </a:ln>
+        </p:spPr>
+        <p:style>
+          <a:lnRef idx="2">
+            <a:schemeClr val="accent1">
+              <a:shade val="50000"/>
+            </a:schemeClr>
+          </a:lnRef>
+          <a:fillRef idx="1">
+            <a:schemeClr val="accent1"/>
+          </a:fillRef>
+          <a:effectRef idx="0">
+            <a:schemeClr val="accent1"/>
+          </a:effectRef>
+          <a:fontRef idx="minor">
+            <a:schemeClr val="lt1"/>
+          </a:fontRef>
+        </p:style>
+        <p:txBody>
+          <a:bodyPr rtlCol="0" anchor="ctr"/>
+          <a:lstStyle/>
+          <a:p>
+            <a:pPr algn="ctr"/>
+            <a:r>
+              <a:rPr lang="en-US" dirty="0" smtClean="0">
+                <a:solidFill>
+                  <a:schemeClr val="tx1"/>
+                </a:solidFill>
+              </a:rPr>
+              <a:t>Data</a:t>
+            </a:r>
+            <a:endParaRPr lang="ru-RU" dirty="0">
+              <a:solidFill>
+                <a:schemeClr val="tx1"/>
+              </a:solidFill>
+            </a:endParaRPr>
+          </a:p>
+        </p:txBody>
+      </p:sp>
+      <p:sp>
+        <p:nvSpPr>
+          <p:cNvPr id="22" name="TextBox 21"/>
+          <p:cNvSpPr txBox="1"/>
+          <p:nvPr/>
+        </p:nvSpPr>
+        <p:spPr>
+          <a:xfrm>
+            <a:off x="4511929" y="3591807"/>
+            <a:ext cx="3091941" cy="1374248"/>
+          </a:xfrm>
+          <a:prstGeom prst="rect">
+            <a:avLst/>
+          </a:prstGeom>
+          <a:noFill/>
+        </p:spPr>
+        <p:txBody>
+          <a:bodyPr wrap="none" lIns="0" rtlCol="0" anchor="b">
+            <a:normAutofit lnSpcReduction="10000"/>
+          </a:bodyPr>
+          <a:lstStyle/>
+          <a:p>
+            <a:pPr marL="285750" indent="-285750">
+              <a:buClr>
+                <a:srgbClr val="C00000"/>
+              </a:buClr>
+              <a:buFont typeface="Arial" panose="020B0604020202020204" pitchFamily="34" charset="0"/>
+              <a:buChar char="•"/>
+            </a:pPr>
+            <a:r>
+              <a:rPr lang="ru-RU" dirty="0" smtClean="0"/>
+              <a:t>Визуальное оформление</a:t>
+            </a:r>
+            <a:endParaRPr lang="en-US" dirty="0" smtClean="0"/>
+          </a:p>
+          <a:p>
+            <a:pPr marL="285750" indent="-285750">
+              <a:buClr>
+                <a:srgbClr val="C00000"/>
+              </a:buClr>
+              <a:buFont typeface="Arial" panose="020B0604020202020204" pitchFamily="34" charset="0"/>
+              <a:buChar char="•"/>
+            </a:pPr>
+            <a:r>
+              <a:rPr lang="ru-RU" dirty="0" smtClean="0"/>
+              <a:t>Управление данными</a:t>
+            </a:r>
+          </a:p>
+          <a:p>
+            <a:pPr marL="285750" indent="-285750">
+              <a:buClr>
+                <a:srgbClr val="C00000"/>
+              </a:buClr>
+              <a:buFont typeface="Arial" panose="020B0604020202020204" pitchFamily="34" charset="0"/>
+              <a:buChar char="•"/>
+            </a:pPr>
+            <a:r>
+              <a:rPr lang="en-US" dirty="0" smtClean="0"/>
+              <a:t>UX-</a:t>
+            </a:r>
+            <a:r>
+              <a:rPr lang="ru-RU" dirty="0" smtClean="0"/>
+              <a:t>логика</a:t>
+            </a:r>
+          </a:p>
+          <a:p>
+            <a:pPr marL="285750" indent="-285750">
+              <a:buClr>
+                <a:srgbClr val="C00000"/>
+              </a:buClr>
+              <a:buFont typeface="Arial" panose="020B0604020202020204" pitchFamily="34" charset="0"/>
+              <a:buChar char="•"/>
+            </a:pPr>
+            <a:r>
+              <a:rPr lang="ru-RU" dirty="0" err="1" smtClean="0"/>
+              <a:t>Валидации</a:t>
+            </a:r>
+            <a:endParaRPr lang="ru-RU" dirty="0" smtClean="0"/>
+          </a:p>
+          <a:p>
+            <a:pPr marL="285750" indent="-285750">
+              <a:buClr>
+                <a:srgbClr val="C00000"/>
+              </a:buClr>
+              <a:buFont typeface="Arial" panose="020B0604020202020204" pitchFamily="34" charset="0"/>
+              <a:buChar char="•"/>
+            </a:pPr>
+            <a:r>
+              <a:rPr lang="ru-RU" dirty="0" smtClean="0"/>
+              <a:t>Рендеринг</a:t>
+            </a:r>
+          </a:p>
+        </p:txBody>
+      </p:sp>
       <p:pic>
         <p:nvPicPr>
-          <p:cNvPr id="15" name="Рисунок 14"/>
+          <p:cNvPr id="23" name="Рисунок 22"/>
           <p:cNvPicPr>
             <a:picLocks noChangeAspect="1"/>
           </p:cNvPicPr>
           <p:nvPr/>
         </p:nvPicPr>
         <p:blipFill>
-          <a:blip r:embed="rId6">
+          <a:blip r:embed="rId6" cstate="print">
             <a:extLst>
               <a:ext uri="{28A0092B-C50C-407E-A947-70E740481C1C}">
                 <a14:useLocalDpi xmlns:a14="http://schemas.microsoft.com/office/drawing/2010/main" val="0"/>
@@ -10157,8 +10587,98 @@
         </p:blipFill>
         <p:spPr>
           <a:xfrm>
-            <a:off x="4448151" y="3168651"/>
-            <a:ext cx="666750" cy="666750"/>
+            <a:off x="6144155" y="2696515"/>
+            <a:ext cx="547263" cy="547263"/>
+          </a:xfrm>
+          <a:prstGeom prst="rect">
+            <a:avLst/>
+          </a:prstGeom>
+        </p:spPr>
+      </p:pic>
+      <p:pic>
+        <p:nvPicPr>
+          <p:cNvPr id="24" name="Рисунок 23"/>
+          <p:cNvPicPr>
+            <a:picLocks noChangeAspect="1"/>
+          </p:cNvPicPr>
+          <p:nvPr/>
+        </p:nvPicPr>
+        <p:blipFill>
+          <a:blip r:embed="rId7" cstate="print">
+            <a:extLst>
+              <a:ext uri="{28A0092B-C50C-407E-A947-70E740481C1C}">
+                <a14:useLocalDpi xmlns:a14="http://schemas.microsoft.com/office/drawing/2010/main" val="0"/>
+              </a:ext>
+            </a:extLst>
+          </a:blip>
+          <a:stretch>
+            <a:fillRect/>
+          </a:stretch>
+        </p:blipFill>
+        <p:spPr>
+          <a:xfrm>
+            <a:off x="5334714" y="2557466"/>
+            <a:ext cx="723186" cy="723186"/>
+          </a:xfrm>
+          <a:prstGeom prst="rect">
+            <a:avLst/>
+          </a:prstGeom>
+        </p:spPr>
+      </p:pic>
+      <p:pic>
+        <p:nvPicPr>
+          <p:cNvPr id="25" name="Рисунок 24"/>
+          <p:cNvPicPr>
+            <a:picLocks noChangeAspect="1"/>
+          </p:cNvPicPr>
+          <p:nvPr/>
+        </p:nvPicPr>
+        <p:blipFill>
+          <a:blip r:embed="rId8" cstate="print">
+            <a:extLst>
+              <a:ext uri="{28A0092B-C50C-407E-A947-70E740481C1C}">
+                <a14:useLocalDpi xmlns:a14="http://schemas.microsoft.com/office/drawing/2010/main" val="0"/>
+              </a:ext>
+            </a:extLst>
+          </a:blip>
+          <a:stretch>
+            <a:fillRect/>
+          </a:stretch>
+        </p:blipFill>
+        <p:spPr>
+          <a:xfrm>
+            <a:off x="4773747" y="2557466"/>
+            <a:ext cx="514350" cy="727323"/>
+          </a:xfrm>
+          <a:prstGeom prst="rect">
+            <a:avLst/>
+          </a:prstGeom>
+        </p:spPr>
+      </p:pic>
+      <p:pic>
+        <p:nvPicPr>
+          <p:cNvPr id="28" name="Рисунок 27"/>
+          <p:cNvPicPr>
+            <a:picLocks noChangeAspect="1"/>
+          </p:cNvPicPr>
+          <p:nvPr/>
+        </p:nvPicPr>
+        <p:blipFill>
+          <a:blip r:embed="rId9">
+            <a:extLst>
+              <a:ext uri="{28A0092B-C50C-407E-A947-70E740481C1C}">
+                <a14:useLocalDpi xmlns:a14="http://schemas.microsoft.com/office/drawing/2010/main" val="0"/>
+              </a:ext>
+            </a:extLst>
+          </a:blip>
+          <a:stretch>
+            <a:fillRect/>
+          </a:stretch>
+        </p:blipFill>
+        <p:spPr>
+          <a:xfrm>
+            <a:off x="6815773" y="2587478"/>
+            <a:ext cx="703858" cy="656300"/>
           </a:xfrm>
           <a:prstGeom prst="rect">
             <a:avLst/>

--- a/Slides/Backend vs Frontend.pptx
+++ b/Slides/Backend vs Frontend.pptx
@@ -10,19 +10,24 @@
     <p:sldId id="258" r:id="rId4"/>
     <p:sldId id="259" r:id="rId5"/>
     <p:sldId id="260" r:id="rId6"/>
-    <p:sldId id="270" r:id="rId7"/>
-    <p:sldId id="261" r:id="rId8"/>
-    <p:sldId id="277" r:id="rId9"/>
-    <p:sldId id="279" r:id="rId10"/>
-    <p:sldId id="273" r:id="rId11"/>
-    <p:sldId id="275" r:id="rId12"/>
-    <p:sldId id="264" r:id="rId13"/>
-    <p:sldId id="265" r:id="rId14"/>
-    <p:sldId id="266" r:id="rId15"/>
-    <p:sldId id="267" r:id="rId16"/>
-    <p:sldId id="271" r:id="rId17"/>
-    <p:sldId id="272" r:id="rId18"/>
-    <p:sldId id="269" r:id="rId19"/>
+    <p:sldId id="283" r:id="rId7"/>
+    <p:sldId id="270" r:id="rId8"/>
+    <p:sldId id="284" r:id="rId9"/>
+    <p:sldId id="261" r:id="rId10"/>
+    <p:sldId id="280" r:id="rId11"/>
+    <p:sldId id="281" r:id="rId12"/>
+    <p:sldId id="282" r:id="rId13"/>
+    <p:sldId id="277" r:id="rId14"/>
+    <p:sldId id="279" r:id="rId15"/>
+    <p:sldId id="273" r:id="rId16"/>
+    <p:sldId id="275" r:id="rId17"/>
+    <p:sldId id="264" r:id="rId18"/>
+    <p:sldId id="265" r:id="rId19"/>
+    <p:sldId id="266" r:id="rId20"/>
+    <p:sldId id="267" r:id="rId21"/>
+    <p:sldId id="271" r:id="rId22"/>
+    <p:sldId id="272" r:id="rId23"/>
+    <p:sldId id="269" r:id="rId24"/>
   </p:sldIdLst>
   <p:sldSz cx="9144000" cy="6858000" type="screen4x3"/>
   <p:notesSz cx="6858000" cy="9144000"/>
@@ -131,8 +136,13 @@
             <p14:sldId id="258"/>
             <p14:sldId id="259"/>
             <p14:sldId id="260"/>
+            <p14:sldId id="283"/>
             <p14:sldId id="270"/>
+            <p14:sldId id="284"/>
             <p14:sldId id="261"/>
+            <p14:sldId id="280"/>
+            <p14:sldId id="281"/>
+            <p14:sldId id="282"/>
             <p14:sldId id="277"/>
             <p14:sldId id="279"/>
             <p14:sldId id="273"/>
@@ -8456,6 +8466,860 @@
       </p:grpSpPr>
       <p:sp>
         <p:nvSpPr>
+          <p:cNvPr id="3" name="Объект 2"/>
+          <p:cNvSpPr>
+            <a:spLocks noGrp="1"/>
+          </p:cNvSpPr>
+          <p:nvPr>
+            <p:ph sz="quarter" idx="13"/>
+          </p:nvPr>
+        </p:nvSpPr>
+        <p:spPr>
+          <a:xfrm>
+            <a:off x="953667" y="2990850"/>
+            <a:ext cx="7236644" cy="2691730"/>
+          </a:xfrm>
+        </p:spPr>
+        <p:txBody>
+          <a:bodyPr>
+            <a:normAutofit/>
+          </a:bodyPr>
+          <a:lstStyle/>
+          <a:p>
+            <a:r>
+              <a:rPr lang="ru-RU" sz="2400" dirty="0" smtClean="0"/>
+              <a:t>Компоненты</a:t>
+            </a:r>
+          </a:p>
+          <a:p>
+            <a:r>
+              <a:rPr lang="en-US" sz="2400" dirty="0" smtClean="0"/>
+              <a:t>Layout-</a:t>
+            </a:r>
+            <a:r>
+              <a:rPr lang="ru-RU" sz="2400" dirty="0" smtClean="0"/>
+              <a:t>примитивы</a:t>
+            </a:r>
+            <a:endParaRPr lang="ru-RU" sz="2400" dirty="0"/>
+          </a:p>
+        </p:txBody>
+      </p:sp>
+      <p:sp>
+        <p:nvSpPr>
+          <p:cNvPr id="2" name="Заголовок 1"/>
+          <p:cNvSpPr>
+            <a:spLocks noGrp="1"/>
+          </p:cNvSpPr>
+          <p:nvPr>
+            <p:ph type="title"/>
+          </p:nvPr>
+        </p:nvSpPr>
+        <p:spPr/>
+        <p:txBody>
+          <a:bodyPr/>
+          <a:lstStyle/>
+          <a:p>
+            <a:r>
+              <a:rPr lang="ru-RU" dirty="0" smtClean="0"/>
+              <a:t>Верстка</a:t>
+            </a:r>
+            <a:endParaRPr lang="ru-RU" dirty="0"/>
+          </a:p>
+        </p:txBody>
+      </p:sp>
+    </p:spTree>
+    <p:extLst>
+      <p:ext uri="{BB962C8B-B14F-4D97-AF65-F5344CB8AC3E}">
+        <p14:creationId xmlns:p14="http://schemas.microsoft.com/office/powerpoint/2010/main" val="2418938809"/>
+      </p:ext>
+    </p:extLst>
+  </p:cSld>
+  <p:clrMapOvr>
+    <a:masterClrMapping/>
+  </p:clrMapOvr>
+  <p:timing>
+    <p:tnLst>
+      <p:par>
+        <p:cTn id="1" dur="indefinite" restart="never" nodeType="tmRoot"/>
+      </p:par>
+    </p:tnLst>
+  </p:timing>
+</p:sld>
+</file>
+
+<file path=ppt/slides/slide11.xml><?xml version="1.0" encoding="utf-8"?>
+<p:sld xmlns:a="http://schemas.openxmlformats.org/drawingml/2006/main" xmlns:r="http://schemas.openxmlformats.org/officeDocument/2006/relationships" xmlns:p="http://schemas.openxmlformats.org/presentationml/2006/main">
+  <p:cSld>
+    <p:spTree>
+      <p:nvGrpSpPr>
+        <p:cNvPr id="1" name=""/>
+        <p:cNvGrpSpPr/>
+        <p:nvPr/>
+      </p:nvGrpSpPr>
+      <p:grpSpPr>
+        <a:xfrm>
+          <a:off x="0" y="0"/>
+          <a:ext cx="0" cy="0"/>
+          <a:chOff x="0" y="0"/>
+          <a:chExt cx="0" cy="0"/>
+        </a:xfrm>
+      </p:grpSpPr>
+      <p:sp>
+        <p:nvSpPr>
+          <p:cNvPr id="3" name="Заголовок 2"/>
+          <p:cNvSpPr>
+            <a:spLocks noGrp="1"/>
+          </p:cNvSpPr>
+          <p:nvPr>
+            <p:ph type="title"/>
+          </p:nvPr>
+        </p:nvSpPr>
+        <p:spPr/>
+        <p:txBody>
+          <a:bodyPr/>
+          <a:lstStyle/>
+          <a:p>
+            <a:r>
+              <a:rPr lang="ru-RU" dirty="0" smtClean="0"/>
+              <a:t>Верстка: компоненты</a:t>
+            </a:r>
+            <a:endParaRPr lang="ru-RU" dirty="0"/>
+          </a:p>
+        </p:txBody>
+      </p:sp>
+      <p:pic>
+        <p:nvPicPr>
+          <p:cNvPr id="4" name="Рисунок 3"/>
+          <p:cNvPicPr>
+            <a:picLocks noChangeAspect="1"/>
+          </p:cNvPicPr>
+          <p:nvPr/>
+        </p:nvPicPr>
+        <p:blipFill>
+          <a:blip r:embed="rId2">
+            <a:extLst>
+              <a:ext uri="{28A0092B-C50C-407E-A947-70E740481C1C}">
+                <a14:useLocalDpi xmlns:a14="http://schemas.microsoft.com/office/drawing/2010/main" val="0"/>
+              </a:ext>
+            </a:extLst>
+          </a:blip>
+          <a:stretch>
+            <a:fillRect/>
+          </a:stretch>
+        </p:blipFill>
+        <p:spPr>
+          <a:xfrm>
+            <a:off x="866775" y="2506899"/>
+            <a:ext cx="3260495" cy="3467704"/>
+          </a:xfrm>
+          <a:prstGeom prst="rect">
+            <a:avLst/>
+          </a:prstGeom>
+        </p:spPr>
+      </p:pic>
+      <p:pic>
+        <p:nvPicPr>
+          <p:cNvPr id="5" name="Рисунок 4"/>
+          <p:cNvPicPr>
+            <a:picLocks noChangeAspect="1"/>
+          </p:cNvPicPr>
+          <p:nvPr/>
+        </p:nvPicPr>
+        <p:blipFill>
+          <a:blip r:embed="rId3">
+            <a:extLst>
+              <a:ext uri="{28A0092B-C50C-407E-A947-70E740481C1C}">
+                <a14:useLocalDpi xmlns:a14="http://schemas.microsoft.com/office/drawing/2010/main" val="0"/>
+              </a:ext>
+            </a:extLst>
+          </a:blip>
+          <a:stretch>
+            <a:fillRect/>
+          </a:stretch>
+        </p:blipFill>
+        <p:spPr>
+          <a:xfrm>
+            <a:off x="4249159" y="2244404"/>
+            <a:ext cx="1224971" cy="1023856"/>
+          </a:xfrm>
+          <a:prstGeom prst="rect">
+            <a:avLst/>
+          </a:prstGeom>
+        </p:spPr>
+      </p:pic>
+      <p:pic>
+        <p:nvPicPr>
+          <p:cNvPr id="6" name="Рисунок 5"/>
+          <p:cNvPicPr>
+            <a:picLocks noChangeAspect="1"/>
+          </p:cNvPicPr>
+          <p:nvPr/>
+        </p:nvPicPr>
+        <p:blipFill>
+          <a:blip r:embed="rId4">
+            <a:extLst>
+              <a:ext uri="{28A0092B-C50C-407E-A947-70E740481C1C}">
+                <a14:useLocalDpi xmlns:a14="http://schemas.microsoft.com/office/drawing/2010/main" val="0"/>
+              </a:ext>
+            </a:extLst>
+          </a:blip>
+          <a:stretch>
+            <a:fillRect/>
+          </a:stretch>
+        </p:blipFill>
+        <p:spPr>
+          <a:xfrm>
+            <a:off x="4224842" y="1542709"/>
+            <a:ext cx="2065996" cy="578966"/>
+          </a:xfrm>
+          <a:prstGeom prst="rect">
+            <a:avLst/>
+          </a:prstGeom>
+        </p:spPr>
+      </p:pic>
+      <p:pic>
+        <p:nvPicPr>
+          <p:cNvPr id="7" name="Рисунок 6"/>
+          <p:cNvPicPr>
+            <a:picLocks noChangeAspect="1"/>
+          </p:cNvPicPr>
+          <p:nvPr/>
+        </p:nvPicPr>
+        <p:blipFill>
+          <a:blip r:embed="rId5">
+            <a:extLst>
+              <a:ext uri="{28A0092B-C50C-407E-A947-70E740481C1C}">
+                <a14:useLocalDpi xmlns:a14="http://schemas.microsoft.com/office/drawing/2010/main" val="0"/>
+              </a:ext>
+            </a:extLst>
+          </a:blip>
+          <a:stretch>
+            <a:fillRect/>
+          </a:stretch>
+        </p:blipFill>
+        <p:spPr>
+          <a:xfrm>
+            <a:off x="6290838" y="1470027"/>
+            <a:ext cx="2096468" cy="2523074"/>
+          </a:xfrm>
+          <a:prstGeom prst="rect">
+            <a:avLst/>
+          </a:prstGeom>
+        </p:spPr>
+      </p:pic>
+      <p:pic>
+        <p:nvPicPr>
+          <p:cNvPr id="8" name="Рисунок 7"/>
+          <p:cNvPicPr>
+            <a:picLocks noChangeAspect="1"/>
+          </p:cNvPicPr>
+          <p:nvPr/>
+        </p:nvPicPr>
+        <p:blipFill>
+          <a:blip r:embed="rId6">
+            <a:extLst>
+              <a:ext uri="{28A0092B-C50C-407E-A947-70E740481C1C}">
+                <a14:useLocalDpi xmlns:a14="http://schemas.microsoft.com/office/drawing/2010/main" val="0"/>
+              </a:ext>
+            </a:extLst>
+          </a:blip>
+          <a:stretch>
+            <a:fillRect/>
+          </a:stretch>
+        </p:blipFill>
+        <p:spPr>
+          <a:xfrm>
+            <a:off x="866775" y="1500048"/>
+            <a:ext cx="2876549" cy="621627"/>
+          </a:xfrm>
+          <a:prstGeom prst="rect">
+            <a:avLst/>
+          </a:prstGeom>
+        </p:spPr>
+      </p:pic>
+      <p:pic>
+        <p:nvPicPr>
+          <p:cNvPr id="9" name="Рисунок 8"/>
+          <p:cNvPicPr>
+            <a:picLocks noChangeAspect="1"/>
+          </p:cNvPicPr>
+          <p:nvPr/>
+        </p:nvPicPr>
+        <p:blipFill>
+          <a:blip r:embed="rId7">
+            <a:extLst>
+              <a:ext uri="{28A0092B-C50C-407E-A947-70E740481C1C}">
+                <a14:useLocalDpi xmlns:a14="http://schemas.microsoft.com/office/drawing/2010/main" val="0"/>
+              </a:ext>
+            </a:extLst>
+          </a:blip>
+          <a:stretch>
+            <a:fillRect/>
+          </a:stretch>
+        </p:blipFill>
+        <p:spPr>
+          <a:xfrm>
+            <a:off x="4246112" y="3343364"/>
+            <a:ext cx="1231064" cy="469267"/>
+          </a:xfrm>
+          <a:prstGeom prst="rect">
+            <a:avLst/>
+          </a:prstGeom>
+        </p:spPr>
+      </p:pic>
+      <p:pic>
+        <p:nvPicPr>
+          <p:cNvPr id="10" name="Рисунок 9"/>
+          <p:cNvPicPr>
+            <a:picLocks noChangeAspect="1"/>
+          </p:cNvPicPr>
+          <p:nvPr/>
+        </p:nvPicPr>
+        <p:blipFill>
+          <a:blip r:embed="rId8">
+            <a:extLst>
+              <a:ext uri="{28A0092B-C50C-407E-A947-70E740481C1C}">
+                <a14:useLocalDpi xmlns:a14="http://schemas.microsoft.com/office/drawing/2010/main" val="0"/>
+              </a:ext>
+            </a:extLst>
+          </a:blip>
+          <a:stretch>
+            <a:fillRect/>
+          </a:stretch>
+        </p:blipFill>
+        <p:spPr>
+          <a:xfrm>
+            <a:off x="4246112" y="3982985"/>
+            <a:ext cx="2876550" cy="2693718"/>
+          </a:xfrm>
+          <a:prstGeom prst="rect">
+            <a:avLst/>
+          </a:prstGeom>
+        </p:spPr>
+      </p:pic>
+    </p:spTree>
+    <p:extLst>
+      <p:ext uri="{BB962C8B-B14F-4D97-AF65-F5344CB8AC3E}">
+        <p14:creationId xmlns:p14="http://schemas.microsoft.com/office/powerpoint/2010/main" val="836432680"/>
+      </p:ext>
+    </p:extLst>
+  </p:cSld>
+  <p:clrMapOvr>
+    <a:masterClrMapping/>
+  </p:clrMapOvr>
+  <p:timing>
+    <p:tnLst>
+      <p:par>
+        <p:cTn id="1" dur="indefinite" restart="never" nodeType="tmRoot"/>
+      </p:par>
+    </p:tnLst>
+  </p:timing>
+</p:sld>
+</file>
+
+<file path=ppt/slides/slide12.xml><?xml version="1.0" encoding="utf-8"?>
+<p:sld xmlns:a="http://schemas.openxmlformats.org/drawingml/2006/main" xmlns:r="http://schemas.openxmlformats.org/officeDocument/2006/relationships" xmlns:p="http://schemas.openxmlformats.org/presentationml/2006/main">
+  <p:cSld>
+    <p:spTree>
+      <p:nvGrpSpPr>
+        <p:cNvPr id="1" name=""/>
+        <p:cNvGrpSpPr/>
+        <p:nvPr/>
+      </p:nvGrpSpPr>
+      <p:grpSpPr>
+        <a:xfrm>
+          <a:off x="0" y="0"/>
+          <a:ext cx="0" cy="0"/>
+          <a:chOff x="0" y="0"/>
+          <a:chExt cx="0" cy="0"/>
+        </a:xfrm>
+      </p:grpSpPr>
+      <p:sp>
+        <p:nvSpPr>
+          <p:cNvPr id="3" name="Заголовок 2"/>
+          <p:cNvSpPr>
+            <a:spLocks noGrp="1"/>
+          </p:cNvSpPr>
+          <p:nvPr>
+            <p:ph type="title"/>
+          </p:nvPr>
+        </p:nvSpPr>
+        <p:spPr/>
+        <p:txBody>
+          <a:bodyPr>
+            <a:normAutofit/>
+          </a:bodyPr>
+          <a:lstStyle/>
+          <a:p>
+            <a:r>
+              <a:rPr lang="ru-RU" dirty="0" smtClean="0"/>
+              <a:t>Верстка: </a:t>
+            </a:r>
+            <a:r>
+              <a:rPr lang="en-US" sz="3600" dirty="0"/>
+              <a:t>l</a:t>
+            </a:r>
+            <a:r>
+              <a:rPr lang="en-US" sz="3600" dirty="0" smtClean="0"/>
+              <a:t>ayout-</a:t>
+            </a:r>
+            <a:r>
+              <a:rPr lang="ru-RU" sz="3600" dirty="0" smtClean="0"/>
+              <a:t>примитивы</a:t>
+            </a:r>
+            <a:endParaRPr lang="ru-RU" dirty="0"/>
+          </a:p>
+        </p:txBody>
+      </p:sp>
+      <p:sp>
+        <p:nvSpPr>
+          <p:cNvPr id="4" name="Прямоугольник 3"/>
+          <p:cNvSpPr/>
+          <p:nvPr/>
+        </p:nvSpPr>
+        <p:spPr>
+          <a:xfrm>
+            <a:off x="953666" y="3133725"/>
+            <a:ext cx="7236619" cy="1514475"/>
+          </a:xfrm>
+          <a:prstGeom prst="rect">
+            <a:avLst/>
+          </a:prstGeom>
+          <a:noFill/>
+          <a:ln w="28575" cap="flat" cmpd="sng" algn="ctr">
+            <a:solidFill>
+              <a:schemeClr val="accent1"/>
+            </a:solidFill>
+            <a:prstDash val="solid"/>
+            <a:round/>
+            <a:headEnd type="none" w="med" len="med"/>
+            <a:tailEnd type="none" w="med" len="med"/>
+          </a:ln>
+        </p:spPr>
+        <p:style>
+          <a:lnRef idx="0">
+            <a:scrgbClr r="0" g="0" b="0"/>
+          </a:lnRef>
+          <a:fillRef idx="0">
+            <a:scrgbClr r="0" g="0" b="0"/>
+          </a:fillRef>
+          <a:effectRef idx="0">
+            <a:scrgbClr r="0" g="0" b="0"/>
+          </a:effectRef>
+          <a:fontRef idx="minor">
+            <a:schemeClr val="accent1"/>
+          </a:fontRef>
+        </p:style>
+        <p:txBody>
+          <a:bodyPr rtlCol="0" anchor="ctr"/>
+          <a:lstStyle/>
+          <a:p>
+            <a:pPr algn="ctr"/>
+            <a:endParaRPr lang="ru-RU"/>
+          </a:p>
+        </p:txBody>
+      </p:sp>
+      <p:sp>
+        <p:nvSpPr>
+          <p:cNvPr id="5" name="TextBox 4"/>
+          <p:cNvSpPr txBox="1"/>
+          <p:nvPr/>
+        </p:nvSpPr>
+        <p:spPr>
+          <a:xfrm>
+            <a:off x="1099766" y="3778250"/>
+            <a:ext cx="914400" cy="355600"/>
+          </a:xfrm>
+          <a:prstGeom prst="rect">
+            <a:avLst/>
+          </a:prstGeom>
+        </p:spPr>
+        <p:txBody>
+          <a:bodyPr wrap="none" lIns="0" rtlCol="0" anchor="b">
+            <a:noAutofit/>
+          </a:bodyPr>
+          <a:lstStyle/>
+          <a:p>
+            <a:r>
+              <a:rPr lang="en-US" sz="2400" dirty="0" smtClean="0"/>
+              <a:t>Fit</a:t>
+            </a:r>
+            <a:endParaRPr lang="ru-RU" sz="2400" dirty="0" smtClean="0"/>
+          </a:p>
+        </p:txBody>
+      </p:sp>
+      <p:sp>
+        <p:nvSpPr>
+          <p:cNvPr id="6" name="TextBox 5"/>
+          <p:cNvSpPr txBox="1"/>
+          <p:nvPr/>
+        </p:nvSpPr>
+        <p:spPr>
+          <a:xfrm>
+            <a:off x="7733085" y="3778250"/>
+            <a:ext cx="914400" cy="355600"/>
+          </a:xfrm>
+          <a:prstGeom prst="rect">
+            <a:avLst/>
+          </a:prstGeom>
+        </p:spPr>
+        <p:txBody>
+          <a:bodyPr wrap="none" lIns="0" rtlCol="0" anchor="b">
+            <a:noAutofit/>
+          </a:bodyPr>
+          <a:lstStyle/>
+          <a:p>
+            <a:r>
+              <a:rPr lang="en-US" sz="2400" dirty="0" smtClean="0"/>
+              <a:t>Fit</a:t>
+            </a:r>
+            <a:endParaRPr lang="ru-RU" sz="2400" dirty="0" smtClean="0"/>
+          </a:p>
+        </p:txBody>
+      </p:sp>
+      <p:sp>
+        <p:nvSpPr>
+          <p:cNvPr id="7" name="TextBox 6"/>
+          <p:cNvSpPr txBox="1"/>
+          <p:nvPr/>
+        </p:nvSpPr>
+        <p:spPr>
+          <a:xfrm>
+            <a:off x="1760216" y="3778250"/>
+            <a:ext cx="914400" cy="355600"/>
+          </a:xfrm>
+          <a:prstGeom prst="rect">
+            <a:avLst/>
+          </a:prstGeom>
+        </p:spPr>
+        <p:txBody>
+          <a:bodyPr wrap="none" lIns="0" rtlCol="0" anchor="b">
+            <a:noAutofit/>
+          </a:bodyPr>
+          <a:lstStyle/>
+          <a:p>
+            <a:r>
+              <a:rPr lang="en-US" sz="2400" dirty="0" smtClean="0"/>
+              <a:t>Fixed </a:t>
+            </a:r>
+            <a:r>
+              <a:rPr lang="en-US" sz="2400" dirty="0" err="1" smtClean="0"/>
+              <a:t>wi</a:t>
+            </a:r>
+            <a:r>
+              <a:rPr lang="en-US" sz="2400" dirty="0" smtClean="0"/>
+              <a:t>…</a:t>
+            </a:r>
+            <a:endParaRPr lang="ru-RU" sz="2400" dirty="0" smtClean="0"/>
+          </a:p>
+        </p:txBody>
+      </p:sp>
+      <p:sp>
+        <p:nvSpPr>
+          <p:cNvPr id="8" name="TextBox 7"/>
+          <p:cNvSpPr txBox="1"/>
+          <p:nvPr/>
+        </p:nvSpPr>
+        <p:spPr>
+          <a:xfrm>
+            <a:off x="3354016" y="3778250"/>
+            <a:ext cx="914400" cy="355600"/>
+          </a:xfrm>
+          <a:prstGeom prst="rect">
+            <a:avLst/>
+          </a:prstGeom>
+        </p:spPr>
+        <p:txBody>
+          <a:bodyPr wrap="none" lIns="0" rtlCol="0" anchor="b">
+            <a:noAutofit/>
+          </a:bodyPr>
+          <a:lstStyle/>
+          <a:p>
+            <a:r>
+              <a:rPr lang="en-US" sz="2400" dirty="0" smtClean="0"/>
+              <a:t>Fi</a:t>
+            </a:r>
+            <a:r>
+              <a:rPr lang="en-US" sz="2400" dirty="0" smtClean="0"/>
+              <a:t>ll</a:t>
+            </a:r>
+            <a:endParaRPr lang="ru-RU" sz="2400" dirty="0" smtClean="0"/>
+          </a:p>
+        </p:txBody>
+      </p:sp>
+      <p:cxnSp>
+        <p:nvCxnSpPr>
+          <p:cNvPr id="10" name="Прямая соединительная линия 9"/>
+          <p:cNvCxnSpPr/>
+          <p:nvPr/>
+        </p:nvCxnSpPr>
+        <p:spPr>
+          <a:xfrm>
+            <a:off x="1619250" y="3133725"/>
+            <a:ext cx="6350" cy="1514475"/>
+          </a:xfrm>
+          <a:prstGeom prst="line">
+            <a:avLst/>
+          </a:prstGeom>
+          <a:ln w="28575"/>
+        </p:spPr>
+        <p:style>
+          <a:lnRef idx="1">
+            <a:schemeClr val="accent1"/>
+          </a:lnRef>
+          <a:fillRef idx="0">
+            <a:schemeClr val="accent1"/>
+          </a:fillRef>
+          <a:effectRef idx="0">
+            <a:schemeClr val="accent1"/>
+          </a:effectRef>
+          <a:fontRef idx="minor">
+            <a:schemeClr val="tx1"/>
+          </a:fontRef>
+        </p:style>
+      </p:cxnSp>
+      <p:cxnSp>
+        <p:nvCxnSpPr>
+          <p:cNvPr id="11" name="Прямая соединительная линия 10"/>
+          <p:cNvCxnSpPr/>
+          <p:nvPr/>
+        </p:nvCxnSpPr>
+        <p:spPr>
+          <a:xfrm>
+            <a:off x="3171825" y="3133724"/>
+            <a:ext cx="6350" cy="1514475"/>
+          </a:xfrm>
+          <a:prstGeom prst="line">
+            <a:avLst/>
+          </a:prstGeom>
+          <a:ln w="28575"/>
+        </p:spPr>
+        <p:style>
+          <a:lnRef idx="1">
+            <a:schemeClr val="accent1"/>
+          </a:lnRef>
+          <a:fillRef idx="0">
+            <a:schemeClr val="accent1"/>
+          </a:fillRef>
+          <a:effectRef idx="0">
+            <a:schemeClr val="accent1"/>
+          </a:effectRef>
+          <a:fontRef idx="minor">
+            <a:schemeClr val="tx1"/>
+          </a:fontRef>
+        </p:style>
+      </p:cxnSp>
+      <p:cxnSp>
+        <p:nvCxnSpPr>
+          <p:cNvPr id="12" name="Прямая соединительная линия 11"/>
+          <p:cNvCxnSpPr/>
+          <p:nvPr/>
+        </p:nvCxnSpPr>
+        <p:spPr>
+          <a:xfrm>
+            <a:off x="7562850" y="3133724"/>
+            <a:ext cx="6350" cy="1514475"/>
+          </a:xfrm>
+          <a:prstGeom prst="line">
+            <a:avLst/>
+          </a:prstGeom>
+          <a:ln w="28575"/>
+        </p:spPr>
+        <p:style>
+          <a:lnRef idx="1">
+            <a:schemeClr val="accent1"/>
+          </a:lnRef>
+          <a:fillRef idx="0">
+            <a:schemeClr val="accent1"/>
+          </a:fillRef>
+          <a:effectRef idx="0">
+            <a:schemeClr val="accent1"/>
+          </a:effectRef>
+          <a:fontRef idx="minor">
+            <a:schemeClr val="tx1"/>
+          </a:fontRef>
+        </p:style>
+      </p:cxnSp>
+    </p:spTree>
+    <p:extLst>
+      <p:ext uri="{BB962C8B-B14F-4D97-AF65-F5344CB8AC3E}">
+        <p14:creationId xmlns:p14="http://schemas.microsoft.com/office/powerpoint/2010/main" val="3300964618"/>
+      </p:ext>
+    </p:extLst>
+  </p:cSld>
+  <p:clrMapOvr>
+    <a:masterClrMapping/>
+  </p:clrMapOvr>
+  <p:timing>
+    <p:tnLst>
+      <p:par>
+        <p:cTn id="1" dur="indefinite" restart="never" nodeType="tmRoot"/>
+      </p:par>
+    </p:tnLst>
+  </p:timing>
+</p:sld>
+</file>
+
+<file path=ppt/slides/slide13.xml><?xml version="1.0" encoding="utf-8"?>
+<p:sld xmlns:a="http://schemas.openxmlformats.org/drawingml/2006/main" xmlns:r="http://schemas.openxmlformats.org/officeDocument/2006/relationships" xmlns:p="http://schemas.openxmlformats.org/presentationml/2006/main">
+  <p:cSld>
+    <p:spTree>
+      <p:nvGrpSpPr>
+        <p:cNvPr id="1" name=""/>
+        <p:cNvGrpSpPr/>
+        <p:nvPr/>
+      </p:nvGrpSpPr>
+      <p:grpSpPr>
+        <a:xfrm>
+          <a:off x="0" y="0"/>
+          <a:ext cx="0" cy="0"/>
+          <a:chOff x="0" y="0"/>
+          <a:chExt cx="0" cy="0"/>
+        </a:xfrm>
+      </p:grpSpPr>
+      <p:pic>
+        <p:nvPicPr>
+          <p:cNvPr id="4" name="Рисунок 3"/>
+          <p:cNvPicPr>
+            <a:picLocks noChangeAspect="1"/>
+          </p:cNvPicPr>
+          <p:nvPr/>
+        </p:nvPicPr>
+        <p:blipFill>
+          <a:blip r:embed="rId2">
+            <a:extLst>
+              <a:ext uri="{28A0092B-C50C-407E-A947-70E740481C1C}">
+                <a14:useLocalDpi xmlns:a14="http://schemas.microsoft.com/office/drawing/2010/main" val="0"/>
+              </a:ext>
+            </a:extLst>
+          </a:blip>
+          <a:stretch>
+            <a:fillRect/>
+          </a:stretch>
+        </p:blipFill>
+        <p:spPr>
+          <a:xfrm>
+            <a:off x="-2035835" y="-181155"/>
+            <a:ext cx="12728755" cy="7159925"/>
+          </a:xfrm>
+          <a:prstGeom prst="rect">
+            <a:avLst/>
+          </a:prstGeom>
+        </p:spPr>
+      </p:pic>
+    </p:spTree>
+    <p:extLst>
+      <p:ext uri="{BB962C8B-B14F-4D97-AF65-F5344CB8AC3E}">
+        <p14:creationId xmlns:p14="http://schemas.microsoft.com/office/powerpoint/2010/main" val="1507502187"/>
+      </p:ext>
+    </p:extLst>
+  </p:cSld>
+  <p:clrMapOvr>
+    <a:masterClrMapping/>
+  </p:clrMapOvr>
+  <p:timing>
+    <p:tnLst>
+      <p:par>
+        <p:cTn id="1" dur="indefinite" restart="never" nodeType="tmRoot"/>
+      </p:par>
+    </p:tnLst>
+  </p:timing>
+</p:sld>
+</file>
+
+<file path=ppt/slides/slide14.xml><?xml version="1.0" encoding="utf-8"?>
+<p:sld xmlns:a="http://schemas.openxmlformats.org/drawingml/2006/main" xmlns:r="http://schemas.openxmlformats.org/officeDocument/2006/relationships" xmlns:p="http://schemas.openxmlformats.org/presentationml/2006/main">
+  <p:cSld>
+    <p:spTree>
+      <p:nvGrpSpPr>
+        <p:cNvPr id="1" name=""/>
+        <p:cNvGrpSpPr/>
+        <p:nvPr/>
+      </p:nvGrpSpPr>
+      <p:grpSpPr>
+        <a:xfrm>
+          <a:off x="0" y="0"/>
+          <a:ext cx="0" cy="0"/>
+          <a:chOff x="0" y="0"/>
+          <a:chExt cx="0" cy="0"/>
+        </a:xfrm>
+      </p:grpSpPr>
+      <p:pic>
+        <p:nvPicPr>
+          <p:cNvPr id="4" name="Рисунок 3"/>
+          <p:cNvPicPr>
+            <a:picLocks noChangeAspect="1"/>
+          </p:cNvPicPr>
+          <p:nvPr/>
+        </p:nvPicPr>
+        <p:blipFill>
+          <a:blip r:embed="rId2">
+            <a:duotone>
+              <a:schemeClr val="bg2">
+                <a:shade val="45000"/>
+                <a:satMod val="135000"/>
+              </a:schemeClr>
+              <a:prstClr val="white"/>
+            </a:duotone>
+            <a:extLst>
+              <a:ext uri="{28A0092B-C50C-407E-A947-70E740481C1C}">
+                <a14:useLocalDpi xmlns:a14="http://schemas.microsoft.com/office/drawing/2010/main" val="0"/>
+              </a:ext>
+            </a:extLst>
+          </a:blip>
+          <a:stretch>
+            <a:fillRect/>
+          </a:stretch>
+        </p:blipFill>
+        <p:spPr>
+          <a:xfrm>
+            <a:off x="-2035835" y="-181155"/>
+            <a:ext cx="12728755" cy="7159925"/>
+          </a:xfrm>
+          <a:prstGeom prst="rect">
+            <a:avLst/>
+          </a:prstGeom>
+        </p:spPr>
+      </p:pic>
+    </p:spTree>
+    <p:extLst>
+      <p:ext uri="{BB962C8B-B14F-4D97-AF65-F5344CB8AC3E}">
+        <p14:creationId xmlns:p14="http://schemas.microsoft.com/office/powerpoint/2010/main" val="213230064"/>
+      </p:ext>
+    </p:extLst>
+  </p:cSld>
+  <p:clrMapOvr>
+    <a:masterClrMapping/>
+  </p:clrMapOvr>
+  <p:timing>
+    <p:tnLst>
+      <p:par>
+        <p:cTn id="1" dur="indefinite" restart="never" nodeType="tmRoot"/>
+      </p:par>
+    </p:tnLst>
+  </p:timing>
+</p:sld>
+</file>
+
+<file path=ppt/slides/slide15.xml><?xml version="1.0" encoding="utf-8"?>
+<p:sld xmlns:a="http://schemas.openxmlformats.org/drawingml/2006/main" xmlns:r="http://schemas.openxmlformats.org/officeDocument/2006/relationships" xmlns:p="http://schemas.openxmlformats.org/presentationml/2006/main">
+  <p:cSld>
+    <p:spTree>
+      <p:nvGrpSpPr>
+        <p:cNvPr id="1" name=""/>
+        <p:cNvGrpSpPr/>
+        <p:nvPr/>
+      </p:nvGrpSpPr>
+      <p:grpSpPr>
+        <a:xfrm>
+          <a:off x="0" y="0"/>
+          <a:ext cx="0" cy="0"/>
+          <a:chOff x="0" y="0"/>
+          <a:chExt cx="0" cy="0"/>
+        </a:xfrm>
+      </p:grpSpPr>
+      <p:sp>
+        <p:nvSpPr>
           <p:cNvPr id="3" name="Текст 2"/>
           <p:cNvSpPr>
             <a:spLocks noGrp="1"/>
@@ -8632,7 +9496,7 @@
 </p:sld>
 </file>
 
-<file path=ppt/slides/slide11.xml><?xml version="1.0" encoding="utf-8"?>
+<file path=ppt/slides/slide16.xml><?xml version="1.0" encoding="utf-8"?>
 <p:sld xmlns:a="http://schemas.openxmlformats.org/drawingml/2006/main" xmlns:r="http://schemas.openxmlformats.org/officeDocument/2006/relationships" xmlns:p="http://schemas.openxmlformats.org/presentationml/2006/main">
   <p:cSld>
     <p:spTree>
@@ -9425,7 +10289,7 @@
 </p:sld>
 </file>
 
-<file path=ppt/slides/slide12.xml><?xml version="1.0" encoding="utf-8"?>
+<file path=ppt/slides/slide17.xml><?xml version="1.0" encoding="utf-8"?>
 <p:sld xmlns:a="http://schemas.openxmlformats.org/drawingml/2006/main" xmlns:r="http://schemas.openxmlformats.org/officeDocument/2006/relationships" xmlns:p="http://schemas.openxmlformats.org/presentationml/2006/main">
   <p:cSld>
     <p:spTree>
@@ -10068,7 +10932,7 @@
 </p:sld>
 </file>
 
-<file path=ppt/slides/slide13.xml><?xml version="1.0" encoding="utf-8"?>
+<file path=ppt/slides/slide18.xml><?xml version="1.0" encoding="utf-8"?>
 <p:sld xmlns:a="http://schemas.openxmlformats.org/drawingml/2006/main" xmlns:r="http://schemas.openxmlformats.org/officeDocument/2006/relationships" xmlns:p="http://schemas.openxmlformats.org/presentationml/2006/main">
   <p:cSld>
     <p:spTree>
@@ -10705,7 +11569,7 @@
 </p:sld>
 </file>
 
-<file path=ppt/slides/slide14.xml><?xml version="1.0" encoding="utf-8"?>
+<file path=ppt/slides/slide19.xml><?xml version="1.0" encoding="utf-8"?>
 <p:sld xmlns:a="http://schemas.openxmlformats.org/drawingml/2006/main" xmlns:r="http://schemas.openxmlformats.org/officeDocument/2006/relationships" xmlns:p="http://schemas.openxmlformats.org/presentationml/2006/main">
   <p:cSld>
     <p:spTree>
@@ -10971,391 +11835,6 @@
 </p:sld>
 </file>
 
-<file path=ppt/slides/slide15.xml><?xml version="1.0" encoding="utf-8"?>
-<p:sld xmlns:a="http://schemas.openxmlformats.org/drawingml/2006/main" xmlns:r="http://schemas.openxmlformats.org/officeDocument/2006/relationships" xmlns:p="http://schemas.openxmlformats.org/presentationml/2006/main">
-  <p:cSld>
-    <p:spTree>
-      <p:nvGrpSpPr>
-        <p:cNvPr id="1" name=""/>
-        <p:cNvGrpSpPr/>
-        <p:nvPr/>
-      </p:nvGrpSpPr>
-      <p:grpSpPr>
-        <a:xfrm>
-          <a:off x="0" y="0"/>
-          <a:ext cx="0" cy="0"/>
-          <a:chOff x="0" y="0"/>
-          <a:chExt cx="0" cy="0"/>
-        </a:xfrm>
-      </p:grpSpPr>
-      <p:sp>
-        <p:nvSpPr>
-          <p:cNvPr id="3" name="Объект 2"/>
-          <p:cNvSpPr>
-            <a:spLocks noGrp="1"/>
-          </p:cNvSpPr>
-          <p:nvPr>
-            <p:ph sz="quarter" idx="13"/>
-          </p:nvPr>
-        </p:nvSpPr>
-        <p:spPr/>
-        <p:txBody>
-          <a:bodyPr/>
-          <a:lstStyle/>
-          <a:p>
-            <a:r>
-              <a:rPr lang="ru-RU" dirty="0" smtClean="0"/>
-              <a:t>Повышение технологического имиджа фронтенд разработки Контура</a:t>
-            </a:r>
-          </a:p>
-          <a:p>
-            <a:r>
-              <a:rPr lang="ru-RU" dirty="0" smtClean="0"/>
-              <a:t>Развитие сообщества фронтенд разработчиков</a:t>
-            </a:r>
-          </a:p>
-          <a:p>
-            <a:endParaRPr lang="ru-RU" dirty="0" smtClean="0"/>
-          </a:p>
-          <a:p>
-            <a:endParaRPr lang="ru-RU" dirty="0"/>
-          </a:p>
-        </p:txBody>
-      </p:sp>
-      <p:sp>
-        <p:nvSpPr>
-          <p:cNvPr id="2" name="Заголовок 1"/>
-          <p:cNvSpPr>
-            <a:spLocks noGrp="1"/>
-          </p:cNvSpPr>
-          <p:nvPr>
-            <p:ph type="title"/>
-          </p:nvPr>
-        </p:nvSpPr>
-        <p:spPr/>
-        <p:txBody>
-          <a:bodyPr/>
-          <a:lstStyle/>
-          <a:p>
-            <a:r>
-              <a:rPr lang="ru-RU" dirty="0" smtClean="0"/>
-              <a:t>Шаги</a:t>
-            </a:r>
-            <a:endParaRPr lang="ru-RU" dirty="0"/>
-          </a:p>
-        </p:txBody>
-      </p:sp>
-    </p:spTree>
-    <p:extLst>
-      <p:ext uri="{BB962C8B-B14F-4D97-AF65-F5344CB8AC3E}">
-        <p14:creationId xmlns:p14="http://schemas.microsoft.com/office/powerpoint/2010/main" val="3458300746"/>
-      </p:ext>
-    </p:extLst>
-  </p:cSld>
-  <p:clrMapOvr>
-    <a:masterClrMapping/>
-  </p:clrMapOvr>
-  <p:timing>
-    <p:tnLst>
-      <p:par>
-        <p:cTn id="1" dur="indefinite" restart="never" nodeType="tmRoot"/>
-      </p:par>
-    </p:tnLst>
-  </p:timing>
-</p:sld>
-</file>
-
-<file path=ppt/slides/slide16.xml><?xml version="1.0" encoding="utf-8"?>
-<p:sld xmlns:a="http://schemas.openxmlformats.org/drawingml/2006/main" xmlns:r="http://schemas.openxmlformats.org/officeDocument/2006/relationships" xmlns:p="http://schemas.openxmlformats.org/presentationml/2006/main">
-  <p:cSld>
-    <p:spTree>
-      <p:nvGrpSpPr>
-        <p:cNvPr id="1" name=""/>
-        <p:cNvGrpSpPr/>
-        <p:nvPr/>
-      </p:nvGrpSpPr>
-      <p:grpSpPr>
-        <a:xfrm>
-          <a:off x="0" y="0"/>
-          <a:ext cx="0" cy="0"/>
-          <a:chOff x="0" y="0"/>
-          <a:chExt cx="0" cy="0"/>
-        </a:xfrm>
-      </p:grpSpPr>
-      <p:sp>
-        <p:nvSpPr>
-          <p:cNvPr id="2" name="Объект 1"/>
-          <p:cNvSpPr>
-            <a:spLocks noGrp="1"/>
-          </p:cNvSpPr>
-          <p:nvPr>
-            <p:ph sz="quarter" idx="13"/>
-          </p:nvPr>
-        </p:nvSpPr>
-        <p:spPr/>
-        <p:txBody>
-          <a:bodyPr/>
-          <a:lstStyle/>
-          <a:p>
-            <a:r>
-              <a:rPr lang="ru-RU" dirty="0" smtClean="0"/>
-              <a:t>Сделайте задачу на фронте. Творчески.</a:t>
-            </a:r>
-            <a:endParaRPr lang="ru-RU" dirty="0"/>
-          </a:p>
-        </p:txBody>
-      </p:sp>
-      <p:sp>
-        <p:nvSpPr>
-          <p:cNvPr id="3" name="Заголовок 2"/>
-          <p:cNvSpPr>
-            <a:spLocks noGrp="1"/>
-          </p:cNvSpPr>
-          <p:nvPr>
-            <p:ph type="title"/>
-          </p:nvPr>
-        </p:nvSpPr>
-        <p:spPr/>
-        <p:txBody>
-          <a:bodyPr/>
-          <a:lstStyle/>
-          <a:p>
-            <a:r>
-              <a:rPr lang="en-US" dirty="0" smtClean="0"/>
-              <a:t>Backend</a:t>
-            </a:r>
-            <a:endParaRPr lang="ru-RU" dirty="0"/>
-          </a:p>
-        </p:txBody>
-      </p:sp>
-    </p:spTree>
-    <p:extLst>
-      <p:ext uri="{BB962C8B-B14F-4D97-AF65-F5344CB8AC3E}">
-        <p14:creationId xmlns:p14="http://schemas.microsoft.com/office/powerpoint/2010/main" val="265700734"/>
-      </p:ext>
-    </p:extLst>
-  </p:cSld>
-  <p:clrMapOvr>
-    <a:masterClrMapping/>
-  </p:clrMapOvr>
-  <p:timing>
-    <p:tnLst>
-      <p:par>
-        <p:cTn id="1" dur="indefinite" restart="never" nodeType="tmRoot"/>
-      </p:par>
-    </p:tnLst>
-  </p:timing>
-</p:sld>
-</file>
-
-<file path=ppt/slides/slide17.xml><?xml version="1.0" encoding="utf-8"?>
-<p:sld xmlns:a="http://schemas.openxmlformats.org/drawingml/2006/main" xmlns:r="http://schemas.openxmlformats.org/officeDocument/2006/relationships" xmlns:p="http://schemas.openxmlformats.org/presentationml/2006/main">
-  <p:cSld>
-    <p:spTree>
-      <p:nvGrpSpPr>
-        <p:cNvPr id="1" name=""/>
-        <p:cNvGrpSpPr/>
-        <p:nvPr/>
-      </p:nvGrpSpPr>
-      <p:grpSpPr>
-        <a:xfrm>
-          <a:off x="0" y="0"/>
-          <a:ext cx="0" cy="0"/>
-          <a:chOff x="0" y="0"/>
-          <a:chExt cx="0" cy="0"/>
-        </a:xfrm>
-      </p:grpSpPr>
-      <p:sp>
-        <p:nvSpPr>
-          <p:cNvPr id="2" name="Объект 1"/>
-          <p:cNvSpPr>
-            <a:spLocks noGrp="1"/>
-          </p:cNvSpPr>
-          <p:nvPr>
-            <p:ph sz="quarter" idx="13"/>
-          </p:nvPr>
-        </p:nvSpPr>
-        <p:spPr/>
-        <p:txBody>
-          <a:bodyPr/>
-          <a:lstStyle/>
-          <a:p>
-            <a:r>
-              <a:rPr lang="ru-RU" dirty="0" smtClean="0"/>
-              <a:t>Покажите код </a:t>
-            </a:r>
-            <a:r>
-              <a:rPr lang="ru-RU" dirty="0" err="1" smtClean="0"/>
-              <a:t>бэкенд</a:t>
-            </a:r>
-            <a:r>
-              <a:rPr lang="ru-RU" dirty="0" smtClean="0"/>
-              <a:t> разработчикам</a:t>
-            </a:r>
-            <a:endParaRPr lang="ru-RU" dirty="0"/>
-          </a:p>
-        </p:txBody>
-      </p:sp>
-      <p:sp>
-        <p:nvSpPr>
-          <p:cNvPr id="3" name="Заголовок 2"/>
-          <p:cNvSpPr>
-            <a:spLocks noGrp="1"/>
-          </p:cNvSpPr>
-          <p:nvPr>
-            <p:ph type="title"/>
-          </p:nvPr>
-        </p:nvSpPr>
-        <p:spPr/>
-        <p:txBody>
-          <a:bodyPr/>
-          <a:lstStyle/>
-          <a:p>
-            <a:r>
-              <a:rPr lang="en-US" dirty="0" smtClean="0"/>
-              <a:t>Frontend		</a:t>
-            </a:r>
-            <a:endParaRPr lang="ru-RU" dirty="0"/>
-          </a:p>
-        </p:txBody>
-      </p:sp>
-    </p:spTree>
-    <p:extLst>
-      <p:ext uri="{BB962C8B-B14F-4D97-AF65-F5344CB8AC3E}">
-        <p14:creationId xmlns:p14="http://schemas.microsoft.com/office/powerpoint/2010/main" val="1520479208"/>
-      </p:ext>
-    </p:extLst>
-  </p:cSld>
-  <p:clrMapOvr>
-    <a:masterClrMapping/>
-  </p:clrMapOvr>
-  <p:timing>
-    <p:tnLst>
-      <p:par>
-        <p:cTn id="1" dur="indefinite" restart="never" nodeType="tmRoot"/>
-      </p:par>
-    </p:tnLst>
-  </p:timing>
-</p:sld>
-</file>
-
-<file path=ppt/slides/slide18.xml><?xml version="1.0" encoding="utf-8"?>
-<p:sld xmlns:a="http://schemas.openxmlformats.org/drawingml/2006/main" xmlns:r="http://schemas.openxmlformats.org/officeDocument/2006/relationships" xmlns:p="http://schemas.openxmlformats.org/presentationml/2006/main">
-  <p:cSld>
-    <p:spTree>
-      <p:nvGrpSpPr>
-        <p:cNvPr id="1" name=""/>
-        <p:cNvGrpSpPr/>
-        <p:nvPr/>
-      </p:nvGrpSpPr>
-      <p:grpSpPr>
-        <a:xfrm>
-          <a:off x="0" y="0"/>
-          <a:ext cx="0" cy="0"/>
-          <a:chOff x="0" y="0"/>
-          <a:chExt cx="0" cy="0"/>
-        </a:xfrm>
-      </p:grpSpPr>
-      <p:sp>
-        <p:nvSpPr>
-          <p:cNvPr id="3" name="Текст 2"/>
-          <p:cNvSpPr>
-            <a:spLocks noGrp="1"/>
-          </p:cNvSpPr>
-          <p:nvPr>
-            <p:ph type="body" sz="quarter" idx="15"/>
-          </p:nvPr>
-        </p:nvSpPr>
-        <p:spPr/>
-        <p:txBody>
-          <a:bodyPr/>
-          <a:lstStyle/>
-          <a:p>
-            <a:r>
-              <a:rPr lang="ru-RU" dirty="0" smtClean="0"/>
-              <a:t>Евгений Тихонов</a:t>
-            </a:r>
-            <a:endParaRPr lang="ru-RU" dirty="0"/>
-          </a:p>
-        </p:txBody>
-      </p:sp>
-      <p:sp>
-        <p:nvSpPr>
-          <p:cNvPr id="4" name="Текст 3"/>
-          <p:cNvSpPr>
-            <a:spLocks noGrp="1"/>
-          </p:cNvSpPr>
-          <p:nvPr>
-            <p:ph type="body" sz="quarter" idx="17"/>
-          </p:nvPr>
-        </p:nvSpPr>
-        <p:spPr/>
-        <p:txBody>
-          <a:bodyPr/>
-          <a:lstStyle/>
-          <a:p>
-            <a:endParaRPr lang="ru-RU"/>
-          </a:p>
-        </p:txBody>
-      </p:sp>
-      <p:sp>
-        <p:nvSpPr>
-          <p:cNvPr id="5" name="Текст 4"/>
-          <p:cNvSpPr>
-            <a:spLocks noGrp="1"/>
-          </p:cNvSpPr>
-          <p:nvPr>
-            <p:ph type="body" sz="quarter" idx="18"/>
-          </p:nvPr>
-        </p:nvSpPr>
-        <p:spPr/>
-        <p:txBody>
-          <a:bodyPr/>
-          <a:lstStyle/>
-          <a:p>
-            <a:endParaRPr lang="ru-RU"/>
-          </a:p>
-        </p:txBody>
-      </p:sp>
-      <p:sp>
-        <p:nvSpPr>
-          <p:cNvPr id="6" name="Текст 5"/>
-          <p:cNvSpPr>
-            <a:spLocks noGrp="1"/>
-          </p:cNvSpPr>
-          <p:nvPr>
-            <p:ph type="body" sz="quarter" idx="19"/>
-          </p:nvPr>
-        </p:nvSpPr>
-        <p:spPr/>
-        <p:txBody>
-          <a:bodyPr/>
-          <a:lstStyle/>
-          <a:p>
-            <a:endParaRPr lang="ru-RU"/>
-          </a:p>
-        </p:txBody>
-      </p:sp>
-    </p:spTree>
-    <p:extLst>
-      <p:ext uri="{BB962C8B-B14F-4D97-AF65-F5344CB8AC3E}">
-        <p14:creationId xmlns:p14="http://schemas.microsoft.com/office/powerpoint/2010/main" val="3681795365"/>
-      </p:ext>
-    </p:extLst>
-  </p:cSld>
-  <p:clrMapOvr>
-    <a:masterClrMapping/>
-  </p:clrMapOvr>
-  <p:timing>
-    <p:tnLst>
-      <p:par>
-        <p:cTn id="1" dur="indefinite" restart="never" nodeType="tmRoot"/>
-      </p:par>
-    </p:tnLst>
-  </p:timing>
-</p:sld>
-</file>
-
 <file path=ppt/slides/slide2.xml><?xml version="1.0" encoding="utf-8"?>
 <p:sld xmlns:a="http://schemas.openxmlformats.org/drawingml/2006/main" xmlns:r="http://schemas.openxmlformats.org/officeDocument/2006/relationships" xmlns:p="http://schemas.openxmlformats.org/presentationml/2006/main">
   <p:cSld>
@@ -11407,6 +11886,391 @@
     <p:extLst>
       <p:ext uri="{BB962C8B-B14F-4D97-AF65-F5344CB8AC3E}">
         <p14:creationId xmlns:p14="http://schemas.microsoft.com/office/powerpoint/2010/main" val="3086735521"/>
+      </p:ext>
+    </p:extLst>
+  </p:cSld>
+  <p:clrMapOvr>
+    <a:masterClrMapping/>
+  </p:clrMapOvr>
+  <p:timing>
+    <p:tnLst>
+      <p:par>
+        <p:cTn id="1" dur="indefinite" restart="never" nodeType="tmRoot"/>
+      </p:par>
+    </p:tnLst>
+  </p:timing>
+</p:sld>
+</file>
+
+<file path=ppt/slides/slide20.xml><?xml version="1.0" encoding="utf-8"?>
+<p:sld xmlns:a="http://schemas.openxmlformats.org/drawingml/2006/main" xmlns:r="http://schemas.openxmlformats.org/officeDocument/2006/relationships" xmlns:p="http://schemas.openxmlformats.org/presentationml/2006/main">
+  <p:cSld>
+    <p:spTree>
+      <p:nvGrpSpPr>
+        <p:cNvPr id="1" name=""/>
+        <p:cNvGrpSpPr/>
+        <p:nvPr/>
+      </p:nvGrpSpPr>
+      <p:grpSpPr>
+        <a:xfrm>
+          <a:off x="0" y="0"/>
+          <a:ext cx="0" cy="0"/>
+          <a:chOff x="0" y="0"/>
+          <a:chExt cx="0" cy="0"/>
+        </a:xfrm>
+      </p:grpSpPr>
+      <p:sp>
+        <p:nvSpPr>
+          <p:cNvPr id="3" name="Объект 2"/>
+          <p:cNvSpPr>
+            <a:spLocks noGrp="1"/>
+          </p:cNvSpPr>
+          <p:nvPr>
+            <p:ph sz="quarter" idx="13"/>
+          </p:nvPr>
+        </p:nvSpPr>
+        <p:spPr/>
+        <p:txBody>
+          <a:bodyPr/>
+          <a:lstStyle/>
+          <a:p>
+            <a:r>
+              <a:rPr lang="ru-RU" dirty="0" smtClean="0"/>
+              <a:t>Повышение технологического имиджа фронтенд разработки Контура</a:t>
+            </a:r>
+          </a:p>
+          <a:p>
+            <a:r>
+              <a:rPr lang="ru-RU" dirty="0" smtClean="0"/>
+              <a:t>Развитие сообщества фронтенд разработчиков</a:t>
+            </a:r>
+          </a:p>
+          <a:p>
+            <a:endParaRPr lang="ru-RU" dirty="0" smtClean="0"/>
+          </a:p>
+          <a:p>
+            <a:endParaRPr lang="ru-RU" dirty="0"/>
+          </a:p>
+        </p:txBody>
+      </p:sp>
+      <p:sp>
+        <p:nvSpPr>
+          <p:cNvPr id="2" name="Заголовок 1"/>
+          <p:cNvSpPr>
+            <a:spLocks noGrp="1"/>
+          </p:cNvSpPr>
+          <p:nvPr>
+            <p:ph type="title"/>
+          </p:nvPr>
+        </p:nvSpPr>
+        <p:spPr/>
+        <p:txBody>
+          <a:bodyPr/>
+          <a:lstStyle/>
+          <a:p>
+            <a:r>
+              <a:rPr lang="ru-RU" dirty="0" smtClean="0"/>
+              <a:t>Шаги</a:t>
+            </a:r>
+            <a:endParaRPr lang="ru-RU" dirty="0"/>
+          </a:p>
+        </p:txBody>
+      </p:sp>
+    </p:spTree>
+    <p:extLst>
+      <p:ext uri="{BB962C8B-B14F-4D97-AF65-F5344CB8AC3E}">
+        <p14:creationId xmlns:p14="http://schemas.microsoft.com/office/powerpoint/2010/main" val="3458300746"/>
+      </p:ext>
+    </p:extLst>
+  </p:cSld>
+  <p:clrMapOvr>
+    <a:masterClrMapping/>
+  </p:clrMapOvr>
+  <p:timing>
+    <p:tnLst>
+      <p:par>
+        <p:cTn id="1" dur="indefinite" restart="never" nodeType="tmRoot"/>
+      </p:par>
+    </p:tnLst>
+  </p:timing>
+</p:sld>
+</file>
+
+<file path=ppt/slides/slide21.xml><?xml version="1.0" encoding="utf-8"?>
+<p:sld xmlns:a="http://schemas.openxmlformats.org/drawingml/2006/main" xmlns:r="http://schemas.openxmlformats.org/officeDocument/2006/relationships" xmlns:p="http://schemas.openxmlformats.org/presentationml/2006/main">
+  <p:cSld>
+    <p:spTree>
+      <p:nvGrpSpPr>
+        <p:cNvPr id="1" name=""/>
+        <p:cNvGrpSpPr/>
+        <p:nvPr/>
+      </p:nvGrpSpPr>
+      <p:grpSpPr>
+        <a:xfrm>
+          <a:off x="0" y="0"/>
+          <a:ext cx="0" cy="0"/>
+          <a:chOff x="0" y="0"/>
+          <a:chExt cx="0" cy="0"/>
+        </a:xfrm>
+      </p:grpSpPr>
+      <p:sp>
+        <p:nvSpPr>
+          <p:cNvPr id="2" name="Объект 1"/>
+          <p:cNvSpPr>
+            <a:spLocks noGrp="1"/>
+          </p:cNvSpPr>
+          <p:nvPr>
+            <p:ph sz="quarter" idx="13"/>
+          </p:nvPr>
+        </p:nvSpPr>
+        <p:spPr/>
+        <p:txBody>
+          <a:bodyPr/>
+          <a:lstStyle/>
+          <a:p>
+            <a:r>
+              <a:rPr lang="ru-RU" dirty="0" smtClean="0"/>
+              <a:t>Сделайте задачу на фронте. Творчески.</a:t>
+            </a:r>
+            <a:endParaRPr lang="ru-RU" dirty="0"/>
+          </a:p>
+        </p:txBody>
+      </p:sp>
+      <p:sp>
+        <p:nvSpPr>
+          <p:cNvPr id="3" name="Заголовок 2"/>
+          <p:cNvSpPr>
+            <a:spLocks noGrp="1"/>
+          </p:cNvSpPr>
+          <p:nvPr>
+            <p:ph type="title"/>
+          </p:nvPr>
+        </p:nvSpPr>
+        <p:spPr/>
+        <p:txBody>
+          <a:bodyPr/>
+          <a:lstStyle/>
+          <a:p>
+            <a:r>
+              <a:rPr lang="en-US" dirty="0" smtClean="0"/>
+              <a:t>Backend</a:t>
+            </a:r>
+            <a:endParaRPr lang="ru-RU" dirty="0"/>
+          </a:p>
+        </p:txBody>
+      </p:sp>
+    </p:spTree>
+    <p:extLst>
+      <p:ext uri="{BB962C8B-B14F-4D97-AF65-F5344CB8AC3E}">
+        <p14:creationId xmlns:p14="http://schemas.microsoft.com/office/powerpoint/2010/main" val="265700734"/>
+      </p:ext>
+    </p:extLst>
+  </p:cSld>
+  <p:clrMapOvr>
+    <a:masterClrMapping/>
+  </p:clrMapOvr>
+  <p:timing>
+    <p:tnLst>
+      <p:par>
+        <p:cTn id="1" dur="indefinite" restart="never" nodeType="tmRoot"/>
+      </p:par>
+    </p:tnLst>
+  </p:timing>
+</p:sld>
+</file>
+
+<file path=ppt/slides/slide22.xml><?xml version="1.0" encoding="utf-8"?>
+<p:sld xmlns:a="http://schemas.openxmlformats.org/drawingml/2006/main" xmlns:r="http://schemas.openxmlformats.org/officeDocument/2006/relationships" xmlns:p="http://schemas.openxmlformats.org/presentationml/2006/main">
+  <p:cSld>
+    <p:spTree>
+      <p:nvGrpSpPr>
+        <p:cNvPr id="1" name=""/>
+        <p:cNvGrpSpPr/>
+        <p:nvPr/>
+      </p:nvGrpSpPr>
+      <p:grpSpPr>
+        <a:xfrm>
+          <a:off x="0" y="0"/>
+          <a:ext cx="0" cy="0"/>
+          <a:chOff x="0" y="0"/>
+          <a:chExt cx="0" cy="0"/>
+        </a:xfrm>
+      </p:grpSpPr>
+      <p:sp>
+        <p:nvSpPr>
+          <p:cNvPr id="2" name="Объект 1"/>
+          <p:cNvSpPr>
+            <a:spLocks noGrp="1"/>
+          </p:cNvSpPr>
+          <p:nvPr>
+            <p:ph sz="quarter" idx="13"/>
+          </p:nvPr>
+        </p:nvSpPr>
+        <p:spPr/>
+        <p:txBody>
+          <a:bodyPr/>
+          <a:lstStyle/>
+          <a:p>
+            <a:r>
+              <a:rPr lang="ru-RU" dirty="0" smtClean="0"/>
+              <a:t>Покажите код </a:t>
+            </a:r>
+            <a:r>
+              <a:rPr lang="ru-RU" dirty="0" err="1" smtClean="0"/>
+              <a:t>бэкенд</a:t>
+            </a:r>
+            <a:r>
+              <a:rPr lang="ru-RU" dirty="0" smtClean="0"/>
+              <a:t> разработчикам</a:t>
+            </a:r>
+            <a:endParaRPr lang="ru-RU" dirty="0"/>
+          </a:p>
+        </p:txBody>
+      </p:sp>
+      <p:sp>
+        <p:nvSpPr>
+          <p:cNvPr id="3" name="Заголовок 2"/>
+          <p:cNvSpPr>
+            <a:spLocks noGrp="1"/>
+          </p:cNvSpPr>
+          <p:nvPr>
+            <p:ph type="title"/>
+          </p:nvPr>
+        </p:nvSpPr>
+        <p:spPr/>
+        <p:txBody>
+          <a:bodyPr/>
+          <a:lstStyle/>
+          <a:p>
+            <a:r>
+              <a:rPr lang="en-US" dirty="0" smtClean="0"/>
+              <a:t>Frontend		</a:t>
+            </a:r>
+            <a:endParaRPr lang="ru-RU" dirty="0"/>
+          </a:p>
+        </p:txBody>
+      </p:sp>
+    </p:spTree>
+    <p:extLst>
+      <p:ext uri="{BB962C8B-B14F-4D97-AF65-F5344CB8AC3E}">
+        <p14:creationId xmlns:p14="http://schemas.microsoft.com/office/powerpoint/2010/main" val="1520479208"/>
+      </p:ext>
+    </p:extLst>
+  </p:cSld>
+  <p:clrMapOvr>
+    <a:masterClrMapping/>
+  </p:clrMapOvr>
+  <p:timing>
+    <p:tnLst>
+      <p:par>
+        <p:cTn id="1" dur="indefinite" restart="never" nodeType="tmRoot"/>
+      </p:par>
+    </p:tnLst>
+  </p:timing>
+</p:sld>
+</file>
+
+<file path=ppt/slides/slide23.xml><?xml version="1.0" encoding="utf-8"?>
+<p:sld xmlns:a="http://schemas.openxmlformats.org/drawingml/2006/main" xmlns:r="http://schemas.openxmlformats.org/officeDocument/2006/relationships" xmlns:p="http://schemas.openxmlformats.org/presentationml/2006/main">
+  <p:cSld>
+    <p:spTree>
+      <p:nvGrpSpPr>
+        <p:cNvPr id="1" name=""/>
+        <p:cNvGrpSpPr/>
+        <p:nvPr/>
+      </p:nvGrpSpPr>
+      <p:grpSpPr>
+        <a:xfrm>
+          <a:off x="0" y="0"/>
+          <a:ext cx="0" cy="0"/>
+          <a:chOff x="0" y="0"/>
+          <a:chExt cx="0" cy="0"/>
+        </a:xfrm>
+      </p:grpSpPr>
+      <p:sp>
+        <p:nvSpPr>
+          <p:cNvPr id="3" name="Текст 2"/>
+          <p:cNvSpPr>
+            <a:spLocks noGrp="1"/>
+          </p:cNvSpPr>
+          <p:nvPr>
+            <p:ph type="body" sz="quarter" idx="15"/>
+          </p:nvPr>
+        </p:nvSpPr>
+        <p:spPr/>
+        <p:txBody>
+          <a:bodyPr/>
+          <a:lstStyle/>
+          <a:p>
+            <a:r>
+              <a:rPr lang="ru-RU" dirty="0" smtClean="0"/>
+              <a:t>Евгений Тихонов</a:t>
+            </a:r>
+            <a:endParaRPr lang="ru-RU" dirty="0"/>
+          </a:p>
+        </p:txBody>
+      </p:sp>
+      <p:sp>
+        <p:nvSpPr>
+          <p:cNvPr id="4" name="Текст 3"/>
+          <p:cNvSpPr>
+            <a:spLocks noGrp="1"/>
+          </p:cNvSpPr>
+          <p:nvPr>
+            <p:ph type="body" sz="quarter" idx="17"/>
+          </p:nvPr>
+        </p:nvSpPr>
+        <p:spPr/>
+        <p:txBody>
+          <a:bodyPr/>
+          <a:lstStyle/>
+          <a:p>
+            <a:endParaRPr lang="ru-RU" dirty="0"/>
+          </a:p>
+        </p:txBody>
+      </p:sp>
+      <p:sp>
+        <p:nvSpPr>
+          <p:cNvPr id="5" name="Текст 4"/>
+          <p:cNvSpPr>
+            <a:spLocks noGrp="1"/>
+          </p:cNvSpPr>
+          <p:nvPr>
+            <p:ph type="body" sz="quarter" idx="18"/>
+          </p:nvPr>
+        </p:nvSpPr>
+        <p:spPr/>
+        <p:txBody>
+          <a:bodyPr/>
+          <a:lstStyle/>
+          <a:p>
+            <a:endParaRPr lang="ru-RU"/>
+          </a:p>
+        </p:txBody>
+      </p:sp>
+      <p:sp>
+        <p:nvSpPr>
+          <p:cNvPr id="6" name="Текст 5"/>
+          <p:cNvSpPr>
+            <a:spLocks noGrp="1"/>
+          </p:cNvSpPr>
+          <p:nvPr>
+            <p:ph type="body" sz="quarter" idx="19"/>
+          </p:nvPr>
+        </p:nvSpPr>
+        <p:spPr/>
+        <p:txBody>
+          <a:bodyPr/>
+          <a:lstStyle/>
+          <a:p>
+            <a:endParaRPr lang="ru-RU"/>
+          </a:p>
+        </p:txBody>
+      </p:sp>
+    </p:spTree>
+    <p:extLst>
+      <p:ext uri="{BB962C8B-B14F-4D97-AF65-F5344CB8AC3E}">
+        <p14:creationId xmlns:p14="http://schemas.microsoft.com/office/powerpoint/2010/main" val="3681795365"/>
       </p:ext>
     </p:extLst>
   </p:cSld>
@@ -12708,601 +13572,46 @@
           <a:lstStyle/>
           <a:p>
             <a:r>
-              <a:rPr lang="ru-RU" dirty="0" smtClean="0"/>
+              <a:rPr lang="ru-RU" dirty="0"/>
               <a:t>Классы и типизация</a:t>
             </a:r>
-            <a:endParaRPr lang="ru-RU" dirty="0"/>
           </a:p>
         </p:txBody>
       </p:sp>
-      <p:sp>
-        <p:nvSpPr>
-          <p:cNvPr id="9" name="Прямоугольник 8"/>
-          <p:cNvSpPr/>
+      <p:pic>
+        <p:nvPicPr>
+          <p:cNvPr id="3" name="Рисунок 2"/>
+          <p:cNvPicPr>
+            <a:picLocks noChangeAspect="1"/>
+          </p:cNvPicPr>
           <p:nvPr/>
-        </p:nvSpPr>
+        </p:nvPicPr>
+        <p:blipFill>
+          <a:blip r:embed="rId2" cstate="print">
+            <a:extLst>
+              <a:ext uri="{28A0092B-C50C-407E-A947-70E740481C1C}">
+                <a14:useLocalDpi xmlns:a14="http://schemas.microsoft.com/office/drawing/2010/main" val="0"/>
+              </a:ext>
+            </a:extLst>
+          </a:blip>
+          <a:stretch>
+            <a:fillRect/>
+          </a:stretch>
+        </p:blipFill>
         <p:spPr>
           <a:xfrm>
-            <a:off x="888520" y="1671050"/>
-            <a:ext cx="7418717" cy="3970318"/>
+            <a:off x="1093465" y="2191890"/>
+            <a:ext cx="6598676" cy="3685035"/>
           </a:xfrm>
           <a:prstGeom prst="rect">
             <a:avLst/>
           </a:prstGeom>
         </p:spPr>
-        <p:txBody>
-          <a:bodyPr wrap="square">
-            <a:spAutoFit/>
-          </a:bodyPr>
-          <a:lstStyle/>
-          <a:p>
-            <a:pPr>
-              <a:spcAft>
-                <a:spcPts val="0"/>
-              </a:spcAft>
-            </a:pPr>
-            <a:r>
-              <a:rPr lang="en-US" dirty="0">
-                <a:solidFill>
-                  <a:srgbClr val="008000"/>
-                </a:solidFill>
-                <a:latin typeface="Consolas" panose="020B0609020204030204" pitchFamily="49" charset="0"/>
-                <a:ea typeface="Times New Roman" panose="02020603050405020304" pitchFamily="18" charset="0"/>
-                <a:cs typeface="Times New Roman" panose="02020603050405020304" pitchFamily="18" charset="0"/>
-              </a:rPr>
-              <a:t>// @flow</a:t>
-            </a:r>
-            <a:endParaRPr lang="ru-RU" dirty="0">
-              <a:latin typeface="Consolas" panose="020B0609020204030204" pitchFamily="49" charset="0"/>
-              <a:ea typeface="Calibri" panose="020F0502020204030204" pitchFamily="34" charset="0"/>
-              <a:cs typeface="Times New Roman" panose="02020603050405020304" pitchFamily="18" charset="0"/>
-            </a:endParaRPr>
-          </a:p>
-          <a:p>
-            <a:pPr>
-              <a:spcAft>
-                <a:spcPts val="0"/>
-              </a:spcAft>
-            </a:pPr>
-            <a:r>
-              <a:rPr lang="en-US" dirty="0">
-                <a:solidFill>
-                  <a:srgbClr val="000000"/>
-                </a:solidFill>
-                <a:latin typeface="Consolas" panose="020B0609020204030204" pitchFamily="49" charset="0"/>
-                <a:ea typeface="Times New Roman" panose="02020603050405020304" pitchFamily="18" charset="0"/>
-                <a:cs typeface="Times New Roman" panose="02020603050405020304" pitchFamily="18" charset="0"/>
-              </a:rPr>
-              <a:t> </a:t>
-            </a:r>
-            <a:endParaRPr lang="ru-RU" dirty="0">
-              <a:latin typeface="Consolas" panose="020B0609020204030204" pitchFamily="49" charset="0"/>
-              <a:ea typeface="Calibri" panose="020F0502020204030204" pitchFamily="34" charset="0"/>
-              <a:cs typeface="Times New Roman" panose="02020603050405020304" pitchFamily="18" charset="0"/>
-            </a:endParaRPr>
-          </a:p>
-          <a:p>
-            <a:pPr>
-              <a:spcAft>
-                <a:spcPts val="0"/>
-              </a:spcAft>
-            </a:pPr>
-            <a:r>
-              <a:rPr lang="en-US" dirty="0">
-                <a:solidFill>
-                  <a:srgbClr val="0000FF"/>
-                </a:solidFill>
-                <a:latin typeface="Consolas" panose="020B0609020204030204" pitchFamily="49" charset="0"/>
-                <a:ea typeface="Times New Roman" panose="02020603050405020304" pitchFamily="18" charset="0"/>
-                <a:cs typeface="Times New Roman" panose="02020603050405020304" pitchFamily="18" charset="0"/>
-              </a:rPr>
-              <a:t>function</a:t>
-            </a:r>
-            <a:r>
-              <a:rPr lang="en-US" dirty="0">
-                <a:solidFill>
-                  <a:srgbClr val="000000"/>
-                </a:solidFill>
-                <a:latin typeface="Consolas" panose="020B0609020204030204" pitchFamily="49" charset="0"/>
-                <a:ea typeface="Times New Roman" panose="02020603050405020304" pitchFamily="18" charset="0"/>
-                <a:cs typeface="Times New Roman" panose="02020603050405020304" pitchFamily="18" charset="0"/>
-              </a:rPr>
-              <a:t> </a:t>
-            </a:r>
-            <a:r>
-              <a:rPr lang="en-US" dirty="0" err="1">
-                <a:solidFill>
-                  <a:srgbClr val="000000"/>
-                </a:solidFill>
-                <a:latin typeface="Consolas" panose="020B0609020204030204" pitchFamily="49" charset="0"/>
-                <a:ea typeface="Times New Roman" panose="02020603050405020304" pitchFamily="18" charset="0"/>
-                <a:cs typeface="Times New Roman" panose="02020603050405020304" pitchFamily="18" charset="0"/>
-              </a:rPr>
-              <a:t>runAndDoAction</a:t>
-            </a:r>
-            <a:r>
-              <a:rPr lang="en-US" dirty="0">
-                <a:solidFill>
-                  <a:srgbClr val="000000"/>
-                </a:solidFill>
-                <a:latin typeface="Consolas" panose="020B0609020204030204" pitchFamily="49" charset="0"/>
-                <a:ea typeface="Times New Roman" panose="02020603050405020304" pitchFamily="18" charset="0"/>
-                <a:cs typeface="Times New Roman" panose="02020603050405020304" pitchFamily="18" charset="0"/>
-              </a:rPr>
-              <a:t>&lt;T: Animal&gt;(</a:t>
-            </a:r>
-            <a:endParaRPr lang="ru-RU" dirty="0">
-              <a:latin typeface="Consolas" panose="020B0609020204030204" pitchFamily="49" charset="0"/>
-              <a:ea typeface="Calibri" panose="020F0502020204030204" pitchFamily="34" charset="0"/>
-              <a:cs typeface="Times New Roman" panose="02020603050405020304" pitchFamily="18" charset="0"/>
-            </a:endParaRPr>
-          </a:p>
-          <a:p>
-            <a:pPr>
-              <a:spcAft>
-                <a:spcPts val="0"/>
-              </a:spcAft>
-            </a:pPr>
-            <a:r>
-              <a:rPr lang="en-US" dirty="0">
-                <a:solidFill>
-                  <a:srgbClr val="000000"/>
-                </a:solidFill>
-                <a:latin typeface="Consolas" panose="020B0609020204030204" pitchFamily="49" charset="0"/>
-                <a:ea typeface="Times New Roman" panose="02020603050405020304" pitchFamily="18" charset="0"/>
-                <a:cs typeface="Times New Roman" panose="02020603050405020304" pitchFamily="18" charset="0"/>
-              </a:rPr>
-              <a:t>    subject: T, </a:t>
-            </a:r>
-            <a:endParaRPr lang="ru-RU" dirty="0">
-              <a:latin typeface="Consolas" panose="020B0609020204030204" pitchFamily="49" charset="0"/>
-              <a:ea typeface="Calibri" panose="020F0502020204030204" pitchFamily="34" charset="0"/>
-              <a:cs typeface="Times New Roman" panose="02020603050405020304" pitchFamily="18" charset="0"/>
-            </a:endParaRPr>
-          </a:p>
-          <a:p>
-            <a:pPr>
-              <a:spcAft>
-                <a:spcPts val="0"/>
-              </a:spcAft>
-            </a:pPr>
-            <a:r>
-              <a:rPr lang="en-US" dirty="0">
-                <a:solidFill>
-                  <a:srgbClr val="000000"/>
-                </a:solidFill>
-                <a:latin typeface="Consolas" panose="020B0609020204030204" pitchFamily="49" charset="0"/>
-                <a:ea typeface="Times New Roman" panose="02020603050405020304" pitchFamily="18" charset="0"/>
-                <a:cs typeface="Times New Roman" panose="02020603050405020304" pitchFamily="18" charset="0"/>
-              </a:rPr>
-              <a:t>    action: (animal: T)</a:t>
-            </a:r>
-            <a:r>
-              <a:rPr lang="en-US" dirty="0">
-                <a:solidFill>
-                  <a:srgbClr val="0000FF"/>
-                </a:solidFill>
-                <a:latin typeface="Consolas" panose="020B0609020204030204" pitchFamily="49" charset="0"/>
-                <a:ea typeface="Times New Roman" panose="02020603050405020304" pitchFamily="18" charset="0"/>
-                <a:cs typeface="Times New Roman" panose="02020603050405020304" pitchFamily="18" charset="0"/>
-              </a:rPr>
-              <a:t> =&gt;</a:t>
-            </a:r>
-            <a:r>
-              <a:rPr lang="en-US" dirty="0">
-                <a:solidFill>
-                  <a:srgbClr val="000000"/>
-                </a:solidFill>
-                <a:latin typeface="Consolas" panose="020B0609020204030204" pitchFamily="49" charset="0"/>
-                <a:ea typeface="Times New Roman" panose="02020603050405020304" pitchFamily="18" charset="0"/>
-                <a:cs typeface="Times New Roman" panose="02020603050405020304" pitchFamily="18" charset="0"/>
-              </a:rPr>
-              <a:t> void</a:t>
-            </a:r>
-            <a:endParaRPr lang="ru-RU" dirty="0">
-              <a:latin typeface="Consolas" panose="020B0609020204030204" pitchFamily="49" charset="0"/>
-              <a:ea typeface="Calibri" panose="020F0502020204030204" pitchFamily="34" charset="0"/>
-              <a:cs typeface="Times New Roman" panose="02020603050405020304" pitchFamily="18" charset="0"/>
-            </a:endParaRPr>
-          </a:p>
-          <a:p>
-            <a:pPr>
-              <a:spcAft>
-                <a:spcPts val="0"/>
-              </a:spcAft>
-            </a:pPr>
-            <a:r>
-              <a:rPr lang="en-US" dirty="0">
-                <a:solidFill>
-                  <a:srgbClr val="000000"/>
-                </a:solidFill>
-                <a:latin typeface="Consolas" panose="020B0609020204030204" pitchFamily="49" charset="0"/>
-                <a:ea typeface="Times New Roman" panose="02020603050405020304" pitchFamily="18" charset="0"/>
-                <a:cs typeface="Times New Roman" panose="02020603050405020304" pitchFamily="18" charset="0"/>
-              </a:rPr>
-              <a:t>): T {</a:t>
-            </a:r>
-            <a:endParaRPr lang="ru-RU" dirty="0">
-              <a:latin typeface="Consolas" panose="020B0609020204030204" pitchFamily="49" charset="0"/>
-              <a:ea typeface="Calibri" panose="020F0502020204030204" pitchFamily="34" charset="0"/>
-              <a:cs typeface="Times New Roman" panose="02020603050405020304" pitchFamily="18" charset="0"/>
-            </a:endParaRPr>
-          </a:p>
-          <a:p>
-            <a:pPr>
-              <a:spcAft>
-                <a:spcPts val="0"/>
-              </a:spcAft>
-            </a:pPr>
-            <a:r>
-              <a:rPr lang="en-US" dirty="0">
-                <a:solidFill>
-                  <a:srgbClr val="000000"/>
-                </a:solidFill>
-                <a:latin typeface="Consolas" panose="020B0609020204030204" pitchFamily="49" charset="0"/>
-                <a:ea typeface="Times New Roman" panose="02020603050405020304" pitchFamily="18" charset="0"/>
-                <a:cs typeface="Times New Roman" panose="02020603050405020304" pitchFamily="18" charset="0"/>
-              </a:rPr>
-              <a:t>    </a:t>
-            </a:r>
-            <a:r>
-              <a:rPr lang="en-US" dirty="0" err="1">
-                <a:solidFill>
-                  <a:srgbClr val="000000"/>
-                </a:solidFill>
-                <a:latin typeface="Consolas" panose="020B0609020204030204" pitchFamily="49" charset="0"/>
-                <a:ea typeface="Times New Roman" panose="02020603050405020304" pitchFamily="18" charset="0"/>
-                <a:cs typeface="Times New Roman" panose="02020603050405020304" pitchFamily="18" charset="0"/>
-              </a:rPr>
-              <a:t>subject.run</a:t>
-            </a:r>
-            <a:r>
-              <a:rPr lang="en-US" dirty="0">
-                <a:solidFill>
-                  <a:srgbClr val="000000"/>
-                </a:solidFill>
-                <a:latin typeface="Consolas" panose="020B0609020204030204" pitchFamily="49" charset="0"/>
-                <a:ea typeface="Times New Roman" panose="02020603050405020304" pitchFamily="18" charset="0"/>
-                <a:cs typeface="Times New Roman" panose="02020603050405020304" pitchFamily="18" charset="0"/>
-              </a:rPr>
-              <a:t>();</a:t>
-            </a:r>
-            <a:endParaRPr lang="ru-RU" dirty="0">
-              <a:latin typeface="Consolas" panose="020B0609020204030204" pitchFamily="49" charset="0"/>
-              <a:ea typeface="Calibri" panose="020F0502020204030204" pitchFamily="34" charset="0"/>
-              <a:cs typeface="Times New Roman" panose="02020603050405020304" pitchFamily="18" charset="0"/>
-            </a:endParaRPr>
-          </a:p>
-          <a:p>
-            <a:pPr>
-              <a:spcAft>
-                <a:spcPts val="0"/>
-              </a:spcAft>
-            </a:pPr>
-            <a:r>
-              <a:rPr lang="en-US" dirty="0">
-                <a:solidFill>
-                  <a:srgbClr val="000000"/>
-                </a:solidFill>
-                <a:latin typeface="Consolas" panose="020B0609020204030204" pitchFamily="49" charset="0"/>
-                <a:ea typeface="Times New Roman" panose="02020603050405020304" pitchFamily="18" charset="0"/>
-                <a:cs typeface="Times New Roman" panose="02020603050405020304" pitchFamily="18" charset="0"/>
-              </a:rPr>
-              <a:t>    action(subject);</a:t>
-            </a:r>
-            <a:endParaRPr lang="ru-RU" dirty="0">
-              <a:latin typeface="Consolas" panose="020B0609020204030204" pitchFamily="49" charset="0"/>
-              <a:ea typeface="Calibri" panose="020F0502020204030204" pitchFamily="34" charset="0"/>
-              <a:cs typeface="Times New Roman" panose="02020603050405020304" pitchFamily="18" charset="0"/>
-            </a:endParaRPr>
-          </a:p>
-          <a:p>
-            <a:pPr>
-              <a:spcAft>
-                <a:spcPts val="0"/>
-              </a:spcAft>
-            </a:pPr>
-            <a:r>
-              <a:rPr lang="en-US" dirty="0">
-                <a:solidFill>
-                  <a:srgbClr val="0000FF"/>
-                </a:solidFill>
-                <a:latin typeface="Consolas" panose="020B0609020204030204" pitchFamily="49" charset="0"/>
-                <a:ea typeface="Times New Roman" panose="02020603050405020304" pitchFamily="18" charset="0"/>
-                <a:cs typeface="Times New Roman" panose="02020603050405020304" pitchFamily="18" charset="0"/>
-              </a:rPr>
-              <a:t>    return</a:t>
-            </a:r>
-            <a:r>
-              <a:rPr lang="en-US" dirty="0">
-                <a:solidFill>
-                  <a:srgbClr val="000000"/>
-                </a:solidFill>
-                <a:latin typeface="Consolas" panose="020B0609020204030204" pitchFamily="49" charset="0"/>
-                <a:ea typeface="Times New Roman" panose="02020603050405020304" pitchFamily="18" charset="0"/>
-                <a:cs typeface="Times New Roman" panose="02020603050405020304" pitchFamily="18" charset="0"/>
-              </a:rPr>
-              <a:t> subject;</a:t>
-            </a:r>
-            <a:endParaRPr lang="ru-RU" dirty="0">
-              <a:latin typeface="Consolas" panose="020B0609020204030204" pitchFamily="49" charset="0"/>
-              <a:ea typeface="Calibri" panose="020F0502020204030204" pitchFamily="34" charset="0"/>
-              <a:cs typeface="Times New Roman" panose="02020603050405020304" pitchFamily="18" charset="0"/>
-            </a:endParaRPr>
-          </a:p>
-          <a:p>
-            <a:pPr>
-              <a:spcAft>
-                <a:spcPts val="0"/>
-              </a:spcAft>
-            </a:pPr>
-            <a:r>
-              <a:rPr lang="en-US" dirty="0">
-                <a:solidFill>
-                  <a:srgbClr val="000000"/>
-                </a:solidFill>
-                <a:latin typeface="Consolas" panose="020B0609020204030204" pitchFamily="49" charset="0"/>
-                <a:ea typeface="Times New Roman" panose="02020603050405020304" pitchFamily="18" charset="0"/>
-                <a:cs typeface="Times New Roman" panose="02020603050405020304" pitchFamily="18" charset="0"/>
-              </a:rPr>
-              <a:t>}</a:t>
-            </a:r>
-            <a:endParaRPr lang="ru-RU" dirty="0">
-              <a:latin typeface="Consolas" panose="020B0609020204030204" pitchFamily="49" charset="0"/>
-              <a:ea typeface="Calibri" panose="020F0502020204030204" pitchFamily="34" charset="0"/>
-              <a:cs typeface="Times New Roman" panose="02020603050405020304" pitchFamily="18" charset="0"/>
-            </a:endParaRPr>
-          </a:p>
-          <a:p>
-            <a:pPr>
-              <a:spcAft>
-                <a:spcPts val="0"/>
-              </a:spcAft>
-            </a:pPr>
-            <a:r>
-              <a:rPr lang="en-US" dirty="0">
-                <a:solidFill>
-                  <a:srgbClr val="000000"/>
-                </a:solidFill>
-                <a:latin typeface="Consolas" panose="020B0609020204030204" pitchFamily="49" charset="0"/>
-                <a:ea typeface="Times New Roman" panose="02020603050405020304" pitchFamily="18" charset="0"/>
-                <a:cs typeface="Times New Roman" panose="02020603050405020304" pitchFamily="18" charset="0"/>
-              </a:rPr>
-              <a:t> </a:t>
-            </a:r>
-            <a:endParaRPr lang="ru-RU" dirty="0">
-              <a:latin typeface="Consolas" panose="020B0609020204030204" pitchFamily="49" charset="0"/>
-              <a:ea typeface="Calibri" panose="020F0502020204030204" pitchFamily="34" charset="0"/>
-              <a:cs typeface="Times New Roman" panose="02020603050405020304" pitchFamily="18" charset="0"/>
-            </a:endParaRPr>
-          </a:p>
-          <a:p>
-            <a:pPr>
-              <a:spcAft>
-                <a:spcPts val="0"/>
-              </a:spcAft>
-            </a:pPr>
-            <a:r>
-              <a:rPr lang="en-US" dirty="0" err="1">
-                <a:solidFill>
-                  <a:srgbClr val="000000"/>
-                </a:solidFill>
-                <a:latin typeface="Consolas" panose="020B0609020204030204" pitchFamily="49" charset="0"/>
-                <a:ea typeface="Times New Roman" panose="02020603050405020304" pitchFamily="18" charset="0"/>
-                <a:cs typeface="Times New Roman" panose="02020603050405020304" pitchFamily="18" charset="0"/>
-              </a:rPr>
-              <a:t>runAndDoAction</a:t>
-            </a:r>
-            <a:r>
-              <a:rPr lang="en-US" dirty="0">
-                <a:solidFill>
-                  <a:srgbClr val="000000"/>
-                </a:solidFill>
-                <a:latin typeface="Consolas" panose="020B0609020204030204" pitchFamily="49" charset="0"/>
-                <a:ea typeface="Times New Roman" panose="02020603050405020304" pitchFamily="18" charset="0"/>
-                <a:cs typeface="Times New Roman" panose="02020603050405020304" pitchFamily="18" charset="0"/>
-              </a:rPr>
-              <a:t>(</a:t>
-            </a:r>
-            <a:r>
-              <a:rPr lang="en-US" dirty="0">
-                <a:solidFill>
-                  <a:srgbClr val="0000FF"/>
-                </a:solidFill>
-                <a:latin typeface="Consolas" panose="020B0609020204030204" pitchFamily="49" charset="0"/>
-                <a:ea typeface="Times New Roman" panose="02020603050405020304" pitchFamily="18" charset="0"/>
-                <a:cs typeface="Times New Roman" panose="02020603050405020304" pitchFamily="18" charset="0"/>
-              </a:rPr>
-              <a:t>new</a:t>
-            </a:r>
-            <a:r>
-              <a:rPr lang="en-US" dirty="0">
-                <a:solidFill>
-                  <a:srgbClr val="000000"/>
-                </a:solidFill>
-                <a:latin typeface="Consolas" panose="020B0609020204030204" pitchFamily="49" charset="0"/>
-                <a:ea typeface="Times New Roman" panose="02020603050405020304" pitchFamily="18" charset="0"/>
-                <a:cs typeface="Times New Roman" panose="02020603050405020304" pitchFamily="18" charset="0"/>
-              </a:rPr>
-              <a:t> Dog(), x </a:t>
-            </a:r>
-            <a:r>
-              <a:rPr lang="en-US" dirty="0">
-                <a:solidFill>
-                  <a:srgbClr val="0000FF"/>
-                </a:solidFill>
-                <a:latin typeface="Consolas" panose="020B0609020204030204" pitchFamily="49" charset="0"/>
-                <a:ea typeface="Times New Roman" panose="02020603050405020304" pitchFamily="18" charset="0"/>
-                <a:cs typeface="Times New Roman" panose="02020603050405020304" pitchFamily="18" charset="0"/>
-              </a:rPr>
-              <a:t>=&gt;</a:t>
-            </a:r>
-            <a:r>
-              <a:rPr lang="en-US" dirty="0">
-                <a:solidFill>
-                  <a:srgbClr val="000000"/>
-                </a:solidFill>
-                <a:latin typeface="Consolas" panose="020B0609020204030204" pitchFamily="49" charset="0"/>
-                <a:ea typeface="Times New Roman" panose="02020603050405020304" pitchFamily="18" charset="0"/>
-                <a:cs typeface="Times New Roman" panose="02020603050405020304" pitchFamily="18" charset="0"/>
-              </a:rPr>
-              <a:t> </a:t>
-            </a:r>
-            <a:r>
-              <a:rPr lang="en-US" dirty="0" err="1">
-                <a:solidFill>
-                  <a:srgbClr val="000000"/>
-                </a:solidFill>
-                <a:latin typeface="Consolas" panose="020B0609020204030204" pitchFamily="49" charset="0"/>
-                <a:ea typeface="Times New Roman" panose="02020603050405020304" pitchFamily="18" charset="0"/>
-                <a:cs typeface="Times New Roman" panose="02020603050405020304" pitchFamily="18" charset="0"/>
-              </a:rPr>
-              <a:t>x.bark</a:t>
-            </a:r>
-            <a:r>
-              <a:rPr lang="en-US" dirty="0">
-                <a:solidFill>
-                  <a:srgbClr val="000000"/>
-                </a:solidFill>
-                <a:latin typeface="Consolas" panose="020B0609020204030204" pitchFamily="49" charset="0"/>
-                <a:ea typeface="Times New Roman" panose="02020603050405020304" pitchFamily="18" charset="0"/>
-                <a:cs typeface="Times New Roman" panose="02020603050405020304" pitchFamily="18" charset="0"/>
-              </a:rPr>
-              <a:t>());</a:t>
-            </a:r>
-            <a:endParaRPr lang="ru-RU" dirty="0">
-              <a:latin typeface="Consolas" panose="020B0609020204030204" pitchFamily="49" charset="0"/>
-              <a:ea typeface="Calibri" panose="020F0502020204030204" pitchFamily="34" charset="0"/>
-              <a:cs typeface="Times New Roman" panose="02020603050405020304" pitchFamily="18" charset="0"/>
-            </a:endParaRPr>
-          </a:p>
-          <a:p>
-            <a:pPr>
-              <a:spcAft>
-                <a:spcPts val="0"/>
-              </a:spcAft>
-            </a:pPr>
-            <a:r>
-              <a:rPr lang="en-US" dirty="0" err="1">
-                <a:solidFill>
-                  <a:srgbClr val="000000"/>
-                </a:solidFill>
-                <a:latin typeface="Consolas" panose="020B0609020204030204" pitchFamily="49" charset="0"/>
-                <a:ea typeface="Times New Roman" panose="02020603050405020304" pitchFamily="18" charset="0"/>
-                <a:cs typeface="Times New Roman" panose="02020603050405020304" pitchFamily="18" charset="0"/>
-              </a:rPr>
-              <a:t>runAndDoAction</a:t>
-            </a:r>
-            <a:r>
-              <a:rPr lang="en-US" dirty="0">
-                <a:solidFill>
-                  <a:srgbClr val="000000"/>
-                </a:solidFill>
-                <a:latin typeface="Consolas" panose="020B0609020204030204" pitchFamily="49" charset="0"/>
-                <a:ea typeface="Times New Roman" panose="02020603050405020304" pitchFamily="18" charset="0"/>
-                <a:cs typeface="Times New Roman" panose="02020603050405020304" pitchFamily="18" charset="0"/>
-              </a:rPr>
-              <a:t>(</a:t>
-            </a:r>
-            <a:r>
-              <a:rPr lang="en-US" dirty="0">
-                <a:solidFill>
-                  <a:srgbClr val="0000FF"/>
-                </a:solidFill>
-                <a:latin typeface="Consolas" panose="020B0609020204030204" pitchFamily="49" charset="0"/>
-                <a:ea typeface="Times New Roman" panose="02020603050405020304" pitchFamily="18" charset="0"/>
-                <a:cs typeface="Times New Roman" panose="02020603050405020304" pitchFamily="18" charset="0"/>
-              </a:rPr>
-              <a:t>new</a:t>
-            </a:r>
-            <a:r>
-              <a:rPr lang="en-US" dirty="0">
-                <a:solidFill>
-                  <a:srgbClr val="000000"/>
-                </a:solidFill>
-                <a:latin typeface="Consolas" panose="020B0609020204030204" pitchFamily="49" charset="0"/>
-                <a:ea typeface="Times New Roman" panose="02020603050405020304" pitchFamily="18" charset="0"/>
-                <a:cs typeface="Times New Roman" panose="02020603050405020304" pitchFamily="18" charset="0"/>
-              </a:rPr>
-              <a:t> Cat(), x </a:t>
-            </a:r>
-            <a:r>
-              <a:rPr lang="en-US" dirty="0">
-                <a:solidFill>
-                  <a:srgbClr val="0000FF"/>
-                </a:solidFill>
-                <a:latin typeface="Consolas" panose="020B0609020204030204" pitchFamily="49" charset="0"/>
-                <a:ea typeface="Times New Roman" panose="02020603050405020304" pitchFamily="18" charset="0"/>
-                <a:cs typeface="Times New Roman" panose="02020603050405020304" pitchFamily="18" charset="0"/>
-              </a:rPr>
-              <a:t>=&gt;</a:t>
-            </a:r>
-            <a:r>
-              <a:rPr lang="en-US" dirty="0">
-                <a:solidFill>
-                  <a:srgbClr val="000000"/>
-                </a:solidFill>
-                <a:latin typeface="Consolas" panose="020B0609020204030204" pitchFamily="49" charset="0"/>
-                <a:ea typeface="Times New Roman" panose="02020603050405020304" pitchFamily="18" charset="0"/>
-                <a:cs typeface="Times New Roman" panose="02020603050405020304" pitchFamily="18" charset="0"/>
-              </a:rPr>
-              <a:t> </a:t>
-            </a:r>
-            <a:r>
-              <a:rPr lang="en-US" dirty="0" err="1">
-                <a:solidFill>
-                  <a:srgbClr val="000000"/>
-                </a:solidFill>
-                <a:latin typeface="Consolas" panose="020B0609020204030204" pitchFamily="49" charset="0"/>
-                <a:ea typeface="Times New Roman" panose="02020603050405020304" pitchFamily="18" charset="0"/>
-                <a:cs typeface="Times New Roman" panose="02020603050405020304" pitchFamily="18" charset="0"/>
-              </a:rPr>
-              <a:t>x.meow</a:t>
-            </a:r>
-            <a:r>
-              <a:rPr lang="en-US" dirty="0">
-                <a:solidFill>
-                  <a:srgbClr val="000000"/>
-                </a:solidFill>
-                <a:latin typeface="Consolas" panose="020B0609020204030204" pitchFamily="49" charset="0"/>
-                <a:ea typeface="Times New Roman" panose="02020603050405020304" pitchFamily="18" charset="0"/>
-                <a:cs typeface="Times New Roman" panose="02020603050405020304" pitchFamily="18" charset="0"/>
-              </a:rPr>
-              <a:t>());</a:t>
-            </a:r>
-            <a:endParaRPr lang="ru-RU" dirty="0">
-              <a:latin typeface="Consolas" panose="020B0609020204030204" pitchFamily="49" charset="0"/>
-              <a:ea typeface="Calibri" panose="020F0502020204030204" pitchFamily="34" charset="0"/>
-              <a:cs typeface="Times New Roman" panose="02020603050405020304" pitchFamily="18" charset="0"/>
-            </a:endParaRPr>
-          </a:p>
-          <a:p>
-            <a:pPr>
-              <a:spcAft>
-                <a:spcPts val="800"/>
-              </a:spcAft>
-            </a:pPr>
-            <a:r>
-              <a:rPr lang="en-US" dirty="0">
-                <a:latin typeface="Consolas" panose="020B0609020204030204" pitchFamily="49" charset="0"/>
-                <a:ea typeface="Calibri" panose="020F0502020204030204" pitchFamily="34" charset="0"/>
-                <a:cs typeface="Times New Roman" panose="02020603050405020304" pitchFamily="18" charset="0"/>
-              </a:rPr>
-              <a:t> </a:t>
-            </a:r>
-            <a:endParaRPr lang="ru-RU" dirty="0">
-              <a:effectLst/>
-              <a:latin typeface="Consolas" panose="020B0609020204030204" pitchFamily="49" charset="0"/>
-              <a:ea typeface="Calibri" panose="020F0502020204030204" pitchFamily="34" charset="0"/>
-              <a:cs typeface="Times New Roman" panose="02020603050405020304" pitchFamily="18" charset="0"/>
-            </a:endParaRPr>
-          </a:p>
-        </p:txBody>
-      </p:sp>
+      </p:pic>
     </p:spTree>
     <p:extLst>
       <p:ext uri="{BB962C8B-B14F-4D97-AF65-F5344CB8AC3E}">
-        <p14:creationId xmlns:p14="http://schemas.microsoft.com/office/powerpoint/2010/main" val="3998461303"/>
+        <p14:creationId xmlns:p14="http://schemas.microsoft.com/office/powerpoint/2010/main" val="3720378447"/>
       </p:ext>
     </p:extLst>
   </p:cSld>
@@ -13353,7 +13662,7 @@
           <a:p>
             <a:r>
               <a:rPr lang="ru-RU" dirty="0" smtClean="0"/>
-              <a:t>Компонентный подход</a:t>
+              <a:t>Классы и типизация</a:t>
             </a:r>
             <a:endParaRPr lang="ru-RU" dirty="0"/>
           </a:p>
@@ -13361,14 +13670,14 @@
       </p:sp>
       <p:sp>
         <p:nvSpPr>
-          <p:cNvPr id="3" name="Прямоугольник 2"/>
+          <p:cNvPr id="9" name="Прямоугольник 8"/>
           <p:cNvSpPr/>
           <p:nvPr/>
         </p:nvSpPr>
         <p:spPr>
           <a:xfrm>
-            <a:off x="953666" y="1737139"/>
-            <a:ext cx="7603737" cy="3693319"/>
+            <a:off x="888520" y="1671050"/>
+            <a:ext cx="7418717" cy="3970318"/>
           </a:xfrm>
           <a:prstGeom prst="rect">
             <a:avLst/>
@@ -13380,14 +13689,67 @@
           </a:bodyPr>
           <a:lstStyle/>
           <a:p>
+            <a:pPr>
+              <a:spcAft>
+                <a:spcPts val="0"/>
+              </a:spcAft>
+            </a:pPr>
             <a:r>
               <a:rPr lang="en-US" dirty="0">
                 <a:solidFill>
+                  <a:srgbClr val="008000"/>
+                </a:solidFill>
+                <a:latin typeface="Consolas" panose="020B0609020204030204" pitchFamily="49" charset="0"/>
+                <a:ea typeface="Times New Roman" panose="02020603050405020304" pitchFamily="18" charset="0"/>
+                <a:cs typeface="Times New Roman" panose="02020603050405020304" pitchFamily="18" charset="0"/>
+              </a:rPr>
+              <a:t>// @flow</a:t>
+            </a:r>
+            <a:endParaRPr lang="ru-RU" dirty="0">
+              <a:latin typeface="Consolas" panose="020B0609020204030204" pitchFamily="49" charset="0"/>
+              <a:ea typeface="Calibri" panose="020F0502020204030204" pitchFamily="34" charset="0"/>
+              <a:cs typeface="Times New Roman" panose="02020603050405020304" pitchFamily="18" charset="0"/>
+            </a:endParaRPr>
+          </a:p>
+          <a:p>
+            <a:pPr>
+              <a:spcAft>
+                <a:spcPts val="0"/>
+              </a:spcAft>
+            </a:pPr>
+            <a:r>
+              <a:rPr lang="en-US" dirty="0">
+                <a:solidFill>
+                  <a:srgbClr val="000000"/>
+                </a:solidFill>
+                <a:latin typeface="Consolas" panose="020B0609020204030204" pitchFamily="49" charset="0"/>
+                <a:ea typeface="Times New Roman" panose="02020603050405020304" pitchFamily="18" charset="0"/>
+                <a:cs typeface="Times New Roman" panose="02020603050405020304" pitchFamily="18" charset="0"/>
+              </a:rPr>
+              <a:t> </a:t>
+            </a:r>
+            <a:endParaRPr lang="ru-RU" dirty="0">
+              <a:latin typeface="Consolas" panose="020B0609020204030204" pitchFamily="49" charset="0"/>
+              <a:ea typeface="Calibri" panose="020F0502020204030204" pitchFamily="34" charset="0"/>
+              <a:cs typeface="Times New Roman" panose="02020603050405020304" pitchFamily="18" charset="0"/>
+            </a:endParaRPr>
+          </a:p>
+          <a:p>
+            <a:pPr>
+              <a:spcAft>
+                <a:spcPts val="0"/>
+              </a:spcAft>
+            </a:pPr>
+            <a:r>
+              <a:rPr lang="en-US" dirty="0">
+                <a:solidFill>
                   <a:srgbClr val="0000FF"/>
                 </a:solidFill>
                 <a:latin typeface="Consolas" panose="020B0609020204030204" pitchFamily="49" charset="0"/>
-              </a:rPr>
-              <a:t>class</a:t>
+                <a:ea typeface="Times New Roman" panose="02020603050405020304" pitchFamily="18" charset="0"/>
+                <a:cs typeface="Times New Roman" panose="02020603050405020304" pitchFamily="18" charset="0"/>
+              </a:rPr>
+              <a:t>function</a:t>
             </a:r>
             <a:r>
               <a:rPr lang="en-US" dirty="0">
@@ -13395,17 +13757,89 @@
                   <a:srgbClr val="000000"/>
                 </a:solidFill>
                 <a:latin typeface="Consolas" panose="020B0609020204030204" pitchFamily="49" charset="0"/>
-              </a:rPr>
-              <a:t> Button </a:t>
+                <a:ea typeface="Times New Roman" panose="02020603050405020304" pitchFamily="18" charset="0"/>
+                <a:cs typeface="Times New Roman" panose="02020603050405020304" pitchFamily="18" charset="0"/>
+              </a:rPr>
+              <a:t> </a:t>
+            </a:r>
+            <a:r>
+              <a:rPr lang="en-US" dirty="0" err="1">
+                <a:solidFill>
+                  <a:srgbClr val="000000"/>
+                </a:solidFill>
+                <a:latin typeface="Consolas" panose="020B0609020204030204" pitchFamily="49" charset="0"/>
+                <a:ea typeface="Times New Roman" panose="02020603050405020304" pitchFamily="18" charset="0"/>
+                <a:cs typeface="Times New Roman" panose="02020603050405020304" pitchFamily="18" charset="0"/>
+              </a:rPr>
+              <a:t>runAndDoAction</a:t>
             </a:r>
             <a:r>
               <a:rPr lang="en-US" dirty="0">
                 <a:solidFill>
+                  <a:srgbClr val="000000"/>
+                </a:solidFill>
+                <a:latin typeface="Consolas" panose="020B0609020204030204" pitchFamily="49" charset="0"/>
+                <a:ea typeface="Times New Roman" panose="02020603050405020304" pitchFamily="18" charset="0"/>
+                <a:cs typeface="Times New Roman" panose="02020603050405020304" pitchFamily="18" charset="0"/>
+              </a:rPr>
+              <a:t>&lt;T: Animal&gt;(</a:t>
+            </a:r>
+            <a:endParaRPr lang="ru-RU" dirty="0">
+              <a:latin typeface="Consolas" panose="020B0609020204030204" pitchFamily="49" charset="0"/>
+              <a:ea typeface="Calibri" panose="020F0502020204030204" pitchFamily="34" charset="0"/>
+              <a:cs typeface="Times New Roman" panose="02020603050405020304" pitchFamily="18" charset="0"/>
+            </a:endParaRPr>
+          </a:p>
+          <a:p>
+            <a:pPr>
+              <a:spcAft>
+                <a:spcPts val="0"/>
+              </a:spcAft>
+            </a:pPr>
+            <a:r>
+              <a:rPr lang="en-US" dirty="0">
+                <a:solidFill>
+                  <a:srgbClr val="000000"/>
+                </a:solidFill>
+                <a:latin typeface="Consolas" panose="020B0609020204030204" pitchFamily="49" charset="0"/>
+                <a:ea typeface="Times New Roman" panose="02020603050405020304" pitchFamily="18" charset="0"/>
+                <a:cs typeface="Times New Roman" panose="02020603050405020304" pitchFamily="18" charset="0"/>
+              </a:rPr>
+              <a:t>    subject: T, </a:t>
+            </a:r>
+            <a:endParaRPr lang="ru-RU" dirty="0">
+              <a:latin typeface="Consolas" panose="020B0609020204030204" pitchFamily="49" charset="0"/>
+              <a:ea typeface="Calibri" panose="020F0502020204030204" pitchFamily="34" charset="0"/>
+              <a:cs typeface="Times New Roman" panose="02020603050405020304" pitchFamily="18" charset="0"/>
+            </a:endParaRPr>
+          </a:p>
+          <a:p>
+            <a:pPr>
+              <a:spcAft>
+                <a:spcPts val="0"/>
+              </a:spcAft>
+            </a:pPr>
+            <a:r>
+              <a:rPr lang="en-US" dirty="0">
+                <a:solidFill>
+                  <a:srgbClr val="000000"/>
+                </a:solidFill>
+                <a:latin typeface="Consolas" panose="020B0609020204030204" pitchFamily="49" charset="0"/>
+                <a:ea typeface="Times New Roman" panose="02020603050405020304" pitchFamily="18" charset="0"/>
+                <a:cs typeface="Times New Roman" panose="02020603050405020304" pitchFamily="18" charset="0"/>
+              </a:rPr>
+              <a:t>    action: (animal: T)</a:t>
+            </a:r>
+            <a:r>
+              <a:rPr lang="en-US" dirty="0">
+                <a:solidFill>
                   <a:srgbClr val="0000FF"/>
                 </a:solidFill>
                 <a:latin typeface="Consolas" panose="020B0609020204030204" pitchFamily="49" charset="0"/>
-              </a:rPr>
-              <a:t>extends</a:t>
+                <a:ea typeface="Times New Roman" panose="02020603050405020304" pitchFamily="18" charset="0"/>
+                <a:cs typeface="Times New Roman" panose="02020603050405020304" pitchFamily="18" charset="0"/>
+              </a:rPr>
+              <a:t> =&gt;</a:t>
             </a:r>
             <a:r>
               <a:rPr lang="en-US" dirty="0">
@@ -13413,6 +13847,257 @@
                   <a:srgbClr val="000000"/>
                 </a:solidFill>
                 <a:latin typeface="Consolas" panose="020B0609020204030204" pitchFamily="49" charset="0"/>
+                <a:ea typeface="Times New Roman" panose="02020603050405020304" pitchFamily="18" charset="0"/>
+                <a:cs typeface="Times New Roman" panose="02020603050405020304" pitchFamily="18" charset="0"/>
+              </a:rPr>
+              <a:t> void</a:t>
+            </a:r>
+            <a:endParaRPr lang="ru-RU" dirty="0">
+              <a:latin typeface="Consolas" panose="020B0609020204030204" pitchFamily="49" charset="0"/>
+              <a:ea typeface="Calibri" panose="020F0502020204030204" pitchFamily="34" charset="0"/>
+              <a:cs typeface="Times New Roman" panose="02020603050405020304" pitchFamily="18" charset="0"/>
+            </a:endParaRPr>
+          </a:p>
+          <a:p>
+            <a:pPr>
+              <a:spcAft>
+                <a:spcPts val="0"/>
+              </a:spcAft>
+            </a:pPr>
+            <a:r>
+              <a:rPr lang="en-US" dirty="0">
+                <a:solidFill>
+                  <a:srgbClr val="000000"/>
+                </a:solidFill>
+                <a:latin typeface="Consolas" panose="020B0609020204030204" pitchFamily="49" charset="0"/>
+                <a:ea typeface="Times New Roman" panose="02020603050405020304" pitchFamily="18" charset="0"/>
+                <a:cs typeface="Times New Roman" panose="02020603050405020304" pitchFamily="18" charset="0"/>
+              </a:rPr>
+              <a:t>): T {</a:t>
+            </a:r>
+            <a:endParaRPr lang="ru-RU" dirty="0">
+              <a:latin typeface="Consolas" panose="020B0609020204030204" pitchFamily="49" charset="0"/>
+              <a:ea typeface="Calibri" panose="020F0502020204030204" pitchFamily="34" charset="0"/>
+              <a:cs typeface="Times New Roman" panose="02020603050405020304" pitchFamily="18" charset="0"/>
+            </a:endParaRPr>
+          </a:p>
+          <a:p>
+            <a:pPr>
+              <a:spcAft>
+                <a:spcPts val="0"/>
+              </a:spcAft>
+            </a:pPr>
+            <a:r>
+              <a:rPr lang="en-US" dirty="0">
+                <a:solidFill>
+                  <a:srgbClr val="000000"/>
+                </a:solidFill>
+                <a:latin typeface="Consolas" panose="020B0609020204030204" pitchFamily="49" charset="0"/>
+                <a:ea typeface="Times New Roman" panose="02020603050405020304" pitchFamily="18" charset="0"/>
+                <a:cs typeface="Times New Roman" panose="02020603050405020304" pitchFamily="18" charset="0"/>
+              </a:rPr>
+              <a:t>    </a:t>
+            </a:r>
+            <a:r>
+              <a:rPr lang="en-US" dirty="0" err="1">
+                <a:solidFill>
+                  <a:srgbClr val="000000"/>
+                </a:solidFill>
+                <a:latin typeface="Consolas" panose="020B0609020204030204" pitchFamily="49" charset="0"/>
+                <a:ea typeface="Times New Roman" panose="02020603050405020304" pitchFamily="18" charset="0"/>
+                <a:cs typeface="Times New Roman" panose="02020603050405020304" pitchFamily="18" charset="0"/>
+              </a:rPr>
+              <a:t>subject.run</a:t>
+            </a:r>
+            <a:r>
+              <a:rPr lang="en-US" dirty="0">
+                <a:solidFill>
+                  <a:srgbClr val="000000"/>
+                </a:solidFill>
+                <a:latin typeface="Consolas" panose="020B0609020204030204" pitchFamily="49" charset="0"/>
+                <a:ea typeface="Times New Roman" panose="02020603050405020304" pitchFamily="18" charset="0"/>
+                <a:cs typeface="Times New Roman" panose="02020603050405020304" pitchFamily="18" charset="0"/>
+              </a:rPr>
+              <a:t>();</a:t>
+            </a:r>
+            <a:endParaRPr lang="ru-RU" dirty="0">
+              <a:latin typeface="Consolas" panose="020B0609020204030204" pitchFamily="49" charset="0"/>
+              <a:ea typeface="Calibri" panose="020F0502020204030204" pitchFamily="34" charset="0"/>
+              <a:cs typeface="Times New Roman" panose="02020603050405020304" pitchFamily="18" charset="0"/>
+            </a:endParaRPr>
+          </a:p>
+          <a:p>
+            <a:pPr>
+              <a:spcAft>
+                <a:spcPts val="0"/>
+              </a:spcAft>
+            </a:pPr>
+            <a:r>
+              <a:rPr lang="en-US" dirty="0">
+                <a:solidFill>
+                  <a:srgbClr val="000000"/>
+                </a:solidFill>
+                <a:latin typeface="Consolas" panose="020B0609020204030204" pitchFamily="49" charset="0"/>
+                <a:ea typeface="Times New Roman" panose="02020603050405020304" pitchFamily="18" charset="0"/>
+                <a:cs typeface="Times New Roman" panose="02020603050405020304" pitchFamily="18" charset="0"/>
+              </a:rPr>
+              <a:t>    action(subject);</a:t>
+            </a:r>
+            <a:endParaRPr lang="ru-RU" dirty="0">
+              <a:latin typeface="Consolas" panose="020B0609020204030204" pitchFamily="49" charset="0"/>
+              <a:ea typeface="Calibri" panose="020F0502020204030204" pitchFamily="34" charset="0"/>
+              <a:cs typeface="Times New Roman" panose="02020603050405020304" pitchFamily="18" charset="0"/>
+            </a:endParaRPr>
+          </a:p>
+          <a:p>
+            <a:pPr>
+              <a:spcAft>
+                <a:spcPts val="0"/>
+              </a:spcAft>
+            </a:pPr>
+            <a:r>
+              <a:rPr lang="en-US" dirty="0">
+                <a:solidFill>
+                  <a:srgbClr val="0000FF"/>
+                </a:solidFill>
+                <a:latin typeface="Consolas" panose="020B0609020204030204" pitchFamily="49" charset="0"/>
+                <a:ea typeface="Times New Roman" panose="02020603050405020304" pitchFamily="18" charset="0"/>
+                <a:cs typeface="Times New Roman" panose="02020603050405020304" pitchFamily="18" charset="0"/>
+              </a:rPr>
+              <a:t>    return</a:t>
+            </a:r>
+            <a:r>
+              <a:rPr lang="en-US" dirty="0">
+                <a:solidFill>
+                  <a:srgbClr val="000000"/>
+                </a:solidFill>
+                <a:latin typeface="Consolas" panose="020B0609020204030204" pitchFamily="49" charset="0"/>
+                <a:ea typeface="Times New Roman" panose="02020603050405020304" pitchFamily="18" charset="0"/>
+                <a:cs typeface="Times New Roman" panose="02020603050405020304" pitchFamily="18" charset="0"/>
+              </a:rPr>
+              <a:t> subject;</a:t>
+            </a:r>
+            <a:endParaRPr lang="ru-RU" dirty="0">
+              <a:latin typeface="Consolas" panose="020B0609020204030204" pitchFamily="49" charset="0"/>
+              <a:ea typeface="Calibri" panose="020F0502020204030204" pitchFamily="34" charset="0"/>
+              <a:cs typeface="Times New Roman" panose="02020603050405020304" pitchFamily="18" charset="0"/>
+            </a:endParaRPr>
+          </a:p>
+          <a:p>
+            <a:pPr>
+              <a:spcAft>
+                <a:spcPts val="0"/>
+              </a:spcAft>
+            </a:pPr>
+            <a:r>
+              <a:rPr lang="en-US" dirty="0">
+                <a:solidFill>
+                  <a:srgbClr val="000000"/>
+                </a:solidFill>
+                <a:latin typeface="Consolas" panose="020B0609020204030204" pitchFamily="49" charset="0"/>
+                <a:ea typeface="Times New Roman" panose="02020603050405020304" pitchFamily="18" charset="0"/>
+                <a:cs typeface="Times New Roman" panose="02020603050405020304" pitchFamily="18" charset="0"/>
+              </a:rPr>
+              <a:t>}</a:t>
+            </a:r>
+            <a:endParaRPr lang="ru-RU" dirty="0">
+              <a:latin typeface="Consolas" panose="020B0609020204030204" pitchFamily="49" charset="0"/>
+              <a:ea typeface="Calibri" panose="020F0502020204030204" pitchFamily="34" charset="0"/>
+              <a:cs typeface="Times New Roman" panose="02020603050405020304" pitchFamily="18" charset="0"/>
+            </a:endParaRPr>
+          </a:p>
+          <a:p>
+            <a:pPr>
+              <a:spcAft>
+                <a:spcPts val="0"/>
+              </a:spcAft>
+            </a:pPr>
+            <a:r>
+              <a:rPr lang="en-US" dirty="0">
+                <a:solidFill>
+                  <a:srgbClr val="000000"/>
+                </a:solidFill>
+                <a:latin typeface="Consolas" panose="020B0609020204030204" pitchFamily="49" charset="0"/>
+                <a:ea typeface="Times New Roman" panose="02020603050405020304" pitchFamily="18" charset="0"/>
+                <a:cs typeface="Times New Roman" panose="02020603050405020304" pitchFamily="18" charset="0"/>
+              </a:rPr>
+              <a:t> </a:t>
+            </a:r>
+            <a:endParaRPr lang="ru-RU" dirty="0">
+              <a:latin typeface="Consolas" panose="020B0609020204030204" pitchFamily="49" charset="0"/>
+              <a:ea typeface="Calibri" panose="020F0502020204030204" pitchFamily="34" charset="0"/>
+              <a:cs typeface="Times New Roman" panose="02020603050405020304" pitchFamily="18" charset="0"/>
+            </a:endParaRPr>
+          </a:p>
+          <a:p>
+            <a:pPr>
+              <a:spcAft>
+                <a:spcPts val="0"/>
+              </a:spcAft>
+            </a:pPr>
+            <a:r>
+              <a:rPr lang="en-US" dirty="0" err="1">
+                <a:solidFill>
+                  <a:srgbClr val="000000"/>
+                </a:solidFill>
+                <a:latin typeface="Consolas" panose="020B0609020204030204" pitchFamily="49" charset="0"/>
+                <a:ea typeface="Times New Roman" panose="02020603050405020304" pitchFamily="18" charset="0"/>
+                <a:cs typeface="Times New Roman" panose="02020603050405020304" pitchFamily="18" charset="0"/>
+              </a:rPr>
+              <a:t>runAndDoAction</a:t>
+            </a:r>
+            <a:r>
+              <a:rPr lang="en-US" dirty="0">
+                <a:solidFill>
+                  <a:srgbClr val="000000"/>
+                </a:solidFill>
+                <a:latin typeface="Consolas" panose="020B0609020204030204" pitchFamily="49" charset="0"/>
+                <a:ea typeface="Times New Roman" panose="02020603050405020304" pitchFamily="18" charset="0"/>
+                <a:cs typeface="Times New Roman" panose="02020603050405020304" pitchFamily="18" charset="0"/>
+              </a:rPr>
+              <a:t>(</a:t>
+            </a:r>
+            <a:r>
+              <a:rPr lang="en-US" dirty="0">
+                <a:solidFill>
+                  <a:srgbClr val="0000FF"/>
+                </a:solidFill>
+                <a:latin typeface="Consolas" panose="020B0609020204030204" pitchFamily="49" charset="0"/>
+                <a:ea typeface="Times New Roman" panose="02020603050405020304" pitchFamily="18" charset="0"/>
+                <a:cs typeface="Times New Roman" panose="02020603050405020304" pitchFamily="18" charset="0"/>
+              </a:rPr>
+              <a:t>new</a:t>
+            </a:r>
+            <a:r>
+              <a:rPr lang="en-US" dirty="0">
+                <a:solidFill>
+                  <a:srgbClr val="000000"/>
+                </a:solidFill>
+                <a:latin typeface="Consolas" panose="020B0609020204030204" pitchFamily="49" charset="0"/>
+                <a:ea typeface="Times New Roman" panose="02020603050405020304" pitchFamily="18" charset="0"/>
+                <a:cs typeface="Times New Roman" panose="02020603050405020304" pitchFamily="18" charset="0"/>
+              </a:rPr>
+              <a:t> Dog(), x </a:t>
+            </a:r>
+            <a:r>
+              <a:rPr lang="en-US" dirty="0">
+                <a:solidFill>
+                  <a:srgbClr val="0000FF"/>
+                </a:solidFill>
+                <a:latin typeface="Consolas" panose="020B0609020204030204" pitchFamily="49" charset="0"/>
+                <a:ea typeface="Times New Roman" panose="02020603050405020304" pitchFamily="18" charset="0"/>
+                <a:cs typeface="Times New Roman" panose="02020603050405020304" pitchFamily="18" charset="0"/>
+              </a:rPr>
+              <a:t>=&gt;</a:t>
+            </a:r>
+            <a:r>
+              <a:rPr lang="en-US" dirty="0">
+                <a:solidFill>
+                  <a:srgbClr val="000000"/>
+                </a:solidFill>
+                <a:latin typeface="Consolas" panose="020B0609020204030204" pitchFamily="49" charset="0"/>
+                <a:ea typeface="Times New Roman" panose="02020603050405020304" pitchFamily="18" charset="0"/>
+                <a:cs typeface="Times New Roman" panose="02020603050405020304" pitchFamily="18" charset="0"/>
               </a:rPr>
               <a:t> </a:t>
             </a:r>
@@ -13422,8 +14107,10 @@
                   <a:srgbClr val="000000"/>
                 </a:solidFill>
                 <a:latin typeface="Consolas" panose="020B0609020204030204" pitchFamily="49" charset="0"/>
-              </a:rPr>
-              <a:t>React.Component</a:t>
+                <a:ea typeface="Times New Roman" panose="02020603050405020304" pitchFamily="18" charset="0"/>
+                <a:cs typeface="Times New Roman" panose="02020603050405020304" pitchFamily="18" charset="0"/>
+              </a:rPr>
+              <a:t>x.bark</a:t>
             </a:r>
             <a:r>
               <a:rPr lang="en-US" dirty="0">
@@ -13431,229 +14118,144 @@
                   <a:srgbClr val="000000"/>
                 </a:solidFill>
                 <a:latin typeface="Consolas" panose="020B0609020204030204" pitchFamily="49" charset="0"/>
-              </a:rPr>
-              <a:t> {</a:t>
-            </a:r>
-          </a:p>
-          <a:p>
+                <a:ea typeface="Times New Roman" panose="02020603050405020304" pitchFamily="18" charset="0"/>
+                <a:cs typeface="Times New Roman" panose="02020603050405020304" pitchFamily="18" charset="0"/>
+              </a:rPr>
+              <a:t>());</a:t>
+            </a:r>
+            <a:endParaRPr lang="ru-RU" dirty="0">
+              <a:latin typeface="Consolas" panose="020B0609020204030204" pitchFamily="49" charset="0"/>
+              <a:ea typeface="Calibri" panose="020F0502020204030204" pitchFamily="34" charset="0"/>
+              <a:cs typeface="Times New Roman" panose="02020603050405020304" pitchFamily="18" charset="0"/>
+            </a:endParaRPr>
+          </a:p>
+          <a:p>
+            <a:pPr>
+              <a:spcAft>
+                <a:spcPts val="0"/>
+              </a:spcAft>
+            </a:pPr>
+            <a:r>
+              <a:rPr lang="en-US" dirty="0" err="1">
+                <a:solidFill>
+                  <a:srgbClr val="000000"/>
+                </a:solidFill>
+                <a:latin typeface="Consolas" panose="020B0609020204030204" pitchFamily="49" charset="0"/>
+                <a:ea typeface="Times New Roman" panose="02020603050405020304" pitchFamily="18" charset="0"/>
+                <a:cs typeface="Times New Roman" panose="02020603050405020304" pitchFamily="18" charset="0"/>
+              </a:rPr>
+              <a:t>runAndDoAction</a:t>
+            </a:r>
             <a:r>
               <a:rPr lang="en-US" dirty="0">
                 <a:solidFill>
                   <a:srgbClr val="000000"/>
                 </a:solidFill>
                 <a:latin typeface="Consolas" panose="020B0609020204030204" pitchFamily="49" charset="0"/>
-              </a:rPr>
-              <a:t/>
-            </a:r>
-            <a:br>
+                <a:ea typeface="Times New Roman" panose="02020603050405020304" pitchFamily="18" charset="0"/>
+                <a:cs typeface="Times New Roman" panose="02020603050405020304" pitchFamily="18" charset="0"/>
+              </a:rPr>
+              <a:t>(</a:t>
+            </a:r>
+            <a:r>
               <a:rPr lang="en-US" dirty="0">
                 <a:solidFill>
+                  <a:srgbClr val="0000FF"/>
+                </a:solidFill>
+                <a:latin typeface="Consolas" panose="020B0609020204030204" pitchFamily="49" charset="0"/>
+                <a:ea typeface="Times New Roman" panose="02020603050405020304" pitchFamily="18" charset="0"/>
+                <a:cs typeface="Times New Roman" panose="02020603050405020304" pitchFamily="18" charset="0"/>
+              </a:rPr>
+              <a:t>new</a:t>
+            </a:r>
+            <a:r>
+              <a:rPr lang="en-US" dirty="0">
+                <a:solidFill>
                   <a:srgbClr val="000000"/>
                 </a:solidFill>
                 <a:latin typeface="Consolas" panose="020B0609020204030204" pitchFamily="49" charset="0"/>
-              </a:rPr>
-            </a:br>
+                <a:ea typeface="Times New Roman" panose="02020603050405020304" pitchFamily="18" charset="0"/>
+                <a:cs typeface="Times New Roman" panose="02020603050405020304" pitchFamily="18" charset="0"/>
+              </a:rPr>
+              <a:t> Cat(), x </a:t>
+            </a:r>
             <a:r>
               <a:rPr lang="en-US" dirty="0">
                 <a:solidFill>
-                  <a:srgbClr val="008000"/>
-                </a:solidFill>
-                <a:latin typeface="Consolas" panose="020B0609020204030204" pitchFamily="49" charset="0"/>
-              </a:rPr>
-              <a:t>// ...</a:t>
-            </a:r>
-            <a:endParaRPr lang="en-US" dirty="0">
-              <a:solidFill>
-                <a:srgbClr val="000000"/>
-              </a:solidFill>
+                  <a:srgbClr val="0000FF"/>
+                </a:solidFill>
+                <a:latin typeface="Consolas" panose="020B0609020204030204" pitchFamily="49" charset="0"/>
+                <a:ea typeface="Times New Roman" panose="02020603050405020304" pitchFamily="18" charset="0"/>
+                <a:cs typeface="Times New Roman" panose="02020603050405020304" pitchFamily="18" charset="0"/>
+              </a:rPr>
+              <a:t>=&gt;</a:t>
+            </a:r>
+            <a:r>
+              <a:rPr lang="en-US" dirty="0">
+                <a:solidFill>
+                  <a:srgbClr val="000000"/>
+                </a:solidFill>
+                <a:latin typeface="Consolas" panose="020B0609020204030204" pitchFamily="49" charset="0"/>
+                <a:ea typeface="Times New Roman" panose="02020603050405020304" pitchFamily="18" charset="0"/>
+                <a:cs typeface="Times New Roman" panose="02020603050405020304" pitchFamily="18" charset="0"/>
+              </a:rPr>
+              <a:t> </a:t>
+            </a:r>
+            <a:r>
+              <a:rPr lang="en-US" dirty="0" err="1">
+                <a:solidFill>
+                  <a:srgbClr val="000000"/>
+                </a:solidFill>
+                <a:latin typeface="Consolas" panose="020B0609020204030204" pitchFamily="49" charset="0"/>
+                <a:ea typeface="Times New Roman" panose="02020603050405020304" pitchFamily="18" charset="0"/>
+                <a:cs typeface="Times New Roman" panose="02020603050405020304" pitchFamily="18" charset="0"/>
+              </a:rPr>
+              <a:t>x.meow</a:t>
+            </a:r>
+            <a:r>
+              <a:rPr lang="en-US" dirty="0">
+                <a:solidFill>
+                  <a:srgbClr val="000000"/>
+                </a:solidFill>
+                <a:latin typeface="Consolas" panose="020B0609020204030204" pitchFamily="49" charset="0"/>
+                <a:ea typeface="Times New Roman" panose="02020603050405020304" pitchFamily="18" charset="0"/>
+                <a:cs typeface="Times New Roman" panose="02020603050405020304" pitchFamily="18" charset="0"/>
+              </a:rPr>
+              <a:t>());</a:t>
+            </a:r>
+            <a:endParaRPr lang="ru-RU" dirty="0">
               <a:latin typeface="Consolas" panose="020B0609020204030204" pitchFamily="49" charset="0"/>
+              <a:ea typeface="Calibri" panose="020F0502020204030204" pitchFamily="34" charset="0"/>
+              <a:cs typeface="Times New Roman" panose="02020603050405020304" pitchFamily="18" charset="0"/>
             </a:endParaRPr>
           </a:p>
           <a:p>
+            <a:pPr>
+              <a:spcAft>
+                <a:spcPts val="800"/>
+              </a:spcAft>
+            </a:pPr>
             <a:r>
               <a:rPr lang="en-US" dirty="0">
-                <a:solidFill>
-                  <a:srgbClr val="000000"/>
-                </a:solidFill>
-                <a:latin typeface="Consolas" panose="020B0609020204030204" pitchFamily="49" charset="0"/>
-              </a:rPr>
-              <a:t/>
-            </a:r>
-            <a:br>
-              <a:rPr lang="en-US" dirty="0">
-                <a:solidFill>
-                  <a:srgbClr val="000000"/>
-                </a:solidFill>
-                <a:latin typeface="Consolas" panose="020B0609020204030204" pitchFamily="49" charset="0"/>
-              </a:rPr>
-            </a:br>
-            <a:r>
-              <a:rPr lang="en-US" dirty="0">
-                <a:solidFill>
-                  <a:srgbClr val="000000"/>
-                </a:solidFill>
-                <a:latin typeface="Consolas" panose="020B0609020204030204" pitchFamily="49" charset="0"/>
-              </a:rPr>
-              <a:t>render(): </a:t>
-            </a:r>
-            <a:r>
-              <a:rPr lang="en-US" dirty="0" err="1">
-                <a:solidFill>
-                  <a:srgbClr val="000000"/>
-                </a:solidFill>
-                <a:latin typeface="Consolas" panose="020B0609020204030204" pitchFamily="49" charset="0"/>
-              </a:rPr>
-              <a:t>React.Element</a:t>
-            </a:r>
-            <a:r>
-              <a:rPr lang="en-US" dirty="0">
-                <a:solidFill>
-                  <a:srgbClr val="000000"/>
-                </a:solidFill>
-                <a:latin typeface="Consolas" panose="020B0609020204030204" pitchFamily="49" charset="0"/>
-              </a:rPr>
-              <a:t>&lt;*&gt; {</a:t>
-            </a:r>
-          </a:p>
-          <a:p>
-            <a:r>
-              <a:rPr lang="en-US" dirty="0">
-                <a:solidFill>
-                  <a:srgbClr val="0000FF"/>
-                </a:solidFill>
-                <a:latin typeface="Consolas" panose="020B0609020204030204" pitchFamily="49" charset="0"/>
-              </a:rPr>
-              <a:t>return</a:t>
-            </a:r>
-            <a:r>
-              <a:rPr lang="en-US" dirty="0">
-                <a:solidFill>
-                  <a:srgbClr val="000000"/>
-                </a:solidFill>
-                <a:latin typeface="Consolas" panose="020B0609020204030204" pitchFamily="49" charset="0"/>
-              </a:rPr>
-              <a:t> (</a:t>
-            </a:r>
-          </a:p>
-          <a:p>
-            <a:r>
-              <a:rPr lang="en-US" dirty="0">
-                <a:solidFill>
-                  <a:srgbClr val="800000"/>
-                </a:solidFill>
-                <a:latin typeface="Consolas" panose="020B0609020204030204" pitchFamily="49" charset="0"/>
-              </a:rPr>
-              <a:t>&lt;button&gt;</a:t>
-            </a:r>
-            <a:endParaRPr lang="en-US" dirty="0">
-              <a:solidFill>
-                <a:srgbClr val="000000"/>
-              </a:solidFill>
+                <a:latin typeface="Consolas" panose="020B0609020204030204" pitchFamily="49" charset="0"/>
+                <a:ea typeface="Calibri" panose="020F0502020204030204" pitchFamily="34" charset="0"/>
+                <a:cs typeface="Times New Roman" panose="02020603050405020304" pitchFamily="18" charset="0"/>
+              </a:rPr>
+              <a:t> </a:t>
+            </a:r>
+            <a:endParaRPr lang="ru-RU" dirty="0">
+              <a:effectLst/>
               <a:latin typeface="Consolas" panose="020B0609020204030204" pitchFamily="49" charset="0"/>
+              <a:ea typeface="Calibri" panose="020F0502020204030204" pitchFamily="34" charset="0"/>
+              <a:cs typeface="Times New Roman" panose="02020603050405020304" pitchFamily="18" charset="0"/>
             </a:endParaRPr>
-          </a:p>
-          <a:p>
-            <a:r>
-              <a:rPr lang="en-US" dirty="0">
-                <a:solidFill>
-                  <a:srgbClr val="800000"/>
-                </a:solidFill>
-                <a:latin typeface="Consolas" panose="020B0609020204030204" pitchFamily="49" charset="0"/>
-              </a:rPr>
-              <a:t>&lt;Icon</a:t>
-            </a:r>
-            <a:r>
-              <a:rPr lang="en-US" dirty="0">
-                <a:solidFill>
-                  <a:srgbClr val="000000"/>
-                </a:solidFill>
-                <a:latin typeface="Consolas" panose="020B0609020204030204" pitchFamily="49" charset="0"/>
-              </a:rPr>
-              <a:t> </a:t>
-            </a:r>
-            <a:r>
-              <a:rPr lang="en-US" dirty="0">
-                <a:solidFill>
-                  <a:srgbClr val="800000"/>
-                </a:solidFill>
-                <a:latin typeface="Consolas" panose="020B0609020204030204" pitchFamily="49" charset="0"/>
-              </a:rPr>
-              <a:t>/&gt;</a:t>
-            </a:r>
-            <a:endParaRPr lang="en-US" dirty="0">
-              <a:solidFill>
-                <a:srgbClr val="000000"/>
-              </a:solidFill>
-              <a:latin typeface="Consolas" panose="020B0609020204030204" pitchFamily="49" charset="0"/>
-            </a:endParaRPr>
-          </a:p>
-          <a:p>
-            <a:r>
-              <a:rPr lang="en-US" dirty="0">
-                <a:solidFill>
-                  <a:srgbClr val="000000"/>
-                </a:solidFill>
-                <a:latin typeface="Consolas" panose="020B0609020204030204" pitchFamily="49" charset="0"/>
-              </a:rPr>
-              <a:t>{text}</a:t>
-            </a:r>
-          </a:p>
-          <a:p>
-            <a:r>
-              <a:rPr lang="en-US" dirty="0">
-                <a:solidFill>
-                  <a:srgbClr val="800000"/>
-                </a:solidFill>
-                <a:latin typeface="Consolas" panose="020B0609020204030204" pitchFamily="49" charset="0"/>
-              </a:rPr>
-              <a:t>&lt;/button&gt;</a:t>
-            </a:r>
-            <a:endParaRPr lang="en-US" dirty="0">
-              <a:solidFill>
-                <a:srgbClr val="000000"/>
-              </a:solidFill>
-              <a:latin typeface="Consolas" panose="020B0609020204030204" pitchFamily="49" charset="0"/>
-            </a:endParaRPr>
-          </a:p>
-          <a:p>
-            <a:r>
-              <a:rPr lang="en-US" dirty="0">
-                <a:solidFill>
-                  <a:srgbClr val="000000"/>
-                </a:solidFill>
-                <a:latin typeface="Consolas" panose="020B0609020204030204" pitchFamily="49" charset="0"/>
-              </a:rPr>
-              <a:t>);</a:t>
-            </a:r>
-          </a:p>
-          <a:p>
-            <a:r>
-              <a:rPr lang="en-US" dirty="0">
-                <a:solidFill>
-                  <a:srgbClr val="000000"/>
-                </a:solidFill>
-                <a:latin typeface="Consolas" panose="020B0609020204030204" pitchFamily="49" charset="0"/>
-              </a:rPr>
-              <a:t>}</a:t>
-            </a:r>
-          </a:p>
-          <a:p>
-            <a:r>
-              <a:rPr lang="en-US" dirty="0">
-                <a:solidFill>
-                  <a:srgbClr val="000000"/>
-                </a:solidFill>
-                <a:latin typeface="Consolas" panose="020B0609020204030204" pitchFamily="49" charset="0"/>
-              </a:rPr>
-              <a:t>}</a:t>
-            </a:r>
           </a:p>
         </p:txBody>
       </p:sp>
     </p:spTree>
     <p:extLst>
       <p:ext uri="{BB962C8B-B14F-4D97-AF65-F5344CB8AC3E}">
-        <p14:creationId xmlns:p14="http://schemas.microsoft.com/office/powerpoint/2010/main" val="2555660649"/>
+        <p14:creationId xmlns:p14="http://schemas.microsoft.com/office/powerpoint/2010/main" val="3998461303"/>
       </p:ext>
     </p:extLst>
   </p:cSld>
@@ -13687,40 +14289,62 @@
           <a:chExt cx="0" cy="0"/>
         </a:xfrm>
       </p:grpSpPr>
-      <p:pic>
-        <p:nvPicPr>
-          <p:cNvPr id="4" name="Рисунок 3"/>
-          <p:cNvPicPr>
-            <a:picLocks noChangeAspect="1"/>
-          </p:cNvPicPr>
-          <p:nvPr/>
-        </p:nvPicPr>
-        <p:blipFill>
-          <a:blip r:embed="rId2">
-            <a:extLst>
-              <a:ext uri="{28A0092B-C50C-407E-A947-70E740481C1C}">
-                <a14:useLocalDpi xmlns:a14="http://schemas.microsoft.com/office/drawing/2010/main" val="0"/>
-              </a:ext>
-            </a:extLst>
-          </a:blip>
-          <a:stretch>
-            <a:fillRect/>
-          </a:stretch>
-        </p:blipFill>
-        <p:spPr>
-          <a:xfrm>
-            <a:off x="-2035835" y="-181155"/>
-            <a:ext cx="12728755" cy="7159925"/>
-          </a:xfrm>
-          <a:prstGeom prst="rect">
-            <a:avLst/>
-          </a:prstGeom>
-        </p:spPr>
-      </p:pic>
+      <p:sp>
+        <p:nvSpPr>
+          <p:cNvPr id="5" name="Объект 4"/>
+          <p:cNvSpPr>
+            <a:spLocks noGrp="1"/>
+          </p:cNvSpPr>
+          <p:nvPr>
+            <p:ph sz="quarter" idx="13"/>
+          </p:nvPr>
+        </p:nvSpPr>
+        <p:spPr/>
+        <p:txBody>
+          <a:bodyPr/>
+          <a:lstStyle/>
+          <a:p>
+            <a:r>
+              <a:rPr lang="en-US" dirty="0" err="1" smtClean="0"/>
+              <a:t>TypeScript</a:t>
+            </a:r>
+            <a:endParaRPr lang="en-US" dirty="0" smtClean="0"/>
+          </a:p>
+          <a:p>
+            <a:r>
+              <a:rPr lang="en-US" dirty="0" smtClean="0"/>
+              <a:t>Flow</a:t>
+            </a:r>
+            <a:endParaRPr lang="ru-RU" dirty="0"/>
+          </a:p>
+        </p:txBody>
+      </p:sp>
+      <p:sp>
+        <p:nvSpPr>
+          <p:cNvPr id="2" name="Заголовок 1"/>
+          <p:cNvSpPr>
+            <a:spLocks noGrp="1"/>
+          </p:cNvSpPr>
+          <p:nvPr>
+            <p:ph type="title"/>
+          </p:nvPr>
+        </p:nvSpPr>
+        <p:spPr/>
+        <p:txBody>
+          <a:bodyPr/>
+          <a:lstStyle/>
+          <a:p>
+            <a:r>
+              <a:rPr lang="ru-RU" dirty="0"/>
+              <a:t>Классы и типизация</a:t>
+            </a:r>
+          </a:p>
+        </p:txBody>
+      </p:sp>
     </p:spTree>
     <p:extLst>
       <p:ext uri="{BB962C8B-B14F-4D97-AF65-F5344CB8AC3E}">
-        <p14:creationId xmlns:p14="http://schemas.microsoft.com/office/powerpoint/2010/main" val="1507502187"/>
+        <p14:creationId xmlns:p14="http://schemas.microsoft.com/office/powerpoint/2010/main" val="1311541923"/>
       </p:ext>
     </p:extLst>
   </p:cSld>
@@ -13754,47 +14378,324 @@
           <a:chExt cx="0" cy="0"/>
         </a:xfrm>
       </p:grpSpPr>
-      <p:pic>
-        <p:nvPicPr>
-          <p:cNvPr id="4" name="Рисунок 3"/>
-          <p:cNvPicPr>
-            <a:picLocks noChangeAspect="1"/>
-          </p:cNvPicPr>
+      <p:sp>
+        <p:nvSpPr>
+          <p:cNvPr id="2" name="Заголовок 1"/>
+          <p:cNvSpPr>
+            <a:spLocks noGrp="1"/>
+          </p:cNvSpPr>
+          <p:nvPr>
+            <p:ph type="title"/>
+          </p:nvPr>
+        </p:nvSpPr>
+        <p:spPr/>
+        <p:txBody>
+          <a:bodyPr/>
+          <a:lstStyle/>
+          <a:p>
+            <a:r>
+              <a:rPr lang="ru-RU" dirty="0" smtClean="0"/>
+              <a:t>Компонентный подход</a:t>
+            </a:r>
+            <a:endParaRPr lang="ru-RU" dirty="0"/>
+          </a:p>
+        </p:txBody>
+      </p:sp>
+      <p:sp>
+        <p:nvSpPr>
+          <p:cNvPr id="3" name="Прямоугольник 2"/>
+          <p:cNvSpPr/>
           <p:nvPr/>
-        </p:nvPicPr>
-        <p:blipFill>
-          <a:blip r:embed="rId2">
-            <a:duotone>
-              <a:schemeClr val="bg2">
-                <a:shade val="45000"/>
-                <a:satMod val="135000"/>
-              </a:schemeClr>
-              <a:prstClr val="white"/>
-            </a:duotone>
-            <a:extLst>
-              <a:ext uri="{28A0092B-C50C-407E-A947-70E740481C1C}">
-                <a14:useLocalDpi xmlns:a14="http://schemas.microsoft.com/office/drawing/2010/main" val="0"/>
-              </a:ext>
-            </a:extLst>
-          </a:blip>
-          <a:stretch>
-            <a:fillRect/>
-          </a:stretch>
-        </p:blipFill>
+        </p:nvSpPr>
         <p:spPr>
           <a:xfrm>
-            <a:off x="-2035835" y="-181155"/>
-            <a:ext cx="12728755" cy="7159925"/>
+            <a:off x="953666" y="1737139"/>
+            <a:ext cx="7603737" cy="3693319"/>
           </a:xfrm>
           <a:prstGeom prst="rect">
             <a:avLst/>
           </a:prstGeom>
         </p:spPr>
-      </p:pic>
+        <p:txBody>
+          <a:bodyPr wrap="square">
+            <a:spAutoFit/>
+          </a:bodyPr>
+          <a:lstStyle/>
+          <a:p>
+            <a:r>
+              <a:rPr lang="en-US" dirty="0">
+                <a:solidFill>
+                  <a:srgbClr val="0000FF"/>
+                </a:solidFill>
+                <a:latin typeface="Consolas" panose="020B0609020204030204" pitchFamily="49" charset="0"/>
+              </a:rPr>
+              <a:t>class</a:t>
+            </a:r>
+            <a:r>
+              <a:rPr lang="en-US" dirty="0">
+                <a:solidFill>
+                  <a:srgbClr val="000000"/>
+                </a:solidFill>
+                <a:latin typeface="Consolas" panose="020B0609020204030204" pitchFamily="49" charset="0"/>
+              </a:rPr>
+              <a:t> Button </a:t>
+            </a:r>
+            <a:r>
+              <a:rPr lang="en-US" dirty="0">
+                <a:solidFill>
+                  <a:srgbClr val="0000FF"/>
+                </a:solidFill>
+                <a:latin typeface="Consolas" panose="020B0609020204030204" pitchFamily="49" charset="0"/>
+              </a:rPr>
+              <a:t>extends</a:t>
+            </a:r>
+            <a:r>
+              <a:rPr lang="en-US" dirty="0">
+                <a:solidFill>
+                  <a:srgbClr val="000000"/>
+                </a:solidFill>
+                <a:latin typeface="Consolas" panose="020B0609020204030204" pitchFamily="49" charset="0"/>
+              </a:rPr>
+              <a:t> </a:t>
+            </a:r>
+            <a:r>
+              <a:rPr lang="en-US" dirty="0" err="1">
+                <a:solidFill>
+                  <a:srgbClr val="000000"/>
+                </a:solidFill>
+                <a:latin typeface="Consolas" panose="020B0609020204030204" pitchFamily="49" charset="0"/>
+              </a:rPr>
+              <a:t>React.Component</a:t>
+            </a:r>
+            <a:r>
+              <a:rPr lang="en-US" dirty="0">
+                <a:solidFill>
+                  <a:srgbClr val="000000"/>
+                </a:solidFill>
+                <a:latin typeface="Consolas" panose="020B0609020204030204" pitchFamily="49" charset="0"/>
+              </a:rPr>
+              <a:t> {</a:t>
+            </a:r>
+          </a:p>
+          <a:p>
+            <a:r>
+              <a:rPr lang="en-US" dirty="0">
+                <a:solidFill>
+                  <a:srgbClr val="000000"/>
+                </a:solidFill>
+                <a:latin typeface="Consolas" panose="020B0609020204030204" pitchFamily="49" charset="0"/>
+              </a:rPr>
+              <a:t/>
+            </a:r>
+            <a:br>
+              <a:rPr lang="en-US" dirty="0">
+                <a:solidFill>
+                  <a:srgbClr val="000000"/>
+                </a:solidFill>
+                <a:latin typeface="Consolas" panose="020B0609020204030204" pitchFamily="49" charset="0"/>
+              </a:rPr>
+            </a:br>
+            <a:r>
+              <a:rPr lang="en-US" dirty="0">
+                <a:solidFill>
+                  <a:srgbClr val="008000"/>
+                </a:solidFill>
+                <a:latin typeface="Consolas" panose="020B0609020204030204" pitchFamily="49" charset="0"/>
+              </a:rPr>
+              <a:t>// ...</a:t>
+            </a:r>
+            <a:endParaRPr lang="en-US" dirty="0">
+              <a:solidFill>
+                <a:srgbClr val="000000"/>
+              </a:solidFill>
+              <a:latin typeface="Consolas" panose="020B0609020204030204" pitchFamily="49" charset="0"/>
+            </a:endParaRPr>
+          </a:p>
+          <a:p>
+            <a:r>
+              <a:rPr lang="en-US" dirty="0">
+                <a:solidFill>
+                  <a:srgbClr val="000000"/>
+                </a:solidFill>
+                <a:latin typeface="Consolas" panose="020B0609020204030204" pitchFamily="49" charset="0"/>
+              </a:rPr>
+              <a:t/>
+            </a:r>
+            <a:br>
+              <a:rPr lang="en-US" dirty="0">
+                <a:solidFill>
+                  <a:srgbClr val="000000"/>
+                </a:solidFill>
+                <a:latin typeface="Consolas" panose="020B0609020204030204" pitchFamily="49" charset="0"/>
+              </a:rPr>
+            </a:br>
+            <a:r>
+              <a:rPr lang="en-US" dirty="0">
+                <a:solidFill>
+                  <a:srgbClr val="000000"/>
+                </a:solidFill>
+                <a:latin typeface="Consolas" panose="020B0609020204030204" pitchFamily="49" charset="0"/>
+              </a:rPr>
+              <a:t>render(): </a:t>
+            </a:r>
+            <a:r>
+              <a:rPr lang="en-US" dirty="0" err="1">
+                <a:solidFill>
+                  <a:srgbClr val="000000"/>
+                </a:solidFill>
+                <a:latin typeface="Consolas" panose="020B0609020204030204" pitchFamily="49" charset="0"/>
+              </a:rPr>
+              <a:t>React.Element</a:t>
+            </a:r>
+            <a:r>
+              <a:rPr lang="en-US" dirty="0">
+                <a:solidFill>
+                  <a:srgbClr val="000000"/>
+                </a:solidFill>
+                <a:latin typeface="Consolas" panose="020B0609020204030204" pitchFamily="49" charset="0"/>
+              </a:rPr>
+              <a:t>&lt;*&gt; {</a:t>
+            </a:r>
+          </a:p>
+          <a:p>
+            <a:r>
+              <a:rPr lang="en-US" dirty="0">
+                <a:solidFill>
+                  <a:srgbClr val="0000FF"/>
+                </a:solidFill>
+                <a:latin typeface="Consolas" panose="020B0609020204030204" pitchFamily="49" charset="0"/>
+              </a:rPr>
+              <a:t>return</a:t>
+            </a:r>
+            <a:r>
+              <a:rPr lang="en-US" dirty="0">
+                <a:solidFill>
+                  <a:srgbClr val="000000"/>
+                </a:solidFill>
+                <a:latin typeface="Consolas" panose="020B0609020204030204" pitchFamily="49" charset="0"/>
+              </a:rPr>
+              <a:t> (</a:t>
+            </a:r>
+          </a:p>
+          <a:p>
+            <a:r>
+              <a:rPr lang="en-US" dirty="0">
+                <a:solidFill>
+                  <a:srgbClr val="800000"/>
+                </a:solidFill>
+                <a:latin typeface="Consolas" panose="020B0609020204030204" pitchFamily="49" charset="0"/>
+              </a:rPr>
+              <a:t>&lt;button&gt;</a:t>
+            </a:r>
+            <a:endParaRPr lang="en-US" dirty="0">
+              <a:solidFill>
+                <a:srgbClr val="000000"/>
+              </a:solidFill>
+              <a:latin typeface="Consolas" panose="020B0609020204030204" pitchFamily="49" charset="0"/>
+            </a:endParaRPr>
+          </a:p>
+          <a:p>
+            <a:r>
+              <a:rPr lang="en-US" dirty="0">
+                <a:solidFill>
+                  <a:srgbClr val="800000"/>
+                </a:solidFill>
+                <a:latin typeface="Consolas" panose="020B0609020204030204" pitchFamily="49" charset="0"/>
+              </a:rPr>
+              <a:t>&lt;Icon</a:t>
+            </a:r>
+            <a:r>
+              <a:rPr lang="en-US" dirty="0">
+                <a:solidFill>
+                  <a:srgbClr val="000000"/>
+                </a:solidFill>
+                <a:latin typeface="Consolas" panose="020B0609020204030204" pitchFamily="49" charset="0"/>
+              </a:rPr>
+              <a:t> </a:t>
+            </a:r>
+            <a:r>
+              <a:rPr lang="en-US" dirty="0">
+                <a:solidFill>
+                  <a:srgbClr val="800000"/>
+                </a:solidFill>
+                <a:latin typeface="Consolas" panose="020B0609020204030204" pitchFamily="49" charset="0"/>
+              </a:rPr>
+              <a:t>/&gt;</a:t>
+            </a:r>
+            <a:endParaRPr lang="en-US" dirty="0">
+              <a:solidFill>
+                <a:srgbClr val="000000"/>
+              </a:solidFill>
+              <a:latin typeface="Consolas" panose="020B0609020204030204" pitchFamily="49" charset="0"/>
+            </a:endParaRPr>
+          </a:p>
+          <a:p>
+            <a:r>
+              <a:rPr lang="en-US" dirty="0">
+                <a:solidFill>
+                  <a:srgbClr val="000000"/>
+                </a:solidFill>
+                <a:latin typeface="Consolas" panose="020B0609020204030204" pitchFamily="49" charset="0"/>
+              </a:rPr>
+              <a:t>{text}</a:t>
+            </a:r>
+          </a:p>
+          <a:p>
+            <a:r>
+              <a:rPr lang="en-US" dirty="0">
+                <a:solidFill>
+                  <a:srgbClr val="800000"/>
+                </a:solidFill>
+                <a:latin typeface="Consolas" panose="020B0609020204030204" pitchFamily="49" charset="0"/>
+              </a:rPr>
+              <a:t>&lt;/button&gt;</a:t>
+            </a:r>
+            <a:endParaRPr lang="en-US" dirty="0">
+              <a:solidFill>
+                <a:srgbClr val="000000"/>
+              </a:solidFill>
+              <a:latin typeface="Consolas" panose="020B0609020204030204" pitchFamily="49" charset="0"/>
+            </a:endParaRPr>
+          </a:p>
+          <a:p>
+            <a:r>
+              <a:rPr lang="en-US" dirty="0">
+                <a:solidFill>
+                  <a:srgbClr val="000000"/>
+                </a:solidFill>
+                <a:latin typeface="Consolas" panose="020B0609020204030204" pitchFamily="49" charset="0"/>
+              </a:rPr>
+              <a:t>);</a:t>
+            </a:r>
+          </a:p>
+          <a:p>
+            <a:r>
+              <a:rPr lang="en-US" dirty="0">
+                <a:solidFill>
+                  <a:srgbClr val="000000"/>
+                </a:solidFill>
+                <a:latin typeface="Consolas" panose="020B0609020204030204" pitchFamily="49" charset="0"/>
+              </a:rPr>
+              <a:t>}</a:t>
+            </a:r>
+          </a:p>
+          <a:p>
+            <a:r>
+              <a:rPr lang="en-US" dirty="0">
+                <a:solidFill>
+                  <a:srgbClr val="000000"/>
+                </a:solidFill>
+                <a:latin typeface="Consolas" panose="020B0609020204030204" pitchFamily="49" charset="0"/>
+              </a:rPr>
+              <a:t>}</a:t>
+            </a:r>
+          </a:p>
+        </p:txBody>
+      </p:sp>
     </p:spTree>
     <p:extLst>
       <p:ext uri="{BB962C8B-B14F-4D97-AF65-F5344CB8AC3E}">
-        <p14:creationId xmlns:p14="http://schemas.microsoft.com/office/powerpoint/2010/main" val="213230064"/>
+        <p14:creationId xmlns:p14="http://schemas.microsoft.com/office/powerpoint/2010/main" val="2555660649"/>
       </p:ext>
     </p:extLst>
   </p:cSld>

--- a/Slides/Backend vs Frontend.pptx
+++ b/Slides/Backend vs Frontend.pptx
@@ -17,17 +17,19 @@
     <p:sldId id="280" r:id="rId11"/>
     <p:sldId id="281" r:id="rId12"/>
     <p:sldId id="282" r:id="rId13"/>
-    <p:sldId id="277" r:id="rId14"/>
-    <p:sldId id="279" r:id="rId15"/>
-    <p:sldId id="273" r:id="rId16"/>
-    <p:sldId id="275" r:id="rId17"/>
-    <p:sldId id="264" r:id="rId18"/>
-    <p:sldId id="265" r:id="rId19"/>
-    <p:sldId id="266" r:id="rId20"/>
-    <p:sldId id="267" r:id="rId21"/>
-    <p:sldId id="271" r:id="rId22"/>
-    <p:sldId id="272" r:id="rId23"/>
-    <p:sldId id="269" r:id="rId24"/>
+    <p:sldId id="288" r:id="rId14"/>
+    <p:sldId id="277" r:id="rId15"/>
+    <p:sldId id="279" r:id="rId16"/>
+    <p:sldId id="273" r:id="rId17"/>
+    <p:sldId id="275" r:id="rId18"/>
+    <p:sldId id="285" r:id="rId19"/>
+    <p:sldId id="264" r:id="rId20"/>
+    <p:sldId id="265" r:id="rId21"/>
+    <p:sldId id="266" r:id="rId22"/>
+    <p:sldId id="267" r:id="rId23"/>
+    <p:sldId id="286" r:id="rId24"/>
+    <p:sldId id="287" r:id="rId25"/>
+    <p:sldId id="269" r:id="rId26"/>
   </p:sldIdLst>
   <p:sldSz cx="9144000" cy="6858000" type="screen4x3"/>
   <p:notesSz cx="6858000" cy="9144000"/>
@@ -143,16 +145,18 @@
             <p14:sldId id="280"/>
             <p14:sldId id="281"/>
             <p14:sldId id="282"/>
+            <p14:sldId id="288"/>
             <p14:sldId id="277"/>
             <p14:sldId id="279"/>
             <p14:sldId id="273"/>
             <p14:sldId id="275"/>
+            <p14:sldId id="285"/>
             <p14:sldId id="264"/>
             <p14:sldId id="265"/>
             <p14:sldId id="266"/>
             <p14:sldId id="267"/>
-            <p14:sldId id="271"/>
-            <p14:sldId id="272"/>
+            <p14:sldId id="286"/>
+            <p14:sldId id="287"/>
             <p14:sldId id="269"/>
           </p14:sldIdLst>
         </p14:section>
@@ -9177,6 +9181,846 @@
           <a:chExt cx="0" cy="0"/>
         </a:xfrm>
       </p:grpSpPr>
+      <p:sp>
+        <p:nvSpPr>
+          <p:cNvPr id="3" name="Заголовок 2"/>
+          <p:cNvSpPr>
+            <a:spLocks noGrp="1"/>
+          </p:cNvSpPr>
+          <p:nvPr>
+            <p:ph type="title"/>
+          </p:nvPr>
+        </p:nvSpPr>
+        <p:spPr/>
+        <p:txBody>
+          <a:bodyPr>
+            <a:normAutofit/>
+          </a:bodyPr>
+          <a:lstStyle/>
+          <a:p>
+            <a:r>
+              <a:rPr lang="ru-RU" dirty="0" smtClean="0"/>
+              <a:t>Верстка: </a:t>
+            </a:r>
+            <a:r>
+              <a:rPr lang="en-US" sz="3600" dirty="0"/>
+              <a:t>l</a:t>
+            </a:r>
+            <a:r>
+              <a:rPr lang="en-US" sz="3600" dirty="0" smtClean="0"/>
+              <a:t>ayout-</a:t>
+            </a:r>
+            <a:r>
+              <a:rPr lang="ru-RU" sz="3600" dirty="0" smtClean="0"/>
+              <a:t>примитивы</a:t>
+            </a:r>
+            <a:endParaRPr lang="ru-RU" dirty="0"/>
+          </a:p>
+        </p:txBody>
+      </p:sp>
+      <p:sp>
+        <p:nvSpPr>
+          <p:cNvPr id="2" name="Прямоугольник 1"/>
+          <p:cNvSpPr/>
+          <p:nvPr/>
+        </p:nvSpPr>
+        <p:spPr>
+          <a:xfrm>
+            <a:off x="953666" y="1455979"/>
+            <a:ext cx="5142333" cy="5324535"/>
+          </a:xfrm>
+          <a:prstGeom prst="rect">
+            <a:avLst/>
+          </a:prstGeom>
+        </p:spPr>
+        <p:txBody>
+          <a:bodyPr wrap="square">
+            <a:spAutoFit/>
+          </a:bodyPr>
+          <a:lstStyle/>
+          <a:p>
+            <a:pPr>
+              <a:spcAft>
+                <a:spcPts val="0"/>
+              </a:spcAft>
+            </a:pPr>
+            <a:r>
+              <a:rPr lang="en-US" sz="2000" dirty="0">
+                <a:solidFill>
+                  <a:srgbClr val="800000"/>
+                </a:solidFill>
+                <a:latin typeface="Consolas" panose="020B0609020204030204" pitchFamily="49" charset="0"/>
+                <a:ea typeface="Times New Roman" panose="02020603050405020304" pitchFamily="18" charset="0"/>
+                <a:cs typeface="Times New Roman" panose="02020603050405020304" pitchFamily="18" charset="0"/>
+              </a:rPr>
+              <a:t>&lt;</a:t>
+            </a:r>
+            <a:r>
+              <a:rPr lang="en-US" sz="2000" dirty="0" err="1">
+                <a:solidFill>
+                  <a:srgbClr val="800000"/>
+                </a:solidFill>
+                <a:latin typeface="Consolas" panose="020B0609020204030204" pitchFamily="49" charset="0"/>
+                <a:ea typeface="Times New Roman" panose="02020603050405020304" pitchFamily="18" charset="0"/>
+                <a:cs typeface="Times New Roman" panose="02020603050405020304" pitchFamily="18" charset="0"/>
+              </a:rPr>
+              <a:t>RowStack</a:t>
+            </a:r>
+            <a:r>
+              <a:rPr lang="en-US" sz="2000" dirty="0">
+                <a:solidFill>
+                  <a:srgbClr val="000000"/>
+                </a:solidFill>
+                <a:latin typeface="Consolas" panose="020B0609020204030204" pitchFamily="49" charset="0"/>
+                <a:ea typeface="Times New Roman" panose="02020603050405020304" pitchFamily="18" charset="0"/>
+                <a:cs typeface="Times New Roman" panose="02020603050405020304" pitchFamily="18" charset="0"/>
+              </a:rPr>
+              <a:t> </a:t>
+            </a:r>
+            <a:r>
+              <a:rPr lang="en-US" sz="2000" dirty="0">
+                <a:solidFill>
+                  <a:srgbClr val="FF0000"/>
+                </a:solidFill>
+                <a:latin typeface="Consolas" panose="020B0609020204030204" pitchFamily="49" charset="0"/>
+                <a:ea typeface="Times New Roman" panose="02020603050405020304" pitchFamily="18" charset="0"/>
+                <a:cs typeface="Times New Roman" panose="02020603050405020304" pitchFamily="18" charset="0"/>
+              </a:rPr>
+              <a:t>baseline</a:t>
+            </a:r>
+            <a:r>
+              <a:rPr lang="en-US" sz="2000" dirty="0">
+                <a:solidFill>
+                  <a:srgbClr val="800000"/>
+                </a:solidFill>
+                <a:latin typeface="Consolas" panose="020B0609020204030204" pitchFamily="49" charset="0"/>
+                <a:ea typeface="Times New Roman" panose="02020603050405020304" pitchFamily="18" charset="0"/>
+                <a:cs typeface="Times New Roman" panose="02020603050405020304" pitchFamily="18" charset="0"/>
+              </a:rPr>
+              <a:t>&gt;</a:t>
+            </a:r>
+            <a:endParaRPr lang="ru-RU" sz="2000" dirty="0">
+              <a:latin typeface="Calibri" panose="020F0502020204030204" pitchFamily="34" charset="0"/>
+              <a:ea typeface="Calibri" panose="020F0502020204030204" pitchFamily="34" charset="0"/>
+              <a:cs typeface="Times New Roman" panose="02020603050405020304" pitchFamily="18" charset="0"/>
+            </a:endParaRPr>
+          </a:p>
+          <a:p>
+            <a:pPr>
+              <a:spcAft>
+                <a:spcPts val="0"/>
+              </a:spcAft>
+            </a:pPr>
+            <a:r>
+              <a:rPr lang="en-US" sz="2000" dirty="0">
+                <a:solidFill>
+                  <a:srgbClr val="000000"/>
+                </a:solidFill>
+                <a:latin typeface="Consolas" panose="020B0609020204030204" pitchFamily="49" charset="0"/>
+                <a:ea typeface="Times New Roman" panose="02020603050405020304" pitchFamily="18" charset="0"/>
+                <a:cs typeface="Times New Roman" panose="02020603050405020304" pitchFamily="18" charset="0"/>
+              </a:rPr>
+              <a:t>    </a:t>
+            </a:r>
+            <a:r>
+              <a:rPr lang="en-US" sz="2000" dirty="0">
+                <a:solidFill>
+                  <a:srgbClr val="800000"/>
+                </a:solidFill>
+                <a:latin typeface="Consolas" panose="020B0609020204030204" pitchFamily="49" charset="0"/>
+                <a:ea typeface="Times New Roman" panose="02020603050405020304" pitchFamily="18" charset="0"/>
+                <a:cs typeface="Times New Roman" panose="02020603050405020304" pitchFamily="18" charset="0"/>
+              </a:rPr>
+              <a:t>&lt;</a:t>
+            </a:r>
+            <a:r>
+              <a:rPr lang="en-US" sz="2000" dirty="0" err="1">
+                <a:solidFill>
+                  <a:srgbClr val="800000"/>
+                </a:solidFill>
+                <a:latin typeface="Consolas" panose="020B0609020204030204" pitchFamily="49" charset="0"/>
+                <a:ea typeface="Times New Roman" panose="02020603050405020304" pitchFamily="18" charset="0"/>
+                <a:cs typeface="Times New Roman" panose="02020603050405020304" pitchFamily="18" charset="0"/>
+              </a:rPr>
+              <a:t>RowStack.Fit</a:t>
+            </a:r>
+            <a:r>
+              <a:rPr lang="en-US" sz="2000" dirty="0">
+                <a:solidFill>
+                  <a:srgbClr val="800000"/>
+                </a:solidFill>
+                <a:latin typeface="Consolas" panose="020B0609020204030204" pitchFamily="49" charset="0"/>
+                <a:ea typeface="Times New Roman" panose="02020603050405020304" pitchFamily="18" charset="0"/>
+                <a:cs typeface="Times New Roman" panose="02020603050405020304" pitchFamily="18" charset="0"/>
+              </a:rPr>
+              <a:t>&gt;</a:t>
+            </a:r>
+            <a:endParaRPr lang="ru-RU" sz="2000" dirty="0">
+              <a:latin typeface="Calibri" panose="020F0502020204030204" pitchFamily="34" charset="0"/>
+              <a:ea typeface="Calibri" panose="020F0502020204030204" pitchFamily="34" charset="0"/>
+              <a:cs typeface="Times New Roman" panose="02020603050405020304" pitchFamily="18" charset="0"/>
+            </a:endParaRPr>
+          </a:p>
+          <a:p>
+            <a:pPr>
+              <a:spcAft>
+                <a:spcPts val="0"/>
+              </a:spcAft>
+            </a:pPr>
+            <a:r>
+              <a:rPr lang="en-US" sz="2000" dirty="0">
+                <a:solidFill>
+                  <a:srgbClr val="000000"/>
+                </a:solidFill>
+                <a:latin typeface="Consolas" panose="020B0609020204030204" pitchFamily="49" charset="0"/>
+                <a:ea typeface="Times New Roman" panose="02020603050405020304" pitchFamily="18" charset="0"/>
+                <a:cs typeface="Times New Roman" panose="02020603050405020304" pitchFamily="18" charset="0"/>
+              </a:rPr>
+              <a:t>        Fit</a:t>
+            </a:r>
+            <a:endParaRPr lang="ru-RU" sz="2000" dirty="0">
+              <a:latin typeface="Calibri" panose="020F0502020204030204" pitchFamily="34" charset="0"/>
+              <a:ea typeface="Calibri" panose="020F0502020204030204" pitchFamily="34" charset="0"/>
+              <a:cs typeface="Times New Roman" panose="02020603050405020304" pitchFamily="18" charset="0"/>
+            </a:endParaRPr>
+          </a:p>
+          <a:p>
+            <a:pPr>
+              <a:spcAft>
+                <a:spcPts val="0"/>
+              </a:spcAft>
+            </a:pPr>
+            <a:r>
+              <a:rPr lang="en-US" sz="2000" dirty="0">
+                <a:solidFill>
+                  <a:srgbClr val="000000"/>
+                </a:solidFill>
+                <a:latin typeface="Consolas" panose="020B0609020204030204" pitchFamily="49" charset="0"/>
+                <a:ea typeface="Times New Roman" panose="02020603050405020304" pitchFamily="18" charset="0"/>
+                <a:cs typeface="Times New Roman" panose="02020603050405020304" pitchFamily="18" charset="0"/>
+              </a:rPr>
+              <a:t>    </a:t>
+            </a:r>
+            <a:r>
+              <a:rPr lang="en-US" sz="2000" dirty="0">
+                <a:solidFill>
+                  <a:srgbClr val="800000"/>
+                </a:solidFill>
+                <a:latin typeface="Consolas" panose="020B0609020204030204" pitchFamily="49" charset="0"/>
+                <a:ea typeface="Times New Roman" panose="02020603050405020304" pitchFamily="18" charset="0"/>
+                <a:cs typeface="Times New Roman" panose="02020603050405020304" pitchFamily="18" charset="0"/>
+              </a:rPr>
+              <a:t>&lt;/</a:t>
+            </a:r>
+            <a:r>
+              <a:rPr lang="en-US" sz="2000" dirty="0" err="1">
+                <a:solidFill>
+                  <a:srgbClr val="800000"/>
+                </a:solidFill>
+                <a:latin typeface="Consolas" panose="020B0609020204030204" pitchFamily="49" charset="0"/>
+                <a:ea typeface="Times New Roman" panose="02020603050405020304" pitchFamily="18" charset="0"/>
+                <a:cs typeface="Times New Roman" panose="02020603050405020304" pitchFamily="18" charset="0"/>
+              </a:rPr>
+              <a:t>RowStack.Fit</a:t>
+            </a:r>
+            <a:r>
+              <a:rPr lang="en-US" sz="2000" dirty="0" smtClean="0">
+                <a:solidFill>
+                  <a:srgbClr val="800000"/>
+                </a:solidFill>
+                <a:latin typeface="Consolas" panose="020B0609020204030204" pitchFamily="49" charset="0"/>
+                <a:ea typeface="Times New Roman" panose="02020603050405020304" pitchFamily="18" charset="0"/>
+                <a:cs typeface="Times New Roman" panose="02020603050405020304" pitchFamily="18" charset="0"/>
+              </a:rPr>
+              <a:t>&gt;</a:t>
+            </a:r>
+          </a:p>
+          <a:p>
+            <a:pPr>
+              <a:spcAft>
+                <a:spcPts val="0"/>
+              </a:spcAft>
+            </a:pPr>
+            <a:endParaRPr lang="ru-RU" sz="2000" dirty="0">
+              <a:latin typeface="Calibri" panose="020F0502020204030204" pitchFamily="34" charset="0"/>
+              <a:ea typeface="Calibri" panose="020F0502020204030204" pitchFamily="34" charset="0"/>
+              <a:cs typeface="Times New Roman" panose="02020603050405020304" pitchFamily="18" charset="0"/>
+            </a:endParaRPr>
+          </a:p>
+          <a:p>
+            <a:pPr>
+              <a:spcAft>
+                <a:spcPts val="0"/>
+              </a:spcAft>
+            </a:pPr>
+            <a:r>
+              <a:rPr lang="en-US" sz="2000" dirty="0">
+                <a:solidFill>
+                  <a:srgbClr val="000000"/>
+                </a:solidFill>
+                <a:latin typeface="Consolas" panose="020B0609020204030204" pitchFamily="49" charset="0"/>
+                <a:ea typeface="Times New Roman" panose="02020603050405020304" pitchFamily="18" charset="0"/>
+                <a:cs typeface="Times New Roman" panose="02020603050405020304" pitchFamily="18" charset="0"/>
+              </a:rPr>
+              <a:t>    </a:t>
+            </a:r>
+            <a:r>
+              <a:rPr lang="en-US" sz="2000" dirty="0">
+                <a:solidFill>
+                  <a:srgbClr val="800000"/>
+                </a:solidFill>
+                <a:latin typeface="Consolas" panose="020B0609020204030204" pitchFamily="49" charset="0"/>
+                <a:ea typeface="Times New Roman" panose="02020603050405020304" pitchFamily="18" charset="0"/>
+                <a:cs typeface="Times New Roman" panose="02020603050405020304" pitchFamily="18" charset="0"/>
+              </a:rPr>
+              <a:t>&lt;</a:t>
+            </a:r>
+            <a:r>
+              <a:rPr lang="en-US" sz="2000" dirty="0" err="1">
+                <a:solidFill>
+                  <a:srgbClr val="800000"/>
+                </a:solidFill>
+                <a:latin typeface="Consolas" panose="020B0609020204030204" pitchFamily="49" charset="0"/>
+                <a:ea typeface="Times New Roman" panose="02020603050405020304" pitchFamily="18" charset="0"/>
+                <a:cs typeface="Times New Roman" panose="02020603050405020304" pitchFamily="18" charset="0"/>
+              </a:rPr>
+              <a:t>RowStack.Fixed</a:t>
+            </a:r>
+            <a:r>
+              <a:rPr lang="en-US" sz="2000" dirty="0">
+                <a:solidFill>
+                  <a:srgbClr val="000000"/>
+                </a:solidFill>
+                <a:latin typeface="Consolas" panose="020B0609020204030204" pitchFamily="49" charset="0"/>
+                <a:ea typeface="Times New Roman" panose="02020603050405020304" pitchFamily="18" charset="0"/>
+                <a:cs typeface="Times New Roman" panose="02020603050405020304" pitchFamily="18" charset="0"/>
+              </a:rPr>
+              <a:t> </a:t>
+            </a:r>
+            <a:r>
+              <a:rPr lang="en-US" sz="2000" dirty="0">
+                <a:solidFill>
+                  <a:srgbClr val="FF0000"/>
+                </a:solidFill>
+                <a:latin typeface="Consolas" panose="020B0609020204030204" pitchFamily="49" charset="0"/>
+                <a:ea typeface="Times New Roman" panose="02020603050405020304" pitchFamily="18" charset="0"/>
+                <a:cs typeface="Times New Roman" panose="02020603050405020304" pitchFamily="18" charset="0"/>
+              </a:rPr>
+              <a:t>width</a:t>
+            </a:r>
+            <a:r>
+              <a:rPr lang="en-US" sz="2000" dirty="0">
+                <a:solidFill>
+                  <a:srgbClr val="000000"/>
+                </a:solidFill>
+                <a:latin typeface="Consolas" panose="020B0609020204030204" pitchFamily="49" charset="0"/>
+                <a:ea typeface="Times New Roman" panose="02020603050405020304" pitchFamily="18" charset="0"/>
+                <a:cs typeface="Times New Roman" panose="02020603050405020304" pitchFamily="18" charset="0"/>
+              </a:rPr>
+              <a:t>={</a:t>
+            </a:r>
+            <a:r>
+              <a:rPr lang="en-US" sz="2000" dirty="0">
+                <a:solidFill>
+                  <a:srgbClr val="09885A"/>
+                </a:solidFill>
+                <a:latin typeface="Consolas" panose="020B0609020204030204" pitchFamily="49" charset="0"/>
+                <a:ea typeface="Times New Roman" panose="02020603050405020304" pitchFamily="18" charset="0"/>
+                <a:cs typeface="Times New Roman" panose="02020603050405020304" pitchFamily="18" charset="0"/>
+              </a:rPr>
+              <a:t>120</a:t>
+            </a:r>
+            <a:r>
+              <a:rPr lang="en-US" sz="2000" dirty="0">
+                <a:solidFill>
+                  <a:srgbClr val="000000"/>
+                </a:solidFill>
+                <a:latin typeface="Consolas" panose="020B0609020204030204" pitchFamily="49" charset="0"/>
+                <a:ea typeface="Times New Roman" panose="02020603050405020304" pitchFamily="18" charset="0"/>
+                <a:cs typeface="Times New Roman" panose="02020603050405020304" pitchFamily="18" charset="0"/>
+              </a:rPr>
+              <a:t>}</a:t>
+            </a:r>
+            <a:r>
+              <a:rPr lang="en-US" sz="2000" dirty="0">
+                <a:solidFill>
+                  <a:srgbClr val="800000"/>
+                </a:solidFill>
+                <a:latin typeface="Consolas" panose="020B0609020204030204" pitchFamily="49" charset="0"/>
+                <a:ea typeface="Times New Roman" panose="02020603050405020304" pitchFamily="18" charset="0"/>
+                <a:cs typeface="Times New Roman" panose="02020603050405020304" pitchFamily="18" charset="0"/>
+              </a:rPr>
+              <a:t>&gt;</a:t>
+            </a:r>
+            <a:endParaRPr lang="ru-RU" sz="2000" dirty="0">
+              <a:latin typeface="Calibri" panose="020F0502020204030204" pitchFamily="34" charset="0"/>
+              <a:ea typeface="Calibri" panose="020F0502020204030204" pitchFamily="34" charset="0"/>
+              <a:cs typeface="Times New Roman" panose="02020603050405020304" pitchFamily="18" charset="0"/>
+            </a:endParaRPr>
+          </a:p>
+          <a:p>
+            <a:pPr>
+              <a:spcAft>
+                <a:spcPts val="0"/>
+              </a:spcAft>
+            </a:pPr>
+            <a:r>
+              <a:rPr lang="en-US" sz="2000" dirty="0">
+                <a:solidFill>
+                  <a:srgbClr val="000000"/>
+                </a:solidFill>
+                <a:latin typeface="Consolas" panose="020B0609020204030204" pitchFamily="49" charset="0"/>
+                <a:ea typeface="Times New Roman" panose="02020603050405020304" pitchFamily="18" charset="0"/>
+                <a:cs typeface="Times New Roman" panose="02020603050405020304" pitchFamily="18" charset="0"/>
+              </a:rPr>
+              <a:t>        Fixed width</a:t>
+            </a:r>
+            <a:endParaRPr lang="ru-RU" sz="2000" dirty="0">
+              <a:latin typeface="Calibri" panose="020F0502020204030204" pitchFamily="34" charset="0"/>
+              <a:ea typeface="Calibri" panose="020F0502020204030204" pitchFamily="34" charset="0"/>
+              <a:cs typeface="Times New Roman" panose="02020603050405020304" pitchFamily="18" charset="0"/>
+            </a:endParaRPr>
+          </a:p>
+          <a:p>
+            <a:pPr>
+              <a:spcAft>
+                <a:spcPts val="0"/>
+              </a:spcAft>
+            </a:pPr>
+            <a:r>
+              <a:rPr lang="en-US" sz="2000" dirty="0">
+                <a:solidFill>
+                  <a:srgbClr val="000000"/>
+                </a:solidFill>
+                <a:latin typeface="Consolas" panose="020B0609020204030204" pitchFamily="49" charset="0"/>
+                <a:ea typeface="Times New Roman" panose="02020603050405020304" pitchFamily="18" charset="0"/>
+                <a:cs typeface="Times New Roman" panose="02020603050405020304" pitchFamily="18" charset="0"/>
+              </a:rPr>
+              <a:t>    </a:t>
+            </a:r>
+            <a:r>
+              <a:rPr lang="en-US" sz="2000" dirty="0">
+                <a:solidFill>
+                  <a:srgbClr val="800000"/>
+                </a:solidFill>
+                <a:latin typeface="Consolas" panose="020B0609020204030204" pitchFamily="49" charset="0"/>
+                <a:ea typeface="Times New Roman" panose="02020603050405020304" pitchFamily="18" charset="0"/>
+                <a:cs typeface="Times New Roman" panose="02020603050405020304" pitchFamily="18" charset="0"/>
+              </a:rPr>
+              <a:t>&lt;/</a:t>
+            </a:r>
+            <a:r>
+              <a:rPr lang="en-US" sz="2000" dirty="0" err="1">
+                <a:solidFill>
+                  <a:srgbClr val="800000"/>
+                </a:solidFill>
+                <a:latin typeface="Consolas" panose="020B0609020204030204" pitchFamily="49" charset="0"/>
+                <a:ea typeface="Times New Roman" panose="02020603050405020304" pitchFamily="18" charset="0"/>
+                <a:cs typeface="Times New Roman" panose="02020603050405020304" pitchFamily="18" charset="0"/>
+              </a:rPr>
+              <a:t>RowStack.Fixed</a:t>
+            </a:r>
+            <a:r>
+              <a:rPr lang="en-US" sz="2000" dirty="0">
+                <a:solidFill>
+                  <a:srgbClr val="800000"/>
+                </a:solidFill>
+                <a:latin typeface="Consolas" panose="020B0609020204030204" pitchFamily="49" charset="0"/>
+                <a:ea typeface="Times New Roman" panose="02020603050405020304" pitchFamily="18" charset="0"/>
+                <a:cs typeface="Times New Roman" panose="02020603050405020304" pitchFamily="18" charset="0"/>
+              </a:rPr>
+              <a:t>&gt;</a:t>
+            </a:r>
+            <a:endParaRPr lang="ru-RU" sz="2000" dirty="0">
+              <a:latin typeface="Calibri" panose="020F0502020204030204" pitchFamily="34" charset="0"/>
+              <a:ea typeface="Calibri" panose="020F0502020204030204" pitchFamily="34" charset="0"/>
+              <a:cs typeface="Times New Roman" panose="02020603050405020304" pitchFamily="18" charset="0"/>
+            </a:endParaRPr>
+          </a:p>
+          <a:p>
+            <a:pPr>
+              <a:spcAft>
+                <a:spcPts val="0"/>
+              </a:spcAft>
+            </a:pPr>
+            <a:endParaRPr lang="en-US" sz="2000" dirty="0" smtClean="0">
+              <a:solidFill>
+                <a:srgbClr val="000000"/>
+              </a:solidFill>
+              <a:latin typeface="Consolas" panose="020B0609020204030204" pitchFamily="49" charset="0"/>
+              <a:ea typeface="Times New Roman" panose="02020603050405020304" pitchFamily="18" charset="0"/>
+              <a:cs typeface="Times New Roman" panose="02020603050405020304" pitchFamily="18" charset="0"/>
+            </a:endParaRPr>
+          </a:p>
+          <a:p>
+            <a:pPr>
+              <a:spcAft>
+                <a:spcPts val="0"/>
+              </a:spcAft>
+            </a:pPr>
+            <a:r>
+              <a:rPr lang="en-US" sz="2000" dirty="0" smtClean="0">
+                <a:solidFill>
+                  <a:srgbClr val="000000"/>
+                </a:solidFill>
+                <a:latin typeface="Consolas" panose="020B0609020204030204" pitchFamily="49" charset="0"/>
+                <a:ea typeface="Times New Roman" panose="02020603050405020304" pitchFamily="18" charset="0"/>
+                <a:cs typeface="Times New Roman" panose="02020603050405020304" pitchFamily="18" charset="0"/>
+              </a:rPr>
+              <a:t>    </a:t>
+            </a:r>
+            <a:r>
+              <a:rPr lang="en-US" sz="2000" dirty="0">
+                <a:solidFill>
+                  <a:srgbClr val="800000"/>
+                </a:solidFill>
+                <a:latin typeface="Consolas" panose="020B0609020204030204" pitchFamily="49" charset="0"/>
+                <a:ea typeface="Times New Roman" panose="02020603050405020304" pitchFamily="18" charset="0"/>
+                <a:cs typeface="Times New Roman" panose="02020603050405020304" pitchFamily="18" charset="0"/>
+              </a:rPr>
+              <a:t>&lt;</a:t>
+            </a:r>
+            <a:r>
+              <a:rPr lang="en-US" sz="2000" dirty="0" err="1">
+                <a:solidFill>
+                  <a:srgbClr val="800000"/>
+                </a:solidFill>
+                <a:latin typeface="Consolas" panose="020B0609020204030204" pitchFamily="49" charset="0"/>
+                <a:ea typeface="Times New Roman" panose="02020603050405020304" pitchFamily="18" charset="0"/>
+                <a:cs typeface="Times New Roman" panose="02020603050405020304" pitchFamily="18" charset="0"/>
+              </a:rPr>
+              <a:t>RowStack.Fill</a:t>
+            </a:r>
+            <a:r>
+              <a:rPr lang="en-US" sz="2000" dirty="0">
+                <a:solidFill>
+                  <a:srgbClr val="800000"/>
+                </a:solidFill>
+                <a:latin typeface="Consolas" panose="020B0609020204030204" pitchFamily="49" charset="0"/>
+                <a:ea typeface="Times New Roman" panose="02020603050405020304" pitchFamily="18" charset="0"/>
+                <a:cs typeface="Times New Roman" panose="02020603050405020304" pitchFamily="18" charset="0"/>
+              </a:rPr>
+              <a:t>&gt;</a:t>
+            </a:r>
+            <a:endParaRPr lang="ru-RU" sz="2000" dirty="0">
+              <a:latin typeface="Calibri" panose="020F0502020204030204" pitchFamily="34" charset="0"/>
+              <a:ea typeface="Calibri" panose="020F0502020204030204" pitchFamily="34" charset="0"/>
+              <a:cs typeface="Times New Roman" panose="02020603050405020304" pitchFamily="18" charset="0"/>
+            </a:endParaRPr>
+          </a:p>
+          <a:p>
+            <a:pPr>
+              <a:spcAft>
+                <a:spcPts val="0"/>
+              </a:spcAft>
+            </a:pPr>
+            <a:r>
+              <a:rPr lang="en-US" sz="2000" dirty="0">
+                <a:solidFill>
+                  <a:srgbClr val="000000"/>
+                </a:solidFill>
+                <a:latin typeface="Consolas" panose="020B0609020204030204" pitchFamily="49" charset="0"/>
+                <a:ea typeface="Times New Roman" panose="02020603050405020304" pitchFamily="18" charset="0"/>
+                <a:cs typeface="Times New Roman" panose="02020603050405020304" pitchFamily="18" charset="0"/>
+              </a:rPr>
+              <a:t>        Fill</a:t>
+            </a:r>
+            <a:endParaRPr lang="ru-RU" sz="2000" dirty="0">
+              <a:latin typeface="Calibri" panose="020F0502020204030204" pitchFamily="34" charset="0"/>
+              <a:ea typeface="Calibri" panose="020F0502020204030204" pitchFamily="34" charset="0"/>
+              <a:cs typeface="Times New Roman" panose="02020603050405020304" pitchFamily="18" charset="0"/>
+            </a:endParaRPr>
+          </a:p>
+          <a:p>
+            <a:pPr>
+              <a:spcAft>
+                <a:spcPts val="0"/>
+              </a:spcAft>
+            </a:pPr>
+            <a:r>
+              <a:rPr lang="en-US" sz="2000" dirty="0">
+                <a:solidFill>
+                  <a:srgbClr val="000000"/>
+                </a:solidFill>
+                <a:latin typeface="Consolas" panose="020B0609020204030204" pitchFamily="49" charset="0"/>
+                <a:ea typeface="Times New Roman" panose="02020603050405020304" pitchFamily="18" charset="0"/>
+                <a:cs typeface="Times New Roman" panose="02020603050405020304" pitchFamily="18" charset="0"/>
+              </a:rPr>
+              <a:t>    </a:t>
+            </a:r>
+            <a:r>
+              <a:rPr lang="en-US" sz="2000" dirty="0">
+                <a:solidFill>
+                  <a:srgbClr val="800000"/>
+                </a:solidFill>
+                <a:latin typeface="Consolas" panose="020B0609020204030204" pitchFamily="49" charset="0"/>
+                <a:ea typeface="Times New Roman" panose="02020603050405020304" pitchFamily="18" charset="0"/>
+                <a:cs typeface="Times New Roman" panose="02020603050405020304" pitchFamily="18" charset="0"/>
+              </a:rPr>
+              <a:t>&lt;/</a:t>
+            </a:r>
+            <a:r>
+              <a:rPr lang="en-US" sz="2000" dirty="0" err="1">
+                <a:solidFill>
+                  <a:srgbClr val="800000"/>
+                </a:solidFill>
+                <a:latin typeface="Consolas" panose="020B0609020204030204" pitchFamily="49" charset="0"/>
+                <a:ea typeface="Times New Roman" panose="02020603050405020304" pitchFamily="18" charset="0"/>
+                <a:cs typeface="Times New Roman" panose="02020603050405020304" pitchFamily="18" charset="0"/>
+              </a:rPr>
+              <a:t>RowStack.Fill</a:t>
+            </a:r>
+            <a:r>
+              <a:rPr lang="en-US" sz="2000" dirty="0">
+                <a:solidFill>
+                  <a:srgbClr val="800000"/>
+                </a:solidFill>
+                <a:latin typeface="Consolas" panose="020B0609020204030204" pitchFamily="49" charset="0"/>
+                <a:ea typeface="Times New Roman" panose="02020603050405020304" pitchFamily="18" charset="0"/>
+                <a:cs typeface="Times New Roman" panose="02020603050405020304" pitchFamily="18" charset="0"/>
+              </a:rPr>
+              <a:t>&gt;</a:t>
+            </a:r>
+            <a:endParaRPr lang="ru-RU" sz="2000" dirty="0">
+              <a:latin typeface="Calibri" panose="020F0502020204030204" pitchFamily="34" charset="0"/>
+              <a:ea typeface="Calibri" panose="020F0502020204030204" pitchFamily="34" charset="0"/>
+              <a:cs typeface="Times New Roman" panose="02020603050405020304" pitchFamily="18" charset="0"/>
+            </a:endParaRPr>
+          </a:p>
+          <a:p>
+            <a:pPr>
+              <a:spcAft>
+                <a:spcPts val="0"/>
+              </a:spcAft>
+            </a:pPr>
+            <a:endParaRPr lang="en-US" sz="2000" dirty="0" smtClean="0">
+              <a:solidFill>
+                <a:srgbClr val="000000"/>
+              </a:solidFill>
+              <a:latin typeface="Consolas" panose="020B0609020204030204" pitchFamily="49" charset="0"/>
+              <a:ea typeface="Times New Roman" panose="02020603050405020304" pitchFamily="18" charset="0"/>
+              <a:cs typeface="Times New Roman" panose="02020603050405020304" pitchFamily="18" charset="0"/>
+            </a:endParaRPr>
+          </a:p>
+          <a:p>
+            <a:pPr>
+              <a:spcAft>
+                <a:spcPts val="0"/>
+              </a:spcAft>
+            </a:pPr>
+            <a:r>
+              <a:rPr lang="en-US" sz="2000" dirty="0" smtClean="0">
+                <a:solidFill>
+                  <a:srgbClr val="000000"/>
+                </a:solidFill>
+                <a:latin typeface="Consolas" panose="020B0609020204030204" pitchFamily="49" charset="0"/>
+                <a:ea typeface="Times New Roman" panose="02020603050405020304" pitchFamily="18" charset="0"/>
+                <a:cs typeface="Times New Roman" panose="02020603050405020304" pitchFamily="18" charset="0"/>
+              </a:rPr>
+              <a:t>    </a:t>
+            </a:r>
+            <a:r>
+              <a:rPr lang="en-US" sz="2000" dirty="0">
+                <a:solidFill>
+                  <a:srgbClr val="800000"/>
+                </a:solidFill>
+                <a:latin typeface="Consolas" panose="020B0609020204030204" pitchFamily="49" charset="0"/>
+                <a:ea typeface="Times New Roman" panose="02020603050405020304" pitchFamily="18" charset="0"/>
+                <a:cs typeface="Times New Roman" panose="02020603050405020304" pitchFamily="18" charset="0"/>
+              </a:rPr>
+              <a:t>&lt;</a:t>
+            </a:r>
+            <a:r>
+              <a:rPr lang="en-US" sz="2000" dirty="0" err="1">
+                <a:solidFill>
+                  <a:srgbClr val="800000"/>
+                </a:solidFill>
+                <a:latin typeface="Consolas" panose="020B0609020204030204" pitchFamily="49" charset="0"/>
+                <a:ea typeface="Times New Roman" panose="02020603050405020304" pitchFamily="18" charset="0"/>
+                <a:cs typeface="Times New Roman" panose="02020603050405020304" pitchFamily="18" charset="0"/>
+              </a:rPr>
+              <a:t>RowStack.Fit</a:t>
+            </a:r>
+            <a:r>
+              <a:rPr lang="en-US" sz="2000" dirty="0">
+                <a:solidFill>
+                  <a:srgbClr val="800000"/>
+                </a:solidFill>
+                <a:latin typeface="Consolas" panose="020B0609020204030204" pitchFamily="49" charset="0"/>
+                <a:ea typeface="Times New Roman" panose="02020603050405020304" pitchFamily="18" charset="0"/>
+                <a:cs typeface="Times New Roman" panose="02020603050405020304" pitchFamily="18" charset="0"/>
+              </a:rPr>
+              <a:t>&gt;</a:t>
+            </a:r>
+            <a:endParaRPr lang="ru-RU" sz="2000" dirty="0">
+              <a:latin typeface="Calibri" panose="020F0502020204030204" pitchFamily="34" charset="0"/>
+              <a:ea typeface="Calibri" panose="020F0502020204030204" pitchFamily="34" charset="0"/>
+              <a:cs typeface="Times New Roman" panose="02020603050405020304" pitchFamily="18" charset="0"/>
+            </a:endParaRPr>
+          </a:p>
+          <a:p>
+            <a:pPr>
+              <a:spcAft>
+                <a:spcPts val="0"/>
+              </a:spcAft>
+            </a:pPr>
+            <a:r>
+              <a:rPr lang="en-US" sz="2000" dirty="0">
+                <a:solidFill>
+                  <a:srgbClr val="000000"/>
+                </a:solidFill>
+                <a:latin typeface="Consolas" panose="020B0609020204030204" pitchFamily="49" charset="0"/>
+                <a:ea typeface="Times New Roman" panose="02020603050405020304" pitchFamily="18" charset="0"/>
+                <a:cs typeface="Times New Roman" panose="02020603050405020304" pitchFamily="18" charset="0"/>
+              </a:rPr>
+              <a:t>        Fit</a:t>
+            </a:r>
+            <a:endParaRPr lang="ru-RU" sz="2000" dirty="0">
+              <a:latin typeface="Calibri" panose="020F0502020204030204" pitchFamily="34" charset="0"/>
+              <a:ea typeface="Calibri" panose="020F0502020204030204" pitchFamily="34" charset="0"/>
+              <a:cs typeface="Times New Roman" panose="02020603050405020304" pitchFamily="18" charset="0"/>
+            </a:endParaRPr>
+          </a:p>
+          <a:p>
+            <a:pPr>
+              <a:spcAft>
+                <a:spcPts val="0"/>
+              </a:spcAft>
+            </a:pPr>
+            <a:r>
+              <a:rPr lang="en-US" sz="2000" dirty="0">
+                <a:solidFill>
+                  <a:srgbClr val="000000"/>
+                </a:solidFill>
+                <a:latin typeface="Consolas" panose="020B0609020204030204" pitchFamily="49" charset="0"/>
+                <a:ea typeface="Times New Roman" panose="02020603050405020304" pitchFamily="18" charset="0"/>
+                <a:cs typeface="Times New Roman" panose="02020603050405020304" pitchFamily="18" charset="0"/>
+              </a:rPr>
+              <a:t>    </a:t>
+            </a:r>
+            <a:r>
+              <a:rPr lang="en-US" sz="2000" dirty="0">
+                <a:solidFill>
+                  <a:srgbClr val="800000"/>
+                </a:solidFill>
+                <a:latin typeface="Consolas" panose="020B0609020204030204" pitchFamily="49" charset="0"/>
+                <a:ea typeface="Times New Roman" panose="02020603050405020304" pitchFamily="18" charset="0"/>
+                <a:cs typeface="Times New Roman" panose="02020603050405020304" pitchFamily="18" charset="0"/>
+              </a:rPr>
+              <a:t>&lt;/</a:t>
+            </a:r>
+            <a:r>
+              <a:rPr lang="en-US" sz="2000" dirty="0" err="1">
+                <a:solidFill>
+                  <a:srgbClr val="800000"/>
+                </a:solidFill>
+                <a:latin typeface="Consolas" panose="020B0609020204030204" pitchFamily="49" charset="0"/>
+                <a:ea typeface="Times New Roman" panose="02020603050405020304" pitchFamily="18" charset="0"/>
+                <a:cs typeface="Times New Roman" panose="02020603050405020304" pitchFamily="18" charset="0"/>
+              </a:rPr>
+              <a:t>RowStack.Fit</a:t>
+            </a:r>
+            <a:r>
+              <a:rPr lang="en-US" sz="2000" dirty="0">
+                <a:solidFill>
+                  <a:srgbClr val="800000"/>
+                </a:solidFill>
+                <a:latin typeface="Consolas" panose="020B0609020204030204" pitchFamily="49" charset="0"/>
+                <a:ea typeface="Times New Roman" panose="02020603050405020304" pitchFamily="18" charset="0"/>
+                <a:cs typeface="Times New Roman" panose="02020603050405020304" pitchFamily="18" charset="0"/>
+              </a:rPr>
+              <a:t>&gt;</a:t>
+            </a:r>
+            <a:endParaRPr lang="ru-RU" sz="2000" dirty="0">
+              <a:latin typeface="Calibri" panose="020F0502020204030204" pitchFamily="34" charset="0"/>
+              <a:ea typeface="Calibri" panose="020F0502020204030204" pitchFamily="34" charset="0"/>
+              <a:cs typeface="Times New Roman" panose="02020603050405020304" pitchFamily="18" charset="0"/>
+            </a:endParaRPr>
+          </a:p>
+          <a:p>
+            <a:pPr>
+              <a:spcAft>
+                <a:spcPts val="0"/>
+              </a:spcAft>
+            </a:pPr>
+            <a:r>
+              <a:rPr lang="ru-RU" sz="2000" dirty="0">
+                <a:solidFill>
+                  <a:srgbClr val="800000"/>
+                </a:solidFill>
+                <a:latin typeface="Consolas" panose="020B0609020204030204" pitchFamily="49" charset="0"/>
+                <a:ea typeface="Times New Roman" panose="02020603050405020304" pitchFamily="18" charset="0"/>
+                <a:cs typeface="Times New Roman" panose="02020603050405020304" pitchFamily="18" charset="0"/>
+              </a:rPr>
+              <a:t>&lt;/</a:t>
+            </a:r>
+            <a:r>
+              <a:rPr lang="ru-RU" sz="2000" dirty="0" err="1">
+                <a:solidFill>
+                  <a:srgbClr val="800000"/>
+                </a:solidFill>
+                <a:latin typeface="Consolas" panose="020B0609020204030204" pitchFamily="49" charset="0"/>
+                <a:ea typeface="Times New Roman" panose="02020603050405020304" pitchFamily="18" charset="0"/>
+                <a:cs typeface="Times New Roman" panose="02020603050405020304" pitchFamily="18" charset="0"/>
+              </a:rPr>
+              <a:t>RowStack</a:t>
+            </a:r>
+            <a:r>
+              <a:rPr lang="ru-RU" sz="2000" dirty="0" smtClean="0">
+                <a:solidFill>
+                  <a:srgbClr val="800000"/>
+                </a:solidFill>
+                <a:latin typeface="Consolas" panose="020B0609020204030204" pitchFamily="49" charset="0"/>
+                <a:ea typeface="Times New Roman" panose="02020603050405020304" pitchFamily="18" charset="0"/>
+                <a:cs typeface="Times New Roman" panose="02020603050405020304" pitchFamily="18" charset="0"/>
+              </a:rPr>
+              <a:t>&gt;</a:t>
+            </a:r>
+            <a:endParaRPr lang="ru-RU" sz="2000" dirty="0">
+              <a:latin typeface="Calibri" panose="020F0502020204030204" pitchFamily="34" charset="0"/>
+              <a:ea typeface="Calibri" panose="020F0502020204030204" pitchFamily="34" charset="0"/>
+              <a:cs typeface="Times New Roman" panose="02020603050405020304" pitchFamily="18" charset="0"/>
+            </a:endParaRPr>
+          </a:p>
+        </p:txBody>
+      </p:sp>
+    </p:spTree>
+    <p:extLst>
+      <p:ext uri="{BB962C8B-B14F-4D97-AF65-F5344CB8AC3E}">
+        <p14:creationId xmlns:p14="http://schemas.microsoft.com/office/powerpoint/2010/main" val="552762782"/>
+      </p:ext>
+    </p:extLst>
+  </p:cSld>
+  <p:clrMapOvr>
+    <a:masterClrMapping/>
+  </p:clrMapOvr>
+  <p:timing>
+    <p:tnLst>
+      <p:par>
+        <p:cTn id="1" dur="indefinite" restart="never" nodeType="tmRoot"/>
+      </p:par>
+    </p:tnLst>
+  </p:timing>
+</p:sld>
+</file>
+
+<file path=ppt/slides/slide14.xml><?xml version="1.0" encoding="utf-8"?>
+<p:sld xmlns:a="http://schemas.openxmlformats.org/drawingml/2006/main" xmlns:r="http://schemas.openxmlformats.org/officeDocument/2006/relationships" xmlns:p="http://schemas.openxmlformats.org/presentationml/2006/main">
+  <p:cSld>
+    <p:spTree>
+      <p:nvGrpSpPr>
+        <p:cNvPr id="1" name=""/>
+        <p:cNvGrpSpPr/>
+        <p:nvPr/>
+      </p:nvGrpSpPr>
+      <p:grpSpPr>
+        <a:xfrm>
+          <a:off x="0" y="0"/>
+          <a:ext cx="0" cy="0"/>
+          <a:chOff x="0" y="0"/>
+          <a:chExt cx="0" cy="0"/>
+        </a:xfrm>
+      </p:grpSpPr>
       <p:pic>
         <p:nvPicPr>
           <p:cNvPr id="4" name="Рисунок 3"/>
@@ -9227,7 +10071,7 @@
 </p:sld>
 </file>
 
-<file path=ppt/slides/slide14.xml><?xml version="1.0" encoding="utf-8"?>
+<file path=ppt/slides/slide15.xml><?xml version="1.0" encoding="utf-8"?>
 <p:sld xmlns:a="http://schemas.openxmlformats.org/drawingml/2006/main" xmlns:r="http://schemas.openxmlformats.org/officeDocument/2006/relationships" xmlns:p="http://schemas.openxmlformats.org/presentationml/2006/main">
   <p:cSld>
     <p:spTree>
@@ -9301,7 +10145,7 @@
 </p:sld>
 </file>
 
-<file path=ppt/slides/slide15.xml><?xml version="1.0" encoding="utf-8"?>
+<file path=ppt/slides/slide16.xml><?xml version="1.0" encoding="utf-8"?>
 <p:sld xmlns:a="http://schemas.openxmlformats.org/drawingml/2006/main" xmlns:r="http://schemas.openxmlformats.org/officeDocument/2006/relationships" xmlns:p="http://schemas.openxmlformats.org/presentationml/2006/main">
   <p:cSld>
     <p:spTree>
@@ -9496,8 +10340,8 @@
 </p:sld>
 </file>
 
-<file path=ppt/slides/slide16.xml><?xml version="1.0" encoding="utf-8"?>
-<p:sld xmlns:a="http://schemas.openxmlformats.org/drawingml/2006/main" xmlns:r="http://schemas.openxmlformats.org/officeDocument/2006/relationships" xmlns:p="http://schemas.openxmlformats.org/presentationml/2006/main">
+<file path=ppt/slides/slide17.xml><?xml version="1.0" encoding="utf-8"?>
+<p:sld xmlns:a="http://schemas.openxmlformats.org/drawingml/2006/main" xmlns:r="http://schemas.openxmlformats.org/officeDocument/2006/relationships" xmlns:p="http://schemas.openxmlformats.org/presentationml/2006/main" show="0">
   <p:cSld>
     <p:spTree>
       <p:nvGrpSpPr>
@@ -10279,6 +11123,14 @@
   <p:clrMapOvr>
     <a:masterClrMapping/>
   </p:clrMapOvr>
+  <mc:AlternateContent xmlns:mc="http://schemas.openxmlformats.org/markup-compatibility/2006">
+    <mc:Choice xmlns:p14="http://schemas.microsoft.com/office/powerpoint/2010/main" Requires="p14">
+      <p:transition spd="slow" p14:dur="2000"/>
+    </mc:Choice>
+    <mc:Fallback>
+      <p:transition spd="slow"/>
+    </mc:Fallback>
+  </mc:AlternateContent>
   <p:timing>
     <p:tnLst>
       <p:par>
@@ -10289,7 +11141,128 @@
 </p:sld>
 </file>
 
-<file path=ppt/slides/slide17.xml><?xml version="1.0" encoding="utf-8"?>
+<file path=ppt/slides/slide18.xml><?xml version="1.0" encoding="utf-8"?>
+<p:sld xmlns:a="http://schemas.openxmlformats.org/drawingml/2006/main" xmlns:r="http://schemas.openxmlformats.org/officeDocument/2006/relationships" xmlns:p="http://schemas.openxmlformats.org/presentationml/2006/main">
+  <p:cSld>
+    <p:spTree>
+      <p:nvGrpSpPr>
+        <p:cNvPr id="1" name=""/>
+        <p:cNvGrpSpPr/>
+        <p:nvPr/>
+      </p:nvGrpSpPr>
+      <p:grpSpPr>
+        <a:xfrm>
+          <a:off x="0" y="0"/>
+          <a:ext cx="0" cy="0"/>
+          <a:chOff x="0" y="0"/>
+          <a:chExt cx="0" cy="0"/>
+        </a:xfrm>
+      </p:grpSpPr>
+      <p:pic>
+        <p:nvPicPr>
+          <p:cNvPr id="2" name="Рисунок 1"/>
+          <p:cNvPicPr>
+            <a:picLocks noChangeAspect="1"/>
+          </p:cNvPicPr>
+          <p:nvPr/>
+        </p:nvPicPr>
+        <p:blipFill>
+          <a:blip r:embed="rId2">
+            <a:extLst>
+              <a:ext uri="{28A0092B-C50C-407E-A947-70E740481C1C}">
+                <a14:useLocalDpi xmlns:a14="http://schemas.microsoft.com/office/drawing/2010/main" val="0"/>
+              </a:ext>
+            </a:extLst>
+          </a:blip>
+          <a:stretch>
+            <a:fillRect/>
+          </a:stretch>
+        </p:blipFill>
+        <p:spPr>
+          <a:xfrm>
+            <a:off x="-160436" y="-313265"/>
+            <a:ext cx="8761510" cy="7484529"/>
+          </a:xfrm>
+          <a:prstGeom prst="rect">
+            <a:avLst/>
+          </a:prstGeom>
+        </p:spPr>
+      </p:pic>
+      <p:sp>
+        <p:nvSpPr>
+          <p:cNvPr id="3" name="Текст 2"/>
+          <p:cNvSpPr>
+            <a:spLocks noGrp="1"/>
+          </p:cNvSpPr>
+          <p:nvPr>
+            <p:ph type="body" sz="quarter" idx="12"/>
+          </p:nvPr>
+        </p:nvSpPr>
+        <p:spPr/>
+        <p:txBody>
+          <a:bodyPr/>
+          <a:lstStyle/>
+          <a:p>
+            <a:endParaRPr lang="ru-RU" dirty="0"/>
+          </a:p>
+        </p:txBody>
+      </p:sp>
+      <p:sp>
+        <p:nvSpPr>
+          <p:cNvPr id="4" name="Заголовок 3"/>
+          <p:cNvSpPr>
+            <a:spLocks noGrp="1"/>
+          </p:cNvSpPr>
+          <p:nvPr>
+            <p:ph type="title"/>
+          </p:nvPr>
+        </p:nvSpPr>
+        <p:spPr>
+          <a:xfrm>
+            <a:off x="4859889" y="836712"/>
+            <a:ext cx="3741185" cy="5184576"/>
+          </a:xfrm>
+        </p:spPr>
+        <p:txBody>
+          <a:bodyPr/>
+          <a:lstStyle/>
+          <a:p>
+            <a:r>
+              <a:rPr lang="ru-RU" dirty="0" smtClean="0"/>
+              <a:t>Бизнес фокус</a:t>
+            </a:r>
+            <a:br>
+              <a:rPr lang="ru-RU" dirty="0" smtClean="0"/>
+            </a:br>
+            <a:r>
+              <a:rPr lang="ru-RU" dirty="0" smtClean="0"/>
+              <a:t>клиентских приложений</a:t>
+            </a:r>
+            <a:endParaRPr lang="ru-RU" dirty="0"/>
+          </a:p>
+        </p:txBody>
+      </p:sp>
+    </p:spTree>
+    <p:extLst>
+      <p:ext uri="{BB962C8B-B14F-4D97-AF65-F5344CB8AC3E}">
+        <p14:creationId xmlns:p14="http://schemas.microsoft.com/office/powerpoint/2010/main" val="875859065"/>
+      </p:ext>
+    </p:extLst>
+  </p:cSld>
+  <p:clrMapOvr>
+    <a:masterClrMapping/>
+  </p:clrMapOvr>
+  <p:timing>
+    <p:tnLst>
+      <p:par>
+        <p:cTn id="1" dur="indefinite" restart="never" nodeType="tmRoot"/>
+      </p:par>
+    </p:tnLst>
+  </p:timing>
+</p:sld>
+</file>
+
+<file path=ppt/slides/slide19.xml><?xml version="1.0" encoding="utf-8"?>
 <p:sld xmlns:a="http://schemas.openxmlformats.org/drawingml/2006/main" xmlns:r="http://schemas.openxmlformats.org/officeDocument/2006/relationships" xmlns:p="http://schemas.openxmlformats.org/presentationml/2006/main">
   <p:cSld>
     <p:spTree>
@@ -10932,7 +11905,74 @@
 </p:sld>
 </file>
 
-<file path=ppt/slides/slide18.xml><?xml version="1.0" encoding="utf-8"?>
+<file path=ppt/slides/slide2.xml><?xml version="1.0" encoding="utf-8"?>
+<p:sld xmlns:a="http://schemas.openxmlformats.org/drawingml/2006/main" xmlns:r="http://schemas.openxmlformats.org/officeDocument/2006/relationships" xmlns:p="http://schemas.openxmlformats.org/presentationml/2006/main">
+  <p:cSld>
+    <p:spTree>
+      <p:nvGrpSpPr>
+        <p:cNvPr id="1" name=""/>
+        <p:cNvGrpSpPr/>
+        <p:nvPr/>
+      </p:nvGrpSpPr>
+      <p:grpSpPr>
+        <a:xfrm>
+          <a:off x="0" y="0"/>
+          <a:ext cx="0" cy="0"/>
+          <a:chOff x="0" y="0"/>
+          <a:chExt cx="0" cy="0"/>
+        </a:xfrm>
+      </p:grpSpPr>
+      <p:pic>
+        <p:nvPicPr>
+          <p:cNvPr id="4" name="Рисунок 3"/>
+          <p:cNvPicPr>
+            <a:picLocks noChangeAspect="1"/>
+          </p:cNvPicPr>
+          <p:nvPr/>
+        </p:nvPicPr>
+        <p:blipFill>
+          <a:blip r:embed="rId2">
+            <a:extLst>
+              <a:ext uri="{28A0092B-C50C-407E-A947-70E740481C1C}">
+                <a14:useLocalDpi xmlns:a14="http://schemas.microsoft.com/office/drawing/2010/main" val="0"/>
+              </a:ext>
+            </a:extLst>
+          </a:blip>
+          <a:stretch>
+            <a:fillRect/>
+          </a:stretch>
+        </p:blipFill>
+        <p:spPr>
+          <a:xfrm>
+            <a:off x="-2035835" y="-181155"/>
+            <a:ext cx="12728755" cy="7159925"/>
+          </a:xfrm>
+          <a:prstGeom prst="rect">
+            <a:avLst/>
+          </a:prstGeom>
+        </p:spPr>
+      </p:pic>
+    </p:spTree>
+    <p:extLst>
+      <p:ext uri="{BB962C8B-B14F-4D97-AF65-F5344CB8AC3E}">
+        <p14:creationId xmlns:p14="http://schemas.microsoft.com/office/powerpoint/2010/main" val="3086735521"/>
+      </p:ext>
+    </p:extLst>
+  </p:cSld>
+  <p:clrMapOvr>
+    <a:masterClrMapping/>
+  </p:clrMapOvr>
+  <p:timing>
+    <p:tnLst>
+      <p:par>
+        <p:cTn id="1" dur="indefinite" restart="never" nodeType="tmRoot"/>
+      </p:par>
+    </p:tnLst>
+  </p:timing>
+</p:sld>
+</file>
+
+<file path=ppt/slides/slide20.xml><?xml version="1.0" encoding="utf-8"?>
 <p:sld xmlns:a="http://schemas.openxmlformats.org/drawingml/2006/main" xmlns:r="http://schemas.openxmlformats.org/officeDocument/2006/relationships" xmlns:p="http://schemas.openxmlformats.org/presentationml/2006/main">
   <p:cSld>
     <p:spTree>
@@ -11569,7 +12609,7 @@
 </p:sld>
 </file>
 
-<file path=ppt/slides/slide19.xml><?xml version="1.0" encoding="utf-8"?>
+<file path=ppt/slides/slide21.xml><?xml version="1.0" encoding="utf-8"?>
 <p:sld xmlns:a="http://schemas.openxmlformats.org/drawingml/2006/main" xmlns:r="http://schemas.openxmlformats.org/officeDocument/2006/relationships" xmlns:p="http://schemas.openxmlformats.org/presentationml/2006/main">
   <p:cSld>
     <p:spTree>
@@ -11617,7 +12657,7 @@
         </p:nvSpPr>
         <p:spPr>
           <a:xfrm>
-            <a:off x="4718638" y="3421699"/>
+            <a:off x="3403132" y="2184158"/>
             <a:ext cx="754380" cy="457200"/>
           </a:xfrm>
           <a:prstGeom prst="rect">
@@ -11645,7 +12685,7 @@
         </p:nvSpPr>
         <p:spPr>
           <a:xfrm>
-            <a:off x="6873999" y="3473606"/>
+            <a:off x="5076811" y="4092731"/>
             <a:ext cx="754380" cy="457200"/>
           </a:xfrm>
           <a:prstGeom prst="rect">
@@ -11673,8 +12713,8 @@
         </p:nvSpPr>
         <p:spPr>
           <a:xfrm>
-            <a:off x="4413861" y="1902461"/>
-            <a:ext cx="754380" cy="1464627"/>
+            <a:off x="2762804" y="2712085"/>
+            <a:ext cx="1546700" cy="3002915"/>
           </a:xfrm>
           <a:prstGeom prst="rect">
             <a:avLst/>
@@ -11711,8 +12751,8 @@
         </p:nvSpPr>
         <p:spPr>
           <a:xfrm>
-            <a:off x="6529239" y="1902461"/>
-            <a:ext cx="754380" cy="1464627"/>
+            <a:off x="4421412" y="4724400"/>
+            <a:ext cx="1546700" cy="990600"/>
           </a:xfrm>
           <a:prstGeom prst="rect">
             <a:avLst/>
@@ -11770,7 +12810,7 @@
         </p:blipFill>
         <p:spPr>
           <a:xfrm rot="10800000" flipH="1" flipV="1">
-            <a:off x="6209075" y="3421699"/>
+            <a:off x="4421412" y="3964624"/>
             <a:ext cx="640328" cy="612159"/>
           </a:xfrm>
           <a:prstGeom prst="rect">
@@ -11807,7 +12847,7 @@
         </p:blipFill>
         <p:spPr>
           <a:xfrm>
-            <a:off x="4078310" y="3421699"/>
+            <a:off x="2762804" y="2071920"/>
             <a:ext cx="640328" cy="640165"/>
           </a:xfrm>
           <a:prstGeom prst="rect">
@@ -11819,250 +12859,6 @@
     <p:extLst>
       <p:ext uri="{BB962C8B-B14F-4D97-AF65-F5344CB8AC3E}">
         <p14:creationId xmlns:p14="http://schemas.microsoft.com/office/powerpoint/2010/main" val="772198125"/>
-      </p:ext>
-    </p:extLst>
-  </p:cSld>
-  <p:clrMapOvr>
-    <a:masterClrMapping/>
-  </p:clrMapOvr>
-  <p:timing>
-    <p:tnLst>
-      <p:par>
-        <p:cTn id="1" dur="indefinite" restart="never" nodeType="tmRoot"/>
-      </p:par>
-    </p:tnLst>
-  </p:timing>
-</p:sld>
-</file>
-
-<file path=ppt/slides/slide2.xml><?xml version="1.0" encoding="utf-8"?>
-<p:sld xmlns:a="http://schemas.openxmlformats.org/drawingml/2006/main" xmlns:r="http://schemas.openxmlformats.org/officeDocument/2006/relationships" xmlns:p="http://schemas.openxmlformats.org/presentationml/2006/main">
-  <p:cSld>
-    <p:spTree>
-      <p:nvGrpSpPr>
-        <p:cNvPr id="1" name=""/>
-        <p:cNvGrpSpPr/>
-        <p:nvPr/>
-      </p:nvGrpSpPr>
-      <p:grpSpPr>
-        <a:xfrm>
-          <a:off x="0" y="0"/>
-          <a:ext cx="0" cy="0"/>
-          <a:chOff x="0" y="0"/>
-          <a:chExt cx="0" cy="0"/>
-        </a:xfrm>
-      </p:grpSpPr>
-      <p:pic>
-        <p:nvPicPr>
-          <p:cNvPr id="4" name="Рисунок 3"/>
-          <p:cNvPicPr>
-            <a:picLocks noChangeAspect="1"/>
-          </p:cNvPicPr>
-          <p:nvPr/>
-        </p:nvPicPr>
-        <p:blipFill>
-          <a:blip r:embed="rId2">
-            <a:extLst>
-              <a:ext uri="{28A0092B-C50C-407E-A947-70E740481C1C}">
-                <a14:useLocalDpi xmlns:a14="http://schemas.microsoft.com/office/drawing/2010/main" val="0"/>
-              </a:ext>
-            </a:extLst>
-          </a:blip>
-          <a:stretch>
-            <a:fillRect/>
-          </a:stretch>
-        </p:blipFill>
-        <p:spPr>
-          <a:xfrm>
-            <a:off x="-2035835" y="-181155"/>
-            <a:ext cx="12728755" cy="7159925"/>
-          </a:xfrm>
-          <a:prstGeom prst="rect">
-            <a:avLst/>
-          </a:prstGeom>
-        </p:spPr>
-      </p:pic>
-    </p:spTree>
-    <p:extLst>
-      <p:ext uri="{BB962C8B-B14F-4D97-AF65-F5344CB8AC3E}">
-        <p14:creationId xmlns:p14="http://schemas.microsoft.com/office/powerpoint/2010/main" val="3086735521"/>
-      </p:ext>
-    </p:extLst>
-  </p:cSld>
-  <p:clrMapOvr>
-    <a:masterClrMapping/>
-  </p:clrMapOvr>
-  <p:timing>
-    <p:tnLst>
-      <p:par>
-        <p:cTn id="1" dur="indefinite" restart="never" nodeType="tmRoot"/>
-      </p:par>
-    </p:tnLst>
-  </p:timing>
-</p:sld>
-</file>
-
-<file path=ppt/slides/slide20.xml><?xml version="1.0" encoding="utf-8"?>
-<p:sld xmlns:a="http://schemas.openxmlformats.org/drawingml/2006/main" xmlns:r="http://schemas.openxmlformats.org/officeDocument/2006/relationships" xmlns:p="http://schemas.openxmlformats.org/presentationml/2006/main">
-  <p:cSld>
-    <p:spTree>
-      <p:nvGrpSpPr>
-        <p:cNvPr id="1" name=""/>
-        <p:cNvGrpSpPr/>
-        <p:nvPr/>
-      </p:nvGrpSpPr>
-      <p:grpSpPr>
-        <a:xfrm>
-          <a:off x="0" y="0"/>
-          <a:ext cx="0" cy="0"/>
-          <a:chOff x="0" y="0"/>
-          <a:chExt cx="0" cy="0"/>
-        </a:xfrm>
-      </p:grpSpPr>
-      <p:sp>
-        <p:nvSpPr>
-          <p:cNvPr id="3" name="Объект 2"/>
-          <p:cNvSpPr>
-            <a:spLocks noGrp="1"/>
-          </p:cNvSpPr>
-          <p:nvPr>
-            <p:ph sz="quarter" idx="13"/>
-          </p:nvPr>
-        </p:nvSpPr>
-        <p:spPr/>
-        <p:txBody>
-          <a:bodyPr/>
-          <a:lstStyle/>
-          <a:p>
-            <a:r>
-              <a:rPr lang="ru-RU" dirty="0" smtClean="0"/>
-              <a:t>Повышение технологического имиджа фронтенд разработки Контура</a:t>
-            </a:r>
-          </a:p>
-          <a:p>
-            <a:r>
-              <a:rPr lang="ru-RU" dirty="0" smtClean="0"/>
-              <a:t>Развитие сообщества фронтенд разработчиков</a:t>
-            </a:r>
-          </a:p>
-          <a:p>
-            <a:endParaRPr lang="ru-RU" dirty="0" smtClean="0"/>
-          </a:p>
-          <a:p>
-            <a:endParaRPr lang="ru-RU" dirty="0"/>
-          </a:p>
-        </p:txBody>
-      </p:sp>
-      <p:sp>
-        <p:nvSpPr>
-          <p:cNvPr id="2" name="Заголовок 1"/>
-          <p:cNvSpPr>
-            <a:spLocks noGrp="1"/>
-          </p:cNvSpPr>
-          <p:nvPr>
-            <p:ph type="title"/>
-          </p:nvPr>
-        </p:nvSpPr>
-        <p:spPr/>
-        <p:txBody>
-          <a:bodyPr/>
-          <a:lstStyle/>
-          <a:p>
-            <a:r>
-              <a:rPr lang="ru-RU" dirty="0" smtClean="0"/>
-              <a:t>Шаги</a:t>
-            </a:r>
-            <a:endParaRPr lang="ru-RU" dirty="0"/>
-          </a:p>
-        </p:txBody>
-      </p:sp>
-    </p:spTree>
-    <p:extLst>
-      <p:ext uri="{BB962C8B-B14F-4D97-AF65-F5344CB8AC3E}">
-        <p14:creationId xmlns:p14="http://schemas.microsoft.com/office/powerpoint/2010/main" val="3458300746"/>
-      </p:ext>
-    </p:extLst>
-  </p:cSld>
-  <p:clrMapOvr>
-    <a:masterClrMapping/>
-  </p:clrMapOvr>
-  <p:timing>
-    <p:tnLst>
-      <p:par>
-        <p:cTn id="1" dur="indefinite" restart="never" nodeType="tmRoot"/>
-      </p:par>
-    </p:tnLst>
-  </p:timing>
-</p:sld>
-</file>
-
-<file path=ppt/slides/slide21.xml><?xml version="1.0" encoding="utf-8"?>
-<p:sld xmlns:a="http://schemas.openxmlformats.org/drawingml/2006/main" xmlns:r="http://schemas.openxmlformats.org/officeDocument/2006/relationships" xmlns:p="http://schemas.openxmlformats.org/presentationml/2006/main">
-  <p:cSld>
-    <p:spTree>
-      <p:nvGrpSpPr>
-        <p:cNvPr id="1" name=""/>
-        <p:cNvGrpSpPr/>
-        <p:nvPr/>
-      </p:nvGrpSpPr>
-      <p:grpSpPr>
-        <a:xfrm>
-          <a:off x="0" y="0"/>
-          <a:ext cx="0" cy="0"/>
-          <a:chOff x="0" y="0"/>
-          <a:chExt cx="0" cy="0"/>
-        </a:xfrm>
-      </p:grpSpPr>
-      <p:sp>
-        <p:nvSpPr>
-          <p:cNvPr id="2" name="Объект 1"/>
-          <p:cNvSpPr>
-            <a:spLocks noGrp="1"/>
-          </p:cNvSpPr>
-          <p:nvPr>
-            <p:ph sz="quarter" idx="13"/>
-          </p:nvPr>
-        </p:nvSpPr>
-        <p:spPr/>
-        <p:txBody>
-          <a:bodyPr/>
-          <a:lstStyle/>
-          <a:p>
-            <a:r>
-              <a:rPr lang="ru-RU" dirty="0" smtClean="0"/>
-              <a:t>Сделайте задачу на фронте. Творчески.</a:t>
-            </a:r>
-            <a:endParaRPr lang="ru-RU" dirty="0"/>
-          </a:p>
-        </p:txBody>
-      </p:sp>
-      <p:sp>
-        <p:nvSpPr>
-          <p:cNvPr id="3" name="Заголовок 2"/>
-          <p:cNvSpPr>
-            <a:spLocks noGrp="1"/>
-          </p:cNvSpPr>
-          <p:nvPr>
-            <p:ph type="title"/>
-          </p:nvPr>
-        </p:nvSpPr>
-        <p:spPr/>
-        <p:txBody>
-          <a:bodyPr/>
-          <a:lstStyle/>
-          <a:p>
-            <a:r>
-              <a:rPr lang="en-US" dirty="0" smtClean="0"/>
-              <a:t>Backend</a:t>
-            </a:r>
-            <a:endParaRPr lang="ru-RU" dirty="0"/>
-          </a:p>
-        </p:txBody>
-      </p:sp>
-    </p:spTree>
-    <p:extLst>
-      <p:ext uri="{BB962C8B-B14F-4D97-AF65-F5344CB8AC3E}">
-        <p14:creationId xmlns:p14="http://schemas.microsoft.com/office/powerpoint/2010/main" val="265700734"/>
       </p:ext>
     </p:extLst>
   </p:cSld>
@@ -12098,7 +12894,7 @@
       </p:grpSpPr>
       <p:sp>
         <p:nvSpPr>
-          <p:cNvPr id="2" name="Объект 1"/>
+          <p:cNvPr id="3" name="Объект 2"/>
           <p:cNvSpPr>
             <a:spLocks noGrp="1"/>
           </p:cNvSpPr>
@@ -12113,23 +12909,26 @@
           <a:p>
             <a:r>
               <a:rPr lang="ru-RU" dirty="0" smtClean="0"/>
-              <a:t>Покажите код </a:t>
-            </a:r>
-            <a:r>
-              <a:rPr lang="ru-RU" dirty="0" err="1" smtClean="0"/>
-              <a:t>бэкенд</a:t>
-            </a:r>
+              <a:t>Повышение технологического имиджа фронтенд-разработки Контура</a:t>
+            </a:r>
+          </a:p>
+          <a:p>
             <a:r>
               <a:rPr lang="ru-RU" dirty="0" smtClean="0"/>
-              <a:t> разработчикам</a:t>
-            </a:r>
+              <a:t>Развитие сообщества фронтенд-разработчиков</a:t>
+            </a:r>
+          </a:p>
+          <a:p>
+            <a:endParaRPr lang="ru-RU" dirty="0" smtClean="0"/>
+          </a:p>
+          <a:p>
             <a:endParaRPr lang="ru-RU" dirty="0"/>
           </a:p>
         </p:txBody>
       </p:sp>
       <p:sp>
         <p:nvSpPr>
-          <p:cNvPr id="3" name="Заголовок 2"/>
+          <p:cNvPr id="2" name="Заголовок 1"/>
           <p:cNvSpPr>
             <a:spLocks noGrp="1"/>
           </p:cNvSpPr>
@@ -12143,8 +12942,8 @@
           <a:lstStyle/>
           <a:p>
             <a:r>
-              <a:rPr lang="en-US" dirty="0" smtClean="0"/>
-              <a:t>Frontend		</a:t>
+              <a:rPr lang="ru-RU" dirty="0" smtClean="0"/>
+              <a:t>Что уже делается</a:t>
             </a:r>
             <a:endParaRPr lang="ru-RU" dirty="0"/>
           </a:p>
@@ -12153,7 +12952,7 @@
     </p:spTree>
     <p:extLst>
       <p:ext uri="{BB962C8B-B14F-4D97-AF65-F5344CB8AC3E}">
-        <p14:creationId xmlns:p14="http://schemas.microsoft.com/office/powerpoint/2010/main" val="1520479208"/>
+        <p14:creationId xmlns:p14="http://schemas.microsoft.com/office/powerpoint/2010/main" val="3458300746"/>
       </p:ext>
     </p:extLst>
   </p:cSld>
@@ -12171,6 +12970,286 @@
 </file>
 
 <file path=ppt/slides/slide23.xml><?xml version="1.0" encoding="utf-8"?>
+<p:sld xmlns:a="http://schemas.openxmlformats.org/drawingml/2006/main" xmlns:r="http://schemas.openxmlformats.org/officeDocument/2006/relationships" xmlns:p="http://schemas.openxmlformats.org/presentationml/2006/main">
+  <p:cSld>
+    <p:spTree>
+      <p:nvGrpSpPr>
+        <p:cNvPr id="1" name=""/>
+        <p:cNvGrpSpPr/>
+        <p:nvPr/>
+      </p:nvGrpSpPr>
+      <p:grpSpPr>
+        <a:xfrm>
+          <a:off x="0" y="0"/>
+          <a:ext cx="0" cy="0"/>
+          <a:chOff x="0" y="0"/>
+          <a:chExt cx="0" cy="0"/>
+        </a:xfrm>
+      </p:grpSpPr>
+      <p:pic>
+        <p:nvPicPr>
+          <p:cNvPr id="7" name="Picture 416"/>
+          <p:cNvPicPr>
+            <a:picLocks noChangeAspect="1"/>
+          </p:cNvPicPr>
+          <p:nvPr/>
+        </p:nvPicPr>
+        <p:blipFill>
+          <a:blip r:embed="rId2" cstate="print">
+            <a:duotone>
+              <a:schemeClr val="accent1">
+                <a:shade val="45000"/>
+                <a:satMod val="135000"/>
+              </a:schemeClr>
+              <a:prstClr val="white"/>
+            </a:duotone>
+            <a:extLst>
+              <a:ext uri="{28A0092B-C50C-407E-A947-70E740481C1C}">
+                <a14:useLocalDpi xmlns:a14="http://schemas.microsoft.com/office/drawing/2010/main" val="0"/>
+              </a:ext>
+            </a:extLst>
+          </a:blip>
+          <a:stretch>
+            <a:fillRect/>
+          </a:stretch>
+        </p:blipFill>
+        <p:spPr>
+          <a:xfrm>
+            <a:off x="505923" y="-206652"/>
+            <a:ext cx="7066452" cy="7064652"/>
+          </a:xfrm>
+          <a:prstGeom prst="rect">
+            <a:avLst/>
+          </a:prstGeom>
+        </p:spPr>
+      </p:pic>
+      <p:sp>
+        <p:nvSpPr>
+          <p:cNvPr id="6" name="Текст 5"/>
+          <p:cNvSpPr>
+            <a:spLocks noGrp="1"/>
+          </p:cNvSpPr>
+          <p:nvPr>
+            <p:ph type="body" sz="quarter" idx="12"/>
+          </p:nvPr>
+        </p:nvSpPr>
+        <p:spPr/>
+        <p:txBody>
+          <a:bodyPr/>
+          <a:lstStyle/>
+          <a:p>
+            <a:endParaRPr lang="ru-RU" dirty="0"/>
+          </a:p>
+        </p:txBody>
+      </p:sp>
+      <p:sp>
+        <p:nvSpPr>
+          <p:cNvPr id="4" name="Заголовок 3"/>
+          <p:cNvSpPr>
+            <a:spLocks noGrp="1"/>
+          </p:cNvSpPr>
+          <p:nvPr>
+            <p:ph type="title"/>
+          </p:nvPr>
+        </p:nvSpPr>
+        <p:spPr>
+          <a:xfrm>
+            <a:off x="4859890" y="836712"/>
+            <a:ext cx="3817386" cy="5184576"/>
+          </a:xfrm>
+        </p:spPr>
+        <p:txBody>
+          <a:bodyPr>
+            <a:normAutofit/>
+          </a:bodyPr>
+          <a:lstStyle/>
+          <a:p>
+            <a:r>
+              <a:rPr lang="ru-RU" sz="2400" dirty="0"/>
+              <a:t>Сделайте </a:t>
+            </a:r>
+            <a:r>
+              <a:rPr lang="ru-RU" sz="2400" dirty="0" smtClean="0"/>
+              <a:t>задачу </a:t>
+            </a:r>
+            <a:r>
+              <a:rPr lang="ru-RU" sz="2400" dirty="0"/>
+              <a:t>на фронте. </a:t>
+            </a:r>
+            <a:r>
+              <a:rPr lang="en-US" sz="2400" dirty="0"/>
+              <a:t/>
+            </a:r>
+            <a:br>
+              <a:rPr lang="en-US" sz="2400" dirty="0"/>
+            </a:br>
+            <a:r>
+              <a:rPr lang="ru-RU" sz="2400" dirty="0"/>
+              <a:t>Творчески.</a:t>
+            </a:r>
+          </a:p>
+        </p:txBody>
+      </p:sp>
+    </p:spTree>
+    <p:extLst>
+      <p:ext uri="{BB962C8B-B14F-4D97-AF65-F5344CB8AC3E}">
+        <p14:creationId xmlns:p14="http://schemas.microsoft.com/office/powerpoint/2010/main" val="969369745"/>
+      </p:ext>
+    </p:extLst>
+  </p:cSld>
+  <p:clrMapOvr>
+    <a:masterClrMapping/>
+  </p:clrMapOvr>
+  <p:timing>
+    <p:tnLst>
+      <p:par>
+        <p:cTn id="1" dur="indefinite" restart="never" nodeType="tmRoot"/>
+      </p:par>
+    </p:tnLst>
+  </p:timing>
+</p:sld>
+</file>
+
+<file path=ppt/slides/slide24.xml><?xml version="1.0" encoding="utf-8"?>
+<p:sld xmlns:a="http://schemas.openxmlformats.org/drawingml/2006/main" xmlns:r="http://schemas.openxmlformats.org/officeDocument/2006/relationships" xmlns:p="http://schemas.openxmlformats.org/presentationml/2006/main">
+  <p:cSld>
+    <p:spTree>
+      <p:nvGrpSpPr>
+        <p:cNvPr id="1" name=""/>
+        <p:cNvGrpSpPr/>
+        <p:nvPr/>
+      </p:nvGrpSpPr>
+      <p:grpSpPr>
+        <a:xfrm>
+          <a:off x="0" y="0"/>
+          <a:ext cx="0" cy="0"/>
+          <a:chOff x="0" y="0"/>
+          <a:chExt cx="0" cy="0"/>
+        </a:xfrm>
+      </p:grpSpPr>
+      <p:pic>
+        <p:nvPicPr>
+          <p:cNvPr id="7" name="Picture 415"/>
+          <p:cNvPicPr>
+            <a:picLocks noChangeAspect="1"/>
+          </p:cNvPicPr>
+          <p:nvPr/>
+        </p:nvPicPr>
+        <p:blipFill>
+          <a:blip r:embed="rId2" cstate="print">
+            <a:duotone>
+              <a:schemeClr val="accent1">
+                <a:shade val="45000"/>
+                <a:satMod val="135000"/>
+              </a:schemeClr>
+              <a:prstClr val="white"/>
+            </a:duotone>
+            <a:extLst>
+              <a:ext uri="{28A0092B-C50C-407E-A947-70E740481C1C}">
+                <a14:useLocalDpi xmlns:a14="http://schemas.microsoft.com/office/drawing/2010/main" val="0"/>
+              </a:ext>
+            </a:extLst>
+          </a:blip>
+          <a:stretch>
+            <a:fillRect/>
+          </a:stretch>
+        </p:blipFill>
+        <p:spPr>
+          <a:xfrm rot="10800000" flipH="1" flipV="1">
+            <a:off x="2413962" y="311526"/>
+            <a:ext cx="6520488" cy="6233642"/>
+          </a:xfrm>
+          <a:prstGeom prst="rect">
+            <a:avLst/>
+          </a:prstGeom>
+        </p:spPr>
+      </p:pic>
+      <p:sp>
+        <p:nvSpPr>
+          <p:cNvPr id="6" name="Текст 5"/>
+          <p:cNvSpPr>
+            <a:spLocks noGrp="1"/>
+          </p:cNvSpPr>
+          <p:nvPr>
+            <p:ph type="body" sz="quarter" idx="12"/>
+          </p:nvPr>
+        </p:nvSpPr>
+        <p:spPr/>
+        <p:txBody>
+          <a:bodyPr/>
+          <a:lstStyle/>
+          <a:p>
+            <a:endParaRPr lang="ru-RU" dirty="0"/>
+          </a:p>
+        </p:txBody>
+      </p:sp>
+      <p:sp>
+        <p:nvSpPr>
+          <p:cNvPr id="4" name="Заголовок 3"/>
+          <p:cNvSpPr>
+            <a:spLocks noGrp="1"/>
+          </p:cNvSpPr>
+          <p:nvPr>
+            <p:ph type="title"/>
+          </p:nvPr>
+        </p:nvSpPr>
+        <p:spPr>
+          <a:xfrm>
+            <a:off x="619125" y="764704"/>
+            <a:ext cx="3682847" cy="5328592"/>
+          </a:xfrm>
+        </p:spPr>
+        <p:txBody>
+          <a:bodyPr/>
+          <a:lstStyle/>
+          <a:p>
+            <a:r>
+              <a:rPr lang="ru-RU" dirty="0"/>
+              <a:t>Покажите код </a:t>
+            </a:r>
+            <a:r>
+              <a:rPr lang="ru-RU" dirty="0" smtClean="0"/>
+              <a:t/>
+            </a:r>
+            <a:br>
+              <a:rPr lang="ru-RU" dirty="0" smtClean="0"/>
+            </a:br>
+            <a:r>
+              <a:rPr lang="ru-RU" dirty="0" err="1" smtClean="0"/>
+              <a:t>бэкенд</a:t>
+            </a:r>
+            <a:r>
+              <a:rPr lang="ru-RU" dirty="0" smtClean="0"/>
+              <a:t>-разработчикам</a:t>
+            </a:r>
+            <a:r>
+              <a:rPr lang="ru-RU" dirty="0"/>
+              <a:t>.</a:t>
+            </a:r>
+          </a:p>
+        </p:txBody>
+      </p:sp>
+    </p:spTree>
+    <p:extLst>
+      <p:ext uri="{BB962C8B-B14F-4D97-AF65-F5344CB8AC3E}">
+        <p14:creationId xmlns:p14="http://schemas.microsoft.com/office/powerpoint/2010/main" val="3792200522"/>
+      </p:ext>
+    </p:extLst>
+  </p:cSld>
+  <p:clrMapOvr>
+    <a:masterClrMapping/>
+  </p:clrMapOvr>
+  <p:timing>
+    <p:tnLst>
+      <p:par>
+        <p:cTn id="1" dur="indefinite" restart="never" nodeType="tmRoot"/>
+      </p:par>
+    </p:tnLst>
+  </p:timing>
+</p:sld>
+</file>
+
+<file path=ppt/slides/slide25.xml><?xml version="1.0" encoding="utf-8"?>
 <p:sld xmlns:a="http://schemas.openxmlformats.org/drawingml/2006/main" xmlns:r="http://schemas.openxmlformats.org/officeDocument/2006/relationships" xmlns:p="http://schemas.openxmlformats.org/presentationml/2006/main">
   <p:cSld>
     <p:spTree>
@@ -13223,14 +14302,14 @@
       </p:sp>
       <p:sp>
         <p:nvSpPr>
-          <p:cNvPr id="3" name="Прямоугольник 2"/>
+          <p:cNvPr id="4" name="Прямоугольник 3"/>
           <p:cNvSpPr/>
           <p:nvPr/>
         </p:nvSpPr>
         <p:spPr>
           <a:xfrm>
-            <a:off x="953667" y="1745289"/>
-            <a:ext cx="4572000" cy="4247317"/>
+            <a:off x="953667" y="1791808"/>
+            <a:ext cx="4572000" cy="4401205"/>
           </a:xfrm>
           <a:prstGeom prst="rect">
             <a:avLst/>
@@ -13242,280 +14321,691 @@
           </a:bodyPr>
           <a:lstStyle/>
           <a:p>
-            <a:r>
-              <a:rPr lang="en-US" dirty="0">
+            <a:pPr>
+              <a:spcAft>
+                <a:spcPts val="0"/>
+              </a:spcAft>
+            </a:pPr>
+            <a:r>
+              <a:rPr lang="ru-RU" dirty="0" err="1">
                 <a:solidFill>
                   <a:srgbClr val="0000FF"/>
                 </a:solidFill>
                 <a:latin typeface="Consolas" panose="020B0609020204030204" pitchFamily="49" charset="0"/>
+                <a:ea typeface="Times New Roman" panose="02020603050405020304" pitchFamily="18" charset="0"/>
+                <a:cs typeface="Times New Roman" panose="02020603050405020304" pitchFamily="18" charset="0"/>
               </a:rPr>
               <a:t>class</a:t>
             </a:r>
             <a:r>
-              <a:rPr lang="en-US" dirty="0">
+              <a:rPr lang="ru-RU" dirty="0">
                 <a:solidFill>
                   <a:srgbClr val="000000"/>
                 </a:solidFill>
                 <a:latin typeface="Consolas" panose="020B0609020204030204" pitchFamily="49" charset="0"/>
-              </a:rPr>
-              <a:t> Animal {</a:t>
-            </a:r>
-          </a:p>
-          <a:p>
-            <a:r>
-              <a:rPr lang="en-US" dirty="0">
+                <a:ea typeface="Times New Roman" panose="02020603050405020304" pitchFamily="18" charset="0"/>
+                <a:cs typeface="Times New Roman" panose="02020603050405020304" pitchFamily="18" charset="0"/>
+              </a:rPr>
+              <a:t> </a:t>
+            </a:r>
+            <a:r>
+              <a:rPr lang="ru-RU" dirty="0" err="1">
                 <a:solidFill>
                   <a:srgbClr val="000000"/>
                 </a:solidFill>
                 <a:latin typeface="Consolas" panose="020B0609020204030204" pitchFamily="49" charset="0"/>
-              </a:rPr>
-              <a:t>run() { }</a:t>
-            </a:r>
-          </a:p>
-          <a:p>
-            <a:r>
-              <a:rPr lang="en-US" dirty="0">
+                <a:ea typeface="Times New Roman" panose="02020603050405020304" pitchFamily="18" charset="0"/>
+                <a:cs typeface="Times New Roman" panose="02020603050405020304" pitchFamily="18" charset="0"/>
+              </a:rPr>
+              <a:t>Animal</a:t>
+            </a:r>
+            <a:r>
+              <a:rPr lang="ru-RU" dirty="0">
                 <a:solidFill>
                   <a:srgbClr val="000000"/>
                 </a:solidFill>
                 <a:latin typeface="Consolas" panose="020B0609020204030204" pitchFamily="49" charset="0"/>
+                <a:ea typeface="Times New Roman" panose="02020603050405020304" pitchFamily="18" charset="0"/>
+                <a:cs typeface="Times New Roman" panose="02020603050405020304" pitchFamily="18" charset="0"/>
+              </a:rPr>
+              <a:t> {</a:t>
+            </a:r>
+            <a:endParaRPr lang="ru-RU" sz="2800" dirty="0">
+              <a:latin typeface="Calibri" panose="020F0502020204030204" pitchFamily="34" charset="0"/>
+              <a:ea typeface="Calibri" panose="020F0502020204030204" pitchFamily="34" charset="0"/>
+              <a:cs typeface="Times New Roman" panose="02020603050405020304" pitchFamily="18" charset="0"/>
+            </a:endParaRPr>
+          </a:p>
+          <a:p>
+            <a:pPr>
+              <a:spcAft>
+                <a:spcPts val="0"/>
+              </a:spcAft>
+            </a:pPr>
+            <a:r>
+              <a:rPr lang="ru-RU" dirty="0">
+                <a:solidFill>
+                  <a:srgbClr val="000000"/>
+                </a:solidFill>
+                <a:latin typeface="Consolas" panose="020B0609020204030204" pitchFamily="49" charset="0"/>
+                <a:ea typeface="Times New Roman" panose="02020603050405020304" pitchFamily="18" charset="0"/>
+                <a:cs typeface="Times New Roman" panose="02020603050405020304" pitchFamily="18" charset="0"/>
+              </a:rPr>
+              <a:t>    </a:t>
+            </a:r>
+            <a:r>
+              <a:rPr lang="ru-RU" dirty="0" err="1">
+                <a:solidFill>
+                  <a:srgbClr val="000000"/>
+                </a:solidFill>
+                <a:latin typeface="Consolas" panose="020B0609020204030204" pitchFamily="49" charset="0"/>
+                <a:ea typeface="Times New Roman" panose="02020603050405020304" pitchFamily="18" charset="0"/>
+                <a:cs typeface="Times New Roman" panose="02020603050405020304" pitchFamily="18" charset="0"/>
+              </a:rPr>
+              <a:t>run</a:t>
+            </a:r>
+            <a:r>
+              <a:rPr lang="ru-RU" dirty="0">
+                <a:solidFill>
+                  <a:srgbClr val="000000"/>
+                </a:solidFill>
+                <a:latin typeface="Consolas" panose="020B0609020204030204" pitchFamily="49" charset="0"/>
+                <a:ea typeface="Times New Roman" panose="02020603050405020304" pitchFamily="18" charset="0"/>
+                <a:cs typeface="Times New Roman" panose="02020603050405020304" pitchFamily="18" charset="0"/>
+              </a:rPr>
+              <a:t>() { }</a:t>
+            </a:r>
+            <a:endParaRPr lang="ru-RU" sz="2800" dirty="0">
+              <a:latin typeface="Calibri" panose="020F0502020204030204" pitchFamily="34" charset="0"/>
+              <a:ea typeface="Calibri" panose="020F0502020204030204" pitchFamily="34" charset="0"/>
+              <a:cs typeface="Times New Roman" panose="02020603050405020304" pitchFamily="18" charset="0"/>
+            </a:endParaRPr>
+          </a:p>
+          <a:p>
+            <a:pPr>
+              <a:spcAft>
+                <a:spcPts val="0"/>
+              </a:spcAft>
+            </a:pPr>
+            <a:r>
+              <a:rPr lang="ru-RU" dirty="0">
+                <a:solidFill>
+                  <a:srgbClr val="000000"/>
+                </a:solidFill>
+                <a:latin typeface="Consolas" panose="020B0609020204030204" pitchFamily="49" charset="0"/>
+                <a:ea typeface="Times New Roman" panose="02020603050405020304" pitchFamily="18" charset="0"/>
+                <a:cs typeface="Times New Roman" panose="02020603050405020304" pitchFamily="18" charset="0"/>
               </a:rPr>
               <a:t>}</a:t>
             </a:r>
-          </a:p>
-          <a:p>
-            <a:r>
-              <a:rPr lang="en-US" dirty="0">
+            <a:endParaRPr lang="ru-RU" sz="2800" dirty="0">
+              <a:latin typeface="Calibri" panose="020F0502020204030204" pitchFamily="34" charset="0"/>
+              <a:ea typeface="Calibri" panose="020F0502020204030204" pitchFamily="34" charset="0"/>
+              <a:cs typeface="Times New Roman" panose="02020603050405020304" pitchFamily="18" charset="0"/>
+            </a:endParaRPr>
+          </a:p>
+          <a:p>
+            <a:pPr>
+              <a:spcAft>
+                <a:spcPts val="0"/>
+              </a:spcAft>
+            </a:pPr>
+            <a:r>
+              <a:rPr lang="ru-RU" dirty="0">
                 <a:solidFill>
                   <a:srgbClr val="000000"/>
                 </a:solidFill>
                 <a:latin typeface="Consolas" panose="020B0609020204030204" pitchFamily="49" charset="0"/>
-              </a:rPr>
-              <a:t/>
-            </a:r>
-            <a:br>
-              <a:rPr lang="en-US" dirty="0">
+                <a:ea typeface="Times New Roman" panose="02020603050405020304" pitchFamily="18" charset="0"/>
+                <a:cs typeface="Times New Roman" panose="02020603050405020304" pitchFamily="18" charset="0"/>
+              </a:rPr>
+              <a:t> </a:t>
+            </a:r>
+            <a:endParaRPr lang="ru-RU" sz="2800" dirty="0">
+              <a:latin typeface="Calibri" panose="020F0502020204030204" pitchFamily="34" charset="0"/>
+              <a:ea typeface="Calibri" panose="020F0502020204030204" pitchFamily="34" charset="0"/>
+              <a:cs typeface="Times New Roman" panose="02020603050405020304" pitchFamily="18" charset="0"/>
+            </a:endParaRPr>
+          </a:p>
+          <a:p>
+            <a:pPr>
+              <a:spcAft>
+                <a:spcPts val="0"/>
+              </a:spcAft>
+            </a:pPr>
+            <a:r>
+              <a:rPr lang="ru-RU" dirty="0" err="1">
+                <a:solidFill>
+                  <a:srgbClr val="0000FF"/>
+                </a:solidFill>
+                <a:latin typeface="Consolas" panose="020B0609020204030204" pitchFamily="49" charset="0"/>
+                <a:ea typeface="Times New Roman" panose="02020603050405020304" pitchFamily="18" charset="0"/>
+                <a:cs typeface="Times New Roman" panose="02020603050405020304" pitchFamily="18" charset="0"/>
+              </a:rPr>
+              <a:t>class</a:t>
+            </a:r>
+            <a:r>
+              <a:rPr lang="ru-RU" dirty="0">
                 <a:solidFill>
                   <a:srgbClr val="000000"/>
                 </a:solidFill>
                 <a:latin typeface="Consolas" panose="020B0609020204030204" pitchFamily="49" charset="0"/>
-              </a:rPr>
-            </a:br>
-            <a:r>
-              <a:rPr lang="en-US" dirty="0">
+                <a:ea typeface="Times New Roman" panose="02020603050405020304" pitchFamily="18" charset="0"/>
+                <a:cs typeface="Times New Roman" panose="02020603050405020304" pitchFamily="18" charset="0"/>
+              </a:rPr>
+              <a:t> </a:t>
+            </a:r>
+            <a:r>
+              <a:rPr lang="ru-RU" dirty="0" err="1">
+                <a:solidFill>
+                  <a:srgbClr val="000000"/>
+                </a:solidFill>
+                <a:latin typeface="Consolas" panose="020B0609020204030204" pitchFamily="49" charset="0"/>
+                <a:ea typeface="Times New Roman" panose="02020603050405020304" pitchFamily="18" charset="0"/>
+                <a:cs typeface="Times New Roman" panose="02020603050405020304" pitchFamily="18" charset="0"/>
+              </a:rPr>
+              <a:t>Dog</a:t>
+            </a:r>
+            <a:r>
+              <a:rPr lang="ru-RU" dirty="0">
+                <a:solidFill>
+                  <a:srgbClr val="000000"/>
+                </a:solidFill>
+                <a:latin typeface="Consolas" panose="020B0609020204030204" pitchFamily="49" charset="0"/>
+                <a:ea typeface="Times New Roman" panose="02020603050405020304" pitchFamily="18" charset="0"/>
+                <a:cs typeface="Times New Roman" panose="02020603050405020304" pitchFamily="18" charset="0"/>
+              </a:rPr>
+              <a:t> </a:t>
+            </a:r>
+            <a:r>
+              <a:rPr lang="ru-RU" dirty="0" err="1">
                 <a:solidFill>
                   <a:srgbClr val="0000FF"/>
                 </a:solidFill>
                 <a:latin typeface="Consolas" panose="020B0609020204030204" pitchFamily="49" charset="0"/>
+                <a:ea typeface="Times New Roman" panose="02020603050405020304" pitchFamily="18" charset="0"/>
+                <a:cs typeface="Times New Roman" panose="02020603050405020304" pitchFamily="18" charset="0"/>
+              </a:rPr>
+              <a:t>extends</a:t>
+            </a:r>
+            <a:r>
+              <a:rPr lang="ru-RU" dirty="0">
+                <a:solidFill>
+                  <a:srgbClr val="000000"/>
+                </a:solidFill>
+                <a:latin typeface="Consolas" panose="020B0609020204030204" pitchFamily="49" charset="0"/>
+                <a:ea typeface="Times New Roman" panose="02020603050405020304" pitchFamily="18" charset="0"/>
+                <a:cs typeface="Times New Roman" panose="02020603050405020304" pitchFamily="18" charset="0"/>
+              </a:rPr>
+              <a:t> </a:t>
+            </a:r>
+            <a:r>
+              <a:rPr lang="ru-RU" dirty="0" err="1">
+                <a:solidFill>
+                  <a:srgbClr val="000000"/>
+                </a:solidFill>
+                <a:latin typeface="Consolas" panose="020B0609020204030204" pitchFamily="49" charset="0"/>
+                <a:ea typeface="Times New Roman" panose="02020603050405020304" pitchFamily="18" charset="0"/>
+                <a:cs typeface="Times New Roman" panose="02020603050405020304" pitchFamily="18" charset="0"/>
+              </a:rPr>
+              <a:t>Animal</a:t>
+            </a:r>
+            <a:r>
+              <a:rPr lang="ru-RU" dirty="0">
+                <a:solidFill>
+                  <a:srgbClr val="000000"/>
+                </a:solidFill>
+                <a:latin typeface="Consolas" panose="020B0609020204030204" pitchFamily="49" charset="0"/>
+                <a:ea typeface="Times New Roman" panose="02020603050405020304" pitchFamily="18" charset="0"/>
+                <a:cs typeface="Times New Roman" panose="02020603050405020304" pitchFamily="18" charset="0"/>
+              </a:rPr>
+              <a:t> {</a:t>
+            </a:r>
+            <a:endParaRPr lang="ru-RU" sz="2800" dirty="0">
+              <a:latin typeface="Calibri" panose="020F0502020204030204" pitchFamily="34" charset="0"/>
+              <a:ea typeface="Calibri" panose="020F0502020204030204" pitchFamily="34" charset="0"/>
+              <a:cs typeface="Times New Roman" panose="02020603050405020304" pitchFamily="18" charset="0"/>
+            </a:endParaRPr>
+          </a:p>
+          <a:p>
+            <a:pPr>
+              <a:spcAft>
+                <a:spcPts val="0"/>
+              </a:spcAft>
+            </a:pPr>
+            <a:r>
+              <a:rPr lang="ru-RU" dirty="0">
+                <a:solidFill>
+                  <a:srgbClr val="000000"/>
+                </a:solidFill>
+                <a:latin typeface="Consolas" panose="020B0609020204030204" pitchFamily="49" charset="0"/>
+                <a:ea typeface="Times New Roman" panose="02020603050405020304" pitchFamily="18" charset="0"/>
+                <a:cs typeface="Times New Roman" panose="02020603050405020304" pitchFamily="18" charset="0"/>
+              </a:rPr>
+              <a:t>    </a:t>
+            </a:r>
+            <a:r>
+              <a:rPr lang="ru-RU" dirty="0" err="1">
+                <a:solidFill>
+                  <a:srgbClr val="000000"/>
+                </a:solidFill>
+                <a:latin typeface="Consolas" panose="020B0609020204030204" pitchFamily="49" charset="0"/>
+                <a:ea typeface="Times New Roman" panose="02020603050405020304" pitchFamily="18" charset="0"/>
+                <a:cs typeface="Times New Roman" panose="02020603050405020304" pitchFamily="18" charset="0"/>
+              </a:rPr>
+              <a:t>bark</a:t>
+            </a:r>
+            <a:r>
+              <a:rPr lang="ru-RU" dirty="0">
+                <a:solidFill>
+                  <a:srgbClr val="000000"/>
+                </a:solidFill>
+                <a:latin typeface="Consolas" panose="020B0609020204030204" pitchFamily="49" charset="0"/>
+                <a:ea typeface="Times New Roman" panose="02020603050405020304" pitchFamily="18" charset="0"/>
+                <a:cs typeface="Times New Roman" panose="02020603050405020304" pitchFamily="18" charset="0"/>
+              </a:rPr>
+              <a:t>() {</a:t>
+            </a:r>
+            <a:endParaRPr lang="ru-RU" sz="2800" dirty="0">
+              <a:latin typeface="Calibri" panose="020F0502020204030204" pitchFamily="34" charset="0"/>
+              <a:ea typeface="Calibri" panose="020F0502020204030204" pitchFamily="34" charset="0"/>
+              <a:cs typeface="Times New Roman" panose="02020603050405020304" pitchFamily="18" charset="0"/>
+            </a:endParaRPr>
+          </a:p>
+          <a:p>
+            <a:pPr>
+              <a:spcAft>
+                <a:spcPts val="0"/>
+              </a:spcAft>
+            </a:pPr>
+            <a:r>
+              <a:rPr lang="ru-RU" dirty="0">
+                <a:solidFill>
+                  <a:srgbClr val="000000"/>
+                </a:solidFill>
+                <a:latin typeface="Consolas" panose="020B0609020204030204" pitchFamily="49" charset="0"/>
+                <a:ea typeface="Times New Roman" panose="02020603050405020304" pitchFamily="18" charset="0"/>
+                <a:cs typeface="Times New Roman" panose="02020603050405020304" pitchFamily="18" charset="0"/>
+              </a:rPr>
+              <a:t>        console.log(</a:t>
+            </a:r>
+            <a:r>
+              <a:rPr lang="ru-RU" dirty="0">
+                <a:solidFill>
+                  <a:srgbClr val="A31515"/>
+                </a:solidFill>
+                <a:latin typeface="Consolas" panose="020B0609020204030204" pitchFamily="49" charset="0"/>
+                <a:ea typeface="Times New Roman" panose="02020603050405020304" pitchFamily="18" charset="0"/>
+                <a:cs typeface="Times New Roman" panose="02020603050405020304" pitchFamily="18" charset="0"/>
+              </a:rPr>
+              <a:t>'</a:t>
+            </a:r>
+            <a:r>
+              <a:rPr lang="ru-RU" dirty="0" err="1">
+                <a:solidFill>
+                  <a:srgbClr val="A31515"/>
+                </a:solidFill>
+                <a:latin typeface="Consolas" panose="020B0609020204030204" pitchFamily="49" charset="0"/>
+                <a:ea typeface="Times New Roman" panose="02020603050405020304" pitchFamily="18" charset="0"/>
+                <a:cs typeface="Times New Roman" panose="02020603050405020304" pitchFamily="18" charset="0"/>
+              </a:rPr>
+              <a:t>bark</a:t>
+            </a:r>
+            <a:r>
+              <a:rPr lang="ru-RU" dirty="0">
+                <a:solidFill>
+                  <a:srgbClr val="A31515"/>
+                </a:solidFill>
+                <a:latin typeface="Consolas" panose="020B0609020204030204" pitchFamily="49" charset="0"/>
+                <a:ea typeface="Times New Roman" panose="02020603050405020304" pitchFamily="18" charset="0"/>
+                <a:cs typeface="Times New Roman" panose="02020603050405020304" pitchFamily="18" charset="0"/>
+              </a:rPr>
+              <a:t>'</a:t>
+            </a:r>
+            <a:r>
+              <a:rPr lang="ru-RU" dirty="0">
+                <a:solidFill>
+                  <a:srgbClr val="000000"/>
+                </a:solidFill>
+                <a:latin typeface="Consolas" panose="020B0609020204030204" pitchFamily="49" charset="0"/>
+                <a:ea typeface="Times New Roman" panose="02020603050405020304" pitchFamily="18" charset="0"/>
+                <a:cs typeface="Times New Roman" panose="02020603050405020304" pitchFamily="18" charset="0"/>
+              </a:rPr>
+              <a:t>)</a:t>
+            </a:r>
+            <a:endParaRPr lang="ru-RU" sz="2800" dirty="0">
+              <a:latin typeface="Calibri" panose="020F0502020204030204" pitchFamily="34" charset="0"/>
+              <a:ea typeface="Calibri" panose="020F0502020204030204" pitchFamily="34" charset="0"/>
+              <a:cs typeface="Times New Roman" panose="02020603050405020304" pitchFamily="18" charset="0"/>
+            </a:endParaRPr>
+          </a:p>
+          <a:p>
+            <a:pPr>
+              <a:spcAft>
+                <a:spcPts val="0"/>
+              </a:spcAft>
+            </a:pPr>
+            <a:r>
+              <a:rPr lang="ru-RU" dirty="0">
+                <a:solidFill>
+                  <a:srgbClr val="000000"/>
+                </a:solidFill>
+                <a:latin typeface="Consolas" panose="020B0609020204030204" pitchFamily="49" charset="0"/>
+                <a:ea typeface="Times New Roman" panose="02020603050405020304" pitchFamily="18" charset="0"/>
+                <a:cs typeface="Times New Roman" panose="02020603050405020304" pitchFamily="18" charset="0"/>
+              </a:rPr>
+              <a:t>    }</a:t>
+            </a:r>
+            <a:endParaRPr lang="ru-RU" sz="2800" dirty="0">
+              <a:latin typeface="Calibri" panose="020F0502020204030204" pitchFamily="34" charset="0"/>
+              <a:ea typeface="Calibri" panose="020F0502020204030204" pitchFamily="34" charset="0"/>
+              <a:cs typeface="Times New Roman" panose="02020603050405020304" pitchFamily="18" charset="0"/>
+            </a:endParaRPr>
+          </a:p>
+          <a:p>
+            <a:pPr>
+              <a:spcAft>
+                <a:spcPts val="0"/>
+              </a:spcAft>
+            </a:pPr>
+            <a:r>
+              <a:rPr lang="ru-RU" dirty="0">
+                <a:solidFill>
+                  <a:srgbClr val="000000"/>
+                </a:solidFill>
+                <a:latin typeface="Consolas" panose="020B0609020204030204" pitchFamily="49" charset="0"/>
+                <a:ea typeface="Times New Roman" panose="02020603050405020304" pitchFamily="18" charset="0"/>
+                <a:cs typeface="Times New Roman" panose="02020603050405020304" pitchFamily="18" charset="0"/>
+              </a:rPr>
+              <a:t>}</a:t>
+            </a:r>
+            <a:endParaRPr lang="ru-RU" sz="2800" dirty="0">
+              <a:latin typeface="Calibri" panose="020F0502020204030204" pitchFamily="34" charset="0"/>
+              <a:ea typeface="Calibri" panose="020F0502020204030204" pitchFamily="34" charset="0"/>
+              <a:cs typeface="Times New Roman" panose="02020603050405020304" pitchFamily="18" charset="0"/>
+            </a:endParaRPr>
+          </a:p>
+          <a:p>
+            <a:pPr>
+              <a:spcAft>
+                <a:spcPts val="0"/>
+              </a:spcAft>
+            </a:pPr>
+            <a:r>
+              <a:rPr lang="ru-RU" dirty="0">
+                <a:solidFill>
+                  <a:srgbClr val="000000"/>
+                </a:solidFill>
+                <a:latin typeface="Consolas" panose="020B0609020204030204" pitchFamily="49" charset="0"/>
+                <a:ea typeface="Times New Roman" panose="02020603050405020304" pitchFamily="18" charset="0"/>
+                <a:cs typeface="Times New Roman" panose="02020603050405020304" pitchFamily="18" charset="0"/>
+              </a:rPr>
+              <a:t> </a:t>
+            </a:r>
+            <a:endParaRPr lang="ru-RU" sz="2800" dirty="0">
+              <a:latin typeface="Calibri" panose="020F0502020204030204" pitchFamily="34" charset="0"/>
+              <a:ea typeface="Calibri" panose="020F0502020204030204" pitchFamily="34" charset="0"/>
+              <a:cs typeface="Times New Roman" panose="02020603050405020304" pitchFamily="18" charset="0"/>
+            </a:endParaRPr>
+          </a:p>
+          <a:p>
+            <a:pPr>
+              <a:spcAft>
+                <a:spcPts val="0"/>
+              </a:spcAft>
+            </a:pPr>
+            <a:r>
+              <a:rPr lang="ru-RU" dirty="0" err="1">
+                <a:solidFill>
+                  <a:srgbClr val="0000FF"/>
+                </a:solidFill>
+                <a:latin typeface="Consolas" panose="020B0609020204030204" pitchFamily="49" charset="0"/>
+                <a:ea typeface="Times New Roman" panose="02020603050405020304" pitchFamily="18" charset="0"/>
+                <a:cs typeface="Times New Roman" panose="02020603050405020304" pitchFamily="18" charset="0"/>
               </a:rPr>
               <a:t>class</a:t>
             </a:r>
             <a:r>
-              <a:rPr lang="en-US" dirty="0">
+              <a:rPr lang="ru-RU" dirty="0">
                 <a:solidFill>
                   <a:srgbClr val="000000"/>
                 </a:solidFill>
                 <a:latin typeface="Consolas" panose="020B0609020204030204" pitchFamily="49" charset="0"/>
-              </a:rPr>
-              <a:t> Dog </a:t>
-            </a:r>
-            <a:r>
-              <a:rPr lang="en-US" dirty="0">
+                <a:ea typeface="Times New Roman" panose="02020603050405020304" pitchFamily="18" charset="0"/>
+                <a:cs typeface="Times New Roman" panose="02020603050405020304" pitchFamily="18" charset="0"/>
+              </a:rPr>
+              <a:t> </a:t>
+            </a:r>
+            <a:r>
+              <a:rPr lang="ru-RU" dirty="0" err="1">
+                <a:solidFill>
+                  <a:srgbClr val="000000"/>
+                </a:solidFill>
+                <a:latin typeface="Consolas" panose="020B0609020204030204" pitchFamily="49" charset="0"/>
+                <a:ea typeface="Times New Roman" panose="02020603050405020304" pitchFamily="18" charset="0"/>
+                <a:cs typeface="Times New Roman" panose="02020603050405020304" pitchFamily="18" charset="0"/>
+              </a:rPr>
+              <a:t>Cat</a:t>
+            </a:r>
+            <a:r>
+              <a:rPr lang="ru-RU" dirty="0">
+                <a:solidFill>
+                  <a:srgbClr val="000000"/>
+                </a:solidFill>
+                <a:latin typeface="Consolas" panose="020B0609020204030204" pitchFamily="49" charset="0"/>
+                <a:ea typeface="Times New Roman" panose="02020603050405020304" pitchFamily="18" charset="0"/>
+                <a:cs typeface="Times New Roman" panose="02020603050405020304" pitchFamily="18" charset="0"/>
+              </a:rPr>
+              <a:t> </a:t>
+            </a:r>
+            <a:r>
+              <a:rPr lang="ru-RU" dirty="0" err="1">
                 <a:solidFill>
                   <a:srgbClr val="0000FF"/>
                 </a:solidFill>
                 <a:latin typeface="Consolas" panose="020B0609020204030204" pitchFamily="49" charset="0"/>
+                <a:ea typeface="Times New Roman" panose="02020603050405020304" pitchFamily="18" charset="0"/>
+                <a:cs typeface="Times New Roman" panose="02020603050405020304" pitchFamily="18" charset="0"/>
               </a:rPr>
               <a:t>extends</a:t>
             </a:r>
             <a:r>
-              <a:rPr lang="en-US" dirty="0">
+              <a:rPr lang="ru-RU" dirty="0">
                 <a:solidFill>
                   <a:srgbClr val="000000"/>
                 </a:solidFill>
                 <a:latin typeface="Consolas" panose="020B0609020204030204" pitchFamily="49" charset="0"/>
-              </a:rPr>
-              <a:t> Animal {</a:t>
-            </a:r>
-          </a:p>
-          <a:p>
-            <a:r>
-              <a:rPr lang="en-US" dirty="0">
+                <a:ea typeface="Times New Roman" panose="02020603050405020304" pitchFamily="18" charset="0"/>
+                <a:cs typeface="Times New Roman" panose="02020603050405020304" pitchFamily="18" charset="0"/>
+              </a:rPr>
+              <a:t> </a:t>
+            </a:r>
+            <a:r>
+              <a:rPr lang="ru-RU" dirty="0" err="1">
                 <a:solidFill>
                   <a:srgbClr val="000000"/>
                 </a:solidFill>
                 <a:latin typeface="Consolas" panose="020B0609020204030204" pitchFamily="49" charset="0"/>
-              </a:rPr>
-              <a:t>bark() {</a:t>
-            </a:r>
-          </a:p>
-          <a:p>
-            <a:r>
-              <a:rPr lang="en-US" dirty="0">
+                <a:ea typeface="Times New Roman" panose="02020603050405020304" pitchFamily="18" charset="0"/>
+                <a:cs typeface="Times New Roman" panose="02020603050405020304" pitchFamily="18" charset="0"/>
+              </a:rPr>
+              <a:t>Animal</a:t>
+            </a:r>
+            <a:r>
+              <a:rPr lang="ru-RU" dirty="0">
                 <a:solidFill>
                   <a:srgbClr val="000000"/>
                 </a:solidFill>
                 <a:latin typeface="Consolas" panose="020B0609020204030204" pitchFamily="49" charset="0"/>
-              </a:rPr>
-              <a:t>console.log(</a:t>
-            </a:r>
-            <a:r>
-              <a:rPr lang="en-US" dirty="0">
+                <a:ea typeface="Times New Roman" panose="02020603050405020304" pitchFamily="18" charset="0"/>
+                <a:cs typeface="Times New Roman" panose="02020603050405020304" pitchFamily="18" charset="0"/>
+              </a:rPr>
+              <a:t> {</a:t>
+            </a:r>
+            <a:endParaRPr lang="ru-RU" sz="2800" dirty="0">
+              <a:latin typeface="Calibri" panose="020F0502020204030204" pitchFamily="34" charset="0"/>
+              <a:ea typeface="Calibri" panose="020F0502020204030204" pitchFamily="34" charset="0"/>
+              <a:cs typeface="Times New Roman" panose="02020603050405020304" pitchFamily="18" charset="0"/>
+            </a:endParaRPr>
+          </a:p>
+          <a:p>
+            <a:pPr>
+              <a:spcAft>
+                <a:spcPts val="0"/>
+              </a:spcAft>
+            </a:pPr>
+            <a:r>
+              <a:rPr lang="ru-RU" dirty="0">
+                <a:solidFill>
+                  <a:srgbClr val="000000"/>
+                </a:solidFill>
+                <a:latin typeface="Consolas" panose="020B0609020204030204" pitchFamily="49" charset="0"/>
+                <a:ea typeface="Times New Roman" panose="02020603050405020304" pitchFamily="18" charset="0"/>
+                <a:cs typeface="Times New Roman" panose="02020603050405020304" pitchFamily="18" charset="0"/>
+              </a:rPr>
+              <a:t>    </a:t>
+            </a:r>
+            <a:r>
+              <a:rPr lang="ru-RU" dirty="0" err="1">
+                <a:solidFill>
+                  <a:srgbClr val="000000"/>
+                </a:solidFill>
+                <a:latin typeface="Consolas" panose="020B0609020204030204" pitchFamily="49" charset="0"/>
+                <a:ea typeface="Times New Roman" panose="02020603050405020304" pitchFamily="18" charset="0"/>
+                <a:cs typeface="Times New Roman" panose="02020603050405020304" pitchFamily="18" charset="0"/>
+              </a:rPr>
+              <a:t>meow</a:t>
+            </a:r>
+            <a:r>
+              <a:rPr lang="ru-RU" dirty="0">
+                <a:solidFill>
+                  <a:srgbClr val="000000"/>
+                </a:solidFill>
+                <a:latin typeface="Consolas" panose="020B0609020204030204" pitchFamily="49" charset="0"/>
+                <a:ea typeface="Times New Roman" panose="02020603050405020304" pitchFamily="18" charset="0"/>
+                <a:cs typeface="Times New Roman" panose="02020603050405020304" pitchFamily="18" charset="0"/>
+              </a:rPr>
+              <a:t>() {</a:t>
+            </a:r>
+            <a:endParaRPr lang="ru-RU" sz="2800" dirty="0">
+              <a:latin typeface="Calibri" panose="020F0502020204030204" pitchFamily="34" charset="0"/>
+              <a:ea typeface="Calibri" panose="020F0502020204030204" pitchFamily="34" charset="0"/>
+              <a:cs typeface="Times New Roman" panose="02020603050405020304" pitchFamily="18" charset="0"/>
+            </a:endParaRPr>
+          </a:p>
+          <a:p>
+            <a:pPr>
+              <a:spcAft>
+                <a:spcPts val="0"/>
+              </a:spcAft>
+            </a:pPr>
+            <a:r>
+              <a:rPr lang="ru-RU" dirty="0">
+                <a:solidFill>
+                  <a:srgbClr val="000000"/>
+                </a:solidFill>
+                <a:latin typeface="Consolas" panose="020B0609020204030204" pitchFamily="49" charset="0"/>
+                <a:ea typeface="Times New Roman" panose="02020603050405020304" pitchFamily="18" charset="0"/>
+                <a:cs typeface="Times New Roman" panose="02020603050405020304" pitchFamily="18" charset="0"/>
+              </a:rPr>
+              <a:t>        console.log(</a:t>
+            </a:r>
+            <a:r>
+              <a:rPr lang="ru-RU" dirty="0">
                 <a:solidFill>
                   <a:srgbClr val="A31515"/>
                 </a:solidFill>
                 <a:latin typeface="Consolas" panose="020B0609020204030204" pitchFamily="49" charset="0"/>
-              </a:rPr>
-              <a:t>'bark'</a:t>
-            </a:r>
-            <a:r>
-              <a:rPr lang="en-US" dirty="0">
+                <a:ea typeface="Times New Roman" panose="02020603050405020304" pitchFamily="18" charset="0"/>
+                <a:cs typeface="Times New Roman" panose="02020603050405020304" pitchFamily="18" charset="0"/>
+              </a:rPr>
+              <a:t>'</a:t>
+            </a:r>
+            <a:r>
+              <a:rPr lang="ru-RU" dirty="0" err="1">
+                <a:solidFill>
+                  <a:srgbClr val="A31515"/>
+                </a:solidFill>
+                <a:latin typeface="Consolas" panose="020B0609020204030204" pitchFamily="49" charset="0"/>
+                <a:ea typeface="Times New Roman" panose="02020603050405020304" pitchFamily="18" charset="0"/>
+                <a:cs typeface="Times New Roman" panose="02020603050405020304" pitchFamily="18" charset="0"/>
+              </a:rPr>
+              <a:t>bark</a:t>
+            </a:r>
+            <a:r>
+              <a:rPr lang="ru-RU" dirty="0">
+                <a:solidFill>
+                  <a:srgbClr val="A31515"/>
+                </a:solidFill>
+                <a:latin typeface="Consolas" panose="020B0609020204030204" pitchFamily="49" charset="0"/>
+                <a:ea typeface="Times New Roman" panose="02020603050405020304" pitchFamily="18" charset="0"/>
+                <a:cs typeface="Times New Roman" panose="02020603050405020304" pitchFamily="18" charset="0"/>
+              </a:rPr>
+              <a:t>'</a:t>
+            </a:r>
+            <a:r>
+              <a:rPr lang="ru-RU" dirty="0">
                 <a:solidFill>
                   <a:srgbClr val="000000"/>
                 </a:solidFill>
                 <a:latin typeface="Consolas" panose="020B0609020204030204" pitchFamily="49" charset="0"/>
+                <a:ea typeface="Times New Roman" panose="02020603050405020304" pitchFamily="18" charset="0"/>
+                <a:cs typeface="Times New Roman" panose="02020603050405020304" pitchFamily="18" charset="0"/>
               </a:rPr>
               <a:t>)</a:t>
             </a:r>
-          </a:p>
-          <a:p>
-            <a:r>
-              <a:rPr lang="en-US" dirty="0">
+            <a:endParaRPr lang="ru-RU" sz="2800" dirty="0">
+              <a:latin typeface="Calibri" panose="020F0502020204030204" pitchFamily="34" charset="0"/>
+              <a:ea typeface="Calibri" panose="020F0502020204030204" pitchFamily="34" charset="0"/>
+              <a:cs typeface="Times New Roman" panose="02020603050405020304" pitchFamily="18" charset="0"/>
+            </a:endParaRPr>
+          </a:p>
+          <a:p>
+            <a:pPr>
+              <a:spcAft>
+                <a:spcPts val="0"/>
+              </a:spcAft>
+            </a:pPr>
+            <a:r>
+              <a:rPr lang="ru-RU" dirty="0">
                 <a:solidFill>
                   <a:srgbClr val="000000"/>
                 </a:solidFill>
                 <a:latin typeface="Consolas" panose="020B0609020204030204" pitchFamily="49" charset="0"/>
+                <a:ea typeface="Times New Roman" panose="02020603050405020304" pitchFamily="18" charset="0"/>
+                <a:cs typeface="Times New Roman" panose="02020603050405020304" pitchFamily="18" charset="0"/>
+              </a:rPr>
+              <a:t>    }</a:t>
+            </a:r>
+            <a:endParaRPr lang="ru-RU" sz="2800" dirty="0">
+              <a:latin typeface="Calibri" panose="020F0502020204030204" pitchFamily="34" charset="0"/>
+              <a:ea typeface="Calibri" panose="020F0502020204030204" pitchFamily="34" charset="0"/>
+              <a:cs typeface="Times New Roman" panose="02020603050405020304" pitchFamily="18" charset="0"/>
+            </a:endParaRPr>
+          </a:p>
+          <a:p>
+            <a:pPr>
+              <a:spcAft>
+                <a:spcPts val="0"/>
+              </a:spcAft>
+            </a:pPr>
+            <a:r>
+              <a:rPr lang="ru-RU" dirty="0" smtClean="0">
+                <a:solidFill>
+                  <a:srgbClr val="000000"/>
+                </a:solidFill>
+                <a:latin typeface="Consolas" panose="020B0609020204030204" pitchFamily="49" charset="0"/>
+                <a:ea typeface="Times New Roman" panose="02020603050405020304" pitchFamily="18" charset="0"/>
+                <a:cs typeface="Times New Roman" panose="02020603050405020304" pitchFamily="18" charset="0"/>
               </a:rPr>
               <a:t>}</a:t>
             </a:r>
-          </a:p>
-          <a:p>
-            <a:r>
-              <a:rPr lang="en-US" dirty="0">
-                <a:solidFill>
-                  <a:srgbClr val="000000"/>
-                </a:solidFill>
-                <a:latin typeface="Consolas" panose="020B0609020204030204" pitchFamily="49" charset="0"/>
-              </a:rPr>
-              <a:t>}</a:t>
-            </a:r>
-          </a:p>
-          <a:p>
-            <a:r>
-              <a:rPr lang="en-US" dirty="0">
-                <a:solidFill>
-                  <a:srgbClr val="000000"/>
-                </a:solidFill>
-                <a:latin typeface="Consolas" panose="020B0609020204030204" pitchFamily="49" charset="0"/>
-              </a:rPr>
-              <a:t/>
-            </a:r>
-            <a:br>
-              <a:rPr lang="en-US" dirty="0">
-                <a:solidFill>
-                  <a:srgbClr val="000000"/>
-                </a:solidFill>
-                <a:latin typeface="Consolas" panose="020B0609020204030204" pitchFamily="49" charset="0"/>
-              </a:rPr>
-            </a:br>
-            <a:r>
-              <a:rPr lang="en-US" dirty="0">
-                <a:solidFill>
-                  <a:srgbClr val="0000FF"/>
-                </a:solidFill>
-                <a:latin typeface="Consolas" panose="020B0609020204030204" pitchFamily="49" charset="0"/>
-              </a:rPr>
-              <a:t>class</a:t>
-            </a:r>
-            <a:r>
-              <a:rPr lang="en-US" dirty="0">
-                <a:solidFill>
-                  <a:srgbClr val="000000"/>
-                </a:solidFill>
-                <a:latin typeface="Consolas" panose="020B0609020204030204" pitchFamily="49" charset="0"/>
-              </a:rPr>
-              <a:t> Cat </a:t>
-            </a:r>
-            <a:r>
-              <a:rPr lang="en-US" dirty="0">
-                <a:solidFill>
-                  <a:srgbClr val="0000FF"/>
-                </a:solidFill>
-                <a:latin typeface="Consolas" panose="020B0609020204030204" pitchFamily="49" charset="0"/>
-              </a:rPr>
-              <a:t>extends</a:t>
-            </a:r>
-            <a:r>
-              <a:rPr lang="en-US" dirty="0">
-                <a:solidFill>
-                  <a:srgbClr val="000000"/>
-                </a:solidFill>
-                <a:latin typeface="Consolas" panose="020B0609020204030204" pitchFamily="49" charset="0"/>
-              </a:rPr>
-              <a:t> Animal {</a:t>
-            </a:r>
-          </a:p>
-          <a:p>
-            <a:r>
-              <a:rPr lang="en-US" dirty="0">
-                <a:solidFill>
-                  <a:srgbClr val="000000"/>
-                </a:solidFill>
-                <a:latin typeface="Consolas" panose="020B0609020204030204" pitchFamily="49" charset="0"/>
-              </a:rPr>
-              <a:t>meow() {</a:t>
-            </a:r>
-          </a:p>
-          <a:p>
-            <a:r>
-              <a:rPr lang="en-US" dirty="0">
-                <a:solidFill>
-                  <a:srgbClr val="000000"/>
-                </a:solidFill>
-                <a:latin typeface="Consolas" panose="020B0609020204030204" pitchFamily="49" charset="0"/>
-              </a:rPr>
-              <a:t>console.log(</a:t>
-            </a:r>
-            <a:r>
-              <a:rPr lang="en-US" dirty="0">
-                <a:solidFill>
-                  <a:srgbClr val="A31515"/>
-                </a:solidFill>
-                <a:latin typeface="Consolas" panose="020B0609020204030204" pitchFamily="49" charset="0"/>
-              </a:rPr>
-              <a:t>'bark'</a:t>
-            </a:r>
-            <a:r>
-              <a:rPr lang="en-US" dirty="0">
-                <a:solidFill>
-                  <a:srgbClr val="000000"/>
-                </a:solidFill>
-                <a:latin typeface="Consolas" panose="020B0609020204030204" pitchFamily="49" charset="0"/>
-              </a:rPr>
-              <a:t>)</a:t>
-            </a:r>
-          </a:p>
-          <a:p>
-            <a:r>
-              <a:rPr lang="en-US" dirty="0">
-                <a:solidFill>
-                  <a:srgbClr val="000000"/>
-                </a:solidFill>
-                <a:latin typeface="Consolas" panose="020B0609020204030204" pitchFamily="49" charset="0"/>
-              </a:rPr>
-              <a:t>}</a:t>
-            </a:r>
-          </a:p>
-          <a:p>
-            <a:r>
-              <a:rPr lang="en-US" dirty="0">
-                <a:solidFill>
-                  <a:srgbClr val="000000"/>
-                </a:solidFill>
-                <a:latin typeface="Consolas" panose="020B0609020204030204" pitchFamily="49" charset="0"/>
-              </a:rPr>
-              <a:t>}</a:t>
-            </a:r>
+            <a:endParaRPr lang="ru-RU" sz="2800" dirty="0">
+              <a:effectLst/>
+              <a:latin typeface="Calibri" panose="020F0502020204030204" pitchFamily="34" charset="0"/>
+              <a:ea typeface="Calibri" panose="020F0502020204030204" pitchFamily="34" charset="0"/>
+              <a:cs typeface="Times New Roman" panose="02020603050405020304" pitchFamily="18" charset="0"/>
+            </a:endParaRPr>
           </a:p>
         </p:txBody>
       </p:sp>
@@ -13670,14 +15160,14 @@
       </p:sp>
       <p:sp>
         <p:nvSpPr>
-          <p:cNvPr id="9" name="Прямоугольник 8"/>
+          <p:cNvPr id="10" name="Прямоугольник 9"/>
           <p:cNvSpPr/>
           <p:nvPr/>
         </p:nvSpPr>
         <p:spPr>
           <a:xfrm>
-            <a:off x="888520" y="1671050"/>
-            <a:ext cx="7418717" cy="3970318"/>
+            <a:off x="953667" y="2547038"/>
+            <a:ext cx="7447383" cy="2554545"/>
           </a:xfrm>
           <a:prstGeom prst="rect">
             <a:avLst/>
@@ -13695,7 +15185,7 @@
               </a:spcAft>
             </a:pPr>
             <a:r>
-              <a:rPr lang="en-US" dirty="0">
+              <a:rPr lang="en-US" sz="2000" dirty="0">
                 <a:solidFill>
                   <a:srgbClr val="008000"/>
                 </a:solidFill>
@@ -13705,7 +15195,7 @@
               </a:rPr>
               <a:t>// @flow</a:t>
             </a:r>
-            <a:endParaRPr lang="ru-RU" dirty="0">
+            <a:endParaRPr lang="ru-RU" sz="2000" dirty="0">
               <a:latin typeface="Consolas" panose="020B0609020204030204" pitchFamily="49" charset="0"/>
               <a:ea typeface="Calibri" panose="020F0502020204030204" pitchFamily="34" charset="0"/>
               <a:cs typeface="Times New Roman" panose="02020603050405020304" pitchFamily="18" charset="0"/>
@@ -13718,7 +15208,7 @@
               </a:spcAft>
             </a:pPr>
             <a:r>
-              <a:rPr lang="en-US" dirty="0">
+              <a:rPr lang="en-US" sz="2000" dirty="0">
                 <a:solidFill>
                   <a:srgbClr val="000000"/>
                 </a:solidFill>
@@ -13728,7 +15218,7 @@
               </a:rPr>
               <a:t> </a:t>
             </a:r>
-            <a:endParaRPr lang="ru-RU" dirty="0">
+            <a:endParaRPr lang="ru-RU" sz="2000" dirty="0">
               <a:latin typeface="Consolas" panose="020B0609020204030204" pitchFamily="49" charset="0"/>
               <a:ea typeface="Calibri" panose="020F0502020204030204" pitchFamily="34" charset="0"/>
               <a:cs typeface="Times New Roman" panose="02020603050405020304" pitchFamily="18" charset="0"/>
@@ -13741,7 +15231,7 @@
               </a:spcAft>
             </a:pPr>
             <a:r>
-              <a:rPr lang="en-US" dirty="0">
+              <a:rPr lang="en-US" sz="2000" dirty="0" err="1">
                 <a:solidFill>
                   <a:srgbClr val="0000FF"/>
                 </a:solidFill>
@@ -13749,10 +15239,10 @@
                 <a:ea typeface="Times New Roman" panose="02020603050405020304" pitchFamily="18" charset="0"/>
                 <a:cs typeface="Times New Roman" panose="02020603050405020304" pitchFamily="18" charset="0"/>
               </a:rPr>
-              <a:t>function</a:t>
-            </a:r>
-            <a:r>
-              <a:rPr lang="en-US" dirty="0">
+              <a:t>const</a:t>
+            </a:r>
+            <a:r>
+              <a:rPr lang="en-US" sz="2000" dirty="0">
                 <a:solidFill>
                   <a:srgbClr val="000000"/>
                 </a:solidFill>
@@ -13760,10 +15250,10 @@
                 <a:ea typeface="Times New Roman" panose="02020603050405020304" pitchFamily="18" charset="0"/>
                 <a:cs typeface="Times New Roman" panose="02020603050405020304" pitchFamily="18" charset="0"/>
               </a:rPr>
-              <a:t> </a:t>
-            </a:r>
-            <a:r>
-              <a:rPr lang="en-US" dirty="0" err="1">
+              <a:t> animals: Animal[] = </a:t>
+            </a:r>
+            <a:r>
+              <a:rPr lang="en-US" sz="2000" dirty="0" smtClean="0">
                 <a:solidFill>
                   <a:srgbClr val="000000"/>
                 </a:solidFill>
@@ -13771,24 +15261,8 @@
                 <a:ea typeface="Times New Roman" panose="02020603050405020304" pitchFamily="18" charset="0"/>
                 <a:cs typeface="Times New Roman" panose="02020603050405020304" pitchFamily="18" charset="0"/>
               </a:rPr>
-              <a:t>runAndDoAction</a:t>
-            </a:r>
-            <a:r>
-              <a:rPr lang="en-US" dirty="0">
-                <a:solidFill>
-                  <a:srgbClr val="000000"/>
-                </a:solidFill>
-                <a:latin typeface="Consolas" panose="020B0609020204030204" pitchFamily="49" charset="0"/>
-                <a:ea typeface="Times New Roman" panose="02020603050405020304" pitchFamily="18" charset="0"/>
-                <a:cs typeface="Times New Roman" panose="02020603050405020304" pitchFamily="18" charset="0"/>
-              </a:rPr>
-              <a:t>&lt;T: Animal&gt;(</a:t>
-            </a:r>
-            <a:endParaRPr lang="ru-RU" dirty="0">
-              <a:latin typeface="Consolas" panose="020B0609020204030204" pitchFamily="49" charset="0"/>
-              <a:ea typeface="Calibri" panose="020F0502020204030204" pitchFamily="34" charset="0"/>
-              <a:cs typeface="Times New Roman" panose="02020603050405020304" pitchFamily="18" charset="0"/>
-            </a:endParaRPr>
+              <a:t>[];</a:t>
+            </a:r>
           </a:p>
           <a:p>
             <a:pPr>
@@ -13796,18 +15270,7 @@
                 <a:spcPts val="0"/>
               </a:spcAft>
             </a:pPr>
-            <a:r>
-              <a:rPr lang="en-US" dirty="0">
-                <a:solidFill>
-                  <a:srgbClr val="000000"/>
-                </a:solidFill>
-                <a:latin typeface="Consolas" panose="020B0609020204030204" pitchFamily="49" charset="0"/>
-                <a:ea typeface="Times New Roman" panose="02020603050405020304" pitchFamily="18" charset="0"/>
-                <a:cs typeface="Times New Roman" panose="02020603050405020304" pitchFamily="18" charset="0"/>
-              </a:rPr>
-              <a:t>    subject: T, </a:t>
-            </a:r>
-            <a:endParaRPr lang="ru-RU" dirty="0">
+            <a:endParaRPr lang="ru-RU" sz="2000" dirty="0">
               <a:latin typeface="Consolas" panose="020B0609020204030204" pitchFamily="49" charset="0"/>
               <a:ea typeface="Calibri" panose="020F0502020204030204" pitchFamily="34" charset="0"/>
               <a:cs typeface="Times New Roman" panose="02020603050405020304" pitchFamily="18" charset="0"/>
@@ -13820,7 +15283,7 @@
               </a:spcAft>
             </a:pPr>
             <a:r>
-              <a:rPr lang="en-US" dirty="0">
+              <a:rPr lang="en-US" sz="2000" dirty="0" err="1">
                 <a:solidFill>
                   <a:srgbClr val="000000"/>
                 </a:solidFill>
@@ -13828,31 +15291,42 @@
                 <a:ea typeface="Times New Roman" panose="02020603050405020304" pitchFamily="18" charset="0"/>
                 <a:cs typeface="Times New Roman" panose="02020603050405020304" pitchFamily="18" charset="0"/>
               </a:rPr>
-              <a:t>    action: (animal: T)</a:t>
-            </a:r>
-            <a:r>
-              <a:rPr lang="en-US" dirty="0">
-                <a:solidFill>
-                  <a:srgbClr val="0000FF"/>
+              <a:t>animals.push</a:t>
+            </a:r>
+            <a:r>
+              <a:rPr lang="en-US" sz="2000" dirty="0">
+                <a:solidFill>
+                  <a:srgbClr val="000000"/>
                 </a:solidFill>
                 <a:latin typeface="Consolas" panose="020B0609020204030204" pitchFamily="49" charset="0"/>
                 <a:ea typeface="Times New Roman" panose="02020603050405020304" pitchFamily="18" charset="0"/>
                 <a:cs typeface="Times New Roman" panose="02020603050405020304" pitchFamily="18" charset="0"/>
               </a:rPr>
-              <a:t> =&gt;</a:t>
-            </a:r>
-            <a:r>
-              <a:rPr lang="en-US" dirty="0">
-                <a:solidFill>
-                  <a:srgbClr val="000000"/>
+              <a:t>(</a:t>
+            </a:r>
+            <a:r>
+              <a:rPr lang="en-US" sz="2000" dirty="0">
+                <a:solidFill>
+                  <a:srgbClr val="0000FF"/>
                 </a:solidFill>
                 <a:latin typeface="Consolas" panose="020B0609020204030204" pitchFamily="49" charset="0"/>
                 <a:ea typeface="Times New Roman" panose="02020603050405020304" pitchFamily="18" charset="0"/>
                 <a:cs typeface="Times New Roman" panose="02020603050405020304" pitchFamily="18" charset="0"/>
               </a:rPr>
-              <a:t> void</a:t>
-            </a:r>
-            <a:endParaRPr lang="ru-RU" dirty="0">
+              <a:t>new</a:t>
+            </a:r>
+            <a:r>
+              <a:rPr lang="en-US" sz="2000" dirty="0">
+                <a:solidFill>
+                  <a:srgbClr val="000000"/>
+                </a:solidFill>
+                <a:latin typeface="Consolas" panose="020B0609020204030204" pitchFamily="49" charset="0"/>
+                <a:ea typeface="Times New Roman" panose="02020603050405020304" pitchFamily="18" charset="0"/>
+                <a:cs typeface="Times New Roman" panose="02020603050405020304" pitchFamily="18" charset="0"/>
+              </a:rPr>
+              <a:t> Dog());</a:t>
+            </a:r>
+            <a:endParaRPr lang="ru-RU" sz="2000" dirty="0">
               <a:latin typeface="Consolas" panose="020B0609020204030204" pitchFamily="49" charset="0"/>
               <a:ea typeface="Calibri" panose="020F0502020204030204" pitchFamily="34" charset="0"/>
               <a:cs typeface="Times New Roman" panose="02020603050405020304" pitchFamily="18" charset="0"/>
@@ -13865,7 +15339,7 @@
               </a:spcAft>
             </a:pPr>
             <a:r>
-              <a:rPr lang="en-US" dirty="0">
+              <a:rPr lang="en-US" sz="2000" dirty="0" err="1">
                 <a:solidFill>
                   <a:srgbClr val="000000"/>
                 </a:solidFill>
@@ -13873,13 +15347,52 @@
                 <a:ea typeface="Times New Roman" panose="02020603050405020304" pitchFamily="18" charset="0"/>
                 <a:cs typeface="Times New Roman" panose="02020603050405020304" pitchFamily="18" charset="0"/>
               </a:rPr>
-              <a:t>): T {</a:t>
-            </a:r>
-            <a:endParaRPr lang="ru-RU" dirty="0">
-              <a:latin typeface="Consolas" panose="020B0609020204030204" pitchFamily="49" charset="0"/>
-              <a:ea typeface="Calibri" panose="020F0502020204030204" pitchFamily="34" charset="0"/>
-              <a:cs typeface="Times New Roman" panose="02020603050405020304" pitchFamily="18" charset="0"/>
-            </a:endParaRPr>
+              <a:t>animals.push</a:t>
+            </a:r>
+            <a:r>
+              <a:rPr lang="en-US" sz="2000" dirty="0">
+                <a:solidFill>
+                  <a:srgbClr val="000000"/>
+                </a:solidFill>
+                <a:latin typeface="Consolas" panose="020B0609020204030204" pitchFamily="49" charset="0"/>
+                <a:ea typeface="Times New Roman" panose="02020603050405020304" pitchFamily="18" charset="0"/>
+                <a:cs typeface="Times New Roman" panose="02020603050405020304" pitchFamily="18" charset="0"/>
+              </a:rPr>
+              <a:t>(</a:t>
+            </a:r>
+            <a:r>
+              <a:rPr lang="en-US" sz="2000" dirty="0">
+                <a:solidFill>
+                  <a:srgbClr val="0000FF"/>
+                </a:solidFill>
+                <a:latin typeface="Consolas" panose="020B0609020204030204" pitchFamily="49" charset="0"/>
+                <a:ea typeface="Times New Roman" panose="02020603050405020304" pitchFamily="18" charset="0"/>
+                <a:cs typeface="Times New Roman" panose="02020603050405020304" pitchFamily="18" charset="0"/>
+              </a:rPr>
+              <a:t>new</a:t>
+            </a:r>
+            <a:r>
+              <a:rPr lang="en-US" sz="2000" dirty="0">
+                <a:solidFill>
+                  <a:srgbClr val="000000"/>
+                </a:solidFill>
+                <a:latin typeface="Consolas" panose="020B0609020204030204" pitchFamily="49" charset="0"/>
+                <a:ea typeface="Times New Roman" panose="02020603050405020304" pitchFamily="18" charset="0"/>
+                <a:cs typeface="Times New Roman" panose="02020603050405020304" pitchFamily="18" charset="0"/>
+              </a:rPr>
+              <a:t> Cat</a:t>
+            </a:r>
+            <a:r>
+              <a:rPr lang="en-US" sz="2000" dirty="0" smtClean="0">
+                <a:solidFill>
+                  <a:srgbClr val="000000"/>
+                </a:solidFill>
+                <a:latin typeface="Consolas" panose="020B0609020204030204" pitchFamily="49" charset="0"/>
+                <a:ea typeface="Times New Roman" panose="02020603050405020304" pitchFamily="18" charset="0"/>
+                <a:cs typeface="Times New Roman" panose="02020603050405020304" pitchFamily="18" charset="0"/>
+              </a:rPr>
+              <a:t>());</a:t>
+            </a:r>
           </a:p>
           <a:p>
             <a:pPr>
@@ -13887,40 +15400,7 @@
                 <a:spcPts val="0"/>
               </a:spcAft>
             </a:pPr>
-            <a:r>
-              <a:rPr lang="en-US" dirty="0">
-                <a:solidFill>
-                  <a:srgbClr val="000000"/>
-                </a:solidFill>
-                <a:latin typeface="Consolas" panose="020B0609020204030204" pitchFamily="49" charset="0"/>
-                <a:ea typeface="Times New Roman" panose="02020603050405020304" pitchFamily="18" charset="0"/>
-                <a:cs typeface="Times New Roman" panose="02020603050405020304" pitchFamily="18" charset="0"/>
-              </a:rPr>
-              <a:t>    </a:t>
-            </a:r>
-            <a:r>
-              <a:rPr lang="en-US" dirty="0" err="1">
-                <a:solidFill>
-                  <a:srgbClr val="000000"/>
-                </a:solidFill>
-                <a:latin typeface="Consolas" panose="020B0609020204030204" pitchFamily="49" charset="0"/>
-                <a:ea typeface="Times New Roman" panose="02020603050405020304" pitchFamily="18" charset="0"/>
-                <a:cs typeface="Times New Roman" panose="02020603050405020304" pitchFamily="18" charset="0"/>
-              </a:rPr>
-              <a:t>subject.run</a:t>
-            </a:r>
-            <a:r>
-              <a:rPr lang="en-US" dirty="0">
-                <a:solidFill>
-                  <a:srgbClr val="000000"/>
-                </a:solidFill>
-                <a:latin typeface="Consolas" panose="020B0609020204030204" pitchFamily="49" charset="0"/>
-                <a:ea typeface="Times New Roman" panose="02020603050405020304" pitchFamily="18" charset="0"/>
-                <a:cs typeface="Times New Roman" panose="02020603050405020304" pitchFamily="18" charset="0"/>
-              </a:rPr>
-              <a:t>();</a:t>
-            </a:r>
-            <a:endParaRPr lang="ru-RU" dirty="0">
+            <a:endParaRPr lang="ru-RU" sz="2000" dirty="0">
               <a:latin typeface="Consolas" panose="020B0609020204030204" pitchFamily="49" charset="0"/>
               <a:ea typeface="Calibri" panose="020F0502020204030204" pitchFamily="34" charset="0"/>
               <a:cs typeface="Times New Roman" panose="02020603050405020304" pitchFamily="18" charset="0"/>
@@ -13933,7 +15413,7 @@
               </a:spcAft>
             </a:pPr>
             <a:r>
-              <a:rPr lang="en-US" dirty="0">
+              <a:rPr lang="en-US" sz="2000" dirty="0" err="1">
                 <a:solidFill>
                   <a:srgbClr val="000000"/>
                 </a:solidFill>
@@ -13941,56 +15421,32 @@
                 <a:ea typeface="Times New Roman" panose="02020603050405020304" pitchFamily="18" charset="0"/>
                 <a:cs typeface="Times New Roman" panose="02020603050405020304" pitchFamily="18" charset="0"/>
               </a:rPr>
-              <a:t>    action(subject);</a:t>
-            </a:r>
-            <a:endParaRPr lang="ru-RU" dirty="0">
-              <a:latin typeface="Consolas" panose="020B0609020204030204" pitchFamily="49" charset="0"/>
-              <a:ea typeface="Calibri" panose="020F0502020204030204" pitchFamily="34" charset="0"/>
-              <a:cs typeface="Times New Roman" panose="02020603050405020304" pitchFamily="18" charset="0"/>
-            </a:endParaRPr>
-          </a:p>
-          <a:p>
-            <a:pPr>
-              <a:spcAft>
-                <a:spcPts val="0"/>
-              </a:spcAft>
-            </a:pPr>
-            <a:r>
-              <a:rPr lang="en-US" dirty="0">
-                <a:solidFill>
-                  <a:srgbClr val="0000FF"/>
+              <a:t>animals.push</a:t>
+            </a:r>
+            <a:r>
+              <a:rPr lang="en-US" sz="2000" dirty="0">
+                <a:solidFill>
+                  <a:srgbClr val="000000"/>
                 </a:solidFill>
                 <a:latin typeface="Consolas" panose="020B0609020204030204" pitchFamily="49" charset="0"/>
                 <a:ea typeface="Times New Roman" panose="02020603050405020304" pitchFamily="18" charset="0"/>
                 <a:cs typeface="Times New Roman" panose="02020603050405020304" pitchFamily="18" charset="0"/>
               </a:rPr>
-              <a:t>    return</a:t>
-            </a:r>
-            <a:r>
-              <a:rPr lang="en-US" dirty="0">
-                <a:solidFill>
-                  <a:srgbClr val="000000"/>
+              <a:t>(</a:t>
+            </a:r>
+            <a:r>
+              <a:rPr lang="en-US" sz="2000" dirty="0">
+                <a:solidFill>
+                  <a:srgbClr val="A31515"/>
                 </a:solidFill>
                 <a:latin typeface="Consolas" panose="020B0609020204030204" pitchFamily="49" charset="0"/>
                 <a:ea typeface="Times New Roman" panose="02020603050405020304" pitchFamily="18" charset="0"/>
                 <a:cs typeface="Times New Roman" panose="02020603050405020304" pitchFamily="18" charset="0"/>
               </a:rPr>
-              <a:t> subject;</a:t>
-            </a:r>
-            <a:endParaRPr lang="ru-RU" dirty="0">
-              <a:latin typeface="Consolas" panose="020B0609020204030204" pitchFamily="49" charset="0"/>
-              <a:ea typeface="Calibri" panose="020F0502020204030204" pitchFamily="34" charset="0"/>
-              <a:cs typeface="Times New Roman" panose="02020603050405020304" pitchFamily="18" charset="0"/>
-            </a:endParaRPr>
-          </a:p>
-          <a:p>
-            <a:pPr>
-              <a:spcAft>
-                <a:spcPts val="0"/>
-              </a:spcAft>
-            </a:pPr>
-            <a:r>
-              <a:rPr lang="en-US" dirty="0">
+              <a:t>'cat'</a:t>
+            </a:r>
+            <a:r>
+              <a:rPr lang="en-US" sz="2000" dirty="0">
                 <a:solidFill>
                   <a:srgbClr val="000000"/>
                 </a:solidFill>
@@ -13998,253 +15454,31 @@
                 <a:ea typeface="Times New Roman" panose="02020603050405020304" pitchFamily="18" charset="0"/>
                 <a:cs typeface="Times New Roman" panose="02020603050405020304" pitchFamily="18" charset="0"/>
               </a:rPr>
-              <a:t>}</a:t>
-            </a:r>
-            <a:endParaRPr lang="ru-RU" dirty="0">
-              <a:latin typeface="Consolas" panose="020B0609020204030204" pitchFamily="49" charset="0"/>
-              <a:ea typeface="Calibri" panose="020F0502020204030204" pitchFamily="34" charset="0"/>
-              <a:cs typeface="Times New Roman" panose="02020603050405020304" pitchFamily="18" charset="0"/>
-            </a:endParaRPr>
-          </a:p>
-          <a:p>
-            <a:pPr>
-              <a:spcAft>
-                <a:spcPts val="0"/>
-              </a:spcAft>
-            </a:pPr>
-            <a:r>
-              <a:rPr lang="en-US" dirty="0">
-                <a:solidFill>
-                  <a:srgbClr val="000000"/>
+              <a:t>);</a:t>
+            </a:r>
+            <a:r>
+              <a:rPr lang="en-US" sz="2000" dirty="0">
+                <a:solidFill>
+                  <a:srgbClr val="008000"/>
                 </a:solidFill>
                 <a:latin typeface="Consolas" panose="020B0609020204030204" pitchFamily="49" charset="0"/>
                 <a:ea typeface="Times New Roman" panose="02020603050405020304" pitchFamily="18" charset="0"/>
                 <a:cs typeface="Times New Roman" panose="02020603050405020304" pitchFamily="18" charset="0"/>
               </a:rPr>
-              <a:t> </a:t>
-            </a:r>
-            <a:endParaRPr lang="ru-RU" dirty="0">
-              <a:latin typeface="Consolas" panose="020B0609020204030204" pitchFamily="49" charset="0"/>
-              <a:ea typeface="Calibri" panose="020F0502020204030204" pitchFamily="34" charset="0"/>
-              <a:cs typeface="Times New Roman" panose="02020603050405020304" pitchFamily="18" charset="0"/>
-            </a:endParaRPr>
-          </a:p>
-          <a:p>
-            <a:pPr>
-              <a:spcAft>
-                <a:spcPts val="0"/>
-              </a:spcAft>
-            </a:pPr>
-            <a:r>
-              <a:rPr lang="en-US" dirty="0" err="1">
-                <a:solidFill>
-                  <a:srgbClr val="000000"/>
+              <a:t> // </a:t>
+            </a:r>
+            <a:r>
+              <a:rPr lang="en-US" sz="2000" dirty="0" smtClean="0">
+                <a:solidFill>
+                  <a:srgbClr val="008000"/>
                 </a:solidFill>
                 <a:latin typeface="Consolas" panose="020B0609020204030204" pitchFamily="49" charset="0"/>
                 <a:ea typeface="Times New Roman" panose="02020603050405020304" pitchFamily="18" charset="0"/>
                 <a:cs typeface="Times New Roman" panose="02020603050405020304" pitchFamily="18" charset="0"/>
               </a:rPr>
-              <a:t>runAndDoAction</a:t>
-            </a:r>
-            <a:r>
-              <a:rPr lang="en-US" dirty="0">
-                <a:solidFill>
-                  <a:srgbClr val="000000"/>
-                </a:solidFill>
-                <a:latin typeface="Consolas" panose="020B0609020204030204" pitchFamily="49" charset="0"/>
-                <a:ea typeface="Times New Roman" panose="02020603050405020304" pitchFamily="18" charset="0"/>
-                <a:cs typeface="Times New Roman" panose="02020603050405020304" pitchFamily="18" charset="0"/>
-              </a:rPr>
-              <a:t>(</a:t>
-            </a:r>
-            <a:r>
-              <a:rPr lang="en-US" dirty="0">
-                <a:solidFill>
-                  <a:srgbClr val="0000FF"/>
-                </a:solidFill>
-                <a:latin typeface="Consolas" panose="020B0609020204030204" pitchFamily="49" charset="0"/>
-                <a:ea typeface="Times New Roman" panose="02020603050405020304" pitchFamily="18" charset="0"/>
-                <a:cs typeface="Times New Roman" panose="02020603050405020304" pitchFamily="18" charset="0"/>
-              </a:rPr>
-              <a:t>new</a:t>
-            </a:r>
-            <a:r>
-              <a:rPr lang="en-US" dirty="0">
-                <a:solidFill>
-                  <a:srgbClr val="000000"/>
-                </a:solidFill>
-                <a:latin typeface="Consolas" panose="020B0609020204030204" pitchFamily="49" charset="0"/>
-                <a:ea typeface="Times New Roman" panose="02020603050405020304" pitchFamily="18" charset="0"/>
-                <a:cs typeface="Times New Roman" panose="02020603050405020304" pitchFamily="18" charset="0"/>
-              </a:rPr>
-              <a:t> Dog(), x </a:t>
-            </a:r>
-            <a:r>
-              <a:rPr lang="en-US" dirty="0">
-                <a:solidFill>
-                  <a:srgbClr val="0000FF"/>
-                </a:solidFill>
-                <a:latin typeface="Consolas" panose="020B0609020204030204" pitchFamily="49" charset="0"/>
-                <a:ea typeface="Times New Roman" panose="02020603050405020304" pitchFamily="18" charset="0"/>
-                <a:cs typeface="Times New Roman" panose="02020603050405020304" pitchFamily="18" charset="0"/>
-              </a:rPr>
-              <a:t>=&gt;</a:t>
-            </a:r>
-            <a:r>
-              <a:rPr lang="en-US" dirty="0">
-                <a:solidFill>
-                  <a:srgbClr val="000000"/>
-                </a:solidFill>
-                <a:latin typeface="Consolas" panose="020B0609020204030204" pitchFamily="49" charset="0"/>
-                <a:ea typeface="Times New Roman" panose="02020603050405020304" pitchFamily="18" charset="0"/>
-                <a:cs typeface="Times New Roman" panose="02020603050405020304" pitchFamily="18" charset="0"/>
-              </a:rPr>
-              <a:t> </a:t>
-            </a:r>
-            <a:r>
-              <a:rPr lang="en-US" dirty="0" err="1">
-                <a:solidFill>
-                  <a:srgbClr val="000000"/>
-                </a:solidFill>
-                <a:latin typeface="Consolas" panose="020B0609020204030204" pitchFamily="49" charset="0"/>
-                <a:ea typeface="Times New Roman" panose="02020603050405020304" pitchFamily="18" charset="0"/>
-                <a:cs typeface="Times New Roman" panose="02020603050405020304" pitchFamily="18" charset="0"/>
-              </a:rPr>
-              <a:t>x.bark</a:t>
-            </a:r>
-            <a:r>
-              <a:rPr lang="en-US" dirty="0">
-                <a:solidFill>
-                  <a:srgbClr val="000000"/>
-                </a:solidFill>
-                <a:latin typeface="Consolas" panose="020B0609020204030204" pitchFamily="49" charset="0"/>
-                <a:ea typeface="Times New Roman" panose="02020603050405020304" pitchFamily="18" charset="0"/>
-                <a:cs typeface="Times New Roman" panose="02020603050405020304" pitchFamily="18" charset="0"/>
-              </a:rPr>
-              <a:t>());</a:t>
-            </a:r>
-            <a:endParaRPr lang="ru-RU" dirty="0">
-              <a:latin typeface="Consolas" panose="020B0609020204030204" pitchFamily="49" charset="0"/>
-              <a:ea typeface="Calibri" panose="020F0502020204030204" pitchFamily="34" charset="0"/>
-              <a:cs typeface="Times New Roman" panose="02020603050405020304" pitchFamily="18" charset="0"/>
-            </a:endParaRPr>
-          </a:p>
-          <a:p>
-            <a:pPr>
-              <a:spcAft>
-                <a:spcPts val="0"/>
-              </a:spcAft>
-            </a:pPr>
-            <a:r>
-              <a:rPr lang="en-US" dirty="0" err="1">
-                <a:solidFill>
-                  <a:srgbClr val="000000"/>
-                </a:solidFill>
-                <a:latin typeface="Consolas" panose="020B0609020204030204" pitchFamily="49" charset="0"/>
-                <a:ea typeface="Times New Roman" panose="02020603050405020304" pitchFamily="18" charset="0"/>
-                <a:cs typeface="Times New Roman" panose="02020603050405020304" pitchFamily="18" charset="0"/>
-              </a:rPr>
-              <a:t>runAndDoAction</a:t>
-            </a:r>
-            <a:r>
-              <a:rPr lang="en-US" dirty="0">
-                <a:solidFill>
-                  <a:srgbClr val="000000"/>
-                </a:solidFill>
-                <a:latin typeface="Consolas" panose="020B0609020204030204" pitchFamily="49" charset="0"/>
-                <a:ea typeface="Times New Roman" panose="02020603050405020304" pitchFamily="18" charset="0"/>
-                <a:cs typeface="Times New Roman" panose="02020603050405020304" pitchFamily="18" charset="0"/>
-              </a:rPr>
-              <a:t>(</a:t>
-            </a:r>
-            <a:r>
-              <a:rPr lang="en-US" dirty="0">
-                <a:solidFill>
-                  <a:srgbClr val="0000FF"/>
-                </a:solidFill>
-                <a:latin typeface="Consolas" panose="020B0609020204030204" pitchFamily="49" charset="0"/>
-                <a:ea typeface="Times New Roman" panose="02020603050405020304" pitchFamily="18" charset="0"/>
-                <a:cs typeface="Times New Roman" panose="02020603050405020304" pitchFamily="18" charset="0"/>
-              </a:rPr>
-              <a:t>new</a:t>
-            </a:r>
-            <a:r>
-              <a:rPr lang="en-US" dirty="0">
-                <a:solidFill>
-                  <a:srgbClr val="000000"/>
-                </a:solidFill>
-                <a:latin typeface="Consolas" panose="020B0609020204030204" pitchFamily="49" charset="0"/>
-                <a:ea typeface="Times New Roman" panose="02020603050405020304" pitchFamily="18" charset="0"/>
-                <a:cs typeface="Times New Roman" panose="02020603050405020304" pitchFamily="18" charset="0"/>
-              </a:rPr>
-              <a:t> Cat(), x </a:t>
-            </a:r>
-            <a:r>
-              <a:rPr lang="en-US" dirty="0">
-                <a:solidFill>
-                  <a:srgbClr val="0000FF"/>
-                </a:solidFill>
-                <a:latin typeface="Consolas" panose="020B0609020204030204" pitchFamily="49" charset="0"/>
-                <a:ea typeface="Times New Roman" panose="02020603050405020304" pitchFamily="18" charset="0"/>
-                <a:cs typeface="Times New Roman" panose="02020603050405020304" pitchFamily="18" charset="0"/>
-              </a:rPr>
-              <a:t>=&gt;</a:t>
-            </a:r>
-            <a:r>
-              <a:rPr lang="en-US" dirty="0">
-                <a:solidFill>
-                  <a:srgbClr val="000000"/>
-                </a:solidFill>
-                <a:latin typeface="Consolas" panose="020B0609020204030204" pitchFamily="49" charset="0"/>
-                <a:ea typeface="Times New Roman" panose="02020603050405020304" pitchFamily="18" charset="0"/>
-                <a:cs typeface="Times New Roman" panose="02020603050405020304" pitchFamily="18" charset="0"/>
-              </a:rPr>
-              <a:t> </a:t>
-            </a:r>
-            <a:r>
-              <a:rPr lang="en-US" dirty="0" err="1">
-                <a:solidFill>
-                  <a:srgbClr val="000000"/>
-                </a:solidFill>
-                <a:latin typeface="Consolas" panose="020B0609020204030204" pitchFamily="49" charset="0"/>
-                <a:ea typeface="Times New Roman" panose="02020603050405020304" pitchFamily="18" charset="0"/>
-                <a:cs typeface="Times New Roman" panose="02020603050405020304" pitchFamily="18" charset="0"/>
-              </a:rPr>
-              <a:t>x.meow</a:t>
-            </a:r>
-            <a:r>
-              <a:rPr lang="en-US" dirty="0">
-                <a:solidFill>
-                  <a:srgbClr val="000000"/>
-                </a:solidFill>
-                <a:latin typeface="Consolas" panose="020B0609020204030204" pitchFamily="49" charset="0"/>
-                <a:ea typeface="Times New Roman" panose="02020603050405020304" pitchFamily="18" charset="0"/>
-                <a:cs typeface="Times New Roman" panose="02020603050405020304" pitchFamily="18" charset="0"/>
-              </a:rPr>
-              <a:t>());</a:t>
-            </a:r>
-            <a:endParaRPr lang="ru-RU" dirty="0">
-              <a:latin typeface="Consolas" panose="020B0609020204030204" pitchFamily="49" charset="0"/>
-              <a:ea typeface="Calibri" panose="020F0502020204030204" pitchFamily="34" charset="0"/>
-              <a:cs typeface="Times New Roman" panose="02020603050405020304" pitchFamily="18" charset="0"/>
-            </a:endParaRPr>
-          </a:p>
-          <a:p>
-            <a:pPr>
-              <a:spcAft>
-                <a:spcPts val="800"/>
-              </a:spcAft>
-            </a:pPr>
-            <a:r>
-              <a:rPr lang="en-US" dirty="0">
-                <a:latin typeface="Consolas" panose="020B0609020204030204" pitchFamily="49" charset="0"/>
-                <a:ea typeface="Calibri" panose="020F0502020204030204" pitchFamily="34" charset="0"/>
-                <a:cs typeface="Times New Roman" panose="02020603050405020304" pitchFamily="18" charset="0"/>
-              </a:rPr>
-              <a:t> </a:t>
-            </a:r>
-            <a:endParaRPr lang="ru-RU" dirty="0">
-              <a:effectLst/>
+              <a:t>Error</a:t>
+            </a:r>
+            <a:endParaRPr lang="ru-RU" sz="2000" dirty="0">
               <a:latin typeface="Consolas" panose="020B0609020204030204" pitchFamily="49" charset="0"/>
               <a:ea typeface="Calibri" panose="020F0502020204030204" pitchFamily="34" charset="0"/>
               <a:cs typeface="Times New Roman" panose="02020603050405020304" pitchFamily="18" charset="0"/>
@@ -14291,36 +15525,6 @@
       </p:grpSpPr>
       <p:sp>
         <p:nvSpPr>
-          <p:cNvPr id="5" name="Объект 4"/>
-          <p:cNvSpPr>
-            <a:spLocks noGrp="1"/>
-          </p:cNvSpPr>
-          <p:nvPr>
-            <p:ph sz="quarter" idx="13"/>
-          </p:nvPr>
-        </p:nvSpPr>
-        <p:spPr/>
-        <p:txBody>
-          <a:bodyPr/>
-          <a:lstStyle/>
-          <a:p>
-            <a:r>
-              <a:rPr lang="en-US" dirty="0" err="1" smtClean="0"/>
-              <a:t>TypeScript</a:t>
-            </a:r>
-            <a:endParaRPr lang="en-US" dirty="0" smtClean="0"/>
-          </a:p>
-          <a:p>
-            <a:r>
-              <a:rPr lang="en-US" dirty="0" smtClean="0"/>
-              <a:t>Flow</a:t>
-            </a:r>
-            <a:endParaRPr lang="ru-RU" dirty="0"/>
-          </a:p>
-        </p:txBody>
-      </p:sp>
-      <p:sp>
-        <p:nvSpPr>
           <p:cNvPr id="2" name="Заголовок 1"/>
           <p:cNvSpPr>
             <a:spLocks noGrp="1"/>
@@ -14341,6 +15545,66 @@
           </a:p>
         </p:txBody>
       </p:sp>
+      <p:pic>
+        <p:nvPicPr>
+          <p:cNvPr id="8" name="Рисунок 7"/>
+          <p:cNvPicPr>
+            <a:picLocks noChangeAspect="1"/>
+          </p:cNvPicPr>
+          <p:nvPr/>
+        </p:nvPicPr>
+        <p:blipFill>
+          <a:blip r:embed="rId2">
+            <a:extLst>
+              <a:ext uri="{28A0092B-C50C-407E-A947-70E740481C1C}">
+                <a14:useLocalDpi xmlns:a14="http://schemas.microsoft.com/office/drawing/2010/main" val="0"/>
+              </a:ext>
+            </a:extLst>
+          </a:blip>
+          <a:stretch>
+            <a:fillRect/>
+          </a:stretch>
+        </p:blipFill>
+        <p:spPr>
+          <a:xfrm>
+            <a:off x="2115717" y="1952625"/>
+            <a:ext cx="3742158" cy="1529492"/>
+          </a:xfrm>
+          <a:prstGeom prst="rect">
+            <a:avLst/>
+          </a:prstGeom>
+        </p:spPr>
+      </p:pic>
+      <p:pic>
+        <p:nvPicPr>
+          <p:cNvPr id="9" name="Рисунок 8"/>
+          <p:cNvPicPr>
+            <a:picLocks noChangeAspect="1"/>
+          </p:cNvPicPr>
+          <p:nvPr/>
+        </p:nvPicPr>
+        <p:blipFill>
+          <a:blip r:embed="rId3" cstate="print">
+            <a:extLst>
+              <a:ext uri="{28A0092B-C50C-407E-A947-70E740481C1C}">
+                <a14:useLocalDpi xmlns:a14="http://schemas.microsoft.com/office/drawing/2010/main" val="0"/>
+              </a:ext>
+            </a:extLst>
+          </a:blip>
+          <a:stretch>
+            <a:fillRect/>
+          </a:stretch>
+        </p:blipFill>
+        <p:spPr>
+          <a:xfrm>
+            <a:off x="2257425" y="4198448"/>
+            <a:ext cx="4829175" cy="1469858"/>
+          </a:xfrm>
+          <a:prstGeom prst="rect">
+            <a:avLst/>
+          </a:prstGeom>
+        </p:spPr>
+      </p:pic>
     </p:spTree>
     <p:extLst>
       <p:ext uri="{BB962C8B-B14F-4D97-AF65-F5344CB8AC3E}">
@@ -14403,14 +15667,14 @@
       </p:sp>
       <p:sp>
         <p:nvSpPr>
-          <p:cNvPr id="3" name="Прямоугольник 2"/>
+          <p:cNvPr id="5" name="Прямоугольник 4"/>
           <p:cNvSpPr/>
           <p:nvPr/>
         </p:nvSpPr>
         <p:spPr>
           <a:xfrm>
-            <a:off x="953666" y="1737139"/>
-            <a:ext cx="7603737" cy="3693319"/>
+            <a:off x="953666" y="1709477"/>
+            <a:ext cx="7236619" cy="4247317"/>
           </a:xfrm>
           <a:prstGeom prst="rect">
             <a:avLst/>
@@ -14422,12 +15686,19 @@
           </a:bodyPr>
           <a:lstStyle/>
           <a:p>
+            <a:pPr>
+              <a:spcAft>
+                <a:spcPts val="0"/>
+              </a:spcAft>
+            </a:pPr>
             <a:r>
               <a:rPr lang="en-US" dirty="0">
                 <a:solidFill>
                   <a:srgbClr val="0000FF"/>
                 </a:solidFill>
                 <a:latin typeface="Consolas" panose="020B0609020204030204" pitchFamily="49" charset="0"/>
+                <a:ea typeface="Times New Roman" panose="02020603050405020304" pitchFamily="18" charset="0"/>
+                <a:cs typeface="Times New Roman" panose="02020603050405020304" pitchFamily="18" charset="0"/>
               </a:rPr>
               <a:t>class</a:t>
             </a:r>
@@ -14437,6 +15708,8 @@
                   <a:srgbClr val="000000"/>
                 </a:solidFill>
                 <a:latin typeface="Consolas" panose="020B0609020204030204" pitchFamily="49" charset="0"/>
+                <a:ea typeface="Times New Roman" panose="02020603050405020304" pitchFamily="18" charset="0"/>
+                <a:cs typeface="Times New Roman" panose="02020603050405020304" pitchFamily="18" charset="0"/>
               </a:rPr>
               <a:t> Button </a:t>
             </a:r>
@@ -14446,6 +15719,8 @@
                   <a:srgbClr val="0000FF"/>
                 </a:solidFill>
                 <a:latin typeface="Consolas" panose="020B0609020204030204" pitchFamily="49" charset="0"/>
+                <a:ea typeface="Times New Roman" panose="02020603050405020304" pitchFamily="18" charset="0"/>
+                <a:cs typeface="Times New Roman" panose="02020603050405020304" pitchFamily="18" charset="0"/>
               </a:rPr>
               <a:t>extends</a:t>
             </a:r>
@@ -14455,6 +15730,8 @@
                   <a:srgbClr val="000000"/>
                 </a:solidFill>
                 <a:latin typeface="Consolas" panose="020B0609020204030204" pitchFamily="49" charset="0"/>
+                <a:ea typeface="Times New Roman" panose="02020603050405020304" pitchFamily="18" charset="0"/>
+                <a:cs typeface="Times New Roman" panose="02020603050405020304" pitchFamily="18" charset="0"/>
               </a:rPr>
               <a:t> </a:t>
             </a:r>
@@ -14464,6 +15741,8 @@
                   <a:srgbClr val="000000"/>
                 </a:solidFill>
                 <a:latin typeface="Consolas" panose="020B0609020204030204" pitchFamily="49" charset="0"/>
+                <a:ea typeface="Times New Roman" panose="02020603050405020304" pitchFamily="18" charset="0"/>
+                <a:cs typeface="Times New Roman" panose="02020603050405020304" pitchFamily="18" charset="0"/>
               </a:rPr>
               <a:t>React.Component</a:t>
             </a:r>
@@ -14473,99 +15752,294 @@
                   <a:srgbClr val="000000"/>
                 </a:solidFill>
                 <a:latin typeface="Consolas" panose="020B0609020204030204" pitchFamily="49" charset="0"/>
+                <a:ea typeface="Times New Roman" panose="02020603050405020304" pitchFamily="18" charset="0"/>
+                <a:cs typeface="Times New Roman" panose="02020603050405020304" pitchFamily="18" charset="0"/>
               </a:rPr>
               <a:t> {</a:t>
             </a:r>
-          </a:p>
-          <a:p>
+            <a:endParaRPr lang="ru-RU" dirty="0">
+              <a:latin typeface="Calibri" panose="020F0502020204030204" pitchFamily="34" charset="0"/>
+              <a:ea typeface="Calibri" panose="020F0502020204030204" pitchFamily="34" charset="0"/>
+              <a:cs typeface="Times New Roman" panose="02020603050405020304" pitchFamily="18" charset="0"/>
+            </a:endParaRPr>
+          </a:p>
+          <a:p>
+            <a:pPr>
+              <a:spcAft>
+                <a:spcPts val="0"/>
+              </a:spcAft>
+            </a:pPr>
             <a:r>
               <a:rPr lang="en-US" dirty="0">
                 <a:solidFill>
                   <a:srgbClr val="000000"/>
                 </a:solidFill>
                 <a:latin typeface="Consolas" panose="020B0609020204030204" pitchFamily="49" charset="0"/>
-              </a:rPr>
-              <a:t/>
-            </a:r>
-            <a:br>
+                <a:ea typeface="Times New Roman" panose="02020603050405020304" pitchFamily="18" charset="0"/>
+                <a:cs typeface="Times New Roman" panose="02020603050405020304" pitchFamily="18" charset="0"/>
+              </a:rPr>
+              <a:t> </a:t>
+            </a:r>
+            <a:endParaRPr lang="ru-RU" dirty="0">
+              <a:latin typeface="Calibri" panose="020F0502020204030204" pitchFamily="34" charset="0"/>
+              <a:ea typeface="Calibri" panose="020F0502020204030204" pitchFamily="34" charset="0"/>
+              <a:cs typeface="Times New Roman" panose="02020603050405020304" pitchFamily="18" charset="0"/>
+            </a:endParaRPr>
+          </a:p>
+          <a:p>
+            <a:pPr>
+              <a:spcAft>
+                <a:spcPts val="0"/>
+              </a:spcAft>
+            </a:pPr>
+            <a:r>
               <a:rPr lang="en-US" dirty="0">
                 <a:solidFill>
+                  <a:srgbClr val="008000"/>
+                </a:solidFill>
+                <a:latin typeface="Consolas" panose="020B0609020204030204" pitchFamily="49" charset="0"/>
+                <a:ea typeface="Times New Roman" panose="02020603050405020304" pitchFamily="18" charset="0"/>
+                <a:cs typeface="Times New Roman" panose="02020603050405020304" pitchFamily="18" charset="0"/>
+              </a:rPr>
+              <a:t>    // ...</a:t>
+            </a:r>
+            <a:endParaRPr lang="ru-RU" dirty="0">
+              <a:latin typeface="Calibri" panose="020F0502020204030204" pitchFamily="34" charset="0"/>
+              <a:ea typeface="Calibri" panose="020F0502020204030204" pitchFamily="34" charset="0"/>
+              <a:cs typeface="Times New Roman" panose="02020603050405020304" pitchFamily="18" charset="0"/>
+            </a:endParaRPr>
+          </a:p>
+          <a:p>
+            <a:pPr>
+              <a:spcAft>
+                <a:spcPts val="0"/>
+              </a:spcAft>
+            </a:pPr>
+            <a:r>
+              <a:rPr lang="en-US" dirty="0">
+                <a:solidFill>
                   <a:srgbClr val="000000"/>
                 </a:solidFill>
                 <a:latin typeface="Consolas" panose="020B0609020204030204" pitchFamily="49" charset="0"/>
-              </a:rPr>
-            </a:br>
+                <a:ea typeface="Times New Roman" panose="02020603050405020304" pitchFamily="18" charset="0"/>
+                <a:cs typeface="Times New Roman" panose="02020603050405020304" pitchFamily="18" charset="0"/>
+              </a:rPr>
+              <a:t> </a:t>
+            </a:r>
+            <a:endParaRPr lang="ru-RU" dirty="0">
+              <a:latin typeface="Calibri" panose="020F0502020204030204" pitchFamily="34" charset="0"/>
+              <a:ea typeface="Calibri" panose="020F0502020204030204" pitchFamily="34" charset="0"/>
+              <a:cs typeface="Times New Roman" panose="02020603050405020304" pitchFamily="18" charset="0"/>
+            </a:endParaRPr>
+          </a:p>
+          <a:p>
+            <a:pPr>
+              <a:spcAft>
+                <a:spcPts val="0"/>
+              </a:spcAft>
+            </a:pPr>
             <a:r>
               <a:rPr lang="en-US" dirty="0">
                 <a:solidFill>
+                  <a:srgbClr val="000000"/>
+                </a:solidFill>
+                <a:latin typeface="Consolas" panose="020B0609020204030204" pitchFamily="49" charset="0"/>
+                <a:ea typeface="Times New Roman" panose="02020603050405020304" pitchFamily="18" charset="0"/>
+                <a:cs typeface="Times New Roman" panose="02020603050405020304" pitchFamily="18" charset="0"/>
+              </a:rPr>
+              <a:t>    render(): </a:t>
+            </a:r>
+            <a:r>
+              <a:rPr lang="en-US" dirty="0" err="1">
+                <a:solidFill>
+                  <a:srgbClr val="000000"/>
+                </a:solidFill>
+                <a:latin typeface="Consolas" panose="020B0609020204030204" pitchFamily="49" charset="0"/>
+                <a:ea typeface="Times New Roman" panose="02020603050405020304" pitchFamily="18" charset="0"/>
+                <a:cs typeface="Times New Roman" panose="02020603050405020304" pitchFamily="18" charset="0"/>
+              </a:rPr>
+              <a:t>React.Element</a:t>
+            </a:r>
+            <a:r>
+              <a:rPr lang="en-US" dirty="0">
+                <a:solidFill>
+                  <a:srgbClr val="000000"/>
+                </a:solidFill>
+                <a:latin typeface="Consolas" panose="020B0609020204030204" pitchFamily="49" charset="0"/>
+                <a:ea typeface="Times New Roman" panose="02020603050405020304" pitchFamily="18" charset="0"/>
+                <a:cs typeface="Times New Roman" panose="02020603050405020304" pitchFamily="18" charset="0"/>
+              </a:rPr>
+              <a:t>&lt;*&gt; {</a:t>
+            </a:r>
+            <a:endParaRPr lang="ru-RU" dirty="0">
+              <a:latin typeface="Calibri" panose="020F0502020204030204" pitchFamily="34" charset="0"/>
+              <a:ea typeface="Calibri" panose="020F0502020204030204" pitchFamily="34" charset="0"/>
+              <a:cs typeface="Times New Roman" panose="02020603050405020304" pitchFamily="18" charset="0"/>
+            </a:endParaRPr>
+          </a:p>
+          <a:p>
+            <a:pPr>
+              <a:spcAft>
+                <a:spcPts val="0"/>
+              </a:spcAft>
+            </a:pPr>
+            <a:r>
+              <a:rPr lang="en-US" dirty="0">
+                <a:solidFill>
                   <a:srgbClr val="008000"/>
                 </a:solidFill>
                 <a:latin typeface="Consolas" panose="020B0609020204030204" pitchFamily="49" charset="0"/>
-              </a:rPr>
-              <a:t>// ...</a:t>
-            </a:r>
-            <a:endParaRPr lang="en-US" dirty="0">
-              <a:solidFill>
-                <a:srgbClr val="000000"/>
-              </a:solidFill>
-              <a:latin typeface="Consolas" panose="020B0609020204030204" pitchFamily="49" charset="0"/>
+                <a:ea typeface="Times New Roman" panose="02020603050405020304" pitchFamily="18" charset="0"/>
+                <a:cs typeface="Times New Roman" panose="02020603050405020304" pitchFamily="18" charset="0"/>
+              </a:rPr>
+              <a:t>        // ...</a:t>
+            </a:r>
+            <a:endParaRPr lang="ru-RU" dirty="0">
+              <a:latin typeface="Calibri" panose="020F0502020204030204" pitchFamily="34" charset="0"/>
+              <a:ea typeface="Calibri" panose="020F0502020204030204" pitchFamily="34" charset="0"/>
+              <a:cs typeface="Times New Roman" panose="02020603050405020304" pitchFamily="18" charset="0"/>
             </a:endParaRPr>
           </a:p>
           <a:p>
+            <a:pPr>
+              <a:spcAft>
+                <a:spcPts val="0"/>
+              </a:spcAft>
+            </a:pPr>
             <a:r>
               <a:rPr lang="en-US" dirty="0">
                 <a:solidFill>
                   <a:srgbClr val="000000"/>
                 </a:solidFill>
                 <a:latin typeface="Consolas" panose="020B0609020204030204" pitchFamily="49" charset="0"/>
-              </a:rPr>
-              <a:t/>
-            </a:r>
-            <a:br>
+                <a:ea typeface="Times New Roman" panose="02020603050405020304" pitchFamily="18" charset="0"/>
+                <a:cs typeface="Times New Roman" panose="02020603050405020304" pitchFamily="18" charset="0"/>
+              </a:rPr>
+              <a:t>        </a:t>
+            </a:r>
+            <a:endParaRPr lang="ru-RU" dirty="0">
+              <a:latin typeface="Calibri" panose="020F0502020204030204" pitchFamily="34" charset="0"/>
+              <a:ea typeface="Calibri" panose="020F0502020204030204" pitchFamily="34" charset="0"/>
+              <a:cs typeface="Times New Roman" panose="02020603050405020304" pitchFamily="18" charset="0"/>
+            </a:endParaRPr>
+          </a:p>
+          <a:p>
+            <a:pPr>
+              <a:spcAft>
+                <a:spcPts val="0"/>
+              </a:spcAft>
+            </a:pPr>
+            <a:r>
               <a:rPr lang="en-US" dirty="0">
                 <a:solidFill>
+                  <a:srgbClr val="0000FF"/>
+                </a:solidFill>
+                <a:latin typeface="Consolas" panose="020B0609020204030204" pitchFamily="49" charset="0"/>
+                <a:ea typeface="Times New Roman" panose="02020603050405020304" pitchFamily="18" charset="0"/>
+                <a:cs typeface="Times New Roman" panose="02020603050405020304" pitchFamily="18" charset="0"/>
+              </a:rPr>
+              <a:t>        return</a:t>
+            </a:r>
+            <a:r>
+              <a:rPr lang="en-US" dirty="0">
+                <a:solidFill>
                   <a:srgbClr val="000000"/>
                 </a:solidFill>
                 <a:latin typeface="Consolas" panose="020B0609020204030204" pitchFamily="49" charset="0"/>
-              </a:rPr>
-            </a:br>
+                <a:ea typeface="Times New Roman" panose="02020603050405020304" pitchFamily="18" charset="0"/>
+                <a:cs typeface="Times New Roman" panose="02020603050405020304" pitchFamily="18" charset="0"/>
+              </a:rPr>
+              <a:t> (</a:t>
+            </a:r>
+            <a:endParaRPr lang="ru-RU" dirty="0">
+              <a:latin typeface="Calibri" panose="020F0502020204030204" pitchFamily="34" charset="0"/>
+              <a:ea typeface="Calibri" panose="020F0502020204030204" pitchFamily="34" charset="0"/>
+              <a:cs typeface="Times New Roman" panose="02020603050405020304" pitchFamily="18" charset="0"/>
+            </a:endParaRPr>
+          </a:p>
+          <a:p>
+            <a:pPr>
+              <a:spcAft>
+                <a:spcPts val="0"/>
+              </a:spcAft>
+            </a:pPr>
             <a:r>
               <a:rPr lang="en-US" dirty="0">
                 <a:solidFill>
                   <a:srgbClr val="000000"/>
                 </a:solidFill>
                 <a:latin typeface="Consolas" panose="020B0609020204030204" pitchFamily="49" charset="0"/>
-              </a:rPr>
-              <a:t>render(): </a:t>
-            </a:r>
-            <a:r>
-              <a:rPr lang="en-US" dirty="0" err="1">
+                <a:ea typeface="Times New Roman" panose="02020603050405020304" pitchFamily="18" charset="0"/>
+                <a:cs typeface="Times New Roman" panose="02020603050405020304" pitchFamily="18" charset="0"/>
+              </a:rPr>
+              <a:t>            </a:t>
+            </a:r>
+            <a:r>
+              <a:rPr lang="en-US" dirty="0">
+                <a:solidFill>
+                  <a:srgbClr val="800000"/>
+                </a:solidFill>
+                <a:latin typeface="Consolas" panose="020B0609020204030204" pitchFamily="49" charset="0"/>
+                <a:ea typeface="Times New Roman" panose="02020603050405020304" pitchFamily="18" charset="0"/>
+                <a:cs typeface="Times New Roman" panose="02020603050405020304" pitchFamily="18" charset="0"/>
+              </a:rPr>
+              <a:t>&lt;button&gt;</a:t>
+            </a:r>
+            <a:endParaRPr lang="ru-RU" dirty="0">
+              <a:latin typeface="Calibri" panose="020F0502020204030204" pitchFamily="34" charset="0"/>
+              <a:ea typeface="Calibri" panose="020F0502020204030204" pitchFamily="34" charset="0"/>
+              <a:cs typeface="Times New Roman" panose="02020603050405020304" pitchFamily="18" charset="0"/>
+            </a:endParaRPr>
+          </a:p>
+          <a:p>
+            <a:pPr>
+              <a:spcAft>
+                <a:spcPts val="0"/>
+              </a:spcAft>
+            </a:pPr>
+            <a:r>
+              <a:rPr lang="en-US" dirty="0">
                 <a:solidFill>
                   <a:srgbClr val="000000"/>
                 </a:solidFill>
                 <a:latin typeface="Consolas" panose="020B0609020204030204" pitchFamily="49" charset="0"/>
-              </a:rPr>
-              <a:t>React.Element</a:t>
+                <a:ea typeface="Times New Roman" panose="02020603050405020304" pitchFamily="18" charset="0"/>
+                <a:cs typeface="Times New Roman" panose="02020603050405020304" pitchFamily="18" charset="0"/>
+              </a:rPr>
+              <a:t>                </a:t>
             </a:r>
             <a:r>
               <a:rPr lang="en-US" dirty="0">
                 <a:solidFill>
+                  <a:srgbClr val="800000"/>
+                </a:solidFill>
+                <a:latin typeface="Consolas" panose="020B0609020204030204" pitchFamily="49" charset="0"/>
+                <a:ea typeface="Times New Roman" panose="02020603050405020304" pitchFamily="18" charset="0"/>
+                <a:cs typeface="Times New Roman" panose="02020603050405020304" pitchFamily="18" charset="0"/>
+              </a:rPr>
+              <a:t>&lt;Icon</a:t>
+            </a:r>
+            <a:r>
+              <a:rPr lang="en-US" dirty="0">
+                <a:solidFill>
                   <a:srgbClr val="000000"/>
                 </a:solidFill>
                 <a:latin typeface="Consolas" panose="020B0609020204030204" pitchFamily="49" charset="0"/>
-              </a:rPr>
-              <a:t>&lt;*&gt; {</a:t>
-            </a:r>
-          </a:p>
-          <a:p>
+                <a:ea typeface="Times New Roman" panose="02020603050405020304" pitchFamily="18" charset="0"/>
+                <a:cs typeface="Times New Roman" panose="02020603050405020304" pitchFamily="18" charset="0"/>
+              </a:rPr>
+              <a:t> </a:t>
+            </a:r>
             <a:r>
               <a:rPr lang="en-US" dirty="0">
                 <a:solidFill>
-                  <a:srgbClr val="0000FF"/>
-                </a:solidFill>
-                <a:latin typeface="Consolas" panose="020B0609020204030204" pitchFamily="49" charset="0"/>
-              </a:rPr>
-              <a:t>return</a:t>
+                  <a:srgbClr val="FF0000"/>
+                </a:solidFill>
+                <a:latin typeface="Consolas" panose="020B0609020204030204" pitchFamily="49" charset="0"/>
+                <a:ea typeface="Times New Roman" panose="02020603050405020304" pitchFamily="18" charset="0"/>
+                <a:cs typeface="Times New Roman" panose="02020603050405020304" pitchFamily="18" charset="0"/>
+              </a:rPr>
+              <a:t>icon</a:t>
             </a:r>
             <a:r>
               <a:rPr lang="en-US" dirty="0">
@@ -14573,122 +16047,164 @@
                   <a:srgbClr val="000000"/>
                 </a:solidFill>
                 <a:latin typeface="Consolas" panose="020B0609020204030204" pitchFamily="49" charset="0"/>
-              </a:rPr>
-              <a:t> (</a:t>
-            </a:r>
-          </a:p>
-          <a:p>
+                <a:ea typeface="Times New Roman" panose="02020603050405020304" pitchFamily="18" charset="0"/>
+                <a:cs typeface="Times New Roman" panose="02020603050405020304" pitchFamily="18" charset="0"/>
+              </a:rPr>
+              <a:t>={icon} </a:t>
+            </a:r>
             <a:r>
               <a:rPr lang="en-US" dirty="0">
                 <a:solidFill>
                   <a:srgbClr val="800000"/>
                 </a:solidFill>
                 <a:latin typeface="Consolas" panose="020B0609020204030204" pitchFamily="49" charset="0"/>
-              </a:rPr>
-              <a:t>&lt;button&gt;</a:t>
-            </a:r>
-            <a:endParaRPr lang="en-US" dirty="0">
-              <a:solidFill>
-                <a:srgbClr val="000000"/>
-              </a:solidFill>
-              <a:latin typeface="Consolas" panose="020B0609020204030204" pitchFamily="49" charset="0"/>
+                <a:ea typeface="Times New Roman" panose="02020603050405020304" pitchFamily="18" charset="0"/>
+                <a:cs typeface="Times New Roman" panose="02020603050405020304" pitchFamily="18" charset="0"/>
+              </a:rPr>
+              <a:t>/&gt;</a:t>
+            </a:r>
+            <a:endParaRPr lang="ru-RU" dirty="0">
+              <a:latin typeface="Calibri" panose="020F0502020204030204" pitchFamily="34" charset="0"/>
+              <a:ea typeface="Calibri" panose="020F0502020204030204" pitchFamily="34" charset="0"/>
+              <a:cs typeface="Times New Roman" panose="02020603050405020304" pitchFamily="18" charset="0"/>
             </a:endParaRPr>
           </a:p>
           <a:p>
+            <a:pPr>
+              <a:spcAft>
+                <a:spcPts val="0"/>
+              </a:spcAft>
+            </a:pPr>
             <a:r>
               <a:rPr lang="en-US" dirty="0">
                 <a:solidFill>
+                  <a:srgbClr val="000000"/>
+                </a:solidFill>
+                <a:latin typeface="Consolas" panose="020B0609020204030204" pitchFamily="49" charset="0"/>
+                <a:ea typeface="Times New Roman" panose="02020603050405020304" pitchFamily="18" charset="0"/>
+                <a:cs typeface="Times New Roman" panose="02020603050405020304" pitchFamily="18" charset="0"/>
+              </a:rPr>
+              <a:t>                {text}</a:t>
+            </a:r>
+            <a:endParaRPr lang="ru-RU" dirty="0">
+              <a:latin typeface="Calibri" panose="020F0502020204030204" pitchFamily="34" charset="0"/>
+              <a:ea typeface="Calibri" panose="020F0502020204030204" pitchFamily="34" charset="0"/>
+              <a:cs typeface="Times New Roman" panose="02020603050405020304" pitchFamily="18" charset="0"/>
+            </a:endParaRPr>
+          </a:p>
+          <a:p>
+            <a:pPr>
+              <a:spcAft>
+                <a:spcPts val="0"/>
+              </a:spcAft>
+            </a:pPr>
+            <a:r>
+              <a:rPr lang="en-US" dirty="0">
+                <a:solidFill>
+                  <a:srgbClr val="000000"/>
+                </a:solidFill>
+                <a:latin typeface="Consolas" panose="020B0609020204030204" pitchFamily="49" charset="0"/>
+                <a:ea typeface="Times New Roman" panose="02020603050405020304" pitchFamily="18" charset="0"/>
+                <a:cs typeface="Times New Roman" panose="02020603050405020304" pitchFamily="18" charset="0"/>
+              </a:rPr>
+              <a:t>            </a:t>
+            </a:r>
+            <a:r>
+              <a:rPr lang="en-US" dirty="0">
+                <a:solidFill>
                   <a:srgbClr val="800000"/>
                 </a:solidFill>
                 <a:latin typeface="Consolas" panose="020B0609020204030204" pitchFamily="49" charset="0"/>
-              </a:rPr>
-              <a:t>&lt;Icon</a:t>
-            </a:r>
+                <a:ea typeface="Times New Roman" panose="02020603050405020304" pitchFamily="18" charset="0"/>
+                <a:cs typeface="Times New Roman" panose="02020603050405020304" pitchFamily="18" charset="0"/>
+              </a:rPr>
+              <a:t>&lt;/button&gt;</a:t>
+            </a:r>
+            <a:endParaRPr lang="ru-RU" dirty="0">
+              <a:latin typeface="Calibri" panose="020F0502020204030204" pitchFamily="34" charset="0"/>
+              <a:ea typeface="Calibri" panose="020F0502020204030204" pitchFamily="34" charset="0"/>
+              <a:cs typeface="Times New Roman" panose="02020603050405020304" pitchFamily="18" charset="0"/>
+            </a:endParaRPr>
+          </a:p>
+          <a:p>
+            <a:pPr>
+              <a:spcAft>
+                <a:spcPts val="0"/>
+              </a:spcAft>
+            </a:pPr>
             <a:r>
               <a:rPr lang="en-US" dirty="0">
                 <a:solidFill>
                   <a:srgbClr val="000000"/>
                 </a:solidFill>
                 <a:latin typeface="Consolas" panose="020B0609020204030204" pitchFamily="49" charset="0"/>
-              </a:rPr>
-              <a:t> </a:t>
-            </a:r>
-            <a:r>
-              <a:rPr lang="en-US" dirty="0">
-                <a:solidFill>
-                  <a:srgbClr val="800000"/>
-                </a:solidFill>
-                <a:latin typeface="Consolas" panose="020B0609020204030204" pitchFamily="49" charset="0"/>
-              </a:rPr>
-              <a:t>/&gt;</a:t>
-            </a:r>
-            <a:endParaRPr lang="en-US" dirty="0">
-              <a:solidFill>
-                <a:srgbClr val="000000"/>
-              </a:solidFill>
-              <a:latin typeface="Consolas" panose="020B0609020204030204" pitchFamily="49" charset="0"/>
+                <a:ea typeface="Times New Roman" panose="02020603050405020304" pitchFamily="18" charset="0"/>
+                <a:cs typeface="Times New Roman" panose="02020603050405020304" pitchFamily="18" charset="0"/>
+              </a:rPr>
+              <a:t>        </a:t>
+            </a:r>
+            <a:r>
+              <a:rPr lang="ru-RU" dirty="0">
+                <a:solidFill>
+                  <a:srgbClr val="000000"/>
+                </a:solidFill>
+                <a:latin typeface="Consolas" panose="020B0609020204030204" pitchFamily="49" charset="0"/>
+                <a:ea typeface="Times New Roman" panose="02020603050405020304" pitchFamily="18" charset="0"/>
+                <a:cs typeface="Times New Roman" panose="02020603050405020304" pitchFamily="18" charset="0"/>
+              </a:rPr>
+              <a:t>);</a:t>
+            </a:r>
+            <a:endParaRPr lang="ru-RU" dirty="0">
+              <a:latin typeface="Calibri" panose="020F0502020204030204" pitchFamily="34" charset="0"/>
+              <a:ea typeface="Calibri" panose="020F0502020204030204" pitchFamily="34" charset="0"/>
+              <a:cs typeface="Times New Roman" panose="02020603050405020304" pitchFamily="18" charset="0"/>
             </a:endParaRPr>
           </a:p>
           <a:p>
-            <a:r>
-              <a:rPr lang="en-US" dirty="0">
+            <a:pPr>
+              <a:spcAft>
+                <a:spcPts val="0"/>
+              </a:spcAft>
+            </a:pPr>
+            <a:r>
+              <a:rPr lang="ru-RU" dirty="0">
                 <a:solidFill>
                   <a:srgbClr val="000000"/>
                 </a:solidFill>
                 <a:latin typeface="Consolas" panose="020B0609020204030204" pitchFamily="49" charset="0"/>
-              </a:rPr>
-              <a:t>{text}</a:t>
-            </a:r>
-          </a:p>
-          <a:p>
-            <a:r>
-              <a:rPr lang="en-US" dirty="0">
-                <a:solidFill>
-                  <a:srgbClr val="800000"/>
-                </a:solidFill>
-                <a:latin typeface="Consolas" panose="020B0609020204030204" pitchFamily="49" charset="0"/>
-              </a:rPr>
-              <a:t>&lt;/button&gt;</a:t>
-            </a:r>
-            <a:endParaRPr lang="en-US" dirty="0">
-              <a:solidFill>
-                <a:srgbClr val="000000"/>
-              </a:solidFill>
-              <a:latin typeface="Consolas" panose="020B0609020204030204" pitchFamily="49" charset="0"/>
+                <a:ea typeface="Times New Roman" panose="02020603050405020304" pitchFamily="18" charset="0"/>
+                <a:cs typeface="Times New Roman" panose="02020603050405020304" pitchFamily="18" charset="0"/>
+              </a:rPr>
+              <a:t>    }</a:t>
+            </a:r>
+            <a:endParaRPr lang="ru-RU" dirty="0">
+              <a:latin typeface="Calibri" panose="020F0502020204030204" pitchFamily="34" charset="0"/>
+              <a:ea typeface="Calibri" panose="020F0502020204030204" pitchFamily="34" charset="0"/>
+              <a:cs typeface="Times New Roman" panose="02020603050405020304" pitchFamily="18" charset="0"/>
             </a:endParaRPr>
           </a:p>
           <a:p>
-            <a:r>
-              <a:rPr lang="en-US" dirty="0">
+            <a:pPr>
+              <a:spcAft>
+                <a:spcPts val="0"/>
+              </a:spcAft>
+            </a:pPr>
+            <a:r>
+              <a:rPr lang="ru-RU" dirty="0" smtClean="0">
                 <a:solidFill>
                   <a:srgbClr val="000000"/>
                 </a:solidFill>
                 <a:latin typeface="Consolas" panose="020B0609020204030204" pitchFamily="49" charset="0"/>
-              </a:rPr>
-              <a:t>);</a:t>
-            </a:r>
-          </a:p>
-          <a:p>
-            <a:r>
-              <a:rPr lang="en-US" dirty="0">
-                <a:solidFill>
-                  <a:srgbClr val="000000"/>
-                </a:solidFill>
-                <a:latin typeface="Consolas" panose="020B0609020204030204" pitchFamily="49" charset="0"/>
+                <a:ea typeface="Times New Roman" panose="02020603050405020304" pitchFamily="18" charset="0"/>
+                <a:cs typeface="Times New Roman" panose="02020603050405020304" pitchFamily="18" charset="0"/>
               </a:rPr>
               <a:t>}</a:t>
             </a:r>
-          </a:p>
-          <a:p>
-            <a:r>
-              <a:rPr lang="en-US" dirty="0">
-                <a:solidFill>
-                  <a:srgbClr val="000000"/>
-                </a:solidFill>
-                <a:latin typeface="Consolas" panose="020B0609020204030204" pitchFamily="49" charset="0"/>
-              </a:rPr>
-              <a:t>}</a:t>
-            </a:r>
+            <a:endParaRPr lang="ru-RU" dirty="0">
+              <a:latin typeface="Calibri" panose="020F0502020204030204" pitchFamily="34" charset="0"/>
+              <a:ea typeface="Calibri" panose="020F0502020204030204" pitchFamily="34" charset="0"/>
+              <a:cs typeface="Times New Roman" panose="02020603050405020304" pitchFamily="18" charset="0"/>
+            </a:endParaRPr>
           </a:p>
         </p:txBody>
       </p:sp>

--- a/Slides/Backend vs Frontend.pptx
+++ b/Slides/Backend vs Frontend.pptx
@@ -21,15 +21,17 @@
     <p:sldId id="277" r:id="rId15"/>
     <p:sldId id="279" r:id="rId16"/>
     <p:sldId id="273" r:id="rId17"/>
-    <p:sldId id="275" r:id="rId18"/>
-    <p:sldId id="285" r:id="rId19"/>
-    <p:sldId id="264" r:id="rId20"/>
-    <p:sldId id="265" r:id="rId21"/>
+    <p:sldId id="289" r:id="rId18"/>
+    <p:sldId id="264" r:id="rId19"/>
+    <p:sldId id="265" r:id="rId20"/>
+    <p:sldId id="290" r:id="rId21"/>
     <p:sldId id="266" r:id="rId22"/>
-    <p:sldId id="267" r:id="rId23"/>
-    <p:sldId id="286" r:id="rId24"/>
-    <p:sldId id="287" r:id="rId25"/>
-    <p:sldId id="269" r:id="rId26"/>
+    <p:sldId id="291" r:id="rId23"/>
+    <p:sldId id="267" r:id="rId24"/>
+    <p:sldId id="286" r:id="rId25"/>
+    <p:sldId id="287" r:id="rId26"/>
+    <p:sldId id="293" r:id="rId27"/>
+    <p:sldId id="292" r:id="rId28"/>
   </p:sldIdLst>
   <p:sldSz cx="9144000" cy="6858000" type="screen4x3"/>
   <p:notesSz cx="6858000" cy="9144000"/>
@@ -149,15 +151,17 @@
             <p14:sldId id="277"/>
             <p14:sldId id="279"/>
             <p14:sldId id="273"/>
-            <p14:sldId id="275"/>
-            <p14:sldId id="285"/>
+            <p14:sldId id="289"/>
             <p14:sldId id="264"/>
             <p14:sldId id="265"/>
+            <p14:sldId id="290"/>
             <p14:sldId id="266"/>
+            <p14:sldId id="291"/>
             <p14:sldId id="267"/>
             <p14:sldId id="286"/>
             <p14:sldId id="287"/>
-            <p14:sldId id="269"/>
+            <p14:sldId id="293"/>
+            <p14:sldId id="292"/>
           </p14:sldIdLst>
         </p14:section>
       </p14:sectionLst>
@@ -6502,7 +6506,7 @@
           <a:p>
             <a:fld id="{931D4ECC-E286-4793-8C40-70ADFF0C5741}" type="datetimeFigureOut">
               <a:rPr lang="ru-RU" smtClean="0"/>
-              <a:t>05.06.2017</a:t>
+              <a:t>14.06.2017</a:t>
             </a:fld>
             <a:endParaRPr lang="ru-RU"/>
           </a:p>
@@ -9041,11 +9045,7 @@
           <a:p>
             <a:r>
               <a:rPr lang="en-US" sz="2400" dirty="0" smtClean="0"/>
-              <a:t>Fi</a:t>
-            </a:r>
-            <a:r>
-              <a:rPr lang="en-US" sz="2400" dirty="0" smtClean="0"/>
-              <a:t>ll</a:t>
+              <a:t>Fill</a:t>
             </a:r>
             <a:endParaRPr lang="ru-RU" sz="2400" dirty="0" smtClean="0"/>
           </a:p>
@@ -10164,7 +10164,49 @@
       </p:grpSpPr>
       <p:sp>
         <p:nvSpPr>
-          <p:cNvPr id="3" name="Текст 2"/>
+          <p:cNvPr id="4" name="Заголовок 3"/>
+          <p:cNvSpPr>
+            <a:spLocks noGrp="1"/>
+          </p:cNvSpPr>
+          <p:nvPr>
+            <p:ph type="title"/>
+          </p:nvPr>
+        </p:nvSpPr>
+        <p:spPr/>
+        <p:txBody>
+          <a:bodyPr/>
+          <a:lstStyle/>
+          <a:p>
+            <a:r>
+              <a:rPr lang="ru-RU" dirty="0" smtClean="0"/>
+              <a:t>Верстка – </a:t>
+            </a:r>
+            <a:r>
+              <a:rPr lang="en-US" dirty="0" smtClean="0"/>
+              <a:t/>
+            </a:r>
+            <a:br>
+              <a:rPr lang="en-US" dirty="0" smtClean="0"/>
+            </a:br>
+            <a:r>
+              <a:rPr lang="ru-RU" dirty="0" smtClean="0"/>
+              <a:t>только часть фронтенд</a:t>
+            </a:r>
+            <a:r>
+              <a:rPr lang="ru-RU" dirty="0"/>
+              <a:t>-</a:t>
+            </a:r>
+            <a:r>
+              <a:rPr lang="ru-RU" dirty="0" smtClean="0"/>
+              <a:t>разработки</a:t>
+            </a:r>
+            <a:endParaRPr lang="ru-RU" dirty="0"/>
+          </a:p>
+        </p:txBody>
+      </p:sp>
+      <p:sp>
+        <p:nvSpPr>
+          <p:cNvPr id="7" name="Текст 6"/>
           <p:cNvSpPr>
             <a:spLocks noGrp="1"/>
           </p:cNvSpPr>
@@ -10177,43 +10219,7 @@
           <a:bodyPr/>
           <a:lstStyle/>
           <a:p>
-            <a:endParaRPr lang="ru-RU" dirty="0"/>
-          </a:p>
-        </p:txBody>
-      </p:sp>
-      <p:sp>
-        <p:nvSpPr>
-          <p:cNvPr id="4" name="Заголовок 3"/>
-          <p:cNvSpPr>
-            <a:spLocks noGrp="1"/>
-          </p:cNvSpPr>
-          <p:nvPr>
-            <p:ph type="title"/>
-          </p:nvPr>
-        </p:nvSpPr>
-        <p:spPr>
-          <a:xfrm>
-            <a:off x="819151" y="764704"/>
-            <a:ext cx="3482822" cy="5328592"/>
-          </a:xfrm>
-        </p:spPr>
-        <p:txBody>
-          <a:bodyPr/>
-          <a:lstStyle/>
-          <a:p>
-            <a:r>
-              <a:rPr lang="ru-RU" dirty="0" smtClean="0"/>
-              <a:t>Верстка – только часть фронтенд</a:t>
-            </a:r>
-            <a:r>
-              <a:rPr lang="ru-RU" dirty="0"/>
-              <a:t>-</a:t>
-            </a:r>
-            <a:r>
-              <a:rPr lang="ru-RU" dirty="0" smtClean="0"/>
-              <a:t>разработки</a:t>
-            </a:r>
-            <a:endParaRPr lang="ru-RU" dirty="0"/>
+            <a:endParaRPr lang="ru-RU"/>
           </a:p>
         </p:txBody>
       </p:sp>
@@ -10225,7 +10231,7 @@
         </p:nvSpPr>
         <p:spPr>
           <a:xfrm>
-            <a:off x="4806797" y="1266824"/>
+            <a:off x="2365521" y="758543"/>
             <a:ext cx="4067175" cy="4067175"/>
           </a:xfrm>
           <a:prstGeom prst="ellipse">
@@ -10273,7 +10279,7 @@
         </p:nvSpPr>
         <p:spPr>
           <a:xfrm>
-            <a:off x="6025997" y="3587596"/>
+            <a:off x="3584721" y="3079315"/>
             <a:ext cx="1632104" cy="1632104"/>
           </a:xfrm>
           <a:prstGeom prst="ellipse">
@@ -10316,7 +10322,7 @@
           <a:lstStyle/>
           <a:p>
             <a:pPr algn="ctr"/>
-            <a:endParaRPr lang="ru-RU"/>
+            <a:endParaRPr lang="ru-RU" dirty="0"/>
           </a:p>
         </p:txBody>
       </p:sp>
@@ -10341,7 +10347,7 @@
 </file>
 
 <file path=ppt/slides/slide17.xml><?xml version="1.0" encoding="utf-8"?>
-<p:sld xmlns:a="http://schemas.openxmlformats.org/drawingml/2006/main" xmlns:r="http://schemas.openxmlformats.org/officeDocument/2006/relationships" xmlns:p="http://schemas.openxmlformats.org/presentationml/2006/main" show="0">
+<p:sld xmlns:a="http://schemas.openxmlformats.org/drawingml/2006/main" xmlns:r="http://schemas.openxmlformats.org/officeDocument/2006/relationships" xmlns:p="http://schemas.openxmlformats.org/presentationml/2006/main">
   <p:cSld>
     <p:spTree>
       <p:nvGrpSpPr>
@@ -10359,7 +10365,30 @@
       </p:grpSpPr>
       <p:sp>
         <p:nvSpPr>
-          <p:cNvPr id="3" name="Текст 2"/>
+          <p:cNvPr id="5" name="Заголовок 4"/>
+          <p:cNvSpPr>
+            <a:spLocks noGrp="1"/>
+          </p:cNvSpPr>
+          <p:nvPr>
+            <p:ph type="title"/>
+          </p:nvPr>
+        </p:nvSpPr>
+        <p:spPr/>
+        <p:txBody>
+          <a:bodyPr/>
+          <a:lstStyle/>
+          <a:p>
+            <a:r>
+              <a:rPr lang="ru-RU" dirty="0" smtClean="0"/>
+              <a:t>Фокус на поведении</a:t>
+            </a:r>
+            <a:endParaRPr lang="ru-RU" dirty="0"/>
+          </a:p>
+        </p:txBody>
+      </p:sp>
+      <p:sp>
+        <p:nvSpPr>
+          <p:cNvPr id="7" name="Текст 6"/>
           <p:cNvSpPr>
             <a:spLocks noGrp="1"/>
           </p:cNvSpPr>
@@ -10372,795 +10401,13 @@
           <a:bodyPr/>
           <a:lstStyle/>
           <a:p>
-            <a:endParaRPr lang="ru-RU" dirty="0"/>
+            <a:endParaRPr lang="ru-RU"/>
           </a:p>
         </p:txBody>
       </p:sp>
-      <p:sp>
-        <p:nvSpPr>
-          <p:cNvPr id="4" name="Заголовок 3"/>
-          <p:cNvSpPr>
-            <a:spLocks noGrp="1"/>
-          </p:cNvSpPr>
-          <p:nvPr>
-            <p:ph type="title"/>
-          </p:nvPr>
-        </p:nvSpPr>
-        <p:spPr/>
-        <p:txBody>
-          <a:bodyPr/>
-          <a:lstStyle/>
-          <a:p>
-            <a:r>
-              <a:rPr lang="ru-RU" dirty="0" smtClean="0"/>
-              <a:t>Бизнес фокус</a:t>
-            </a:r>
-            <a:br>
-              <a:rPr lang="ru-RU" dirty="0" smtClean="0"/>
-            </a:br>
-            <a:r>
-              <a:rPr lang="ru-RU" dirty="0" smtClean="0"/>
-              <a:t/>
-            </a:r>
-            <a:br>
-              <a:rPr lang="ru-RU" dirty="0" smtClean="0"/>
-            </a:br>
-            <a:r>
-              <a:rPr lang="ru-RU" dirty="0" err="1" smtClean="0"/>
-              <a:t>Вертски</a:t>
-            </a:r>
-            <a:r>
-              <a:rPr lang="ru-RU" dirty="0" smtClean="0"/>
-              <a:t> намного меньше</a:t>
-            </a:r>
-            <a:endParaRPr lang="ru-RU" dirty="0"/>
-          </a:p>
-        </p:txBody>
-      </p:sp>
-      <p:grpSp>
-        <p:nvGrpSpPr>
-          <p:cNvPr id="5" name="Группа 4"/>
-          <p:cNvGrpSpPr/>
-          <p:nvPr/>
-        </p:nvGrpSpPr>
-        <p:grpSpPr>
-          <a:xfrm>
-            <a:off x="-3601556" y="128052"/>
-            <a:ext cx="10071627" cy="6795135"/>
-            <a:chOff x="-1604512" y="-299742"/>
-            <a:chExt cx="10998678" cy="7420598"/>
-          </a:xfrm>
-        </p:grpSpPr>
-        <p:sp>
-          <p:nvSpPr>
-            <p:cNvPr id="6" name="Овал 5"/>
-            <p:cNvSpPr/>
-            <p:nvPr/>
-          </p:nvSpPr>
-          <p:spPr>
-            <a:xfrm>
-              <a:off x="-1604512" y="-299742"/>
-              <a:ext cx="7470474" cy="7420598"/>
-            </a:xfrm>
-            <a:prstGeom prst="ellipse">
-              <a:avLst/>
-            </a:prstGeom>
-            <a:noFill/>
-            <a:ln w="28575" cap="flat" cmpd="sng" algn="ctr">
-              <a:solidFill>
-                <a:schemeClr val="accent1"/>
-              </a:solidFill>
-              <a:prstDash val="solid"/>
-              <a:round/>
-              <a:headEnd type="none" w="med" len="med"/>
-              <a:tailEnd type="none" w="med" len="med"/>
-            </a:ln>
-          </p:spPr>
-          <p:style>
-            <a:lnRef idx="0">
-              <a:scrgbClr r="0" g="0" b="0"/>
-            </a:lnRef>
-            <a:fillRef idx="0">
-              <a:scrgbClr r="0" g="0" b="0"/>
-            </a:fillRef>
-            <a:effectRef idx="0">
-              <a:scrgbClr r="0" g="0" b="0"/>
-            </a:effectRef>
-            <a:fontRef idx="minor">
-              <a:schemeClr val="accent1"/>
-            </a:fontRef>
-          </p:style>
-          <p:txBody>
-            <a:bodyPr rtlCol="0" anchor="ctr"/>
-            <a:lstStyle/>
-            <a:p>
-              <a:pPr algn="ctr"/>
-              <a:endParaRPr lang="ru-RU">
-                <a:ln w="19050">
-                  <a:solidFill>
-                    <a:schemeClr val="tx1"/>
-                  </a:solidFill>
-                </a:ln>
-              </a:endParaRPr>
-            </a:p>
-          </p:txBody>
-        </p:sp>
-        <p:sp>
-          <p:nvSpPr>
-            <p:cNvPr id="7" name="Овал 6"/>
-            <p:cNvSpPr/>
-            <p:nvPr/>
-          </p:nvSpPr>
-          <p:spPr>
-            <a:xfrm>
-              <a:off x="3691140" y="349807"/>
-              <a:ext cx="5703026" cy="5808855"/>
-            </a:xfrm>
-            <a:prstGeom prst="ellipse">
-              <a:avLst/>
-            </a:prstGeom>
-            <a:noFill/>
-            <a:ln w="28575" cap="flat" cmpd="sng" algn="ctr">
-              <a:solidFill>
-                <a:schemeClr val="accent1"/>
-              </a:solidFill>
-              <a:prstDash val="solid"/>
-              <a:round/>
-              <a:headEnd type="none" w="med" len="med"/>
-              <a:tailEnd type="none" w="med" len="med"/>
-            </a:ln>
-          </p:spPr>
-          <p:style>
-            <a:lnRef idx="0">
-              <a:scrgbClr r="0" g="0" b="0"/>
-            </a:lnRef>
-            <a:fillRef idx="0">
-              <a:scrgbClr r="0" g="0" b="0"/>
-            </a:fillRef>
-            <a:effectRef idx="0">
-              <a:scrgbClr r="0" g="0" b="0"/>
-            </a:effectRef>
-            <a:fontRef idx="minor">
-              <a:schemeClr val="accent1"/>
-            </a:fontRef>
-          </p:style>
-          <p:txBody>
-            <a:bodyPr rtlCol="0" anchor="ctr"/>
-            <a:lstStyle/>
-            <a:p>
-              <a:pPr algn="ctr"/>
-              <a:endParaRPr lang="ru-RU">
-                <a:ln w="19050">
-                  <a:solidFill>
-                    <a:schemeClr val="tx1"/>
-                  </a:solidFill>
-                </a:ln>
-              </a:endParaRPr>
-            </a:p>
-          </p:txBody>
-        </p:sp>
-        <p:sp>
-          <p:nvSpPr>
-            <p:cNvPr id="8" name="Полилиния 7"/>
-            <p:cNvSpPr/>
-            <p:nvPr/>
-          </p:nvSpPr>
-          <p:spPr>
-            <a:xfrm>
-              <a:off x="3824288" y="4014787"/>
-              <a:ext cx="1971680" cy="1690687"/>
-            </a:xfrm>
-            <a:custGeom>
-              <a:avLst/>
-              <a:gdLst>
-                <a:gd name="connsiteX0" fmla="*/ 1225265 w 2023630"/>
-                <a:gd name="connsiteY0" fmla="*/ 1854768 h 1854894"/>
-                <a:gd name="connsiteX1" fmla="*/ 10828 w 2023630"/>
-                <a:gd name="connsiteY1" fmla="*/ 254568 h 1854894"/>
-                <a:gd name="connsiteX2" fmla="*/ 1982503 w 2023630"/>
-                <a:gd name="connsiteY2" fmla="*/ 164081 h 1854894"/>
-                <a:gd name="connsiteX3" fmla="*/ 1225265 w 2023630"/>
-                <a:gd name="connsiteY3" fmla="*/ 1854768 h 1854894"/>
-                <a:gd name="connsiteX0" fmla="*/ 1225265 w 2037163"/>
-                <a:gd name="connsiteY0" fmla="*/ 1858783 h 1858909"/>
-                <a:gd name="connsiteX1" fmla="*/ 10828 w 2037163"/>
-                <a:gd name="connsiteY1" fmla="*/ 258583 h 1858909"/>
-                <a:gd name="connsiteX2" fmla="*/ 1982503 w 2037163"/>
-                <a:gd name="connsiteY2" fmla="*/ 168096 h 1858909"/>
-                <a:gd name="connsiteX3" fmla="*/ 1225265 w 2037163"/>
-                <a:gd name="connsiteY3" fmla="*/ 1858783 h 1858909"/>
-                <a:gd name="connsiteX0" fmla="*/ 1225265 w 1982624"/>
-                <a:gd name="connsiteY0" fmla="*/ 1876980 h 1877106"/>
-                <a:gd name="connsiteX1" fmla="*/ 10828 w 1982624"/>
-                <a:gd name="connsiteY1" fmla="*/ 276780 h 1877106"/>
-                <a:gd name="connsiteX2" fmla="*/ 1982503 w 1982624"/>
-                <a:gd name="connsiteY2" fmla="*/ 186293 h 1877106"/>
-                <a:gd name="connsiteX3" fmla="*/ 1225265 w 1982624"/>
-                <a:gd name="connsiteY3" fmla="*/ 1876980 h 1877106"/>
-                <a:gd name="connsiteX0" fmla="*/ 1225265 w 2045846"/>
-                <a:gd name="connsiteY0" fmla="*/ 1838568 h 1838694"/>
-                <a:gd name="connsiteX1" fmla="*/ 10828 w 2045846"/>
-                <a:gd name="connsiteY1" fmla="*/ 238368 h 1838694"/>
-                <a:gd name="connsiteX2" fmla="*/ 1982503 w 2045846"/>
-                <a:gd name="connsiteY2" fmla="*/ 147881 h 1838694"/>
-                <a:gd name="connsiteX3" fmla="*/ 1225265 w 2045846"/>
-                <a:gd name="connsiteY3" fmla="*/ 1838568 h 1838694"/>
-                <a:gd name="connsiteX0" fmla="*/ 1225265 w 1982507"/>
-                <a:gd name="connsiteY0" fmla="*/ 1838568 h 1838694"/>
-                <a:gd name="connsiteX1" fmla="*/ 10828 w 1982507"/>
-                <a:gd name="connsiteY1" fmla="*/ 238368 h 1838694"/>
-                <a:gd name="connsiteX2" fmla="*/ 1982503 w 1982507"/>
-                <a:gd name="connsiteY2" fmla="*/ 147881 h 1838694"/>
-                <a:gd name="connsiteX3" fmla="*/ 1225265 w 1982507"/>
-                <a:gd name="connsiteY3" fmla="*/ 1838568 h 1838694"/>
-                <a:gd name="connsiteX0" fmla="*/ 1225265 w 1982507"/>
-                <a:gd name="connsiteY0" fmla="*/ 1705846 h 1705972"/>
-                <a:gd name="connsiteX1" fmla="*/ 10828 w 1982507"/>
-                <a:gd name="connsiteY1" fmla="*/ 105646 h 1705972"/>
-                <a:gd name="connsiteX2" fmla="*/ 1982503 w 1982507"/>
-                <a:gd name="connsiteY2" fmla="*/ 15159 h 1705972"/>
-                <a:gd name="connsiteX3" fmla="*/ 1225265 w 1982507"/>
-                <a:gd name="connsiteY3" fmla="*/ 1705846 h 1705972"/>
-                <a:gd name="connsiteX0" fmla="*/ 1225265 w 1982507"/>
-                <a:gd name="connsiteY0" fmla="*/ 1690687 h 1690813"/>
-                <a:gd name="connsiteX1" fmla="*/ 10828 w 1982507"/>
-                <a:gd name="connsiteY1" fmla="*/ 90487 h 1690813"/>
-                <a:gd name="connsiteX2" fmla="*/ 1982503 w 1982507"/>
-                <a:gd name="connsiteY2" fmla="*/ 0 h 1690813"/>
-                <a:gd name="connsiteX3" fmla="*/ 1225265 w 1982507"/>
-                <a:gd name="connsiteY3" fmla="*/ 1690687 h 1690813"/>
-                <a:gd name="connsiteX0" fmla="*/ 1214437 w 1971679"/>
-                <a:gd name="connsiteY0" fmla="*/ 1690687 h 1690867"/>
-                <a:gd name="connsiteX1" fmla="*/ 0 w 1971679"/>
-                <a:gd name="connsiteY1" fmla="*/ 90487 h 1690867"/>
-                <a:gd name="connsiteX2" fmla="*/ 1971675 w 1971679"/>
-                <a:gd name="connsiteY2" fmla="*/ 0 h 1690867"/>
-                <a:gd name="connsiteX3" fmla="*/ 1214437 w 1971679"/>
-                <a:gd name="connsiteY3" fmla="*/ 1690687 h 1690867"/>
-                <a:gd name="connsiteX0" fmla="*/ 1214437 w 1971680"/>
-                <a:gd name="connsiteY0" fmla="*/ 1690687 h 1690867"/>
-                <a:gd name="connsiteX1" fmla="*/ 0 w 1971680"/>
-                <a:gd name="connsiteY1" fmla="*/ 90487 h 1690867"/>
-                <a:gd name="connsiteX2" fmla="*/ 1971675 w 1971680"/>
-                <a:gd name="connsiteY2" fmla="*/ 0 h 1690867"/>
-                <a:gd name="connsiteX3" fmla="*/ 1214437 w 1971680"/>
-                <a:gd name="connsiteY3" fmla="*/ 1690687 h 1690867"/>
-                <a:gd name="connsiteX0" fmla="*/ 1214437 w 1971680"/>
-                <a:gd name="connsiteY0" fmla="*/ 1690687 h 1690687"/>
-                <a:gd name="connsiteX1" fmla="*/ 0 w 1971680"/>
-                <a:gd name="connsiteY1" fmla="*/ 90487 h 1690687"/>
-                <a:gd name="connsiteX2" fmla="*/ 1971675 w 1971680"/>
-                <a:gd name="connsiteY2" fmla="*/ 0 h 1690687"/>
-                <a:gd name="connsiteX3" fmla="*/ 1214437 w 1971680"/>
-                <a:gd name="connsiteY3" fmla="*/ 1690687 h 1690687"/>
-              </a:gdLst>
-              <a:ahLst/>
-              <a:cxnLst>
-                <a:cxn ang="0">
-                  <a:pos x="connsiteX0" y="connsiteY0"/>
-                </a:cxn>
-                <a:cxn ang="0">
-                  <a:pos x="connsiteX1" y="connsiteY1"/>
-                </a:cxn>
-                <a:cxn ang="0">
-                  <a:pos x="connsiteX2" y="connsiteY2"/>
-                </a:cxn>
-                <a:cxn ang="0">
-                  <a:pos x="connsiteX3" y="connsiteY3"/>
-                </a:cxn>
-              </a:cxnLst>
-              <a:rect l="l" t="t" r="r" b="b"/>
-              <a:pathLst>
-                <a:path w="1971680" h="1690687">
-                  <a:moveTo>
-                    <a:pt x="1214437" y="1690687"/>
-                  </a:moveTo>
-                  <a:cubicBezTo>
-                    <a:pt x="695324" y="1417637"/>
-                    <a:pt x="173831" y="772318"/>
-                    <a:pt x="0" y="90487"/>
-                  </a:cubicBezTo>
-                  <a:cubicBezTo>
-                    <a:pt x="288131" y="134937"/>
-                    <a:pt x="1608175" y="203069"/>
-                    <a:pt x="1971675" y="0"/>
-                  </a:cubicBezTo>
-                  <a:cubicBezTo>
-                    <a:pt x="1973262" y="381000"/>
-                    <a:pt x="1621631" y="1306513"/>
-                    <a:pt x="1214437" y="1690687"/>
-                  </a:cubicBezTo>
-                  <a:close/>
-                </a:path>
-              </a:pathLst>
-            </a:custGeom>
-            <a:pattFill prst="wdUpDiag">
-              <a:fgClr>
-                <a:schemeClr val="accent1"/>
-              </a:fgClr>
-              <a:bgClr>
-                <a:schemeClr val="bg1"/>
-              </a:bgClr>
-            </a:pattFill>
-            <a:ln>
-              <a:solidFill>
-                <a:schemeClr val="accent1"/>
-              </a:solidFill>
-              <a:headEnd type="none" w="med" len="med"/>
-              <a:tailEnd type="none" w="med" len="med"/>
-            </a:ln>
-          </p:spPr>
-          <p:style>
-            <a:lnRef idx="2">
-              <a:schemeClr val="accent1"/>
-            </a:lnRef>
-            <a:fillRef idx="1">
-              <a:schemeClr val="lt1"/>
-            </a:fillRef>
-            <a:effectRef idx="0">
-              <a:schemeClr val="accent1"/>
-            </a:effectRef>
-            <a:fontRef idx="minor">
-              <a:schemeClr val="dk1"/>
-            </a:fontRef>
-          </p:style>
-          <p:txBody>
-            <a:bodyPr rtlCol="0" anchor="ctr"/>
-            <a:lstStyle/>
-            <a:p>
-              <a:pPr algn="ctr"/>
-              <a:endParaRPr lang="ru-RU"/>
-            </a:p>
-          </p:txBody>
-        </p:sp>
-        <p:sp>
-          <p:nvSpPr>
-            <p:cNvPr id="9" name="Полилиния 8"/>
-            <p:cNvSpPr/>
-            <p:nvPr/>
-          </p:nvSpPr>
-          <p:spPr>
-            <a:xfrm>
-              <a:off x="3694625" y="2652770"/>
-              <a:ext cx="2171337" cy="1495939"/>
-            </a:xfrm>
-            <a:custGeom>
-              <a:avLst/>
-              <a:gdLst>
-                <a:gd name="connsiteX0" fmla="*/ 322239 w 2589234"/>
-                <a:gd name="connsiteY0" fmla="*/ 1200008 h 1295048"/>
-                <a:gd name="connsiteX1" fmla="*/ 2305820 w 2589234"/>
-                <a:gd name="connsiteY1" fmla="*/ 1121426 h 1295048"/>
-                <a:gd name="connsiteX2" fmla="*/ 2353445 w 2589234"/>
-                <a:gd name="connsiteY2" fmla="*/ 118920 h 1295048"/>
-                <a:gd name="connsiteX3" fmla="*/ 207939 w 2589234"/>
-                <a:gd name="connsiteY3" fmla="*/ 137970 h 1295048"/>
-                <a:gd name="connsiteX4" fmla="*/ 322239 w 2589234"/>
-                <a:gd name="connsiteY4" fmla="*/ 1200008 h 1295048"/>
-                <a:gd name="connsiteX0" fmla="*/ 316377 w 2540431"/>
-                <a:gd name="connsiteY0" fmla="*/ 1221257 h 1317918"/>
-                <a:gd name="connsiteX1" fmla="*/ 2299958 w 2540431"/>
-                <a:gd name="connsiteY1" fmla="*/ 1142675 h 1317918"/>
-                <a:gd name="connsiteX2" fmla="*/ 2273764 w 2540431"/>
-                <a:gd name="connsiteY2" fmla="*/ 106720 h 1317918"/>
-                <a:gd name="connsiteX3" fmla="*/ 202077 w 2540431"/>
-                <a:gd name="connsiteY3" fmla="*/ 159219 h 1317918"/>
-                <a:gd name="connsiteX4" fmla="*/ 316377 w 2540431"/>
-                <a:gd name="connsiteY4" fmla="*/ 1221257 h 1317918"/>
-                <a:gd name="connsiteX0" fmla="*/ 316377 w 2485906"/>
-                <a:gd name="connsiteY0" fmla="*/ 1221257 h 1317919"/>
-                <a:gd name="connsiteX1" fmla="*/ 2299958 w 2485906"/>
-                <a:gd name="connsiteY1" fmla="*/ 1142675 h 1317919"/>
-                <a:gd name="connsiteX2" fmla="*/ 2273764 w 2485906"/>
-                <a:gd name="connsiteY2" fmla="*/ 106720 h 1317919"/>
-                <a:gd name="connsiteX3" fmla="*/ 202077 w 2485906"/>
-                <a:gd name="connsiteY3" fmla="*/ 159219 h 1317919"/>
-                <a:gd name="connsiteX4" fmla="*/ 316377 w 2485906"/>
-                <a:gd name="connsiteY4" fmla="*/ 1221257 h 1317919"/>
-                <a:gd name="connsiteX0" fmla="*/ 316377 w 2485906"/>
-                <a:gd name="connsiteY0" fmla="*/ 1145138 h 1241800"/>
-                <a:gd name="connsiteX1" fmla="*/ 2299958 w 2485906"/>
-                <a:gd name="connsiteY1" fmla="*/ 1066556 h 1241800"/>
-                <a:gd name="connsiteX2" fmla="*/ 2273764 w 2485906"/>
-                <a:gd name="connsiteY2" fmla="*/ 30601 h 1241800"/>
-                <a:gd name="connsiteX3" fmla="*/ 202077 w 2485906"/>
-                <a:gd name="connsiteY3" fmla="*/ 83100 h 1241800"/>
-                <a:gd name="connsiteX4" fmla="*/ 316377 w 2485906"/>
-                <a:gd name="connsiteY4" fmla="*/ 1145138 h 1241800"/>
-                <a:gd name="connsiteX0" fmla="*/ 316377 w 2485906"/>
-                <a:gd name="connsiteY0" fmla="*/ 1114537 h 1211199"/>
-                <a:gd name="connsiteX1" fmla="*/ 2299958 w 2485906"/>
-                <a:gd name="connsiteY1" fmla="*/ 1035955 h 1211199"/>
-                <a:gd name="connsiteX2" fmla="*/ 2273764 w 2485906"/>
-                <a:gd name="connsiteY2" fmla="*/ 0 h 1211199"/>
-                <a:gd name="connsiteX3" fmla="*/ 202077 w 2485906"/>
-                <a:gd name="connsiteY3" fmla="*/ 52499 h 1211199"/>
-                <a:gd name="connsiteX4" fmla="*/ 316377 w 2485906"/>
-                <a:gd name="connsiteY4" fmla="*/ 1114537 h 1211199"/>
-                <a:gd name="connsiteX0" fmla="*/ 200177 w 2369706"/>
-                <a:gd name="connsiteY0" fmla="*/ 1114537 h 1211199"/>
-                <a:gd name="connsiteX1" fmla="*/ 2183758 w 2369706"/>
-                <a:gd name="connsiteY1" fmla="*/ 1035955 h 1211199"/>
-                <a:gd name="connsiteX2" fmla="*/ 2157564 w 2369706"/>
-                <a:gd name="connsiteY2" fmla="*/ 0 h 1211199"/>
-                <a:gd name="connsiteX3" fmla="*/ 85877 w 2369706"/>
-                <a:gd name="connsiteY3" fmla="*/ 52499 h 1211199"/>
-                <a:gd name="connsiteX4" fmla="*/ 200177 w 2369706"/>
-                <a:gd name="connsiteY4" fmla="*/ 1114537 h 1211199"/>
-                <a:gd name="connsiteX0" fmla="*/ 150318 w 2319847"/>
-                <a:gd name="connsiteY0" fmla="*/ 1114537 h 1211199"/>
-                <a:gd name="connsiteX1" fmla="*/ 2133899 w 2319847"/>
-                <a:gd name="connsiteY1" fmla="*/ 1035955 h 1211199"/>
-                <a:gd name="connsiteX2" fmla="*/ 2107705 w 2319847"/>
-                <a:gd name="connsiteY2" fmla="*/ 0 h 1211199"/>
-                <a:gd name="connsiteX3" fmla="*/ 36018 w 2319847"/>
-                <a:gd name="connsiteY3" fmla="*/ 52499 h 1211199"/>
-                <a:gd name="connsiteX4" fmla="*/ 150318 w 2319847"/>
-                <a:gd name="connsiteY4" fmla="*/ 1114537 h 1211199"/>
-                <a:gd name="connsiteX0" fmla="*/ 150318 w 2319847"/>
-                <a:gd name="connsiteY0" fmla="*/ 1114537 h 1168467"/>
-                <a:gd name="connsiteX1" fmla="*/ 2133899 w 2319847"/>
-                <a:gd name="connsiteY1" fmla="*/ 1035955 h 1168467"/>
-                <a:gd name="connsiteX2" fmla="*/ 2107705 w 2319847"/>
-                <a:gd name="connsiteY2" fmla="*/ 0 h 1168467"/>
-                <a:gd name="connsiteX3" fmla="*/ 36018 w 2319847"/>
-                <a:gd name="connsiteY3" fmla="*/ 52499 h 1168467"/>
-                <a:gd name="connsiteX4" fmla="*/ 150318 w 2319847"/>
-                <a:gd name="connsiteY4" fmla="*/ 1114537 h 1168467"/>
-                <a:gd name="connsiteX0" fmla="*/ 150318 w 2249344"/>
-                <a:gd name="connsiteY0" fmla="*/ 1114537 h 1168467"/>
-                <a:gd name="connsiteX1" fmla="*/ 2133899 w 2249344"/>
-                <a:gd name="connsiteY1" fmla="*/ 1035955 h 1168467"/>
-                <a:gd name="connsiteX2" fmla="*/ 2107705 w 2249344"/>
-                <a:gd name="connsiteY2" fmla="*/ 0 h 1168467"/>
-                <a:gd name="connsiteX3" fmla="*/ 36018 w 2249344"/>
-                <a:gd name="connsiteY3" fmla="*/ 52499 h 1168467"/>
-                <a:gd name="connsiteX4" fmla="*/ 150318 w 2249344"/>
-                <a:gd name="connsiteY4" fmla="*/ 1114537 h 1168467"/>
-                <a:gd name="connsiteX0" fmla="*/ 150318 w 2249344"/>
-                <a:gd name="connsiteY0" fmla="*/ 1114537 h 1147276"/>
-                <a:gd name="connsiteX1" fmla="*/ 2133899 w 2249344"/>
-                <a:gd name="connsiteY1" fmla="*/ 1035955 h 1147276"/>
-                <a:gd name="connsiteX2" fmla="*/ 2107705 w 2249344"/>
-                <a:gd name="connsiteY2" fmla="*/ 0 h 1147276"/>
-                <a:gd name="connsiteX3" fmla="*/ 36018 w 2249344"/>
-                <a:gd name="connsiteY3" fmla="*/ 52499 h 1147276"/>
-                <a:gd name="connsiteX4" fmla="*/ 150318 w 2249344"/>
-                <a:gd name="connsiteY4" fmla="*/ 1114537 h 1147276"/>
-                <a:gd name="connsiteX0" fmla="*/ 150318 w 2249344"/>
-                <a:gd name="connsiteY0" fmla="*/ 1114537 h 1160609"/>
-                <a:gd name="connsiteX1" fmla="*/ 2133899 w 2249344"/>
-                <a:gd name="connsiteY1" fmla="*/ 1073120 h 1160609"/>
-                <a:gd name="connsiteX2" fmla="*/ 2107705 w 2249344"/>
-                <a:gd name="connsiteY2" fmla="*/ 0 h 1160609"/>
-                <a:gd name="connsiteX3" fmla="*/ 36018 w 2249344"/>
-                <a:gd name="connsiteY3" fmla="*/ 52499 h 1160609"/>
-                <a:gd name="connsiteX4" fmla="*/ 150318 w 2249344"/>
-                <a:gd name="connsiteY4" fmla="*/ 1114537 h 1160609"/>
-                <a:gd name="connsiteX0" fmla="*/ 143954 w 2254886"/>
-                <a:gd name="connsiteY0" fmla="*/ 1134978 h 1173021"/>
-                <a:gd name="connsiteX1" fmla="*/ 2139441 w 2254886"/>
-                <a:gd name="connsiteY1" fmla="*/ 1073120 h 1173021"/>
-                <a:gd name="connsiteX2" fmla="*/ 2113247 w 2254886"/>
-                <a:gd name="connsiteY2" fmla="*/ 0 h 1173021"/>
-                <a:gd name="connsiteX3" fmla="*/ 41560 w 2254886"/>
-                <a:gd name="connsiteY3" fmla="*/ 52499 h 1173021"/>
-                <a:gd name="connsiteX4" fmla="*/ 143954 w 2254886"/>
-                <a:gd name="connsiteY4" fmla="*/ 1134978 h 1173021"/>
-                <a:gd name="connsiteX0" fmla="*/ 122863 w 2233795"/>
-                <a:gd name="connsiteY0" fmla="*/ 1134978 h 1173021"/>
-                <a:gd name="connsiteX1" fmla="*/ 2118350 w 2233795"/>
-                <a:gd name="connsiteY1" fmla="*/ 1073120 h 1173021"/>
-                <a:gd name="connsiteX2" fmla="*/ 2092156 w 2233795"/>
-                <a:gd name="connsiteY2" fmla="*/ 0 h 1173021"/>
-                <a:gd name="connsiteX3" fmla="*/ 20469 w 2233795"/>
-                <a:gd name="connsiteY3" fmla="*/ 52499 h 1173021"/>
-                <a:gd name="connsiteX4" fmla="*/ 122863 w 2233795"/>
-                <a:gd name="connsiteY4" fmla="*/ 1134978 h 1173021"/>
-                <a:gd name="connsiteX0" fmla="*/ 109615 w 2220547"/>
-                <a:gd name="connsiteY0" fmla="*/ 1134978 h 1173021"/>
-                <a:gd name="connsiteX1" fmla="*/ 2105102 w 2220547"/>
-                <a:gd name="connsiteY1" fmla="*/ 1073120 h 1173021"/>
-                <a:gd name="connsiteX2" fmla="*/ 2078908 w 2220547"/>
-                <a:gd name="connsiteY2" fmla="*/ 0 h 1173021"/>
-                <a:gd name="connsiteX3" fmla="*/ 28653 w 2220547"/>
-                <a:gd name="connsiteY3" fmla="*/ 52499 h 1173021"/>
-                <a:gd name="connsiteX4" fmla="*/ 109615 w 2220547"/>
-                <a:gd name="connsiteY4" fmla="*/ 1134978 h 1173021"/>
-                <a:gd name="connsiteX0" fmla="*/ 123464 w 2234396"/>
-                <a:gd name="connsiteY0" fmla="*/ 1134978 h 1173021"/>
-                <a:gd name="connsiteX1" fmla="*/ 2118951 w 2234396"/>
-                <a:gd name="connsiteY1" fmla="*/ 1073120 h 1173021"/>
-                <a:gd name="connsiteX2" fmla="*/ 2092757 w 2234396"/>
-                <a:gd name="connsiteY2" fmla="*/ 0 h 1173021"/>
-                <a:gd name="connsiteX3" fmla="*/ 42502 w 2234396"/>
-                <a:gd name="connsiteY3" fmla="*/ 52499 h 1173021"/>
-                <a:gd name="connsiteX4" fmla="*/ 123464 w 2234396"/>
-                <a:gd name="connsiteY4" fmla="*/ 1134978 h 1173021"/>
-                <a:gd name="connsiteX0" fmla="*/ 123464 w 2234396"/>
-                <a:gd name="connsiteY0" fmla="*/ 1134978 h 1173021"/>
-                <a:gd name="connsiteX1" fmla="*/ 2118951 w 2234396"/>
-                <a:gd name="connsiteY1" fmla="*/ 1073120 h 1173021"/>
-                <a:gd name="connsiteX2" fmla="*/ 2092757 w 2234396"/>
-                <a:gd name="connsiteY2" fmla="*/ 0 h 1173021"/>
-                <a:gd name="connsiteX3" fmla="*/ 42502 w 2234396"/>
-                <a:gd name="connsiteY3" fmla="*/ 52499 h 1173021"/>
-                <a:gd name="connsiteX4" fmla="*/ 123464 w 2234396"/>
-                <a:gd name="connsiteY4" fmla="*/ 1134978 h 1173021"/>
-                <a:gd name="connsiteX0" fmla="*/ 123464 w 2234396"/>
-                <a:gd name="connsiteY0" fmla="*/ 1134978 h 1173021"/>
-                <a:gd name="connsiteX1" fmla="*/ 2118951 w 2234396"/>
-                <a:gd name="connsiteY1" fmla="*/ 1073120 h 1173021"/>
-                <a:gd name="connsiteX2" fmla="*/ 2092757 w 2234396"/>
-                <a:gd name="connsiteY2" fmla="*/ 0 h 1173021"/>
-                <a:gd name="connsiteX3" fmla="*/ 42502 w 2234396"/>
-                <a:gd name="connsiteY3" fmla="*/ 52499 h 1173021"/>
-                <a:gd name="connsiteX4" fmla="*/ 123464 w 2234396"/>
-                <a:gd name="connsiteY4" fmla="*/ 1134978 h 1173021"/>
-                <a:gd name="connsiteX0" fmla="*/ 123464 w 2234396"/>
-                <a:gd name="connsiteY0" fmla="*/ 1134978 h 1173021"/>
-                <a:gd name="connsiteX1" fmla="*/ 2118951 w 2234396"/>
-                <a:gd name="connsiteY1" fmla="*/ 1073120 h 1173021"/>
-                <a:gd name="connsiteX2" fmla="*/ 2092757 w 2234396"/>
-                <a:gd name="connsiteY2" fmla="*/ 0 h 1173021"/>
-                <a:gd name="connsiteX3" fmla="*/ 42502 w 2234396"/>
-                <a:gd name="connsiteY3" fmla="*/ 52499 h 1173021"/>
-                <a:gd name="connsiteX4" fmla="*/ 123464 w 2234396"/>
-                <a:gd name="connsiteY4" fmla="*/ 1134978 h 1173021"/>
-                <a:gd name="connsiteX0" fmla="*/ 123464 w 2234396"/>
-                <a:gd name="connsiteY0" fmla="*/ 1134978 h 1173021"/>
-                <a:gd name="connsiteX1" fmla="*/ 2118951 w 2234396"/>
-                <a:gd name="connsiteY1" fmla="*/ 1073120 h 1173021"/>
-                <a:gd name="connsiteX2" fmla="*/ 2092757 w 2234396"/>
-                <a:gd name="connsiteY2" fmla="*/ 0 h 1173021"/>
-                <a:gd name="connsiteX3" fmla="*/ 42502 w 2234396"/>
-                <a:gd name="connsiteY3" fmla="*/ 52499 h 1173021"/>
-                <a:gd name="connsiteX4" fmla="*/ 123464 w 2234396"/>
-                <a:gd name="connsiteY4" fmla="*/ 1134978 h 1173021"/>
-                <a:gd name="connsiteX0" fmla="*/ 123464 w 2234396"/>
-                <a:gd name="connsiteY0" fmla="*/ 1134978 h 1173021"/>
-                <a:gd name="connsiteX1" fmla="*/ 2118951 w 2234396"/>
-                <a:gd name="connsiteY1" fmla="*/ 1073120 h 1173021"/>
-                <a:gd name="connsiteX2" fmla="*/ 2092757 w 2234396"/>
-                <a:gd name="connsiteY2" fmla="*/ 0 h 1173021"/>
-                <a:gd name="connsiteX3" fmla="*/ 42502 w 2234396"/>
-                <a:gd name="connsiteY3" fmla="*/ 52499 h 1173021"/>
-                <a:gd name="connsiteX4" fmla="*/ 123464 w 2234396"/>
-                <a:gd name="connsiteY4" fmla="*/ 1134978 h 1173021"/>
-                <a:gd name="connsiteX0" fmla="*/ 123464 w 2234396"/>
-                <a:gd name="connsiteY0" fmla="*/ 1134978 h 1173021"/>
-                <a:gd name="connsiteX1" fmla="*/ 2118951 w 2234396"/>
-                <a:gd name="connsiteY1" fmla="*/ 1073120 h 1173021"/>
-                <a:gd name="connsiteX2" fmla="*/ 2092757 w 2234396"/>
-                <a:gd name="connsiteY2" fmla="*/ 0 h 1173021"/>
-                <a:gd name="connsiteX3" fmla="*/ 42502 w 2234396"/>
-                <a:gd name="connsiteY3" fmla="*/ 52499 h 1173021"/>
-                <a:gd name="connsiteX4" fmla="*/ 123464 w 2234396"/>
-                <a:gd name="connsiteY4" fmla="*/ 1134978 h 1173021"/>
-                <a:gd name="connsiteX0" fmla="*/ 123464 w 2234396"/>
-                <a:gd name="connsiteY0" fmla="*/ 1143021 h 1181064"/>
-                <a:gd name="connsiteX1" fmla="*/ 2118951 w 2234396"/>
-                <a:gd name="connsiteY1" fmla="*/ 1081163 h 1181064"/>
-                <a:gd name="connsiteX2" fmla="*/ 2092757 w 2234396"/>
-                <a:gd name="connsiteY2" fmla="*/ 8043 h 1181064"/>
-                <a:gd name="connsiteX3" fmla="*/ 42502 w 2234396"/>
-                <a:gd name="connsiteY3" fmla="*/ 60542 h 1181064"/>
-                <a:gd name="connsiteX4" fmla="*/ 123464 w 2234396"/>
-                <a:gd name="connsiteY4" fmla="*/ 1143021 h 1181064"/>
-                <a:gd name="connsiteX0" fmla="*/ 123464 w 2234396"/>
-                <a:gd name="connsiteY0" fmla="*/ 1144603 h 1182646"/>
-                <a:gd name="connsiteX1" fmla="*/ 2118951 w 2234396"/>
-                <a:gd name="connsiteY1" fmla="*/ 1082745 h 1182646"/>
-                <a:gd name="connsiteX2" fmla="*/ 2092757 w 2234396"/>
-                <a:gd name="connsiteY2" fmla="*/ 9625 h 1182646"/>
-                <a:gd name="connsiteX3" fmla="*/ 42502 w 2234396"/>
-                <a:gd name="connsiteY3" fmla="*/ 62124 h 1182646"/>
-                <a:gd name="connsiteX4" fmla="*/ 123464 w 2234396"/>
-                <a:gd name="connsiteY4" fmla="*/ 1144603 h 1182646"/>
-                <a:gd name="connsiteX0" fmla="*/ 123464 w 2209540"/>
-                <a:gd name="connsiteY0" fmla="*/ 1144603 h 1182646"/>
-                <a:gd name="connsiteX1" fmla="*/ 2118951 w 2209540"/>
-                <a:gd name="connsiteY1" fmla="*/ 1082745 h 1182646"/>
-                <a:gd name="connsiteX2" fmla="*/ 2092757 w 2209540"/>
-                <a:gd name="connsiteY2" fmla="*/ 9625 h 1182646"/>
-                <a:gd name="connsiteX3" fmla="*/ 42502 w 2209540"/>
-                <a:gd name="connsiteY3" fmla="*/ 62124 h 1182646"/>
-                <a:gd name="connsiteX4" fmla="*/ 123464 w 2209540"/>
-                <a:gd name="connsiteY4" fmla="*/ 1144603 h 1182646"/>
-                <a:gd name="connsiteX0" fmla="*/ 123464 w 2188657"/>
-                <a:gd name="connsiteY0" fmla="*/ 1144603 h 1182646"/>
-                <a:gd name="connsiteX1" fmla="*/ 2118951 w 2188657"/>
-                <a:gd name="connsiteY1" fmla="*/ 1082745 h 1182646"/>
-                <a:gd name="connsiteX2" fmla="*/ 2092757 w 2188657"/>
-                <a:gd name="connsiteY2" fmla="*/ 9625 h 1182646"/>
-                <a:gd name="connsiteX3" fmla="*/ 42502 w 2188657"/>
-                <a:gd name="connsiteY3" fmla="*/ 62124 h 1182646"/>
-                <a:gd name="connsiteX4" fmla="*/ 123464 w 2188657"/>
-                <a:gd name="connsiteY4" fmla="*/ 1144603 h 1182646"/>
-                <a:gd name="connsiteX0" fmla="*/ 123464 w 2177249"/>
-                <a:gd name="connsiteY0" fmla="*/ 1144603 h 1182646"/>
-                <a:gd name="connsiteX1" fmla="*/ 2118951 w 2177249"/>
-                <a:gd name="connsiteY1" fmla="*/ 1082745 h 1182646"/>
-                <a:gd name="connsiteX2" fmla="*/ 2092757 w 2177249"/>
-                <a:gd name="connsiteY2" fmla="*/ 9625 h 1182646"/>
-                <a:gd name="connsiteX3" fmla="*/ 42502 w 2177249"/>
-                <a:gd name="connsiteY3" fmla="*/ 62124 h 1182646"/>
-                <a:gd name="connsiteX4" fmla="*/ 123464 w 2177249"/>
-                <a:gd name="connsiteY4" fmla="*/ 1144603 h 1182646"/>
-                <a:gd name="connsiteX0" fmla="*/ 123464 w 2174709"/>
-                <a:gd name="connsiteY0" fmla="*/ 1144603 h 1182646"/>
-                <a:gd name="connsiteX1" fmla="*/ 2118951 w 2174709"/>
-                <a:gd name="connsiteY1" fmla="*/ 1082745 h 1182646"/>
-                <a:gd name="connsiteX2" fmla="*/ 2092757 w 2174709"/>
-                <a:gd name="connsiteY2" fmla="*/ 9625 h 1182646"/>
-                <a:gd name="connsiteX3" fmla="*/ 42502 w 2174709"/>
-                <a:gd name="connsiteY3" fmla="*/ 62124 h 1182646"/>
-                <a:gd name="connsiteX4" fmla="*/ 123464 w 2174709"/>
-                <a:gd name="connsiteY4" fmla="*/ 1144603 h 1182646"/>
-                <a:gd name="connsiteX0" fmla="*/ 117756 w 2169001"/>
-                <a:gd name="connsiteY0" fmla="*/ 1144603 h 1182646"/>
-                <a:gd name="connsiteX1" fmla="*/ 2113243 w 2169001"/>
-                <a:gd name="connsiteY1" fmla="*/ 1082745 h 1182646"/>
-                <a:gd name="connsiteX2" fmla="*/ 2087049 w 2169001"/>
-                <a:gd name="connsiteY2" fmla="*/ 9625 h 1182646"/>
-                <a:gd name="connsiteX3" fmla="*/ 46319 w 2169001"/>
-                <a:gd name="connsiteY3" fmla="*/ 62124 h 1182646"/>
-                <a:gd name="connsiteX4" fmla="*/ 117756 w 2169001"/>
-                <a:gd name="connsiteY4" fmla="*/ 1144603 h 1182646"/>
-                <a:gd name="connsiteX0" fmla="*/ 117756 w 2169001"/>
-                <a:gd name="connsiteY0" fmla="*/ 1144603 h 1182646"/>
-                <a:gd name="connsiteX1" fmla="*/ 2113243 w 2169001"/>
-                <a:gd name="connsiteY1" fmla="*/ 1082745 h 1182646"/>
-                <a:gd name="connsiteX2" fmla="*/ 2087049 w 2169001"/>
-                <a:gd name="connsiteY2" fmla="*/ 9625 h 1182646"/>
-                <a:gd name="connsiteX3" fmla="*/ 46319 w 2169001"/>
-                <a:gd name="connsiteY3" fmla="*/ 62124 h 1182646"/>
-                <a:gd name="connsiteX4" fmla="*/ 117756 w 2169001"/>
-                <a:gd name="connsiteY4" fmla="*/ 1144603 h 1182646"/>
-                <a:gd name="connsiteX0" fmla="*/ 117756 w 2171973"/>
-                <a:gd name="connsiteY0" fmla="*/ 1129349 h 1167392"/>
-                <a:gd name="connsiteX1" fmla="*/ 2113243 w 2171973"/>
-                <a:gd name="connsiteY1" fmla="*/ 1067491 h 1167392"/>
-                <a:gd name="connsiteX2" fmla="*/ 2093399 w 2171973"/>
-                <a:gd name="connsiteY2" fmla="*/ 14193 h 1167392"/>
-                <a:gd name="connsiteX3" fmla="*/ 46319 w 2171973"/>
-                <a:gd name="connsiteY3" fmla="*/ 46870 h 1167392"/>
-                <a:gd name="connsiteX4" fmla="*/ 117756 w 2171973"/>
-                <a:gd name="connsiteY4" fmla="*/ 1129349 h 1167392"/>
-              </a:gdLst>
-              <a:ahLst/>
-              <a:cxnLst>
-                <a:cxn ang="0">
-                  <a:pos x="connsiteX0" y="connsiteY0"/>
-                </a:cxn>
-                <a:cxn ang="0">
-                  <a:pos x="connsiteX1" y="connsiteY1"/>
-                </a:cxn>
-                <a:cxn ang="0">
-                  <a:pos x="connsiteX2" y="connsiteY2"/>
-                </a:cxn>
-                <a:cxn ang="0">
-                  <a:pos x="connsiteX3" y="connsiteY3"/>
-                </a:cxn>
-                <a:cxn ang="0">
-                  <a:pos x="connsiteX4" y="connsiteY4"/>
-                </a:cxn>
-              </a:cxnLst>
-              <a:rect l="l" t="t" r="r" b="b"/>
-              <a:pathLst>
-                <a:path w="2171973" h="1167392">
-                  <a:moveTo>
-                    <a:pt x="117756" y="1129349"/>
-                  </a:moveTo>
-                  <a:cubicBezTo>
-                    <a:pt x="605516" y="1191053"/>
-                    <a:pt x="1691762" y="1182633"/>
-                    <a:pt x="2113243" y="1067491"/>
-                  </a:cubicBezTo>
-                  <a:cubicBezTo>
-                    <a:pt x="2189443" y="838996"/>
-                    <a:pt x="2200159" y="291456"/>
-                    <a:pt x="2093399" y="14193"/>
-                  </a:cubicBezTo>
-                  <a:cubicBezTo>
-                    <a:pt x="1916394" y="-11047"/>
-                    <a:pt x="301112" y="-4078"/>
-                    <a:pt x="46319" y="46870"/>
-                  </a:cubicBezTo>
-                  <a:cubicBezTo>
-                    <a:pt x="-13212" y="416595"/>
-                    <a:pt x="-39010" y="714574"/>
-                    <a:pt x="117756" y="1129349"/>
-                  </a:cubicBezTo>
-                  <a:close/>
-                </a:path>
-              </a:pathLst>
-            </a:custGeom>
-            <a:pattFill prst="wdDnDiag">
-              <a:fgClr>
-                <a:schemeClr val="accent1"/>
-              </a:fgClr>
-              <a:bgClr>
-                <a:schemeClr val="bg1"/>
-              </a:bgClr>
-            </a:pattFill>
-            <a:ln>
-              <a:headEnd type="none" w="med" len="med"/>
-              <a:tailEnd type="none" w="med" len="med"/>
-            </a:ln>
-          </p:spPr>
-          <p:style>
-            <a:lnRef idx="2">
-              <a:schemeClr val="accent1"/>
-            </a:lnRef>
-            <a:fillRef idx="1">
-              <a:schemeClr val="lt1"/>
-            </a:fillRef>
-            <a:effectRef idx="0">
-              <a:schemeClr val="accent1"/>
-            </a:effectRef>
-            <a:fontRef idx="minor">
-              <a:schemeClr val="dk1"/>
-            </a:fontRef>
-          </p:style>
-          <p:txBody>
-            <a:bodyPr rtlCol="0" anchor="ctr"/>
-            <a:lstStyle/>
-            <a:p>
-              <a:pPr algn="ctr"/>
-              <a:endParaRPr lang="ru-RU"/>
-            </a:p>
-          </p:txBody>
-        </p:sp>
-      </p:grpSp>
-    </p:spTree>
-    <p:extLst>
-      <p:ext uri="{BB962C8B-B14F-4D97-AF65-F5344CB8AC3E}">
-        <p14:creationId xmlns:p14="http://schemas.microsoft.com/office/powerpoint/2010/main" val="891472281"/>
-      </p:ext>
-    </p:extLst>
-  </p:cSld>
-  <p:clrMapOvr>
-    <a:masterClrMapping/>
-  </p:clrMapOvr>
-  <mc:AlternateContent xmlns:mc="http://schemas.openxmlformats.org/markup-compatibility/2006">
-    <mc:Choice xmlns:p14="http://schemas.microsoft.com/office/powerpoint/2010/main" Requires="p14">
-      <p:transition spd="slow" p14:dur="2000"/>
-    </mc:Choice>
-    <mc:Fallback>
-      <p:transition spd="slow"/>
-    </mc:Fallback>
-  </mc:AlternateContent>
-  <p:timing>
-    <p:tnLst>
-      <p:par>
-        <p:cTn id="1" dur="indefinite" restart="never" nodeType="tmRoot"/>
-      </p:par>
-    </p:tnLst>
-  </p:timing>
-</p:sld>
-</file>
-
-<file path=ppt/slides/slide18.xml><?xml version="1.0" encoding="utf-8"?>
-<p:sld xmlns:a="http://schemas.openxmlformats.org/drawingml/2006/main" xmlns:r="http://schemas.openxmlformats.org/officeDocument/2006/relationships" xmlns:p="http://schemas.openxmlformats.org/presentationml/2006/main">
-  <p:cSld>
-    <p:spTree>
-      <p:nvGrpSpPr>
-        <p:cNvPr id="1" name=""/>
-        <p:cNvGrpSpPr/>
-        <p:nvPr/>
-      </p:nvGrpSpPr>
-      <p:grpSpPr>
-        <a:xfrm>
-          <a:off x="0" y="0"/>
-          <a:ext cx="0" cy="0"/>
-          <a:chOff x="0" y="0"/>
-          <a:chExt cx="0" cy="0"/>
-        </a:xfrm>
-      </p:grpSpPr>
       <p:pic>
         <p:nvPicPr>
-          <p:cNvPr id="2" name="Рисунок 1"/>
+          <p:cNvPr id="10" name="Рисунок 9"/>
           <p:cNvPicPr>
             <a:picLocks noChangeAspect="1"/>
           </p:cNvPicPr>
@@ -11180,89 +10427,28 @@
         </p:blipFill>
         <p:spPr>
           <a:xfrm>
-            <a:off x="-160436" y="-313265"/>
-            <a:ext cx="8761510" cy="7484529"/>
+            <a:off x="-103517" y="0"/>
+            <a:ext cx="9351034" cy="5259957"/>
           </a:xfrm>
           <a:prstGeom prst="rect">
             <a:avLst/>
           </a:prstGeom>
         </p:spPr>
       </p:pic>
-      <p:sp>
-        <p:nvSpPr>
-          <p:cNvPr id="3" name="Текст 2"/>
-          <p:cNvSpPr>
-            <a:spLocks noGrp="1"/>
-          </p:cNvSpPr>
-          <p:nvPr>
-            <p:ph type="body" sz="quarter" idx="12"/>
-          </p:nvPr>
-        </p:nvSpPr>
-        <p:spPr/>
-        <p:txBody>
-          <a:bodyPr/>
-          <a:lstStyle/>
-          <a:p>
-            <a:endParaRPr lang="ru-RU" dirty="0"/>
-          </a:p>
-        </p:txBody>
-      </p:sp>
-      <p:sp>
-        <p:nvSpPr>
-          <p:cNvPr id="4" name="Заголовок 3"/>
-          <p:cNvSpPr>
-            <a:spLocks noGrp="1"/>
-          </p:cNvSpPr>
-          <p:nvPr>
-            <p:ph type="title"/>
-          </p:nvPr>
-        </p:nvSpPr>
-        <p:spPr>
-          <a:xfrm>
-            <a:off x="4859889" y="836712"/>
-            <a:ext cx="3741185" cy="5184576"/>
-          </a:xfrm>
-        </p:spPr>
-        <p:txBody>
-          <a:bodyPr/>
-          <a:lstStyle/>
-          <a:p>
-            <a:r>
-              <a:rPr lang="ru-RU" dirty="0" smtClean="0"/>
-              <a:t>Бизнес фокус</a:t>
-            </a:r>
-            <a:br>
-              <a:rPr lang="ru-RU" dirty="0" smtClean="0"/>
-            </a:br>
-            <a:r>
-              <a:rPr lang="ru-RU" dirty="0" smtClean="0"/>
-              <a:t>клиентских приложений</a:t>
-            </a:r>
-            <a:endParaRPr lang="ru-RU" dirty="0"/>
-          </a:p>
-        </p:txBody>
-      </p:sp>
     </p:spTree>
     <p:extLst>
       <p:ext uri="{BB962C8B-B14F-4D97-AF65-F5344CB8AC3E}">
-        <p14:creationId xmlns:p14="http://schemas.microsoft.com/office/powerpoint/2010/main" val="875859065"/>
+        <p14:creationId xmlns:p14="http://schemas.microsoft.com/office/powerpoint/2010/main" val="4259441577"/>
       </p:ext>
     </p:extLst>
   </p:cSld>
   <p:clrMapOvr>
     <a:masterClrMapping/>
   </p:clrMapOvr>
-  <p:timing>
-    <p:tnLst>
-      <p:par>
-        <p:cTn id="1" dur="indefinite" restart="never" nodeType="tmRoot"/>
-      </p:par>
-    </p:tnLst>
-  </p:timing>
 </p:sld>
 </file>
 
-<file path=ppt/slides/slide19.xml><?xml version="1.0" encoding="utf-8"?>
+<file path=ppt/slides/slide18.xml><?xml version="1.0" encoding="utf-8"?>
 <p:sld xmlns:a="http://schemas.openxmlformats.org/drawingml/2006/main" xmlns:r="http://schemas.openxmlformats.org/officeDocument/2006/relationships" xmlns:p="http://schemas.openxmlformats.org/presentationml/2006/main">
   <p:cSld>
     <p:spTree>
@@ -11296,11 +10482,7 @@
           <a:p>
             <a:r>
               <a:rPr lang="ru-RU" dirty="0" smtClean="0"/>
-              <a:t>Как </a:t>
-            </a:r>
-            <a:r>
-              <a:rPr lang="ru-RU" dirty="0" smtClean="0"/>
-              <a:t>было</a:t>
+              <a:t>Как было</a:t>
             </a:r>
             <a:endParaRPr lang="ru-RU" dirty="0"/>
           </a:p>
@@ -11494,7 +10676,7 @@
         </p:nvGrpSpPr>
         <p:grpSpPr>
           <a:xfrm>
-            <a:off x="2756234" y="2602199"/>
+            <a:off x="2816481" y="2615643"/>
             <a:ext cx="1218535" cy="1766030"/>
             <a:chOff x="2619412" y="4111516"/>
             <a:chExt cx="1218535" cy="1766030"/>
@@ -11693,7 +10875,7 @@
         </p:nvGrpSpPr>
         <p:grpSpPr>
           <a:xfrm>
-            <a:off x="4219591" y="3060798"/>
+            <a:off x="4229396" y="2808798"/>
             <a:ext cx="1181101" cy="778072"/>
             <a:chOff x="4366259" y="4651815"/>
             <a:chExt cx="1181101" cy="778072"/>
@@ -11881,7 +11063,6 @@
               <a:rPr lang="ru-RU" dirty="0" smtClean="0"/>
               <a:t>«Живые страницы»</a:t>
             </a:r>
-            <a:endParaRPr lang="ru-RU" dirty="0" smtClean="0"/>
           </a:p>
         </p:txBody>
       </p:sp>
@@ -11889,6 +11070,643 @@
     <p:extLst>
       <p:ext uri="{BB962C8B-B14F-4D97-AF65-F5344CB8AC3E}">
         <p14:creationId xmlns:p14="http://schemas.microsoft.com/office/powerpoint/2010/main" val="1725871909"/>
+      </p:ext>
+    </p:extLst>
+  </p:cSld>
+  <p:clrMapOvr>
+    <a:masterClrMapping/>
+  </p:clrMapOvr>
+  <p:timing>
+    <p:tnLst>
+      <p:par>
+        <p:cTn id="1" dur="indefinite" restart="never" nodeType="tmRoot"/>
+      </p:par>
+    </p:tnLst>
+  </p:timing>
+</p:sld>
+</file>
+
+<file path=ppt/slides/slide19.xml><?xml version="1.0" encoding="utf-8"?>
+<p:sld xmlns:a="http://schemas.openxmlformats.org/drawingml/2006/main" xmlns:r="http://schemas.openxmlformats.org/officeDocument/2006/relationships" xmlns:p="http://schemas.openxmlformats.org/presentationml/2006/main">
+  <p:cSld>
+    <p:spTree>
+      <p:nvGrpSpPr>
+        <p:cNvPr id="1" name=""/>
+        <p:cNvGrpSpPr/>
+        <p:nvPr/>
+      </p:nvGrpSpPr>
+      <p:grpSpPr>
+        <a:xfrm>
+          <a:off x="0" y="0"/>
+          <a:ext cx="0" cy="0"/>
+          <a:chOff x="0" y="0"/>
+          <a:chExt cx="0" cy="0"/>
+        </a:xfrm>
+      </p:grpSpPr>
+      <p:sp>
+        <p:nvSpPr>
+          <p:cNvPr id="2" name="Заголовок 1"/>
+          <p:cNvSpPr>
+            <a:spLocks noGrp="1"/>
+          </p:cNvSpPr>
+          <p:nvPr>
+            <p:ph type="title"/>
+          </p:nvPr>
+        </p:nvSpPr>
+        <p:spPr/>
+        <p:txBody>
+          <a:bodyPr/>
+          <a:lstStyle/>
+          <a:p>
+            <a:r>
+              <a:rPr lang="ru-RU" dirty="0" smtClean="0"/>
+              <a:t>Как стало</a:t>
+            </a:r>
+            <a:endParaRPr lang="ru-RU" dirty="0"/>
+          </a:p>
+        </p:txBody>
+      </p:sp>
+      <p:cxnSp>
+        <p:nvCxnSpPr>
+          <p:cNvPr id="7" name="Прямая соединительная линия 6"/>
+          <p:cNvCxnSpPr/>
+          <p:nvPr/>
+        </p:nvCxnSpPr>
+        <p:spPr>
+          <a:xfrm>
+            <a:off x="3659296" y="2194585"/>
+            <a:ext cx="0" cy="3832860"/>
+          </a:xfrm>
+          <a:prstGeom prst="line">
+            <a:avLst/>
+          </a:prstGeom>
+        </p:spPr>
+        <p:style>
+          <a:lnRef idx="1">
+            <a:schemeClr val="accent1"/>
+          </a:lnRef>
+          <a:fillRef idx="0">
+            <a:schemeClr val="accent1"/>
+          </a:fillRef>
+          <a:effectRef idx="0">
+            <a:schemeClr val="accent1"/>
+          </a:effectRef>
+          <a:fontRef idx="minor">
+            <a:schemeClr val="tx1"/>
+          </a:fontRef>
+        </p:style>
+      </p:cxnSp>
+      <p:pic>
+        <p:nvPicPr>
+          <p:cNvPr id="8" name="Рисунок 7"/>
+          <p:cNvPicPr>
+            <a:picLocks noChangeAspect="1"/>
+          </p:cNvPicPr>
+          <p:nvPr/>
+        </p:nvPicPr>
+        <p:blipFill>
+          <a:blip r:embed="rId2">
+            <a:extLst>
+              <a:ext uri="{28A0092B-C50C-407E-A947-70E740481C1C}">
+                <a14:useLocalDpi xmlns:a14="http://schemas.microsoft.com/office/drawing/2010/main" val="0"/>
+              </a:ext>
+            </a:extLst>
+          </a:blip>
+          <a:stretch>
+            <a:fillRect/>
+          </a:stretch>
+        </p:blipFill>
+        <p:spPr>
+          <a:xfrm>
+            <a:off x="3943327" y="1590993"/>
+            <a:ext cx="666750" cy="666750"/>
+          </a:xfrm>
+          <a:prstGeom prst="rect">
+            <a:avLst/>
+          </a:prstGeom>
+        </p:spPr>
+      </p:pic>
+      <p:pic>
+        <p:nvPicPr>
+          <p:cNvPr id="9" name="Рисунок 8"/>
+          <p:cNvPicPr>
+            <a:picLocks noChangeAspect="1"/>
+          </p:cNvPicPr>
+          <p:nvPr/>
+        </p:nvPicPr>
+        <p:blipFill>
+          <a:blip r:embed="rId3">
+            <a:extLst>
+              <a:ext uri="{28A0092B-C50C-407E-A947-70E740481C1C}">
+                <a14:useLocalDpi xmlns:a14="http://schemas.microsoft.com/office/drawing/2010/main" val="0"/>
+              </a:ext>
+            </a:extLst>
+          </a:blip>
+          <a:stretch>
+            <a:fillRect/>
+          </a:stretch>
+        </p:blipFill>
+        <p:spPr>
+          <a:xfrm>
+            <a:off x="832485" y="1590993"/>
+            <a:ext cx="666750" cy="666750"/>
+          </a:xfrm>
+          <a:prstGeom prst="rect">
+            <a:avLst/>
+          </a:prstGeom>
+        </p:spPr>
+      </p:pic>
+      <p:sp>
+        <p:nvSpPr>
+          <p:cNvPr id="10" name="TextBox 9"/>
+          <p:cNvSpPr txBox="1"/>
+          <p:nvPr/>
+        </p:nvSpPr>
+        <p:spPr>
+          <a:xfrm>
+            <a:off x="1579221" y="1646239"/>
+            <a:ext cx="754380" cy="457200"/>
+          </a:xfrm>
+          <a:prstGeom prst="rect">
+            <a:avLst/>
+          </a:prstGeom>
+        </p:spPr>
+        <p:txBody>
+          <a:bodyPr wrap="none" lIns="0" rtlCol="0" anchor="b">
+            <a:normAutofit/>
+          </a:bodyPr>
+          <a:lstStyle/>
+          <a:p>
+            <a:r>
+              <a:rPr lang="en-US" dirty="0" smtClean="0"/>
+              <a:t>Backend</a:t>
+            </a:r>
+          </a:p>
+        </p:txBody>
+      </p:sp>
+      <p:sp>
+        <p:nvSpPr>
+          <p:cNvPr id="11" name="TextBox 10"/>
+          <p:cNvSpPr txBox="1"/>
+          <p:nvPr/>
+        </p:nvSpPr>
+        <p:spPr>
+          <a:xfrm>
+            <a:off x="4748064" y="1631316"/>
+            <a:ext cx="754380" cy="457200"/>
+          </a:xfrm>
+          <a:prstGeom prst="rect">
+            <a:avLst/>
+          </a:prstGeom>
+        </p:spPr>
+        <p:txBody>
+          <a:bodyPr wrap="none" lIns="0" rtlCol="0" anchor="b">
+            <a:normAutofit/>
+          </a:bodyPr>
+          <a:lstStyle/>
+          <a:p>
+            <a:r>
+              <a:rPr lang="en-US" dirty="0" smtClean="0"/>
+              <a:t>Frontend</a:t>
+            </a:r>
+          </a:p>
+        </p:txBody>
+      </p:sp>
+      <p:pic>
+        <p:nvPicPr>
+          <p:cNvPr id="16" name="Picture 53"/>
+          <p:cNvPicPr>
+            <a:picLocks noChangeAspect="1"/>
+          </p:cNvPicPr>
+          <p:nvPr/>
+        </p:nvPicPr>
+        <p:blipFill>
+          <a:blip r:embed="rId4" cstate="print">
+            <a:grayscl/>
+            <a:extLst>
+              <a:ext uri="{28A0092B-C50C-407E-A947-70E740481C1C}">
+                <a14:useLocalDpi xmlns:a14="http://schemas.microsoft.com/office/drawing/2010/main" val="0"/>
+              </a:ext>
+            </a:extLst>
+          </a:blip>
+          <a:stretch>
+            <a:fillRect/>
+          </a:stretch>
+        </p:blipFill>
+        <p:spPr>
+          <a:xfrm>
+            <a:off x="390905" y="4495800"/>
+            <a:ext cx="1194091" cy="1194091"/>
+          </a:xfrm>
+          <a:prstGeom prst="rect">
+            <a:avLst/>
+          </a:prstGeom>
+          <a:ln>
+            <a:noFill/>
+          </a:ln>
+        </p:spPr>
+      </p:pic>
+      <p:sp>
+        <p:nvSpPr>
+          <p:cNvPr id="17" name="Двойная стрелка влево/вправо 16"/>
+          <p:cNvSpPr/>
+          <p:nvPr/>
+        </p:nvSpPr>
+        <p:spPr>
+          <a:xfrm rot="18804912">
+            <a:off x="1368886" y="3848010"/>
+            <a:ext cx="746736" cy="471096"/>
+          </a:xfrm>
+          <a:prstGeom prst="leftRightArrow">
+            <a:avLst/>
+          </a:prstGeom>
+          <a:noFill/>
+          <a:ln w="28575" cap="flat" cmpd="sng" algn="ctr">
+            <a:solidFill>
+              <a:schemeClr val="tx1"/>
+            </a:solidFill>
+            <a:prstDash val="solid"/>
+            <a:round/>
+            <a:headEnd type="none" w="med" len="med"/>
+            <a:tailEnd type="none" w="med" len="med"/>
+          </a:ln>
+        </p:spPr>
+        <p:style>
+          <a:lnRef idx="0">
+            <a:scrgbClr r="0" g="0" b="0"/>
+          </a:lnRef>
+          <a:fillRef idx="0">
+            <a:scrgbClr r="0" g="0" b="0"/>
+          </a:fillRef>
+          <a:effectRef idx="0">
+            <a:scrgbClr r="0" g="0" b="0"/>
+          </a:effectRef>
+          <a:fontRef idx="minor">
+            <a:schemeClr val="accent1"/>
+          </a:fontRef>
+        </p:style>
+        <p:txBody>
+          <a:bodyPr rtlCol="0" anchor="ctr"/>
+          <a:lstStyle/>
+          <a:p>
+            <a:pPr algn="ctr"/>
+            <a:endParaRPr lang="ru-RU"/>
+          </a:p>
+        </p:txBody>
+      </p:sp>
+      <p:grpSp>
+        <p:nvGrpSpPr>
+          <p:cNvPr id="20" name="Группа 19"/>
+          <p:cNvGrpSpPr/>
+          <p:nvPr/>
+        </p:nvGrpSpPr>
+        <p:grpSpPr>
+          <a:xfrm>
+            <a:off x="2132744" y="2928726"/>
+            <a:ext cx="776988" cy="1146599"/>
+            <a:chOff x="2696557" y="2551694"/>
+            <a:chExt cx="776988" cy="1146599"/>
+          </a:xfrm>
+        </p:grpSpPr>
+        <p:pic>
+          <p:nvPicPr>
+            <p:cNvPr id="18" name="Picture 33"/>
+            <p:cNvPicPr>
+              <a:picLocks noChangeAspect="1"/>
+            </p:cNvPicPr>
+            <p:nvPr/>
+          </p:nvPicPr>
+          <p:blipFill>
+            <a:blip r:embed="rId5" cstate="print">
+              <a:grayscl/>
+              <a:extLst>
+                <a:ext uri="{28A0092B-C50C-407E-A947-70E740481C1C}">
+                  <a14:useLocalDpi xmlns:a14="http://schemas.microsoft.com/office/drawing/2010/main" val="0"/>
+                </a:ext>
+              </a:extLst>
+            </a:blip>
+            <a:stretch>
+              <a:fillRect/>
+            </a:stretch>
+          </p:blipFill>
+          <p:spPr>
+            <a:xfrm>
+              <a:off x="2696557" y="2551694"/>
+              <a:ext cx="721732" cy="721732"/>
+            </a:xfrm>
+            <a:prstGeom prst="rect">
+              <a:avLst/>
+            </a:prstGeom>
+          </p:spPr>
+        </p:pic>
+        <p:sp>
+          <p:nvSpPr>
+            <p:cNvPr id="19" name="TextBox 18"/>
+            <p:cNvSpPr txBox="1"/>
+            <p:nvPr/>
+          </p:nvSpPr>
+          <p:spPr>
+            <a:xfrm>
+              <a:off x="2884000" y="3305759"/>
+              <a:ext cx="589545" cy="392534"/>
+            </a:xfrm>
+            <a:prstGeom prst="rect">
+              <a:avLst/>
+            </a:prstGeom>
+          </p:spPr>
+          <p:txBody>
+            <a:bodyPr wrap="none" lIns="0" rtlCol="0" anchor="b">
+              <a:normAutofit/>
+            </a:bodyPr>
+            <a:lstStyle/>
+            <a:p>
+              <a:r>
+                <a:rPr lang="en-US" dirty="0" smtClean="0"/>
+                <a:t>API</a:t>
+              </a:r>
+              <a:endParaRPr lang="ru-RU" dirty="0" smtClean="0"/>
+            </a:p>
+          </p:txBody>
+        </p:sp>
+      </p:grpSp>
+      <p:sp>
+        <p:nvSpPr>
+          <p:cNvPr id="21" name="Двойная стрелка влево/вправо 20"/>
+          <p:cNvSpPr/>
+          <p:nvPr/>
+        </p:nvSpPr>
+        <p:spPr>
+          <a:xfrm>
+            <a:off x="2978127" y="2861704"/>
+            <a:ext cx="1298575" cy="730103"/>
+          </a:xfrm>
+          <a:prstGeom prst="leftRightArrow">
+            <a:avLst/>
+          </a:prstGeom>
+          <a:solidFill>
+            <a:schemeClr val="bg2"/>
+          </a:solidFill>
+          <a:ln>
+            <a:solidFill>
+              <a:schemeClr val="tx1"/>
+            </a:solidFill>
+          </a:ln>
+        </p:spPr>
+        <p:style>
+          <a:lnRef idx="2">
+            <a:schemeClr val="accent1">
+              <a:shade val="50000"/>
+            </a:schemeClr>
+          </a:lnRef>
+          <a:fillRef idx="1">
+            <a:schemeClr val="accent1"/>
+          </a:fillRef>
+          <a:effectRef idx="0">
+            <a:schemeClr val="accent1"/>
+          </a:effectRef>
+          <a:fontRef idx="minor">
+            <a:schemeClr val="lt1"/>
+          </a:fontRef>
+        </p:style>
+        <p:txBody>
+          <a:bodyPr rtlCol="0" anchor="ctr"/>
+          <a:lstStyle/>
+          <a:p>
+            <a:pPr algn="ctr"/>
+            <a:r>
+              <a:rPr lang="en-US" dirty="0" smtClean="0">
+                <a:solidFill>
+                  <a:schemeClr val="tx1"/>
+                </a:solidFill>
+              </a:rPr>
+              <a:t>Data</a:t>
+            </a:r>
+            <a:endParaRPr lang="ru-RU" dirty="0">
+              <a:solidFill>
+                <a:schemeClr val="tx1"/>
+              </a:solidFill>
+            </a:endParaRPr>
+          </a:p>
+        </p:txBody>
+      </p:sp>
+      <p:sp>
+        <p:nvSpPr>
+          <p:cNvPr id="22" name="TextBox 21"/>
+          <p:cNvSpPr txBox="1"/>
+          <p:nvPr/>
+        </p:nvSpPr>
+        <p:spPr>
+          <a:xfrm>
+            <a:off x="4511929" y="3591807"/>
+            <a:ext cx="3091941" cy="1374248"/>
+          </a:xfrm>
+          <a:prstGeom prst="rect">
+            <a:avLst/>
+          </a:prstGeom>
+          <a:noFill/>
+        </p:spPr>
+        <p:txBody>
+          <a:bodyPr wrap="none" lIns="0" rtlCol="0" anchor="b">
+            <a:normAutofit lnSpcReduction="10000"/>
+          </a:bodyPr>
+          <a:lstStyle/>
+          <a:p>
+            <a:pPr marL="285750" indent="-285750">
+              <a:buClr>
+                <a:srgbClr val="C00000"/>
+              </a:buClr>
+              <a:buFont typeface="Arial" panose="020B0604020202020204" pitchFamily="34" charset="0"/>
+              <a:buChar char="•"/>
+            </a:pPr>
+            <a:r>
+              <a:rPr lang="ru-RU" dirty="0" smtClean="0"/>
+              <a:t>Визуальное оформление</a:t>
+            </a:r>
+            <a:endParaRPr lang="en-US" dirty="0" smtClean="0"/>
+          </a:p>
+          <a:p>
+            <a:pPr marL="285750" indent="-285750">
+              <a:buClr>
+                <a:srgbClr val="C00000"/>
+              </a:buClr>
+              <a:buFont typeface="Arial" panose="020B0604020202020204" pitchFamily="34" charset="0"/>
+              <a:buChar char="•"/>
+            </a:pPr>
+            <a:r>
+              <a:rPr lang="ru-RU" dirty="0" smtClean="0"/>
+              <a:t>Управление данными</a:t>
+            </a:r>
+          </a:p>
+          <a:p>
+            <a:pPr marL="285750" indent="-285750">
+              <a:buClr>
+                <a:srgbClr val="C00000"/>
+              </a:buClr>
+              <a:buFont typeface="Arial" panose="020B0604020202020204" pitchFamily="34" charset="0"/>
+              <a:buChar char="•"/>
+            </a:pPr>
+            <a:r>
+              <a:rPr lang="en-US" dirty="0" smtClean="0"/>
+              <a:t>UX-</a:t>
+            </a:r>
+            <a:r>
+              <a:rPr lang="ru-RU" dirty="0" smtClean="0"/>
+              <a:t>логика</a:t>
+            </a:r>
+          </a:p>
+          <a:p>
+            <a:pPr marL="285750" indent="-285750">
+              <a:buClr>
+                <a:srgbClr val="C00000"/>
+              </a:buClr>
+              <a:buFont typeface="Arial" panose="020B0604020202020204" pitchFamily="34" charset="0"/>
+              <a:buChar char="•"/>
+            </a:pPr>
+            <a:r>
+              <a:rPr lang="ru-RU" dirty="0" err="1" smtClean="0"/>
+              <a:t>Валидации</a:t>
+            </a:r>
+            <a:endParaRPr lang="ru-RU" dirty="0" smtClean="0"/>
+          </a:p>
+          <a:p>
+            <a:pPr marL="285750" indent="-285750">
+              <a:buClr>
+                <a:srgbClr val="C00000"/>
+              </a:buClr>
+              <a:buFont typeface="Arial" panose="020B0604020202020204" pitchFamily="34" charset="0"/>
+              <a:buChar char="•"/>
+            </a:pPr>
+            <a:r>
+              <a:rPr lang="ru-RU" dirty="0" smtClean="0"/>
+              <a:t>Рендеринг</a:t>
+            </a:r>
+          </a:p>
+        </p:txBody>
+      </p:sp>
+      <p:pic>
+        <p:nvPicPr>
+          <p:cNvPr id="23" name="Рисунок 22"/>
+          <p:cNvPicPr>
+            <a:picLocks noChangeAspect="1"/>
+          </p:cNvPicPr>
+          <p:nvPr/>
+        </p:nvPicPr>
+        <p:blipFill>
+          <a:blip r:embed="rId6" cstate="print">
+            <a:extLst>
+              <a:ext uri="{28A0092B-C50C-407E-A947-70E740481C1C}">
+                <a14:useLocalDpi xmlns:a14="http://schemas.microsoft.com/office/drawing/2010/main" val="0"/>
+              </a:ext>
+            </a:extLst>
+          </a:blip>
+          <a:stretch>
+            <a:fillRect/>
+          </a:stretch>
+        </p:blipFill>
+        <p:spPr>
+          <a:xfrm>
+            <a:off x="5882337" y="2834306"/>
+            <a:ext cx="547263" cy="547263"/>
+          </a:xfrm>
+          <a:prstGeom prst="rect">
+            <a:avLst/>
+          </a:prstGeom>
+        </p:spPr>
+      </p:pic>
+      <p:pic>
+        <p:nvPicPr>
+          <p:cNvPr id="24" name="Рисунок 23"/>
+          <p:cNvPicPr>
+            <a:picLocks noChangeAspect="1"/>
+          </p:cNvPicPr>
+          <p:nvPr/>
+        </p:nvPicPr>
+        <p:blipFill>
+          <a:blip r:embed="rId7" cstate="print">
+            <a:extLst>
+              <a:ext uri="{28A0092B-C50C-407E-A947-70E740481C1C}">
+                <a14:useLocalDpi xmlns:a14="http://schemas.microsoft.com/office/drawing/2010/main" val="0"/>
+              </a:ext>
+            </a:extLst>
+          </a:blip>
+          <a:stretch>
+            <a:fillRect/>
+          </a:stretch>
+        </p:blipFill>
+        <p:spPr>
+          <a:xfrm>
+            <a:off x="5072896" y="2695257"/>
+            <a:ext cx="723186" cy="723186"/>
+          </a:xfrm>
+          <a:prstGeom prst="rect">
+            <a:avLst/>
+          </a:prstGeom>
+        </p:spPr>
+      </p:pic>
+      <p:pic>
+        <p:nvPicPr>
+          <p:cNvPr id="25" name="Рисунок 24"/>
+          <p:cNvPicPr>
+            <a:picLocks noChangeAspect="1"/>
+          </p:cNvPicPr>
+          <p:nvPr/>
+        </p:nvPicPr>
+        <p:blipFill>
+          <a:blip r:embed="rId8" cstate="print">
+            <a:extLst>
+              <a:ext uri="{28A0092B-C50C-407E-A947-70E740481C1C}">
+                <a14:useLocalDpi xmlns:a14="http://schemas.microsoft.com/office/drawing/2010/main" val="0"/>
+              </a:ext>
+            </a:extLst>
+          </a:blip>
+          <a:stretch>
+            <a:fillRect/>
+          </a:stretch>
+        </p:blipFill>
+        <p:spPr>
+          <a:xfrm>
+            <a:off x="4511929" y="2695257"/>
+            <a:ext cx="514350" cy="727323"/>
+          </a:xfrm>
+          <a:prstGeom prst="rect">
+            <a:avLst/>
+          </a:prstGeom>
+        </p:spPr>
+      </p:pic>
+      <p:pic>
+        <p:nvPicPr>
+          <p:cNvPr id="28" name="Рисунок 27"/>
+          <p:cNvPicPr>
+            <a:picLocks noChangeAspect="1"/>
+          </p:cNvPicPr>
+          <p:nvPr/>
+        </p:nvPicPr>
+        <p:blipFill>
+          <a:blip r:embed="rId9">
+            <a:extLst>
+              <a:ext uri="{28A0092B-C50C-407E-A947-70E740481C1C}">
+                <a14:useLocalDpi xmlns:a14="http://schemas.microsoft.com/office/drawing/2010/main" val="0"/>
+              </a:ext>
+            </a:extLst>
+          </a:blip>
+          <a:stretch>
+            <a:fillRect/>
+          </a:stretch>
+        </p:blipFill>
+        <p:spPr>
+          <a:xfrm>
+            <a:off x="6553955" y="2725269"/>
+            <a:ext cx="703858" cy="656300"/>
+          </a:xfrm>
+          <a:prstGeom prst="rect">
+            <a:avLst/>
+          </a:prstGeom>
+        </p:spPr>
+      </p:pic>
+    </p:spTree>
+    <p:extLst>
+      <p:ext uri="{BB962C8B-B14F-4D97-AF65-F5344CB8AC3E}">
+        <p14:creationId xmlns:p14="http://schemas.microsoft.com/office/powerpoint/2010/main" val="2897919010"/>
       </p:ext>
     </p:extLst>
   </p:cSld>
@@ -12020,7 +11838,7 @@
         </p:nvCxnSpPr>
         <p:spPr>
           <a:xfrm>
-            <a:off x="3933801" y="2158895"/>
+            <a:off x="3659296" y="2194585"/>
             <a:ext cx="0" cy="3832860"/>
           </a:xfrm>
           <a:prstGeom prst="line">
@@ -12064,7 +11882,7 @@
         </p:blipFill>
         <p:spPr>
           <a:xfrm>
-            <a:off x="4276702" y="1590993"/>
+            <a:off x="3943327" y="1590993"/>
             <a:ext cx="666750" cy="666750"/>
           </a:xfrm>
           <a:prstGeom prst="rect">
@@ -12138,7 +11956,7 @@
         </p:nvSpPr>
         <p:spPr>
           <a:xfrm>
-            <a:off x="5081439" y="1631316"/>
+            <a:off x="4748064" y="1631316"/>
             <a:ext cx="754380" cy="457200"/>
           </a:xfrm>
           <a:prstGeom prst="rect">
@@ -12200,7 +12018,7 @@
         </p:nvSpPr>
         <p:spPr>
           <a:xfrm rot="18804912">
-            <a:off x="1513679" y="3769398"/>
+            <a:off x="1368886" y="3848010"/>
             <a:ext cx="746736" cy="471096"/>
           </a:xfrm>
           <a:prstGeom prst="leftRightArrow">
@@ -12248,7 +12066,7 @@
         </p:nvGrpSpPr>
         <p:grpSpPr>
           <a:xfrm>
-            <a:off x="2337567" y="2928726"/>
+            <a:off x="2132744" y="2928726"/>
             <a:ext cx="776988" cy="1146599"/>
             <a:chOff x="2696557" y="2551694"/>
             <a:chExt cx="776988" cy="1146599"/>
@@ -12323,7 +12141,7 @@
         </p:nvSpPr>
         <p:spPr>
           <a:xfrm>
-            <a:off x="3252632" y="2826014"/>
+            <a:off x="2978127" y="2861704"/>
             <a:ext cx="1298575" cy="730103"/>
           </a:xfrm>
           <a:prstGeom prst="leftRightArrow">
@@ -12383,8 +12201,8 @@
         </p:nvSpPr>
         <p:spPr>
           <a:xfrm>
-            <a:off x="4511929" y="3591807"/>
-            <a:ext cx="3091941" cy="1374248"/>
+            <a:off x="4511929" y="3557303"/>
+            <a:ext cx="3091941" cy="1245695"/>
           </a:xfrm>
           <a:prstGeom prst="rect">
             <a:avLst/>
@@ -12393,7 +12211,7 @@
         </p:spPr>
         <p:txBody>
           <a:bodyPr wrap="none" lIns="0" rtlCol="0" anchor="b">
-            <a:normAutofit lnSpcReduction="10000"/>
+            <a:normAutofit/>
           </a:bodyPr>
           <a:lstStyle/>
           <a:p>
@@ -12405,10 +12223,9 @@
               <a:buChar char="•"/>
             </a:pPr>
             <a:r>
-              <a:rPr lang="ru-RU" dirty="0" smtClean="0"/>
-              <a:t>Визуальное оформление</a:t>
-            </a:r>
-            <a:endParaRPr lang="en-US" dirty="0" smtClean="0"/>
+              <a:rPr lang="en-US" dirty="0" smtClean="0"/>
+              <a:t>SOLID</a:t>
+            </a:r>
           </a:p>
           <a:p>
             <a:pPr marL="285750" indent="-285750">
@@ -12419,8 +12236,8 @@
               <a:buChar char="•"/>
             </a:pPr>
             <a:r>
-              <a:rPr lang="ru-RU" dirty="0" smtClean="0"/>
-              <a:t>Управление данными</a:t>
+              <a:rPr lang="en-US" dirty="0" smtClean="0"/>
+              <a:t>DRY</a:t>
             </a:r>
           </a:p>
           <a:p>
@@ -12433,11 +12250,7 @@
             </a:pPr>
             <a:r>
               <a:rPr lang="en-US" dirty="0" smtClean="0"/>
-              <a:t>UX-</a:t>
-            </a:r>
-            <a:r>
-              <a:rPr lang="ru-RU" dirty="0" smtClean="0"/>
-              <a:t>логика</a:t>
+              <a:t>Design patterns</a:t>
             </a:r>
           </a:p>
           <a:p>
@@ -12449,22 +12262,8 @@
               <a:buChar char="•"/>
             </a:pPr>
             <a:r>
-              <a:rPr lang="ru-RU" dirty="0" err="1" smtClean="0"/>
-              <a:t>Валидации</a:t>
-            </a:r>
-            <a:endParaRPr lang="ru-RU" dirty="0" smtClean="0"/>
-          </a:p>
-          <a:p>
-            <a:pPr marL="285750" indent="-285750">
-              <a:buClr>
-                <a:srgbClr val="C00000"/>
-              </a:buClr>
-              <a:buFont typeface="Arial" panose="020B0604020202020204" pitchFamily="34" charset="0"/>
-              <a:buChar char="•"/>
-            </a:pPr>
-            <a:r>
               <a:rPr lang="ru-RU" dirty="0" smtClean="0"/>
-              <a:t>Рендеринг</a:t>
+              <a:t>Проектирование</a:t>
             </a:r>
           </a:p>
         </p:txBody>
@@ -12491,7 +12290,7 @@
         </p:blipFill>
         <p:spPr>
           <a:xfrm>
-            <a:off x="6144155" y="2696515"/>
+            <a:off x="5882337" y="2834306"/>
             <a:ext cx="547263" cy="547263"/>
           </a:xfrm>
           <a:prstGeom prst="rect">
@@ -12521,7 +12320,7 @@
         </p:blipFill>
         <p:spPr>
           <a:xfrm>
-            <a:off x="5334714" y="2557466"/>
+            <a:off x="5072896" y="2695257"/>
             <a:ext cx="723186" cy="723186"/>
           </a:xfrm>
           <a:prstGeom prst="rect">
@@ -12551,7 +12350,7 @@
         </p:blipFill>
         <p:spPr>
           <a:xfrm>
-            <a:off x="4773747" y="2557466"/>
+            <a:off x="4511929" y="2695257"/>
             <a:ext cx="514350" cy="727323"/>
           </a:xfrm>
           <a:prstGeom prst="rect">
@@ -12581,7 +12380,7 @@
         </p:blipFill>
         <p:spPr>
           <a:xfrm>
-            <a:off x="6815773" y="2587478"/>
+            <a:off x="6553955" y="2725269"/>
             <a:ext cx="703858" cy="656300"/>
           </a:xfrm>
           <a:prstGeom prst="rect">
@@ -12592,7 +12391,7 @@
     </p:spTree>
     <p:extLst>
       <p:ext uri="{BB962C8B-B14F-4D97-AF65-F5344CB8AC3E}">
-        <p14:creationId xmlns:p14="http://schemas.microsoft.com/office/powerpoint/2010/main" val="2897919010"/>
+        <p14:creationId xmlns:p14="http://schemas.microsoft.com/office/powerpoint/2010/main" val="2851139170"/>
       </p:ext>
     </p:extLst>
   </p:cSld>
@@ -12894,6 +12693,249 @@
       </p:grpSpPr>
       <p:sp>
         <p:nvSpPr>
+          <p:cNvPr id="6" name="TextBox 5"/>
+          <p:cNvSpPr txBox="1"/>
+          <p:nvPr/>
+        </p:nvSpPr>
+        <p:spPr>
+          <a:xfrm>
+            <a:off x="3403132" y="2184158"/>
+            <a:ext cx="754380" cy="457200"/>
+          </a:xfrm>
+          <a:prstGeom prst="rect">
+            <a:avLst/>
+          </a:prstGeom>
+        </p:spPr>
+        <p:txBody>
+          <a:bodyPr wrap="none" lIns="0" rtlCol="0" anchor="b">
+            <a:normAutofit/>
+          </a:bodyPr>
+          <a:lstStyle/>
+          <a:p>
+            <a:r>
+              <a:rPr lang="en-US" dirty="0" smtClean="0"/>
+              <a:t>Backend</a:t>
+            </a:r>
+          </a:p>
+        </p:txBody>
+      </p:sp>
+      <p:sp>
+        <p:nvSpPr>
+          <p:cNvPr id="7" name="TextBox 6"/>
+          <p:cNvSpPr txBox="1"/>
+          <p:nvPr/>
+        </p:nvSpPr>
+        <p:spPr>
+          <a:xfrm>
+            <a:off x="5076811" y="2157306"/>
+            <a:ext cx="754380" cy="457200"/>
+          </a:xfrm>
+          <a:prstGeom prst="rect">
+            <a:avLst/>
+          </a:prstGeom>
+        </p:spPr>
+        <p:txBody>
+          <a:bodyPr wrap="none" lIns="0" rtlCol="0" anchor="b">
+            <a:normAutofit/>
+          </a:bodyPr>
+          <a:lstStyle/>
+          <a:p>
+            <a:r>
+              <a:rPr lang="en-US" dirty="0" smtClean="0"/>
+              <a:t>Frontend</a:t>
+            </a:r>
+          </a:p>
+        </p:txBody>
+      </p:sp>
+      <p:sp>
+        <p:nvSpPr>
+          <p:cNvPr id="8" name="Прямоугольник 7"/>
+          <p:cNvSpPr/>
+          <p:nvPr/>
+        </p:nvSpPr>
+        <p:spPr>
+          <a:xfrm>
+            <a:off x="2762804" y="2712085"/>
+            <a:ext cx="1546700" cy="3002915"/>
+          </a:xfrm>
+          <a:prstGeom prst="rect">
+            <a:avLst/>
+          </a:prstGeom>
+        </p:spPr>
+        <p:style>
+          <a:lnRef idx="2">
+            <a:schemeClr val="dk1"/>
+          </a:lnRef>
+          <a:fillRef idx="1">
+            <a:schemeClr val="lt1"/>
+          </a:fillRef>
+          <a:effectRef idx="0">
+            <a:schemeClr val="dk1"/>
+          </a:effectRef>
+          <a:fontRef idx="minor">
+            <a:schemeClr val="dk1"/>
+          </a:fontRef>
+        </p:style>
+        <p:txBody>
+          <a:bodyPr rtlCol="0" anchor="ctr"/>
+          <a:lstStyle/>
+          <a:p>
+            <a:pPr algn="ctr"/>
+            <a:endParaRPr lang="ru-RU"/>
+          </a:p>
+        </p:txBody>
+      </p:sp>
+      <p:sp>
+        <p:nvSpPr>
+          <p:cNvPr id="9" name="Прямоугольник 8"/>
+          <p:cNvSpPr/>
+          <p:nvPr/>
+        </p:nvSpPr>
+        <p:spPr>
+          <a:xfrm>
+            <a:off x="4421412" y="2712085"/>
+            <a:ext cx="1546700" cy="3002915"/>
+          </a:xfrm>
+          <a:prstGeom prst="rect">
+            <a:avLst/>
+          </a:prstGeom>
+        </p:spPr>
+        <p:style>
+          <a:lnRef idx="2">
+            <a:schemeClr val="dk1"/>
+          </a:lnRef>
+          <a:fillRef idx="1">
+            <a:schemeClr val="lt1"/>
+          </a:fillRef>
+          <a:effectRef idx="0">
+            <a:schemeClr val="dk1"/>
+          </a:effectRef>
+          <a:fontRef idx="minor">
+            <a:schemeClr val="dk1"/>
+          </a:fontRef>
+        </p:style>
+        <p:txBody>
+          <a:bodyPr rtlCol="0" anchor="ctr"/>
+          <a:lstStyle/>
+          <a:p>
+            <a:pPr algn="ctr"/>
+            <a:endParaRPr lang="ru-RU"/>
+          </a:p>
+        </p:txBody>
+      </p:sp>
+      <p:pic>
+        <p:nvPicPr>
+          <p:cNvPr id="10" name="Picture 415"/>
+          <p:cNvPicPr>
+            <a:picLocks noChangeAspect="1"/>
+          </p:cNvPicPr>
+          <p:nvPr/>
+        </p:nvPicPr>
+        <p:blipFill>
+          <a:blip r:embed="rId2" cstate="print">
+            <a:duotone>
+              <a:schemeClr val="accent1">
+                <a:shade val="45000"/>
+                <a:satMod val="135000"/>
+              </a:schemeClr>
+              <a:prstClr val="white"/>
+            </a:duotone>
+            <a:extLst>
+              <a:ext uri="{28A0092B-C50C-407E-A947-70E740481C1C}">
+                <a14:useLocalDpi xmlns:a14="http://schemas.microsoft.com/office/drawing/2010/main" val="0"/>
+              </a:ext>
+            </a:extLst>
+          </a:blip>
+          <a:stretch>
+            <a:fillRect/>
+          </a:stretch>
+        </p:blipFill>
+        <p:spPr>
+          <a:xfrm rot="10800000" flipH="1" flipV="1">
+            <a:off x="4421412" y="2029199"/>
+            <a:ext cx="640328" cy="612159"/>
+          </a:xfrm>
+          <a:prstGeom prst="rect">
+            <a:avLst/>
+          </a:prstGeom>
+        </p:spPr>
+      </p:pic>
+      <p:pic>
+        <p:nvPicPr>
+          <p:cNvPr id="11" name="Picture 416"/>
+          <p:cNvPicPr>
+            <a:picLocks noChangeAspect="1"/>
+          </p:cNvPicPr>
+          <p:nvPr/>
+        </p:nvPicPr>
+        <p:blipFill>
+          <a:blip r:embed="rId3" cstate="print">
+            <a:duotone>
+              <a:schemeClr val="accent1">
+                <a:shade val="45000"/>
+                <a:satMod val="135000"/>
+              </a:schemeClr>
+              <a:prstClr val="white"/>
+            </a:duotone>
+            <a:extLst>
+              <a:ext uri="{28A0092B-C50C-407E-A947-70E740481C1C}">
+                <a14:useLocalDpi xmlns:a14="http://schemas.microsoft.com/office/drawing/2010/main" val="0"/>
+              </a:ext>
+            </a:extLst>
+          </a:blip>
+          <a:stretch>
+            <a:fillRect/>
+          </a:stretch>
+        </p:blipFill>
+        <p:spPr>
+          <a:xfrm>
+            <a:off x="2762804" y="2071920"/>
+            <a:ext cx="640328" cy="640165"/>
+          </a:xfrm>
+          <a:prstGeom prst="rect">
+            <a:avLst/>
+          </a:prstGeom>
+        </p:spPr>
+      </p:pic>
+    </p:spTree>
+    <p:extLst>
+      <p:ext uri="{BB962C8B-B14F-4D97-AF65-F5344CB8AC3E}">
+        <p14:creationId xmlns:p14="http://schemas.microsoft.com/office/powerpoint/2010/main" val="763615899"/>
+      </p:ext>
+    </p:extLst>
+  </p:cSld>
+  <p:clrMapOvr>
+    <a:masterClrMapping/>
+  </p:clrMapOvr>
+  <p:timing>
+    <p:tnLst>
+      <p:par>
+        <p:cTn id="1" dur="indefinite" restart="never" nodeType="tmRoot"/>
+      </p:par>
+    </p:tnLst>
+  </p:timing>
+</p:sld>
+</file>
+
+<file path=ppt/slides/slide23.xml><?xml version="1.0" encoding="utf-8"?>
+<p:sld xmlns:a="http://schemas.openxmlformats.org/drawingml/2006/main" xmlns:r="http://schemas.openxmlformats.org/officeDocument/2006/relationships" xmlns:p="http://schemas.openxmlformats.org/presentationml/2006/main">
+  <p:cSld>
+    <p:spTree>
+      <p:nvGrpSpPr>
+        <p:cNvPr id="1" name=""/>
+        <p:cNvGrpSpPr/>
+        <p:nvPr/>
+      </p:nvGrpSpPr>
+      <p:grpSpPr>
+        <a:xfrm>
+          <a:off x="0" y="0"/>
+          <a:ext cx="0" cy="0"/>
+          <a:chOff x="0" y="0"/>
+          <a:chExt cx="0" cy="0"/>
+        </a:xfrm>
+      </p:grpSpPr>
+      <p:sp>
+        <p:nvSpPr>
           <p:cNvPr id="3" name="Объект 2"/>
           <p:cNvSpPr>
             <a:spLocks noGrp="1"/>
@@ -12969,7 +13011,7 @@
 </p:sld>
 </file>
 
-<file path=ppt/slides/slide23.xml><?xml version="1.0" encoding="utf-8"?>
+<file path=ppt/slides/slide24.xml><?xml version="1.0" encoding="utf-8"?>
 <p:sld xmlns:a="http://schemas.openxmlformats.org/drawingml/2006/main" xmlns:r="http://schemas.openxmlformats.org/officeDocument/2006/relationships" xmlns:p="http://schemas.openxmlformats.org/presentationml/2006/main">
   <p:cSld>
     <p:spTree>
@@ -13110,7 +13152,7 @@
 </p:sld>
 </file>
 
-<file path=ppt/slides/slide24.xml><?xml version="1.0" encoding="utf-8"?>
+<file path=ppt/slides/slide25.xml><?xml version="1.0" encoding="utf-8"?>
 <p:sld xmlns:a="http://schemas.openxmlformats.org/drawingml/2006/main" xmlns:r="http://schemas.openxmlformats.org/officeDocument/2006/relationships" xmlns:p="http://schemas.openxmlformats.org/presentationml/2006/main">
   <p:cSld>
     <p:spTree>
@@ -13249,7 +13291,7 @@
 </p:sld>
 </file>
 
-<file path=ppt/slides/slide25.xml><?xml version="1.0" encoding="utf-8"?>
+<file path=ppt/slides/slide26.xml><?xml version="1.0" encoding="utf-8"?>
 <p:sld xmlns:a="http://schemas.openxmlformats.org/drawingml/2006/main" xmlns:r="http://schemas.openxmlformats.org/officeDocument/2006/relationships" xmlns:p="http://schemas.openxmlformats.org/presentationml/2006/main">
   <p:cSld>
     <p:spTree>
@@ -13266,90 +13308,204 @@
           <a:chExt cx="0" cy="0"/>
         </a:xfrm>
       </p:grpSpPr>
-      <p:sp>
-        <p:nvSpPr>
-          <p:cNvPr id="3" name="Текст 2"/>
-          <p:cNvSpPr>
-            <a:spLocks noGrp="1"/>
-          </p:cNvSpPr>
-          <p:nvPr>
-            <p:ph type="body" sz="quarter" idx="15"/>
-          </p:nvPr>
-        </p:nvSpPr>
-        <p:spPr/>
-        <p:txBody>
-          <a:bodyPr/>
-          <a:lstStyle/>
-          <a:p>
-            <a:r>
-              <a:rPr lang="ru-RU" dirty="0" smtClean="0"/>
-              <a:t>Евгений Тихонов</a:t>
-            </a:r>
-            <a:endParaRPr lang="ru-RU" dirty="0"/>
-          </a:p>
-        </p:txBody>
-      </p:sp>
-      <p:sp>
-        <p:nvSpPr>
-          <p:cNvPr id="4" name="Текст 3"/>
-          <p:cNvSpPr>
-            <a:spLocks noGrp="1"/>
-          </p:cNvSpPr>
-          <p:nvPr>
-            <p:ph type="body" sz="quarter" idx="17"/>
-          </p:nvPr>
-        </p:nvSpPr>
-        <p:spPr/>
-        <p:txBody>
-          <a:bodyPr/>
-          <a:lstStyle/>
-          <a:p>
-            <a:endParaRPr lang="ru-RU" dirty="0"/>
-          </a:p>
-        </p:txBody>
-      </p:sp>
-      <p:sp>
-        <p:nvSpPr>
-          <p:cNvPr id="5" name="Текст 4"/>
-          <p:cNvSpPr>
-            <a:spLocks noGrp="1"/>
-          </p:cNvSpPr>
-          <p:nvPr>
-            <p:ph type="body" sz="quarter" idx="18"/>
-          </p:nvPr>
-        </p:nvSpPr>
-        <p:spPr/>
-        <p:txBody>
-          <a:bodyPr/>
-          <a:lstStyle/>
-          <a:p>
-            <a:endParaRPr lang="ru-RU"/>
-          </a:p>
-        </p:txBody>
-      </p:sp>
-      <p:sp>
-        <p:nvSpPr>
-          <p:cNvPr id="6" name="Текст 5"/>
-          <p:cNvSpPr>
-            <a:spLocks noGrp="1"/>
-          </p:cNvSpPr>
-          <p:nvPr>
-            <p:ph type="body" sz="quarter" idx="19"/>
-          </p:nvPr>
-        </p:nvSpPr>
-        <p:spPr/>
-        <p:txBody>
-          <a:bodyPr/>
-          <a:lstStyle/>
-          <a:p>
-            <a:endParaRPr lang="ru-RU"/>
-          </a:p>
-        </p:txBody>
-      </p:sp>
+      <p:pic>
+        <p:nvPicPr>
+          <p:cNvPr id="9" name="Рисунок 8"/>
+          <p:cNvPicPr>
+            <a:picLocks noChangeAspect="1"/>
+          </p:cNvPicPr>
+          <p:nvPr/>
+        </p:nvPicPr>
+        <p:blipFill>
+          <a:blip r:embed="rId2">
+            <a:extLst>
+              <a:ext uri="{28A0092B-C50C-407E-A947-70E740481C1C}">
+                <a14:useLocalDpi xmlns:a14="http://schemas.microsoft.com/office/drawing/2010/main" val="0"/>
+              </a:ext>
+            </a:extLst>
+          </a:blip>
+          <a:stretch>
+            <a:fillRect/>
+          </a:stretch>
+        </p:blipFill>
+        <p:spPr>
+          <a:xfrm>
+            <a:off x="151055" y="1569793"/>
+            <a:ext cx="6037658" cy="2130938"/>
+          </a:xfrm>
+          <a:prstGeom prst="rect">
+            <a:avLst/>
+          </a:prstGeom>
+        </p:spPr>
+      </p:pic>
+      <p:pic>
+        <p:nvPicPr>
+          <p:cNvPr id="10" name="Рисунок 9"/>
+          <p:cNvPicPr>
+            <a:picLocks noChangeAspect="1"/>
+          </p:cNvPicPr>
+          <p:nvPr/>
+        </p:nvPicPr>
+        <p:blipFill>
+          <a:blip r:embed="rId3">
+            <a:extLst>
+              <a:ext uri="{28A0092B-C50C-407E-A947-70E740481C1C}">
+                <a14:useLocalDpi xmlns:a14="http://schemas.microsoft.com/office/drawing/2010/main" val="0"/>
+              </a:ext>
+            </a:extLst>
+          </a:blip>
+          <a:stretch>
+            <a:fillRect/>
+          </a:stretch>
+        </p:blipFill>
+        <p:spPr>
+          <a:xfrm>
+            <a:off x="715991" y="1092340"/>
+            <a:ext cx="5345779" cy="1292812"/>
+          </a:xfrm>
+          <a:prstGeom prst="rect">
+            <a:avLst/>
+          </a:prstGeom>
+        </p:spPr>
+      </p:pic>
+      <p:pic>
+        <p:nvPicPr>
+          <p:cNvPr id="11" name="Рисунок 10"/>
+          <p:cNvPicPr>
+            <a:picLocks noChangeAspect="1"/>
+          </p:cNvPicPr>
+          <p:nvPr/>
+        </p:nvPicPr>
+        <p:blipFill>
+          <a:blip r:embed="rId4">
+            <a:extLst>
+              <a:ext uri="{28A0092B-C50C-407E-A947-70E740481C1C}">
+                <a14:useLocalDpi xmlns:a14="http://schemas.microsoft.com/office/drawing/2010/main" val="0"/>
+              </a:ext>
+            </a:extLst>
+          </a:blip>
+          <a:stretch>
+            <a:fillRect/>
+          </a:stretch>
+        </p:blipFill>
+        <p:spPr>
+          <a:xfrm>
+            <a:off x="391870" y="2544457"/>
+            <a:ext cx="8957272" cy="2031127"/>
+          </a:xfrm>
+          <a:prstGeom prst="rect">
+            <a:avLst/>
+          </a:prstGeom>
+        </p:spPr>
+      </p:pic>
+      <p:pic>
+        <p:nvPicPr>
+          <p:cNvPr id="12" name="Рисунок 11"/>
+          <p:cNvPicPr>
+            <a:picLocks noChangeAspect="1"/>
+          </p:cNvPicPr>
+          <p:nvPr/>
+        </p:nvPicPr>
+        <p:blipFill>
+          <a:blip r:embed="rId5">
+            <a:extLst>
+              <a:ext uri="{28A0092B-C50C-407E-A947-70E740481C1C}">
+                <a14:useLocalDpi xmlns:a14="http://schemas.microsoft.com/office/drawing/2010/main" val="0"/>
+              </a:ext>
+            </a:extLst>
+          </a:blip>
+          <a:stretch>
+            <a:fillRect/>
+          </a:stretch>
+        </p:blipFill>
+        <p:spPr>
+          <a:xfrm>
+            <a:off x="374616" y="3423592"/>
+            <a:ext cx="7705281" cy="2079698"/>
+          </a:xfrm>
+          <a:prstGeom prst="rect">
+            <a:avLst/>
+          </a:prstGeom>
+        </p:spPr>
+      </p:pic>
     </p:spTree>
     <p:extLst>
       <p:ext uri="{BB962C8B-B14F-4D97-AF65-F5344CB8AC3E}">
-        <p14:creationId xmlns:p14="http://schemas.microsoft.com/office/powerpoint/2010/main" val="3681795365"/>
+        <p14:creationId xmlns:p14="http://schemas.microsoft.com/office/powerpoint/2010/main" val="4147976465"/>
+      </p:ext>
+    </p:extLst>
+  </p:cSld>
+  <p:clrMapOvr>
+    <a:masterClrMapping/>
+  </p:clrMapOvr>
+  <p:timing>
+    <p:tnLst>
+      <p:par>
+        <p:cTn id="1" dur="indefinite" restart="never" nodeType="tmRoot"/>
+      </p:par>
+    </p:tnLst>
+  </p:timing>
+</p:sld>
+</file>
+
+<file path=ppt/slides/slide27.xml><?xml version="1.0" encoding="utf-8"?>
+<p:sld xmlns:a="http://schemas.openxmlformats.org/drawingml/2006/main" xmlns:r="http://schemas.openxmlformats.org/officeDocument/2006/relationships" xmlns:p="http://schemas.openxmlformats.org/presentationml/2006/main">
+  <p:cSld>
+    <p:spTree>
+      <p:nvGrpSpPr>
+        <p:cNvPr id="1" name=""/>
+        <p:cNvGrpSpPr/>
+        <p:nvPr/>
+      </p:nvGrpSpPr>
+      <p:grpSpPr>
+        <a:xfrm>
+          <a:off x="0" y="0"/>
+          <a:ext cx="0" cy="0"/>
+          <a:chOff x="0" y="0"/>
+          <a:chExt cx="0" cy="0"/>
+        </a:xfrm>
+      </p:grpSpPr>
+      <p:pic>
+        <p:nvPicPr>
+          <p:cNvPr id="5" name="Picture 223" descr="17-min.pdf"/>
+          <p:cNvPicPr>
+            <a:picLocks noChangeAspect="1"/>
+          </p:cNvPicPr>
+          <p:nvPr/>
+        </p:nvPicPr>
+        <p:blipFill>
+          <a:blip r:embed="rId2" cstate="print">
+            <a:duotone>
+              <a:schemeClr val="accent1">
+                <a:shade val="45000"/>
+                <a:satMod val="135000"/>
+              </a:schemeClr>
+              <a:prstClr val="white"/>
+            </a:duotone>
+            <a:extLst>
+              <a:ext uri="{28A0092B-C50C-407E-A947-70E740481C1C}">
+                <a14:useLocalDpi xmlns:a14="http://schemas.microsoft.com/office/drawing/2010/main" val="0"/>
+              </a:ext>
+            </a:extLst>
+          </a:blip>
+          <a:stretch>
+            <a:fillRect/>
+          </a:stretch>
+        </p:blipFill>
+        <p:spPr>
+          <a:xfrm>
+            <a:off x="2666981" y="1472224"/>
+            <a:ext cx="3552665" cy="3552665"/>
+          </a:xfrm>
+          <a:prstGeom prst="rect">
+            <a:avLst/>
+          </a:prstGeom>
+        </p:spPr>
+      </p:pic>
+    </p:spTree>
+    <p:extLst>
+      <p:ext uri="{BB962C8B-B14F-4D97-AF65-F5344CB8AC3E}">
+        <p14:creationId xmlns:p14="http://schemas.microsoft.com/office/powerpoint/2010/main" val="2745903965"/>
       </p:ext>
     </p:extLst>
   </p:cSld>
